--- a/BusinessAdjectives3.pptx
+++ b/BusinessAdjectives3.pptx
@@ -255,7 +255,7 @@
             <a:spLocks noGrp="1" noChangeArrowheads="1"/>
             <a:extLst>
               <a:ext uri="smNativeData">
-                <pr:smNativeData xmlns:pr="smNativeData" val="SMDATA_13_VnXdZRMAAAAlAAAAZAAAAA8BAAAAkAAAAEgAAACQAAAASAAAAAAAAAABAAAAAAAAAAEAAABQAAAAAAAAAAAA4D8AAAAAAADgPwAAAAAAAOA/AAAAAAAA4D8AAAAAAADgPwAAAAAAAOA/AAAAAAAA4D8AAAAAAADgPwAAAAAAAOA/AAAAAAAA4D8CAAAAjAAAAAAAAAAAAAAAu+DjDP///wgAAAAAAAAAAAAAAAAAAAAAAAAAAAAAAAAAAAAAZAAAAAEAAABAAAAAAAAAAAAAAAAAAAAAAAAAAAAAAAAAAAAAAAAAAAAAAAAAAAAAAAAAAAAAAAAAAAAAAAAAAAAAAAAAAAAAAAAAAAAAAAAAAAAAAAAAAAAAAAAAAAAAFAAAADwAAAAAAAAAAAAAAAAAAAkUAAAAAQAAABQAAAAUAAAAFAAAAAEAAAAAAAAAZAAAAGQAAAAAAAAAZAAAAGQAAAAVAAAAYAAAAAAAAAAAAAAADwAAACADAAAAAAAAAAAAAAEAAACgMgAAVgcAAKr4//8BAAAAf39/AAEAAABkAAAAAAAAABQAAABAHwAAAAAAACYAAAAAAAAAwOD//wAAAAAmAAAAZAAAABYAAABMAAAAAAAAAAAAAAAEAAAAAAAAAAEAAACAgIAKAAAAACgAAAAoAAAAZAAAAGQAAAAAAAAAzMzMAAAAAABQAAAAUAAAAGQAAABkAAAAAAAAABcAAAAUAAAAAAAAAAAAAAD/fwAA/38AAAAAAAAJAAAABAAAAAAAAAAMAAAAEAAAAAAAAAAAAAAAAAAAAAAAAAAeAAAAaAAAAAAAAAAAAAAAAAAAAAAAAAAAAAAAECcAABAnAAAAAAAAAAAAAAAAAAAAAAAAAAAAAAAAAAAAAAAAAAAAABQAAAAAAAAAwMD/AAAAAABkAAAAMgAAAAAAAABkAAAAAAAAAH9/fwAKAAAAHwAAAFQAAAAAAAAFAAAAAQAAAAAAAAAAAAAAAAAAAAAAAAAAAAAAAAAAAAAAAAAAAAAAAn9/fwAAAAADzMzMAMDA/wB/f38AAAAAAAAAAAAAAAAAAAAAAAAAAAAhAAAAGAAAABQAAAA4BAAAGg0AAAg0AAAmFgAAEAAAACYAAAAIAAAAAQAAAAAAAAA="/>
+                <pr:smNativeData xmlns:pr="smNativeData" val="SMDATA_13_QBrgZRMAAAAlAAAAZAAAAA8BAAAAkAAAAEgAAACQAAAASAAAAAAAAAABAAAAAAAAAAEAAABQAAAAAAAAAAAA4D8AAAAAAADgPwAAAAAAAOA/AAAAAAAA4D8AAAAAAADgPwAAAAAAAOA/AAAAAAAA4D8AAAAAAADgPwAAAAAAAOA/AAAAAAAA4D8CAAAAjAAAAAAAAAAAAAAAu+DjDP///wgAAAAAAAAAAAAAAAAAAAAAAAAAAAAAAAAAAAAAZAAAAAEAAABAAAAAAAAAAAAAAAAAAAAAAAAAAAAAAAAAAAAAAAAAAAAAAAAAAAAAAAAAAAAAAAAAAAAAAAAAAAAAAAAAAAAAAAAAAAAAAAAAAAAAAAAAAAAAAAAAAAAAFAAAADwAAAAAAAAAAAAAAAAAAAkUAAAAAQAAABQAAAAUAAAAFAAAAAEAAAAAAAAAZAAAAGQAAAAAAAAAZAAAAGQAAAAVAAAAYAAAAAAAAAAAAAAADwAAACADAAAAAAAAAAAAAAEAAACgMgAAVgcAAKr4//8BAAAAf39/AAEAAABkAAAAAAAAABQAAABAHwAAAAAAACYAAAAAAAAAwOD//wAAAAAmAAAAZAAAABYAAABMAAAAAAAAAAAAAAAEAAAAAAAAAAEAAACAgIAKAAAAACgAAAAoAAAAZAAAAGQAAAAAAAAAzMzMAAAAAABQAAAAUAAAAGQAAABkAAAAAAAAABcAAAAUAAAAAAAAAAAAAAD/fwAA/38AAAAAAAAJAAAABAAAAAAAAAAMAAAAEAAAAAAAAAAAAAAAAAAAAAAAAAAeAAAAaAAAAAAAAAAAAAAAAAAAAAAAAAAAAAAAECcAABAnAAAAAAAAAAAAAAAAAAAAAAAAAAAAAAAAAAAAAAAAAAAAABQAAAAAAAAAwMD/AAAAAABkAAAAMgAAAAAAAABkAAAAAAAAAH9/fwAKAAAAHwAAAFQAAAAAAAAFAAAAAQAAAAAAAAAAAAAAAAAAAAAAAAAAAAAAAAAAAAAAAAAAAAAAAn9/fwAAAAADzMzMAMDA/wB/f38AAAAAAAAAAAAAAAAAAAAAAAAAAAAhAAAAGAAAABQAAAA4BAAAGg0AAAg0AAAmFgAAEAAAACYAAAAIAAAAAQAAAAAAAAA="/>
               </a:ext>
             </a:extLst>
           </p:cNvSpPr>
@@ -287,7 +287,7 @@
             <a:spLocks noGrp="1" noChangeArrowheads="1"/>
             <a:extLst>
               <a:ext uri="smNativeData">
-                <pr:smNativeData xmlns:pr="smNativeData" val="SMDATA_13_VnXdZRMAAAAlAAAAZAAAAA8BAAAAkAAAAEgAAACQAAAASAAAAAAAAAAAAAAAAAAAAAEAAABQAAAAAAAAAAAA4D8AAAAAAADgPwAAAAAAAOA/AAAAAAAA4D8AAAAAAADgPwAAAAAAAOA/AAAAAAAA4D8AAAAAAADgPwAAAAAAAOA/AAAAAAAA4D8CAAAAjAAAAAAAAAAAAAAAu+DjDP///wgAAAAAAAAAAAAAAAAAAAAAAAAAAAAAAAAAAAAAZAAAAAEAAABAAAAAAAAAAAAAAAAAAAAAAAAAAAAAAAAAAAAAAAAAAAAAAAAAAAAAAAAAAAAAAAAAAAAAAAAAAAAAAAAAAAAAAAAAAAAAAAAAAAAAAAAAAAAAAAAAAAAAFAAAADwAAAAAAAAAAAAAAAAAAAkUAAAAAQAAABQAAAAUAAAAFAAAAAEAAAAAAAAAZAAAAGQAAAAAAAAAZAAAAGQAAAAVAAAAYAAAAAAAAAAAAAAADwAAACADAAAAAAAAAAAAAAEAAACgMgAAVgcAAKr4//8BAAAAf39/AAEAAABkAAAAAAAAABQAAABAHwAAAAAAACYAAAAAAAAAwOD//wAAAAAmAAAAZAAAABYAAABMAAAAAAAAAAAAAAAEAAAAAAAAAAEAAACAgIAKAAAAACgAAAAoAAAAZAAAAGQAAAAAAAAAzMzMAAAAAABQAAAAUAAAAGQAAABkAAAAAAAAABcAAAAUAAAAAAAAAAAAAAD/fwAA/38AAAAAAAAJAAAABAAAAAAAAAAMAAAAEAAAAAAAAAAAAAAAAAAAAAAAAAAeAAAAaAAAAAAAAAAAAAAAAAAAAAAAAAAAAAAAECcAABAnAAAAAAAAAAAAAAAAAAAAAAAAAAAAAAAAAAAAAAAAAAAAABQAAAAAAAAAwMD/AAAAAABkAAAAMgAAAAAAAABkAAAAAAAAAH9/fwAKAAAAHwAAAFQAAAAAAAAFAAAAAQAAAAAAAAAAAAAAAAAAAAAAAAAAAAAAAAAAAAAAAAAAAAAAAn9/fwAAAAADzMzMAMDA/wB/f38AAAAAAAAAAAAAAAAAAAAAAAAAAAAhAAAAGAAAABQAAABwCAAA6BcAANAvAACwIgAAEAAAACYAAAAIAAAAAYAAAAAAAAA="/>
+                <pr:smNativeData xmlns:pr="smNativeData" val="SMDATA_13_QBrgZRMAAAAlAAAAZAAAAA8BAAAAkAAAAEgAAACQAAAASAAAAAAAAAAAAAAAAAAAAAEAAABQAAAAAAAAAAAA4D8AAAAAAADgPwAAAAAAAOA/AAAAAAAA4D8AAAAAAADgPwAAAAAAAOA/AAAAAAAA4D8AAAAAAADgPwAAAAAAAOA/AAAAAAAA4D8CAAAAjAAAAAAAAAAAAAAAu+DjDP///wgAAAAAAAAAAAAAAAAAAAAAAAAAAAAAAAAAAAAAZAAAAAEAAABAAAAAAAAAAAAAAAAAAAAAAAAAAAAAAAAAAAAAAAAAAAAAAAAAAAAAAAAAAAAAAAAAAAAAAAAAAAAAAAAAAAAAAAAAAAAAAAAAAAAAAAAAAAAAAAAAAAAAFAAAADwAAAAAAAAAAAAAAAAAAAkUAAAAAQAAABQAAAAUAAAAFAAAAAEAAAAAAAAAZAAAAGQAAAAAAAAAZAAAAGQAAAAVAAAAYAAAAAAAAAAAAAAADwAAACADAAAAAAAAAAAAAAEAAACgMgAAVgcAAKr4//8BAAAAf39/AAEAAABkAAAAAAAAABQAAABAHwAAAAAAACYAAAAAAAAAwOD//wAAAAAmAAAAZAAAABYAAABMAAAAAAAAAAAAAAAEAAAAAAAAAAEAAACAgIAKAAAAACgAAAAoAAAAZAAAAGQAAAAAAAAAzMzMAAAAAABQAAAAUAAAAGQAAABkAAAAAAAAABcAAAAUAAAAAAAAAAAAAAD/fwAA/38AAAAAAAAJAAAABAAAAAAAAAAMAAAAEAAAAAAAAAAAAAAAAAAAAAAAAAAeAAAAaAAAAAAAAAAAAAAAAAAAAAAAAAAAAAAAECcAABAnAAAAAAAAAAAAAAAAAAAAAAAAAAAAAAAAAAAAAAAAAAAAABQAAAAAAAAAwMD/AAAAAABkAAAAMgAAAAAAAABkAAAAAAAAAH9/fwAKAAAAHwAAAFQAAAAAAAAFAAAAAQAAAAAAAAAAAAAAAAAAAAAAAAAAAAAAAAAAAAAAAAAAAAAAAn9/fwAAAAADzMzMAMDA/wB/f38AAAAAAAAAAAAAAAAAAAAAAAAAAAAhAAAAGAAAABQAAABwCAAA6BcAANAvAACwIgAAEAAAACYAAAAIAAAAAYAAAAAAAAA="/>
               </a:ext>
             </a:extLst>
           </p:cNvSpPr>
@@ -347,7 +347,7 @@
             <a:spLocks noGrp="1" noChangeArrowheads="1"/>
             <a:extLst>
               <a:ext uri="smNativeData">
-                <pr:smNativeData xmlns:pr="smNativeData" val="SMDATA_13_VnXdZRMAAAAlAAAAZAAAAA8BAAAAkAAAAEgAAACQAAAASAAAAAAAAAABAAAAAAAAAAEAAABQAAAAAAAAAAAA4D8AAAAAAADgPwAAAAAAAOA/AAAAAAAA4D8AAAAAAADgPwAAAAAAAOA/AAAAAAAA4D8AAAAAAADgPwAAAAAAAOA/AAAAAAAA4D8CAAAAjAAAAAAAAAAAAAAAu+DjDP///wgAAAAAAAAAAAAAAAAAAAAAAAAAAAAAAAAAAAAAZAAAAAEAAABAAAAAAAAAAAAAAAAAAAAAAAAAAAAAAAAAAAAAAAAAAAAAAAAAAAAAAAAAAAAAAAAAAAAAAAAAAAAAAAAAAAAAAAAAAAAAAAAAAAAAAAAAAAAAAAAAAAAAFAAAADwAAAAAAAAAAAAAAAAAAAkUAAAAAQAAABQAAAAUAAAAFAAAAAEAAAAAAAAAZAAAAGQAAAAAAAAAZAAAAGQAAAAVAAAAYAAAAAAAAAAAAAAADwAAACADAAAAAAAAAAAAAAEAAACgMgAAVgcAAKr4//8BAAAAf39/AAEAAABkAAAAAAAAABQAAABAHwAAAAAAACYAAAAAAAAAwOD//wAAAAAmAAAAZAAAABYAAABMAAAAAAAAAAAAAAAEAAAAAAAAAAEAAACAgIAKAAAAACgAAAAoAAAAZAAAAGQAAAAAAAAAzMzMAAAAAABQAAAAUAAAAGQAAABkAAAAAAAAABcAAAAUAAAAAAAAAAAAAAD/fwAA/38AAAAAAAAJAAAABAAAAAAAAAAMAAAAEAAAAAAAAAAAAAAAAAAAAAAAAAAeAAAAaAAAAAAAAAAAAAAAAAAAAAAAAAAAAAAAECcAABAnAAAAAAAAAAAAAAAAAAAAAAAAAAAAAAAAAAAAAAAAAAAAABQAAAAAAAAAwMD/AAAAAABkAAAAMgAAAAAAAABkAAAAAAAAAH9/fwAKAAAAHwAAAFQAAAAAAAAFAAAAAQAAAAAAAAAAAAAAAAAAAAAAAAAAAAAAAAAAAAAAAAAAAAAAAn9/fwAAAAADzMzMAMDA/wB/f38AAAAAAAAAAAAAAAAAAAAAAAAAAAAhAAAAGAAAABQAAADQAgAAGycAAPAPAABZKQAAEAAAACYAAAAIAAAAAAAAAAAAAAA="/>
+                <pr:smNativeData xmlns:pr="smNativeData" val="SMDATA_13_QBrgZRMAAAAlAAAAZAAAAA8BAAAAkAAAAEgAAACQAAAASAAAAAAAAAABAAAAAAAAAAEAAABQAAAAAAAAAAAA4D8AAAAAAADgPwAAAAAAAOA/AAAAAAAA4D8AAAAAAADgPwAAAAAAAOA/AAAAAAAA4D8AAAAAAADgPwAAAAAAAOA/AAAAAAAA4D8CAAAAjAAAAAAAAAAAAAAAu+DjDP///wgAAAAAAAAAAAAAAAAAAAAAAAAAAAAAAAAAAAAAZAAAAAEAAABAAAAAAAAAAAAAAAAAAAAAAAAAAAAAAAAAAAAAAAAAAAAAAAAAAAAAAAAAAAAAAAAAAAAAAAAAAAAAAAAAAAAAAAAAAAAAAAAAAAAAAAAAAAAAAAAAAAAAFAAAADwAAAAAAAAAAAAAAAAAAAkUAAAAAQAAABQAAAAUAAAAFAAAAAEAAAAAAAAAZAAAAGQAAAAAAAAAZAAAAGQAAAAVAAAAYAAAAAAAAAAAAAAADwAAACADAAAAAAAAAAAAAAEAAACgMgAAVgcAAKr4//8BAAAAf39/AAEAAABkAAAAAAAAABQAAABAHwAAAAAAACYAAAAAAAAAwOD//wAAAAAmAAAAZAAAABYAAABMAAAAAAAAAAAAAAAEAAAAAAAAAAEAAACAgIAKAAAAACgAAAAoAAAAZAAAAGQAAAAAAAAAzMzMAAAAAABQAAAAUAAAAGQAAABkAAAAAAAAABcAAAAUAAAAAAAAAAAAAAD/fwAA/38AAAAAAAAJAAAABAAAAAAAAAAMAAAAEAAAAAAAAAAAAAAAAAAAAAAAAAAeAAAAaAAAAAAAAAAAAAAAAAAAAAAAAAAAAAAAECcAABAnAAAAAAAAAAAAAAAAAAAAAAAAAAAAAAAAAAAAAAAAAAAAABQAAAAAAAAAwMD/AAAAAABkAAAAMgAAAAAAAABkAAAAAAAAAH9/fwAKAAAAHwAAAFQAAAAAAAAFAAAAAQAAAAAAAAAAAAAAAAAAAAAAAAAAAAAAAAAAAAAAAAAAAAAAAn9/fwAAAAADzMzMAMDA/wB/f38AAAAAAAAAAAAAAAAAAAAAAAAAAAAhAAAAGAAAABQAAADQAgAAGycAAPAPAABZKQAAEAAAACYAAAAIAAAAAAAAAAAAAAA="/>
               </a:ext>
             </a:extLst>
           </p:cNvSpPr>
@@ -361,7 +361,7 @@
           <a:lstStyle/>
           <a:p>
             <a:pPr/>
-            <a:fld id="{3FF73A34-7AD2-A2CC-9C4F-8C9974016AD9}" type="datetime1">
+            <a:fld id="{3F828CD7-99D2-D77A-9C3A-6F2FC2746A3A}" type="datetime1">
               <a:t/>
             </a:fld>
           </a:p>
@@ -374,7 +374,7 @@
             <a:spLocks noGrp="1" noChangeArrowheads="1"/>
             <a:extLst>
               <a:ext uri="smNativeData">
-                <pr:smNativeData xmlns:pr="smNativeData" val="SMDATA_13_VnXdZRMAAAAlAAAAZAAAAA8BAAAAkAAAAEgAAACQAAAASAAAAAAAAAABAAAAAAAAAAEAAABQAAAAAAAAAAAA4D8AAAAAAADgPwAAAAAAAOA/AAAAAAAA4D8AAAAAAADgPwAAAAAAAOA/AAAAAAAA4D8AAAAAAADgPwAAAAAAAOA/AAAAAAAA4D8CAAAAjAAAAAAAAAAAAAAAu+DjDP///wgAAAAAAAAAAAAAAAAAAAAAAAAAAAAAAAAAAAAAZAAAAAEAAABAAAAAAAAAAAAAAAAAAAAAAAAAAAAAAAAAAAAAAAAAAAAAAAAAAAAAAAAAAAAAAAAAAAAAAAAAAAAAAAAAAAAAAAAAAAAAAAAAAAAAAAAAAAAAAAAAAAAAFAAAADwAAAAAAAAAAAAAAAAAAAkUAAAAAQAAABQAAAAUAAAAFAAAAAEAAAAAAAAAZAAAAGQAAAAAAAAAZAAAAGQAAAAVAAAAYAAAAAAAAAAAAAAADwAAACADAAAAAAAAAAAAAAEAAACgMgAAVgcAAKr4//8BAAAAf39/AAEAAABkAAAAAAAAABQAAABAHwAAAAAAACYAAAAAAAAAwOD//wAAAAAmAAAAZAAAABYAAABMAAAAAAAAAAAAAAAEAAAAAAAAAAEAAACAgIAKAAAAACgAAAAoAAAAZAAAAGQAAAAAAAAAzMzMAAAAAABQAAAAUAAAAGQAAABkAAAAAAAAABcAAAAUAAAAAAAAAAAAAAD/fwAA/38AAAAAAAAJAAAABAAAAAAAAAAMAAAAEAAAAAAAAAAAAAAAAAAAAAAAAAAeAAAAaAAAAAAAAAAAAAAAAAAAAAAAAAAAAAAAECcAABAnAAAAAAAAAAAAAAAAAAAAAAAAAAAAAAAAAAAAAAAAAAAAABQAAAAAAAAAwMD/AAAAAABkAAAAMgAAAAAAAABkAAAAAAAAAH9/fwAKAAAAHwAAAFQAAAAAAAAFAAAAAQAAAAAAAAAAAAAAAAAAAAAAAAAAAAAAAAAAAAAAAAAAAAAAAn9/fwAAAAADzMzMAMDA/wB/f38AAAAAAAAAAAAAAAAAAAAAAAAAAAAhAAAAGAAAABQAAAA4EwAAGycAAAglAABZKQAAEAAAACYAAAAIAAAAAAAAAAAAAAA="/>
+                <pr:smNativeData xmlns:pr="smNativeData" val="SMDATA_13_QBrgZRMAAAAlAAAAZAAAAA8BAAAAkAAAAEgAAACQAAAASAAAAAAAAAABAAAAAAAAAAEAAABQAAAAAAAAAAAA4D8AAAAAAADgPwAAAAAAAOA/AAAAAAAA4D8AAAAAAADgPwAAAAAAAOA/AAAAAAAA4D8AAAAAAADgPwAAAAAAAOA/AAAAAAAA4D8CAAAAjAAAAAAAAAAAAAAAu+DjDP///wgAAAAAAAAAAAAAAAAAAAAAAAAAAAAAAAAAAAAAZAAAAAEAAABAAAAAAAAAAAAAAAAAAAAAAAAAAAAAAAAAAAAAAAAAAAAAAAAAAAAAAAAAAAAAAAAAAAAAAAAAAAAAAAAAAAAAAAAAAAAAAAAAAAAAAAAAAAAAAAAAAAAAFAAAADwAAAAAAAAAAAAAAAAAAAkUAAAAAQAAABQAAAAUAAAAFAAAAAEAAAAAAAAAZAAAAGQAAAAAAAAAZAAAAGQAAAAVAAAAYAAAAAAAAAAAAAAADwAAACADAAAAAAAAAAAAAAEAAACgMgAAVgcAAKr4//8BAAAAf39/AAEAAABkAAAAAAAAABQAAABAHwAAAAAAACYAAAAAAAAAwOD//wAAAAAmAAAAZAAAABYAAABMAAAAAAAAAAAAAAAEAAAAAAAAAAEAAACAgIAKAAAAACgAAAAoAAAAZAAAAGQAAAAAAAAAzMzMAAAAAABQAAAAUAAAAGQAAABkAAAAAAAAABcAAAAUAAAAAAAAAAAAAAD/fwAA/38AAAAAAAAJAAAABAAAAAAAAAAMAAAAEAAAAAAAAAAAAAAAAAAAAAAAAAAeAAAAaAAAAAAAAAAAAAAAAAAAAAAAAAAAAAAAECcAABAnAAAAAAAAAAAAAAAAAAAAAAAAAAAAAAAAAAAAAAAAAAAAABQAAAAAAAAAwMD/AAAAAABkAAAAMgAAAAAAAABkAAAAAAAAAH9/fwAKAAAAHwAAAFQAAAAAAAAFAAAAAQAAAAAAAAAAAAAAAAAAAAAAAAAAAAAAAAAAAAAAAAAAAAAAAn9/fwAAAAADzMzMAMDA/wB/f38AAAAAAAAAAAAAAAAAAAAAAAAAAAAhAAAAGAAAABQAAAA4EwAAGycAAAglAABZKQAAEAAAACYAAAAIAAAAAAAAAAAAAAA="/>
               </a:ext>
             </a:extLst>
           </p:cNvSpPr>
@@ -398,7 +398,7 @@
             <a:spLocks noGrp="1" noChangeArrowheads="1"/>
             <a:extLst>
               <a:ext uri="smNativeData">
-                <pr:smNativeData xmlns:pr="smNativeData" val="SMDATA_13_VnXdZRMAAAAlAAAAZAAAAA8BAAAAkAAAAEgAAACQAAAASAAAAAAAAAABAAAAAAAAAAEAAABQAAAAAAAAAAAA4D8AAAAAAADgPwAAAAAAAOA/AAAAAAAA4D8AAAAAAADgPwAAAAAAAOA/AAAAAAAA4D8AAAAAAADgPwAAAAAAAOA/AAAAAAAA4D8CAAAAjAAAAAAAAAAAAAAAu+DjDP///wgAAAAAAAAAAAAAAAAAAAAAAAAAAAAAAAAAAAAAZAAAAAEAAABAAAAAAAAAAAAAAAAAAAAAAAAAAAAAAAAAAAAAAAAAAAAAAAAAAAAAAAAAAAAAAAAAAAAAAAAAAAAAAAAAAAAAAAAAAAAAAAAAAAAAAAAAAAAAAAAAAAAAFAAAADwAAAAAAAAAAAAAAAAAAAkUAAAAAQAAABQAAAAUAAAAFAAAAAEAAAAAAAAAZAAAAGQAAAAAAAAAZAAAAGQAAAAVAAAAYAAAAAAAAAAAAAAADwAAACADAAAAAAAAAAAAAAEAAACgMgAAVgcAAKr4//8BAAAAf39/AAEAAABkAAAAAAAAABQAAABAHwAAAAAAACYAAAAAAAAAwOD//wAAAAAmAAAAZAAAABYAAABMAAAAAAAAAAAAAAAEAAAAAAAAAAEAAACAgIAKAAAAACgAAAAoAAAAZAAAAGQAAAAAAAAAzMzMAAAAAABQAAAAUAAAAGQAAABkAAAAAAAAABcAAAAUAAAAAAAAAAAAAAD/fwAA/38AAAAAAAAJAAAABAAAAAAAAAAMAAAAEAAAAAAAAAAAAAAAAAAAAAAAAAAeAAAAaAAAAAAAAAAAAAAAAAAAAAAAAAAAAAAAECcAABAnAAAAAAAAAAAAAAAAAAAAAAAAAAAAAAAAAAAAAAAAAAAAABQAAAAAAAAAwMD/AAAAAABkAAAAMgAAAAAAAABkAAAAAAAAAH9/fwAKAAAAHwAAAFQAAAAAAAAFAAAAAQAAAAAAAAAAAAAAAAAAAAAAAAAAAAAAAAAAAAAAAAAAAAAAAn9/fwAAAAADzMzMAMDA/wB/f38AAAAAAAAAAAAAAAAAAAAAAAAAAAAhAAAAGAAAABQAAABQKAAAGycAAHA1AABZKQAAEAAAACYAAAAIAAAAAAAAAAAAAAA="/>
+                <pr:smNativeData xmlns:pr="smNativeData" val="SMDATA_13_QBrgZRMAAAAlAAAAZAAAAA8BAAAAkAAAAEgAAACQAAAASAAAAAAAAAABAAAAAAAAAAEAAABQAAAAAAAAAAAA4D8AAAAAAADgPwAAAAAAAOA/AAAAAAAA4D8AAAAAAADgPwAAAAAAAOA/AAAAAAAA4D8AAAAAAADgPwAAAAAAAOA/AAAAAAAA4D8CAAAAjAAAAAAAAAAAAAAAu+DjDP///wgAAAAAAAAAAAAAAAAAAAAAAAAAAAAAAAAAAAAAZAAAAAEAAABAAAAAAAAAAAAAAAAAAAAAAAAAAAAAAAAAAAAAAAAAAAAAAAAAAAAAAAAAAAAAAAAAAAAAAAAAAAAAAAAAAAAAAAAAAAAAAAAAAAAAAAAAAAAAAAAAAAAAFAAAADwAAAAAAAAAAAAAAAAAAAkUAAAAAQAAABQAAAAUAAAAFAAAAAEAAAAAAAAAZAAAAGQAAAAAAAAAZAAAAGQAAAAVAAAAYAAAAAAAAAAAAAAADwAAACADAAAAAAAAAAAAAAEAAACgMgAAVgcAAKr4//8BAAAAf39/AAEAAABkAAAAAAAAABQAAABAHwAAAAAAACYAAAAAAAAAwOD//wAAAAAmAAAAZAAAABYAAABMAAAAAAAAAAAAAAAEAAAAAAAAAAEAAACAgIAKAAAAACgAAAAoAAAAZAAAAGQAAAAAAAAAzMzMAAAAAABQAAAAUAAAAGQAAABkAAAAAAAAABcAAAAUAAAAAAAAAAAAAAD/fwAA/38AAAAAAAAJAAAABAAAAAAAAAAMAAAAEAAAAAAAAAAAAAAAAAAAAAAAAAAeAAAAaAAAAAAAAAAAAAAAAAAAAAAAAAAAAAAAECcAABAnAAAAAAAAAAAAAAAAAAAAAAAAAAAAAAAAAAAAAAAAAAAAABQAAAAAAAAAwMD/AAAAAABkAAAAMgAAAAAAAABkAAAAAAAAAH9/fwAKAAAAHwAAAFQAAAAAAAAFAAAAAQAAAAAAAAAAAAAAAAAAAAAAAAAAAAAAAAAAAAAAAAAAAAAAAn9/fwAAAAADzMzMAMDA/wB/f38AAAAAAAAAAAAAAAAAAAAAAAAAAAAhAAAAGAAAABQAAABQKAAAGycAAHA1AABZKQAAEAAAACYAAAAIAAAAAAAAAAAAAAA="/>
               </a:ext>
             </a:extLst>
           </p:cNvSpPr>
@@ -412,7 +412,7 @@
           <a:lstStyle/>
           <a:p>
             <a:pPr/>
-            <a:fld id="{3FF71893-DDD2-A2EE-9C4F-2BBB56016A7E}" type="slidenum">
+            <a:fld id="{3F828E07-49D2-D778-9C3A-BF2DC0746AEA}" type="slidenum">
               <a:t/>
             </a:fld>
           </a:p>
@@ -450,7 +450,7 @@
             <a:spLocks noGrp="1" noChangeArrowheads="1"/>
             <a:extLst>
               <a:ext uri="smNativeData">
-                <pr:smNativeData xmlns:pr="smNativeData" val="SMDATA_13_VnXdZRMAAAAlAAAAZAAAAA8BAAAAkAAAAEgAAACQAAAASAAAAAAAAAABAAAAAAAAAAEAAABQAAAAAAAAAAAA4D8AAAAAAADgPwAAAAAAAOA/AAAAAAAA4D8AAAAAAADgPwAAAAAAAOA/AAAAAAAA4D8AAAAAAADgPwAAAAAAAOA/AAAAAAAA4D8CAAAAjAAAAAAAAAAAAAAAu+DjDP///wgAAAAAAAAAAAAAAAAAAAAAAAAAAAAAAAAAAAAAZAAAAAEAAABAAAAAAAAAAAAAAAAAAAAAAAAAAAAAAAAAAAAAAAAAAAAAAAAAAAAAAAAAAAAAAAAAAAAAAAAAAAAAAAAAAAAAAAAAAAAAAAAAAAAAAAAAAAAAAAAAAAAAFAAAADwAAAAAAAAAAAAAAAAAAAkUAAAAAQAAABQAAAAUAAAAFAAAAAEAAAAAAAAAZAAAAGQAAAAAAAAAZAAAAGQAAAAVAAAAYAAAAAAAAAAAAAAADwAAACADAAAAAAAAAAAAAAEAAACgMgAAVgcAAKr4//8BAAAAf39/AAEAAABkAAAAAAAAABQAAABAHwAAAAAAACYAAAAAAAAAwOD//wAAAAAmAAAAZAAAABYAAABMAAAAAAAAAAAAAAAEAAAAAAAAAAEAAACAgIAKAAAAACgAAAAoAAAAZAAAAGQAAAAAAAAAzMzMAAAAAABQAAAAUAAAAGQAAABkAAAAAAAAABcAAAAUAAAAAAAAAAAAAAD/fwAA/38AAAAAAAAJAAAABAAAAAAAAAAMAAAAEAAAAAAAAAAAAAAAAAAAAAAAAAAeAAAAaAAAAAAAAAAAAAAAAAAAAAAAAAAAAAAAECcAABAnAAAAAAAAAAAAAAAAAAAAAAAAAAAAAAAAAAAAAAAAAAAAABQAAAAAAAAAwMD/AAAAAABkAAAAMgAAAAAAAABkAAAAAAAAAH9/fwAKAAAAHwAAAFQAAAAAAAAFAAAAAQAAAAAAAAAAAAAAAAAAAAAAAAAAAAAAAAAAAAAAAAAAAAAAAn9/fwAAAAADzMzMAMDA/wB/f38AAAAAAAAAAAAAAAAAAAAAAAAAAAAhAAAAGAAAABQAAADQAgAAsAEAAHA1AAC4CAAAEAAAACYAAAAIAAAAAAAAAAAAAAA="/>
+                <pr:smNativeData xmlns:pr="smNativeData" val="SMDATA_13_QBrgZRMAAAAlAAAAZAAAAA8BAAAAkAAAAEgAAACQAAAASAAAAAAAAAABAAAAAAAAAAEAAABQAAAAAAAAAAAA4D8AAAAAAADgPwAAAAAAAOA/AAAAAAAA4D8AAAAAAADgPwAAAAAAAOA/AAAAAAAA4D8AAAAAAADgPwAAAAAAAOA/AAAAAAAA4D8CAAAAjAAAAAAAAAAAAAAAu+DjDP///wgAAAAAAAAAAAAAAAAAAAAAAAAAAAAAAAAAAAAAZAAAAAEAAABAAAAAAAAAAAAAAAAAAAAAAAAAAAAAAAAAAAAAAAAAAAAAAAAAAAAAAAAAAAAAAAAAAAAAAAAAAAAAAAAAAAAAAAAAAAAAAAAAAAAAAAAAAAAAAAAAAAAAFAAAADwAAAAAAAAAAAAAAAAAAAkUAAAAAQAAABQAAAAUAAAAFAAAAAEAAAAAAAAAZAAAAGQAAAAAAAAAZAAAAGQAAAAVAAAAYAAAAAAAAAAAAAAADwAAACADAAAAAAAAAAAAAAEAAACgMgAAVgcAAKr4//8BAAAAf39/AAEAAABkAAAAAAAAABQAAABAHwAAAAAAACYAAAAAAAAAwOD//wAAAAAmAAAAZAAAABYAAABMAAAAAAAAAAAAAAAEAAAAAAAAAAEAAACAgIAKAAAAACgAAAAoAAAAZAAAAGQAAAAAAAAAzMzMAAAAAABQAAAAUAAAAGQAAABkAAAAAAAAABcAAAAUAAAAAAAAAAAAAAD/fwAA/38AAAAAAAAJAAAABAAAAAAAAAAMAAAAEAAAAAAAAAAAAAAAAAAAAAAAAAAeAAAAaAAAAAAAAAAAAAAAAAAAAAAAAAAAAAAAECcAABAnAAAAAAAAAAAAAAAAAAAAAAAAAAAAAAAAAAAAAAAAAAAAABQAAAAAAAAAwMD/AAAAAABkAAAAMgAAAAAAAABkAAAAAAAAAH9/fwAKAAAAHwAAAFQAAAAAAAAFAAAAAQAAAAAAAAAAAAAAAAAAAAAAAAAAAAAAAAAAAAAAAAAAAAAAAn9/fwAAAAADzMzMAMDA/wB/f38AAAAAAAAAAAAAAAAAAAAAAAAAAAAhAAAAGAAAABQAAADQAgAAsAEAAHA1AAC4CAAAEAAAACYAAAAIAAAAAAAAAAAAAAA="/>
               </a:ext>
             </a:extLst>
           </p:cNvSpPr>
@@ -477,7 +477,7 @@
             <a:spLocks noGrp="1" noChangeArrowheads="1"/>
             <a:extLst>
               <a:ext uri="smNativeData">
-                <pr:smNativeData xmlns:pr="smNativeData" val="SMDATA_13_VnXdZRMAAAAlAAAAZAAAAA8BAAAAkAAAAEgAAACQAAAASAAAAAAAAAAAAAAAAQAAAAEAAABQAAAAAAAAAAAA4D8AAAAAAADgPwAAAAAAAOA/AAAAAAAA4D8AAAAAAADgPwAAAAAAAOA/AAAAAAAA4D8AAAAAAADgPwAAAAAAAOA/AAAAAAAA4D8CAAAAjAAAAAAAAAAAAAAAu+DjDP///wgAAAAAAAAAAAAAAAAAAAAAAAAAAAAAAAAAAAAAZAAAAAEAAABAAAAAAAAAAAAAAAAAAAAAAAAAAAAAAAAAAAAAAAAAAAAAAAAAAAAAAAAAAAAAAAAAAAAAAAAAAAAAAAAAAAAAAAAAAAAAAAAAAAAAAAAAAAAAAAAAAAAAFAAAADwAAAAAAAAAAAAAAAAAAAkUAAAAAQAAABQAAAAUAAAAFAAAAAEAAAAAAAAAZAAAAGQAAAAAAAAAZAAAAGQAAAAVAAAAYAAAAAAAAAAAAAAADwAAACADAAAAAAAAAAAAAAEAAACgMgAAVgcAAKr4//8BAAAAf39/AAEAAABkAAAAAAAAABQAAABAHwAAAAAAACYAAAAAAAAAwOD//wAAAAAmAAAAZAAAABYAAABMAAAAAAAAAAAAAAAEAAAAAAAAAAEAAACAgIAKAAAAACgAAAAoAAAAZAAAAGQAAAAAAAAAzMzMAAAAAABQAAAAUAAAAGQAAABkAAAAAAAAABcAAAAUAAAAAAAAAAAAAAD/fwAA/38AAAAAAAAJAAAABAAAAAAAAAAMAAAAEAAAAAAAAAAAAAAAAAAAAAAAAAAeAAAAaAAAAAAAAAAAAAAAAAAAAAAAAAAAAAAAECcAABAnAAAAAAAAAAAAAAAAAAAAAAAAAAAAAAAAAAAAAAAAAAAAABQAAAAAAAAAwMD/AAAAAABkAAAAMgAAAAAAAABkAAAAAAAAAH9/fwAKAAAAHwAAAFQAAAAAAAAFAAAAAQAAAAAAAAAAAAAAAAAAAAAAAAAAAAAAAAAAAAAAAAAAAAAAAn9/fwAAAAADzMzMAMDA/wB/f38AAAAAAAAAAAAAAAAAAAAAAAAAAAAhAAAAGAAAABQAAADQAgAA2AkAAHA1AACwJQAAEAAAACYAAAAIAAAAAgAAAAAAAAA="/>
+                <pr:smNativeData xmlns:pr="smNativeData" val="SMDATA_13_QBrgZRMAAAAlAAAAZAAAAA8BAAAAkAAAAEgAAACQAAAASAAAAAAAAAAAAAAAAQAAAAEAAABQAAAAAAAAAAAA4D8AAAAAAADgPwAAAAAAAOA/AAAAAAAA4D8AAAAAAADgPwAAAAAAAOA/AAAAAAAA4D8AAAAAAADgPwAAAAAAAOA/AAAAAAAA4D8CAAAAjAAAAAAAAAAAAAAAu+DjDP///wgAAAAAAAAAAAAAAAAAAAAAAAAAAAAAAAAAAAAAZAAAAAEAAABAAAAAAAAAAAAAAAAAAAAAAAAAAAAAAAAAAAAAAAAAAAAAAAAAAAAAAAAAAAAAAAAAAAAAAAAAAAAAAAAAAAAAAAAAAAAAAAAAAAAAAAAAAAAAAAAAAAAAFAAAADwAAAAAAAAAAAAAAAAAAAkUAAAAAQAAABQAAAAUAAAAFAAAAAEAAAAAAAAAZAAAAGQAAAAAAAAAZAAAAGQAAAAVAAAAYAAAAAAAAAAAAAAADwAAACADAAAAAAAAAAAAAAEAAACgMgAAVgcAAKr4//8BAAAAf39/AAEAAABkAAAAAAAAABQAAABAHwAAAAAAACYAAAAAAAAAwOD//wAAAAAmAAAAZAAAABYAAABMAAAAAAAAAAAAAAAEAAAAAAAAAAEAAACAgIAKAAAAACgAAAAoAAAAZAAAAGQAAAAAAAAAzMzMAAAAAABQAAAAUAAAAGQAAABkAAAAAAAAABcAAAAUAAAAAAAAAAAAAAD/fwAA/38AAAAAAAAJAAAABAAAAAAAAAAMAAAAEAAAAAAAAAAAAAAAAAAAAAAAAAAeAAAAaAAAAAAAAAAAAAAAAAAAAAAAAAAAAAAAECcAABAnAAAAAAAAAAAAAAAAAAAAAAAAAAAAAAAAAAAAAAAAAAAAABQAAAAAAAAAwMD/AAAAAABkAAAAMgAAAAAAAABkAAAAAAAAAH9/fwAKAAAAHwAAAFQAAAAAAAAFAAAAAQAAAAAAAAAAAAAAAAAAAAAAAAAAAAAAAAAAAAAAAAAAAAAAAn9/fwAAAAADzMzMAMDA/wB/f38AAAAAAAAAAAAAAAAAAAAAAAAAAAAhAAAAGAAAABQAAADQAgAA2AkAAHA1AACwJQAAEAAAACYAAAAIAAAAAgAAAAAAAAA="/>
               </a:ext>
             </a:extLst>
           </p:cNvSpPr>
@@ -532,7 +532,7 @@
             <a:spLocks noGrp="1" noChangeArrowheads="1"/>
             <a:extLst>
               <a:ext uri="smNativeData">
-                <pr:smNativeData xmlns:pr="smNativeData" val="SMDATA_13_VnXdZRMAAAAlAAAAZAAAAA8BAAAAkAAAAEgAAACQAAAASAAAAAAAAAABAAAAAAAAAAEAAABQAAAAAAAAAAAA4D8AAAAAAADgPwAAAAAAAOA/AAAAAAAA4D8AAAAAAADgPwAAAAAAAOA/AAAAAAAA4D8AAAAAAADgPwAAAAAAAOA/AAAAAAAA4D8CAAAAjAAAAAAAAAAAAAAAu+DjDP///wgAAAAAAAAAAAAAAAAAAAAAAAAAAAAAAAAAAAAAZAAAAAEAAABAAAAAAAAAAAAAAAAAAAAAAAAAAAAAAAAAAAAAAAAAAAAAAAAAAAAAAAAAAAAAAAAAAAAAAAAAAAAAAAAAAAAAAAAAAAAAAAAAAAAAAAAAAAAAAAAAAAAAFAAAADwAAAAAAAAAAAAAAAAAAAkUAAAAAQAAABQAAAAUAAAAFAAAAAEAAAAAAAAAZAAAAGQAAAAAAAAAZAAAAGQAAAAVAAAAYAAAAAAAAAAAAAAADwAAACADAAAAAAAAAAAAAAEAAACgMgAAVgcAAKr4//8BAAAAf39/AAEAAABkAAAAAAAAABQAAABAHwAAAAAAACYAAAAAAAAAwOD//wAAAAAmAAAAZAAAABYAAABMAAAAAAAAAAAAAAAEAAAAAAAAAAEAAACAgIAKAAAAACgAAAAoAAAAZAAAAGQAAAAAAAAAzMzMAAAAAABQAAAAUAAAAGQAAABkAAAAAAAAABcAAAAUAAAAAAAAAAAAAAD/fwAA/38AAAAAAAAJAAAABAAAAAAAAAAMAAAAEAAAAAAAAAAAAAAAAAAAAAAAAAAeAAAAaAAAAAAAAAAAAAAAAAAAAAAAAAAAAAAAECcAABAnAAAAAAAAAAAAAAAAAAAAAAAAAAAAAAAAAAAAAAAAAAAAABQAAAAAAAAAwMD/AAAAAABkAAAAMgAAAAAAAABkAAAAAAAAAH9/fwAKAAAAHwAAAFQAAAAAAAAFAAAAAQAAAAAAAAAAAAAAAAAAAAAAAAAAAAAAAAAAAAAAAAAAAAAAAn9/fwAAAAADzMzMAMDA/wB/f38AAAAAAAAAAAAAAAAAAAAAAAAAAAAhAAAAGAAAABQAAADQAgAAGycAAPAPAABZKQAAEAAAACYAAAAIAAAAAAAAAAAAAAA="/>
+                <pr:smNativeData xmlns:pr="smNativeData" val="SMDATA_13_QBrgZRMAAAAlAAAAZAAAAA8BAAAAkAAAAEgAAACQAAAASAAAAAAAAAABAAAAAAAAAAEAAABQAAAAAAAAAAAA4D8AAAAAAADgPwAAAAAAAOA/AAAAAAAA4D8AAAAAAADgPwAAAAAAAOA/AAAAAAAA4D8AAAAAAADgPwAAAAAAAOA/AAAAAAAA4D8CAAAAjAAAAAAAAAAAAAAAu+DjDP///wgAAAAAAAAAAAAAAAAAAAAAAAAAAAAAAAAAAAAAZAAAAAEAAABAAAAAAAAAAAAAAAAAAAAAAAAAAAAAAAAAAAAAAAAAAAAAAAAAAAAAAAAAAAAAAAAAAAAAAAAAAAAAAAAAAAAAAAAAAAAAAAAAAAAAAAAAAAAAAAAAAAAAFAAAADwAAAAAAAAAAAAAAAAAAAkUAAAAAQAAABQAAAAUAAAAFAAAAAEAAAAAAAAAZAAAAGQAAAAAAAAAZAAAAGQAAAAVAAAAYAAAAAAAAAAAAAAADwAAACADAAAAAAAAAAAAAAEAAACgMgAAVgcAAKr4//8BAAAAf39/AAEAAABkAAAAAAAAABQAAABAHwAAAAAAACYAAAAAAAAAwOD//wAAAAAmAAAAZAAAABYAAABMAAAAAAAAAAAAAAAEAAAAAAAAAAEAAACAgIAKAAAAACgAAAAoAAAAZAAAAGQAAAAAAAAAzMzMAAAAAABQAAAAUAAAAGQAAABkAAAAAAAAABcAAAAUAAAAAAAAAAAAAAD/fwAA/38AAAAAAAAJAAAABAAAAAAAAAAMAAAAEAAAAAAAAAAAAAAAAAAAAAAAAAAeAAAAaAAAAAAAAAAAAAAAAAAAAAAAAAAAAAAAECcAABAnAAAAAAAAAAAAAAAAAAAAAAAAAAAAAAAAAAAAAAAAAAAAABQAAAAAAAAAwMD/AAAAAABkAAAAMgAAAAAAAABkAAAAAAAAAH9/fwAKAAAAHwAAAFQAAAAAAAAFAAAAAQAAAAAAAAAAAAAAAAAAAAAAAAAAAAAAAAAAAAAAAAAAAAAAAn9/fwAAAAADzMzMAMDA/wB/f38AAAAAAAAAAAAAAAAAAAAAAAAAAAAhAAAAGAAAABQAAADQAgAAGycAAPAPAABZKQAAEAAAACYAAAAIAAAAAAAAAAAAAAA="/>
               </a:ext>
             </a:extLst>
           </p:cNvSpPr>
@@ -546,7 +546,7 @@
           <a:lstStyle/>
           <a:p>
             <a:pPr/>
-            <a:fld id="{3FF759E6-A8D2-A2AF-9C4F-5EFA17016A0B}" type="datetime1">
+            <a:fld id="{3F82DBAD-E3D2-D72D-9C3A-157895746A40}" type="datetime1">
               <a:t/>
             </a:fld>
           </a:p>
@@ -559,7 +559,7 @@
             <a:spLocks noGrp="1" noChangeArrowheads="1"/>
             <a:extLst>
               <a:ext uri="smNativeData">
-                <pr:smNativeData xmlns:pr="smNativeData" val="SMDATA_13_VnXdZRMAAAAlAAAAZAAAAA8BAAAAkAAAAEgAAACQAAAASAAAAAAAAAABAAAAAAAAAAEAAABQAAAAAAAAAAAA4D8AAAAAAADgPwAAAAAAAOA/AAAAAAAA4D8AAAAAAADgPwAAAAAAAOA/AAAAAAAA4D8AAAAAAADgPwAAAAAAAOA/AAAAAAAA4D8CAAAAjAAAAAAAAAAAAAAAu+DjDP///wgAAAAAAAAAAAAAAAAAAAAAAAAAAAAAAAAAAAAAZAAAAAEAAABAAAAAAAAAAAAAAAAAAAAAAAAAAAAAAAAAAAAAAAAAAAAAAAAAAAAAAAAAAAAAAAAAAAAAAAAAAAAAAAAAAAAAAAAAAAAAAAAAAAAAAAAAAAAAAAAAAAAAFAAAADwAAAAAAAAAAAAAAAAAAAkUAAAAAQAAABQAAAAUAAAAFAAAAAEAAAAAAAAAZAAAAGQAAAAAAAAAZAAAAGQAAAAVAAAAYAAAAAAAAAAAAAAADwAAACADAAAAAAAAAAAAAAEAAACgMgAAVgcAAKr4//8BAAAAf39/AAEAAABkAAAAAAAAABQAAABAHwAAAAAAACYAAAAAAAAAwOD//wAAAAAmAAAAZAAAABYAAABMAAAAAAAAAAAAAAAEAAAAAAAAAAEAAACAgIAKAAAAACgAAAAoAAAAZAAAAGQAAAAAAAAAzMzMAAAAAABQAAAAUAAAAGQAAABkAAAAAAAAABcAAAAUAAAAAAAAAAAAAAD/fwAA/38AAAAAAAAJAAAABAAAAAAAAAAMAAAAEAAAAAAAAAAAAAAAAAAAAAAAAAAeAAAAaAAAAAAAAAAAAAAAAAAAAAAAAAAAAAAAECcAABAnAAAAAAAAAAAAAAAAAAAAAAAAAAAAAAAAAAAAAAAAAAAAABQAAAAAAAAAwMD/AAAAAABkAAAAMgAAAAAAAABkAAAAAAAAAH9/fwAKAAAAHwAAAFQAAAAAAAAFAAAAAQAAAAAAAAAAAAAAAAAAAAAAAAAAAAAAAAAAAAAAAAAAAAAAAn9/fwAAAAADzMzMAMDA/wB/f38AAAAAAAAAAAAAAAAAAAAAAAAAAAAhAAAAGAAAABQAAAA4EwAAGycAAAglAABZKQAAEAAAACYAAAAIAAAAAAAAAAAAAAA="/>
+                <pr:smNativeData xmlns:pr="smNativeData" val="SMDATA_13_QBrgZRMAAAAlAAAAZAAAAA8BAAAAkAAAAEgAAACQAAAASAAAAAAAAAABAAAAAAAAAAEAAABQAAAAAAAAAAAA4D8AAAAAAADgPwAAAAAAAOA/AAAAAAAA4D8AAAAAAADgPwAAAAAAAOA/AAAAAAAA4D8AAAAAAADgPwAAAAAAAOA/AAAAAAAA4D8CAAAAjAAAAAAAAAAAAAAAu+DjDP///wgAAAAAAAAAAAAAAAAAAAAAAAAAAAAAAAAAAAAAZAAAAAEAAABAAAAAAAAAAAAAAAAAAAAAAAAAAAAAAAAAAAAAAAAAAAAAAAAAAAAAAAAAAAAAAAAAAAAAAAAAAAAAAAAAAAAAAAAAAAAAAAAAAAAAAAAAAAAAAAAAAAAAFAAAADwAAAAAAAAAAAAAAAAAAAkUAAAAAQAAABQAAAAUAAAAFAAAAAEAAAAAAAAAZAAAAGQAAAAAAAAAZAAAAGQAAAAVAAAAYAAAAAAAAAAAAAAADwAAACADAAAAAAAAAAAAAAEAAACgMgAAVgcAAKr4//8BAAAAf39/AAEAAABkAAAAAAAAABQAAABAHwAAAAAAACYAAAAAAAAAwOD//wAAAAAmAAAAZAAAABYAAABMAAAAAAAAAAAAAAAEAAAAAAAAAAEAAACAgIAKAAAAACgAAAAoAAAAZAAAAGQAAAAAAAAAzMzMAAAAAABQAAAAUAAAAGQAAABkAAAAAAAAABcAAAAUAAAAAAAAAAAAAAD/fwAA/38AAAAAAAAJAAAABAAAAAAAAAAMAAAAEAAAAAAAAAAAAAAAAAAAAAAAAAAeAAAAaAAAAAAAAAAAAAAAAAAAAAAAAAAAAAAAECcAABAnAAAAAAAAAAAAAAAAAAAAAAAAAAAAAAAAAAAAAAAAAAAAABQAAAAAAAAAwMD/AAAAAABkAAAAMgAAAAAAAABkAAAAAAAAAH9/fwAKAAAAHwAAAFQAAAAAAAAFAAAAAQAAAAAAAAAAAAAAAAAAAAAAAAAAAAAAAAAAAAAAAAAAAAAAAn9/fwAAAAADzMzMAMDA/wB/f38AAAAAAAAAAAAAAAAAAAAAAAAAAAAhAAAAGAAAABQAAAA4EwAAGycAAAglAABZKQAAEAAAACYAAAAIAAAAAAAAAAAAAAA="/>
               </a:ext>
             </a:extLst>
           </p:cNvSpPr>
@@ -583,7 +583,7 @@
             <a:spLocks noGrp="1" noChangeArrowheads="1"/>
             <a:extLst>
               <a:ext uri="smNativeData">
-                <pr:smNativeData xmlns:pr="smNativeData" val="SMDATA_13_VnXdZRMAAAAlAAAAZAAAAA8BAAAAkAAAAEgAAACQAAAASAAAAAAAAAABAAAAAAAAAAEAAABQAAAAAAAAAAAA4D8AAAAAAADgPwAAAAAAAOA/AAAAAAAA4D8AAAAAAADgPwAAAAAAAOA/AAAAAAAA4D8AAAAAAADgPwAAAAAAAOA/AAAAAAAA4D8CAAAAjAAAAAAAAAAAAAAAu+DjDP///wgAAAAAAAAAAAAAAAAAAAAAAAAAAAAAAAAAAAAAZAAAAAEAAABAAAAAAAAAAAAAAAAAAAAAAAAAAAAAAAAAAAAAAAAAAAAAAAAAAAAAAAAAAAAAAAAAAAAAAAAAAAAAAAAAAAAAAAAAAAAAAAAAAAAAAAAAAAAAAAAAAAAAFAAAADwAAAAAAAAAAAAAAAAAAAkUAAAAAQAAABQAAAAUAAAAFAAAAAEAAAAAAAAAZAAAAGQAAAAAAAAAZAAAAGQAAAAVAAAAYAAAAAAAAAAAAAAADwAAACADAAAAAAAAAAAAAAEAAACgMgAAVgcAAKr4//8BAAAAf39/AAEAAABkAAAAAAAAABQAAABAHwAAAAAAACYAAAAAAAAAwOD//wAAAAAmAAAAZAAAABYAAABMAAAAAAAAAAAAAAAEAAAAAAAAAAEAAACAgIAKAAAAACgAAAAoAAAAZAAAAGQAAAAAAAAAzMzMAAAAAABQAAAAUAAAAGQAAABkAAAAAAAAABcAAAAUAAAAAAAAAAAAAAD/fwAA/38AAAAAAAAJAAAABAAAAAAAAAAMAAAAEAAAAAAAAAAAAAAAAAAAAAAAAAAeAAAAaAAAAAAAAAAAAAAAAAAAAAAAAAAAAAAAECcAABAnAAAAAAAAAAAAAAAAAAAAAAAAAAAAAAAAAAAAAAAAAAAAABQAAAAAAAAAwMD/AAAAAABkAAAAMgAAAAAAAABkAAAAAAAAAH9/fwAKAAAAHwAAAFQAAAAAAAAFAAAAAQAAAAAAAAAAAAAAAAAAAAAAAAAAAAAAAAAAAAAAAAAAAAAAAn9/fwAAAAADzMzMAMDA/wB/f38AAAAAAAAAAAAAAAAAAAAAAAAAAAAhAAAAGAAAABQAAABQKAAAGycAAHA1AABZKQAAEAAAACYAAAAIAAAAAAAAAAAAAAA="/>
+                <pr:smNativeData xmlns:pr="smNativeData" val="SMDATA_13_QBrgZRMAAAAlAAAAZAAAAA8BAAAAkAAAAEgAAACQAAAASAAAAAAAAAABAAAAAAAAAAEAAABQAAAAAAAAAAAA4D8AAAAAAADgPwAAAAAAAOA/AAAAAAAA4D8AAAAAAADgPwAAAAAAAOA/AAAAAAAA4D8AAAAAAADgPwAAAAAAAOA/AAAAAAAA4D8CAAAAjAAAAAAAAAAAAAAAu+DjDP///wgAAAAAAAAAAAAAAAAAAAAAAAAAAAAAAAAAAAAAZAAAAAEAAABAAAAAAAAAAAAAAAAAAAAAAAAAAAAAAAAAAAAAAAAAAAAAAAAAAAAAAAAAAAAAAAAAAAAAAAAAAAAAAAAAAAAAAAAAAAAAAAAAAAAAAAAAAAAAAAAAAAAAFAAAADwAAAAAAAAAAAAAAAAAAAkUAAAAAQAAABQAAAAUAAAAFAAAAAEAAAAAAAAAZAAAAGQAAAAAAAAAZAAAAGQAAAAVAAAAYAAAAAAAAAAAAAAADwAAACADAAAAAAAAAAAAAAEAAACgMgAAVgcAAKr4//8BAAAAf39/AAEAAABkAAAAAAAAABQAAABAHwAAAAAAACYAAAAAAAAAwOD//wAAAAAmAAAAZAAAABYAAABMAAAAAAAAAAAAAAAEAAAAAAAAAAEAAACAgIAKAAAAACgAAAAoAAAAZAAAAGQAAAAAAAAAzMzMAAAAAABQAAAAUAAAAGQAAABkAAAAAAAAABcAAAAUAAAAAAAAAAAAAAD/fwAA/38AAAAAAAAJAAAABAAAAAAAAAAMAAAAEAAAAAAAAAAAAAAAAAAAAAAAAAAeAAAAaAAAAAAAAAAAAAAAAAAAAAAAAAAAAAAAECcAABAnAAAAAAAAAAAAAAAAAAAAAAAAAAAAAAAAAAAAAAAAAAAAABQAAAAAAAAAwMD/AAAAAABkAAAAMgAAAAAAAABkAAAAAAAAAH9/fwAKAAAAHwAAAFQAAAAAAAAFAAAAAQAAAAAAAAAAAAAAAAAAAAAAAAAAAAAAAAAAAAAAAAAAAAAAAn9/fwAAAAADzMzMAMDA/wB/f38AAAAAAAAAAAAAAAAAAAAAAAAAAAAhAAAAGAAAABQAAABQKAAAGycAAHA1AABZKQAAEAAAACYAAAAIAAAAAAAAAAAAAAA="/>
               </a:ext>
             </a:extLst>
           </p:cNvSpPr>
@@ -597,7 +597,7 @@
           <a:lstStyle/>
           <a:p>
             <a:pPr/>
-            <a:fld id="{3FF76784-CAD2-A291-9C4F-3CC429016A69}" type="slidenum">
+            <a:fld id="{3F828E34-7AD2-D778-9C3A-8C2DC0746AD9}" type="slidenum">
               <a:t/>
             </a:fld>
           </a:p>
@@ -635,7 +635,7 @@
             <a:spLocks noGrp="1" noChangeArrowheads="1"/>
             <a:extLst>
               <a:ext uri="smNativeData">
-                <pr:smNativeData xmlns:pr="smNativeData" val="SMDATA_13_VnXdZRMAAAAlAAAAZAAAAA8BAAAAkAAAAEgAAACQAAAASAAAAAAAAAACAAAAAQAAAAEAAABQAAAAAAAAAAAA4D8AAAAAAADgPwAAAAAAAOA/AAAAAAAA4D8AAAAAAADgPwAAAAAAAOA/AAAAAAAA4D8AAAAAAADgPwAAAAAAAOA/AAAAAAAA4D8CAAAAjAAAAAAAAAAAAAAAu+DjDP///wgAAAAAAAAAAAAAAAAAAAAAAAAAAAAAAAAAAAAAZAAAAAEAAABAAAAAAAAAAAAAAAAAAAAAAAAAAAAAAAAAAAAAAAAAAAAAAAAAAAAAAAAAAAAAAAAAAAAAAAAAAAAAAAAAAAAAAAAAAAAAAAAAAAAAAAAAAAAAAAAAAAAAFAAAADwAAAAAAAAAAAAAAAAAAAkUAAAAAQAAABQAAAAUAAAAFAAAAAEAAAAAAAAAZAAAAGQAAAAAAAAAZAAAAGQAAAAVAAAAYAAAAAAAAAAAAAAADwAAACADAAAAAAAAAAAAAAEAAACgMgAAVgcAAKr4//8BAAAAf39/AAEAAABkAAAAAAAAABQAAABAHwAAAAAAACYAAAAAAAAAwOD//wAAAAAmAAAAZAAAABYAAABMAAAAAAAAAAAAAAAEAAAAAAAAAAEAAACAgIAKAAAAACgAAAAoAAAAZAAAAGQAAAAAAAAAzMzMAAAAAABQAAAAUAAAAGQAAABkAAAAAAAAABcAAAAUAAAAAAAAAAAAAAD/fwAA/38AAAAAAAAJAAAABAAAAGFsAAgMAAAAEAAAAAAAAAAAAAAAAAAAAAAAAAAeAAAAaAAAAAAAAAAAAAAAAAAAAAAAAAAAAAAAECcAABAnAAAAAAAAAAAAAAAAAAAAAAAAAAAAAAAAAAAAAAAAAAAAABQAAAAAAAAAwMD/AAAAAABkAAAAMgAAAAAAAABkAAAAAAAAAH9/fwAKAAAAHwAAAFQAAAAAAAAFAAAAAQAAAAAAAAAAAAAAAAAAAAAAAAAAAAAAAAAAAAAAAAAAAAAAAn9/fwAAAAADzMzMAMDA/wB/f38AAAAAAAAAAAAAAAAAAAAAAAAAAAAhAAAAGAAAABQAAADIKAAAsAEAAHA1AACwJQAAEAAAACYAAAAIAAAAgwAAAAAAAAA="/>
+                <pr:smNativeData xmlns:pr="smNativeData" val="SMDATA_13_QBrgZRMAAAAlAAAAZAAAAA8BAAAAkAAAAEgAAACQAAAASAAAAAAAAAACAAAAAQAAAAEAAABQAAAAAAAAAAAA4D8AAAAAAADgPwAAAAAAAOA/AAAAAAAA4D8AAAAAAADgPwAAAAAAAOA/AAAAAAAA4D8AAAAAAADgPwAAAAAAAOA/AAAAAAAA4D8CAAAAjAAAAAAAAAAAAAAAu+DjDP///wgAAAAAAAAAAAAAAAAAAAAAAAAAAAAAAAAAAAAAZAAAAAEAAABAAAAAAAAAAAAAAAAAAAAAAAAAAAAAAAAAAAAAAAAAAAAAAAAAAAAAAAAAAAAAAAAAAAAAAAAAAAAAAAAAAAAAAAAAAAAAAAAAAAAAAAAAAAAAAAAAAAAAFAAAADwAAAAAAAAAAAAAAAAAAAkUAAAAAQAAABQAAAAUAAAAFAAAAAEAAAAAAAAAZAAAAGQAAAAAAAAAZAAAAGQAAAAVAAAAYAAAAAAAAAAAAAAADwAAACADAAAAAAAAAAAAAAEAAACgMgAAVgcAAKr4//8BAAAAf39/AAEAAABkAAAAAAAAABQAAABAHwAAAAAAACYAAAAAAAAAwOD//wAAAAAmAAAAZAAAABYAAABMAAAAAAAAAAAAAAAEAAAAAAAAAAEAAACAgIAKAAAAACgAAAAoAAAAZAAAAGQAAAAAAAAAzMzMAAAAAABQAAAAUAAAAGQAAABkAAAAAAAAABcAAAAUAAAAAAAAAAAAAAD/fwAA/38AAAAAAAAJAAAABAAAAGFsAAgMAAAAEAAAAAAAAAAAAAAAAAAAAAAAAAAeAAAAaAAAAAAAAAAAAAAAAAAAAAAAAAAAAAAAECcAABAnAAAAAAAAAAAAAAAAAAAAAAAAAAAAAAAAAAAAAAAAAAAAABQAAAAAAAAAwMD/AAAAAABkAAAAMgAAAAAAAABkAAAAAAAAAH9/fwAKAAAAHwAAAFQAAAAAAAAFAAAAAQAAAAAAAAAAAAAAAAAAAAAAAAAAAAAAAAAAAAAAAAAAAAAAAn9/fwAAAAADzMzMAMDA/wB/f38AAAAAAAAAAAAAAAAAAAAAAAAAAAAhAAAAGAAAABQAAADIKAAAsAEAAHA1AACwJQAAEAAAACYAAAAIAAAAgwAAAAAAAAA="/>
               </a:ext>
             </a:extLst>
           </p:cNvSpPr>
@@ -671,7 +671,7 @@
             <a:spLocks noGrp="1" noChangeArrowheads="1"/>
             <a:extLst>
               <a:ext uri="smNativeData">
-                <pr:smNativeData xmlns:pr="smNativeData" val="SMDATA_13_VnXdZRMAAAAlAAAAZAAAAA8BAAAAkAAAAEgAAACQAAAASAAAAAAAAAAAAAAAAQAAAAEAAABQAAAAAAAAAAAA4D8AAAAAAADgPwAAAAAAAOA/AAAAAAAA4D8AAAAAAADgPwAAAAAAAOA/AAAAAAAA4D8AAAAAAADgPwAAAAAAAOA/AAAAAAAA4D8CAAAAjAAAAAAAAAAAAAAAu+DjDP///wgAAAAAAAAAAAAAAAAAAAAAAAAAAAAAAAAAAAAAZAAAAAEAAABAAAAAAAAAAAAAAAAAAAAAAAAAAAAAAAAAAAAAAAAAAAAAAAAAAAAAAAAAAAAAAAAAAAAAAAAAAAAAAAAAAAAAAAAAAAAAAAAAAAAAAAAAAAAAAAAAAAAAFAAAADwAAAAAAAAAAAAAAAAAAAkUAAAAAQAAABQAAAAUAAAAFAAAAAEAAAAAAAAAZAAAAGQAAAAAAAAAZAAAAGQAAAAVAAAAYAAAAAAAAAAAAAAADwAAACADAAAAAAAAAAAAAAEAAACgMgAAVgcAAKr4//8BAAAAf39/AAEAAABkAAAAAAAAABQAAABAHwAAAAAAACYAAAAAAAAAwOD//wAAAAAmAAAAZAAAABYAAABMAAAAAAAAAAAAAAAEAAAAAAAAAAEAAACAgIAKAAAAACgAAAAoAAAAZAAAAGQAAAAAAAAAzMzMAAAAAABQAAAAUAAAAGQAAABkAAAAAAAAABcAAAAUAAAAAAAAAAAAAAD/fwAA/38AAAAAAAAJAAAABAAAAAAAAAAMAAAAEAAAAAAAAAAAAAAAAAAAAAAAAAAeAAAAaAAAAAAAAAAAAAAAAAAAAAAAAAAAAAAAECcAABAnAAAAAAAAAAAAAAAAAAAAAAAAAAAAAAAAAAAAAAAAAAAAABQAAAAAAAAAwMD/AAAAAABkAAAAMgAAAAAAAABkAAAAAAAAAH9/fwAKAAAAHwAAAFQAAAAAAAAFAAAAAQAAAAAAAAAAAAAAAAAAAAAAAAAAAAAAAAAAAAAAAAAAAAAAAn9/fwAAAAADzMzMAMDA/wB/f38AAAAAAAAAAAAAAAAAAAAAAAAAAAAhAAAAGAAAABQAAADQAgAAsAEAANgnAACwJQAAEAAAACYAAAAIAAAAAwAAAAAAAAA="/>
+                <pr:smNativeData xmlns:pr="smNativeData" val="SMDATA_13_QBrgZRMAAAAlAAAAZAAAAA8BAAAAkAAAAEgAAACQAAAASAAAAAAAAAAAAAAAAQAAAAEAAABQAAAAAAAAAAAA4D8AAAAAAADgPwAAAAAAAOA/AAAAAAAA4D8AAAAAAADgPwAAAAAAAOA/AAAAAAAA4D8AAAAAAADgPwAAAAAAAOA/AAAAAAAA4D8CAAAAjAAAAAAAAAAAAAAAu+DjDP///wgAAAAAAAAAAAAAAAAAAAAAAAAAAAAAAAAAAAAAZAAAAAEAAABAAAAAAAAAAAAAAAAAAAAAAAAAAAAAAAAAAAAAAAAAAAAAAAAAAAAAAAAAAAAAAAAAAAAAAAAAAAAAAAAAAAAAAAAAAAAAAAAAAAAAAAAAAAAAAAAAAAAAFAAAADwAAAAAAAAAAAAAAAAAAAkUAAAAAQAAABQAAAAUAAAAFAAAAAEAAAAAAAAAZAAAAGQAAAAAAAAAZAAAAGQAAAAVAAAAYAAAAAAAAAAAAAAADwAAACADAAAAAAAAAAAAAAEAAACgMgAAVgcAAKr4//8BAAAAf39/AAEAAABkAAAAAAAAABQAAABAHwAAAAAAACYAAAAAAAAAwOD//wAAAAAmAAAAZAAAABYAAABMAAAAAAAAAAAAAAAEAAAAAAAAAAEAAACAgIAKAAAAACgAAAAoAAAAZAAAAGQAAAAAAAAAzMzMAAAAAABQAAAAUAAAAGQAAABkAAAAAAAAABcAAAAUAAAAAAAAAAAAAAD/fwAA/38AAAAAAAAJAAAABAAAAAAAAAAMAAAAEAAAAAAAAAAAAAAAAAAAAAAAAAAeAAAAaAAAAAAAAAAAAAAAAAAAAAAAAAAAAAAAECcAABAnAAAAAAAAAAAAAAAAAAAAAAAAAAAAAAAAAAAAAAAAAAAAABQAAAAAAAAAwMD/AAAAAABkAAAAMgAAAAAAAABkAAAAAAAAAH9/fwAKAAAAHwAAAFQAAAAAAAAFAAAAAQAAAAAAAAAAAAAAAAAAAAAAAAAAAAAAAAAAAAAAAAAAAAAAAn9/fwAAAAADzMzMAMDA/wB/f38AAAAAAAAAAAAAAAAAAAAAAAAAAAAhAAAAGAAAABQAAADQAgAAsAEAANgnAACwJQAAEAAAACYAAAAIAAAAAwAAAAAAAAA="/>
               </a:ext>
             </a:extLst>
           </p:cNvSpPr>
@@ -731,7 +731,7 @@
             <a:spLocks noGrp="1" noChangeArrowheads="1"/>
             <a:extLst>
               <a:ext uri="smNativeData">
-                <pr:smNativeData xmlns:pr="smNativeData" val="SMDATA_13_VnXdZRMAAAAlAAAAZAAAAA8BAAAAkAAAAEgAAACQAAAASAAAAAAAAAABAAAAAAAAAAEAAABQAAAAAAAAAAAA4D8AAAAAAADgPwAAAAAAAOA/AAAAAAAA4D8AAAAAAADgPwAAAAAAAOA/AAAAAAAA4D8AAAAAAADgPwAAAAAAAOA/AAAAAAAA4D8CAAAAjAAAAAAAAAAAAAAAu+DjDP///wgAAAAAAAAAAAAAAAAAAAAAAAAAAAAAAAAAAAAAZAAAAAEAAABAAAAAAAAAAAAAAAAAAAAAAAAAAAAAAAAAAAAAAAAAAAAAAAAAAAAAAAAAAAAAAAAAAAAAAAAAAAAAAAAAAAAAAAAAAAAAAAAAAAAAAAAAAAAAAAAAAAAAFAAAADwAAAAAAAAAAAAAAAAAAAkUAAAAAQAAABQAAAAUAAAAFAAAAAEAAAAAAAAAZAAAAGQAAAAAAAAAZAAAAGQAAAAVAAAAYAAAAAAAAAAAAAAADwAAACADAAAAAAAAAAAAAAEAAACgMgAAVgcAAKr4//8BAAAAf39/AAEAAABkAAAAAAAAABQAAABAHwAAAAAAACYAAAAAAAAAwOD//wAAAAAmAAAAZAAAABYAAABMAAAAAAAAAAAAAAAEAAAAAAAAAAEAAACAgIAKAAAAACgAAAAoAAAAZAAAAGQAAAAAAAAAzMzMAAAAAABQAAAAUAAAAGQAAABkAAAAAAAAABcAAAAUAAAAAAAAAAAAAAD/fwAA/38AAAAAAAAJAAAABAAAAAAAAAAMAAAAEAAAAAAAAAAAAAAAAAAAAAAAAAAeAAAAaAAAAAAAAAAAAAAAAAAAAAAAAAAAAAAAECcAABAnAAAAAAAAAAAAAAAAAAAAAAAAAAAAAAAAAAAAAAAAAAAAABQAAAAAAAAAwMD/AAAAAABkAAAAMgAAAAAAAABkAAAAAAAAAH9/fwAKAAAAHwAAAFQAAAAAAAAFAAAAAQAAAAAAAAAAAAAAAAAAAAAAAAAAAAAAAAAAAAAAAAAAAAAAAn9/fwAAAAADzMzMAMDA/wB/f38AAAAAAAAAAAAAAAAAAAAAAAAAAAAhAAAAGAAAABQAAADQAgAAGycAAPAPAABZKQAAEAAAACYAAAAIAAAAAAAAAAAAAAA="/>
+                <pr:smNativeData xmlns:pr="smNativeData" val="SMDATA_13_QBrgZRMAAAAlAAAAZAAAAA8BAAAAkAAAAEgAAACQAAAASAAAAAAAAAABAAAAAAAAAAEAAABQAAAAAAAAAAAA4D8AAAAAAADgPwAAAAAAAOA/AAAAAAAA4D8AAAAAAADgPwAAAAAAAOA/AAAAAAAA4D8AAAAAAADgPwAAAAAAAOA/AAAAAAAA4D8CAAAAjAAAAAAAAAAAAAAAu+DjDP///wgAAAAAAAAAAAAAAAAAAAAAAAAAAAAAAAAAAAAAZAAAAAEAAABAAAAAAAAAAAAAAAAAAAAAAAAAAAAAAAAAAAAAAAAAAAAAAAAAAAAAAAAAAAAAAAAAAAAAAAAAAAAAAAAAAAAAAAAAAAAAAAAAAAAAAAAAAAAAAAAAAAAAFAAAADwAAAAAAAAAAAAAAAAAAAkUAAAAAQAAABQAAAAUAAAAFAAAAAEAAAAAAAAAZAAAAGQAAAAAAAAAZAAAAGQAAAAVAAAAYAAAAAAAAAAAAAAADwAAACADAAAAAAAAAAAAAAEAAACgMgAAVgcAAKr4//8BAAAAf39/AAEAAABkAAAAAAAAABQAAABAHwAAAAAAACYAAAAAAAAAwOD//wAAAAAmAAAAZAAAABYAAABMAAAAAAAAAAAAAAAEAAAAAAAAAAEAAACAgIAKAAAAACgAAAAoAAAAZAAAAGQAAAAAAAAAzMzMAAAAAABQAAAAUAAAAGQAAABkAAAAAAAAABcAAAAUAAAAAAAAAAAAAAD/fwAA/38AAAAAAAAJAAAABAAAAAAAAAAMAAAAEAAAAAAAAAAAAAAAAAAAAAAAAAAeAAAAaAAAAAAAAAAAAAAAAAAAAAAAAAAAAAAAECcAABAnAAAAAAAAAAAAAAAAAAAAAAAAAAAAAAAAAAAAAAAAAAAAABQAAAAAAAAAwMD/AAAAAABkAAAAMgAAAAAAAABkAAAAAAAAAH9/fwAKAAAAHwAAAFQAAAAAAAAFAAAAAQAAAAAAAAAAAAAAAAAAAAAAAAAAAAAAAAAAAAAAAAAAAAAAAn9/fwAAAAADzMzMAMDA/wB/f38AAAAAAAAAAAAAAAAAAAAAAAAAAAAhAAAAGAAAABQAAADQAgAAGycAAPAPAABZKQAAEAAAACYAAAAIAAAAAAAAAAAAAAA="/>
               </a:ext>
             </a:extLst>
           </p:cNvSpPr>
@@ -745,7 +745,7 @@
           <a:lstStyle/>
           <a:p>
             <a:pPr/>
-            <a:fld id="{3FF75E79-37D2-A2A8-9C4F-C1FD10016A94}" type="datetime1">
+            <a:fld id="{3F82CC13-5DD2-D73A-9C3A-AB6F82746AFE}" type="datetime1">
               <a:t/>
             </a:fld>
           </a:p>
@@ -758,7 +758,7 @@
             <a:spLocks noGrp="1" noChangeArrowheads="1"/>
             <a:extLst>
               <a:ext uri="smNativeData">
-                <pr:smNativeData xmlns:pr="smNativeData" val="SMDATA_13_VnXdZRMAAAAlAAAAZAAAAA8BAAAAkAAAAEgAAACQAAAASAAAAAAAAAABAAAAAAAAAAEAAABQAAAAAAAAAAAA4D8AAAAAAADgPwAAAAAAAOA/AAAAAAAA4D8AAAAAAADgPwAAAAAAAOA/AAAAAAAA4D8AAAAAAADgPwAAAAAAAOA/AAAAAAAA4D8CAAAAjAAAAAAAAAAAAAAAu+DjDP///wgAAAAAAAAAAAAAAAAAAAAAAAAAAAAAAAAAAAAAZAAAAAEAAABAAAAAAAAAAAAAAAAAAAAAAAAAAAAAAAAAAAAAAAAAAAAAAAAAAAAAAAAAAAAAAAAAAAAAAAAAAAAAAAAAAAAAAAAAAAAAAAAAAAAAAAAAAAAAAAAAAAAAFAAAADwAAAAAAAAAAAAAAAAAAAkUAAAAAQAAABQAAAAUAAAAFAAAAAEAAAAAAAAAZAAAAGQAAAAAAAAAZAAAAGQAAAAVAAAAYAAAAAAAAAAAAAAADwAAACADAAAAAAAAAAAAAAEAAACgMgAAVgcAAKr4//8BAAAAf39/AAEAAABkAAAAAAAAABQAAABAHwAAAAAAACYAAAAAAAAAwOD//wAAAAAmAAAAZAAAABYAAABMAAAAAAAAAAAAAAAEAAAAAAAAAAEAAACAgIAKAAAAACgAAAAoAAAAZAAAAGQAAAAAAAAAzMzMAAAAAABQAAAAUAAAAGQAAABkAAAAAAAAABcAAAAUAAAAAAAAAAAAAAD/fwAA/38AAAAAAAAJAAAABAAAAAAAAAAMAAAAEAAAAAAAAAAAAAAAAAAAAAAAAAAeAAAAaAAAAAAAAAAAAAAAAAAAAAAAAAAAAAAAECcAABAnAAAAAAAAAAAAAAAAAAAAAAAAAAAAAAAAAAAAAAAAAAAAABQAAAAAAAAAwMD/AAAAAABkAAAAMgAAAAAAAABkAAAAAAAAAH9/fwAKAAAAHwAAAFQAAAAAAAAFAAAAAQAAAAAAAAAAAAAAAAAAAAAAAAAAAAAAAAAAAAAAAAAAAAAAAn9/fwAAAAADzMzMAMDA/wB/f38AAAAAAAAAAAAAAAAAAAAAAAAAAAAhAAAAGAAAABQAAAA4EwAAGycAAAglAABZKQAAEAAAACYAAAAIAAAAAAAAAAAAAAA="/>
+                <pr:smNativeData xmlns:pr="smNativeData" val="SMDATA_13_QBrgZRMAAAAlAAAAZAAAAA8BAAAAkAAAAEgAAACQAAAASAAAAAAAAAABAAAAAAAAAAEAAABQAAAAAAAAAAAA4D8AAAAAAADgPwAAAAAAAOA/AAAAAAAA4D8AAAAAAADgPwAAAAAAAOA/AAAAAAAA4D8AAAAAAADgPwAAAAAAAOA/AAAAAAAA4D8CAAAAjAAAAAAAAAAAAAAAu+DjDP///wgAAAAAAAAAAAAAAAAAAAAAAAAAAAAAAAAAAAAAZAAAAAEAAABAAAAAAAAAAAAAAAAAAAAAAAAAAAAAAAAAAAAAAAAAAAAAAAAAAAAAAAAAAAAAAAAAAAAAAAAAAAAAAAAAAAAAAAAAAAAAAAAAAAAAAAAAAAAAAAAAAAAAFAAAADwAAAAAAAAAAAAAAAAAAAkUAAAAAQAAABQAAAAUAAAAFAAAAAEAAAAAAAAAZAAAAGQAAAAAAAAAZAAAAGQAAAAVAAAAYAAAAAAAAAAAAAAADwAAACADAAAAAAAAAAAAAAEAAACgMgAAVgcAAKr4//8BAAAAf39/AAEAAABkAAAAAAAAABQAAABAHwAAAAAAACYAAAAAAAAAwOD//wAAAAAmAAAAZAAAABYAAABMAAAAAAAAAAAAAAAEAAAAAAAAAAEAAACAgIAKAAAAACgAAAAoAAAAZAAAAGQAAAAAAAAAzMzMAAAAAABQAAAAUAAAAGQAAABkAAAAAAAAABcAAAAUAAAAAAAAAAAAAAD/fwAA/38AAAAAAAAJAAAABAAAAAAAAAAMAAAAEAAAAAAAAAAAAAAAAAAAAAAAAAAeAAAAaAAAAAAAAAAAAAAAAAAAAAAAAAAAAAAAECcAABAnAAAAAAAAAAAAAAAAAAAAAAAAAAAAAAAAAAAAAAAAAAAAABQAAAAAAAAAwMD/AAAAAABkAAAAMgAAAAAAAABkAAAAAAAAAH9/fwAKAAAAHwAAAFQAAAAAAAAFAAAAAQAAAAAAAAAAAAAAAAAAAAAAAAAAAAAAAAAAAAAAAAAAAAAAAn9/fwAAAAADzMzMAMDA/wB/f38AAAAAAAAAAAAAAAAAAAAAAAAAAAAhAAAAGAAAABQAAAA4EwAAGycAAAglAABZKQAAEAAAACYAAAAIAAAAAAAAAAAAAAA="/>
               </a:ext>
             </a:extLst>
           </p:cNvSpPr>
@@ -782,7 +782,7 @@
             <a:spLocks noGrp="1" noChangeArrowheads="1"/>
             <a:extLst>
               <a:ext uri="smNativeData">
-                <pr:smNativeData xmlns:pr="smNativeData" val="SMDATA_13_VnXdZRMAAAAlAAAAZAAAAA8BAAAAkAAAAEgAAACQAAAASAAAAAAAAAABAAAAAAAAAAEAAABQAAAAAAAAAAAA4D8AAAAAAADgPwAAAAAAAOA/AAAAAAAA4D8AAAAAAADgPwAAAAAAAOA/AAAAAAAA4D8AAAAAAADgPwAAAAAAAOA/AAAAAAAA4D8CAAAAjAAAAAAAAAAAAAAAu+DjDP///wgAAAAAAAAAAAAAAAAAAAAAAAAAAAAAAAAAAAAAZAAAAAEAAABAAAAAAAAAAAAAAAAAAAAAAAAAAAAAAAAAAAAAAAAAAAAAAAAAAAAAAAAAAAAAAAAAAAAAAAAAAAAAAAAAAAAAAAAAAAAAAAAAAAAAAAAAAAAAAAAAAAAAFAAAADwAAAAAAAAAAAAAAAAAAAkUAAAAAQAAABQAAAAUAAAAFAAAAAEAAAAAAAAAZAAAAGQAAAAAAAAAZAAAAGQAAAAVAAAAYAAAAAAAAAAAAAAADwAAACADAAAAAAAAAAAAAAEAAACgMgAAVgcAAKr4//8BAAAAf39/AAEAAABkAAAAAAAAABQAAABAHwAAAAAAACYAAAAAAAAAwOD//wAAAAAmAAAAZAAAABYAAABMAAAAAAAAAAAAAAAEAAAAAAAAAAEAAACAgIAKAAAAACgAAAAoAAAAZAAAAGQAAAAAAAAAzMzMAAAAAABQAAAAUAAAAGQAAABkAAAAAAAAABcAAAAUAAAAAAAAAAAAAAD/fwAA/38AAAAAAAAJAAAABAAAAAAAAAAMAAAAEAAAAAAAAAAAAAAAAAAAAAAAAAAeAAAAaAAAAAAAAAAAAAAAAAAAAAAAAAAAAAAAECcAABAnAAAAAAAAAAAAAAAAAAAAAAAAAAAAAAAAAAAAAAAAAAAAABQAAAAAAAAAwMD/AAAAAABkAAAAMgAAAAAAAABkAAAAAAAAAH9/fwAKAAAAHwAAAFQAAAAAAAAFAAAAAQAAAAAAAAAAAAAAAAAAAAAAAAAAAAAAAAAAAAAAAAAAAAAAAn9/fwAAAAADzMzMAMDA/wB/f38AAAAAAAAAAAAAAAAAAAAAAAAAAAAhAAAAGAAAABQAAABQKAAAGycAAHA1AABZKQAAEAAAACYAAAAIAAAAAAAAAAAAAAA="/>
+                <pr:smNativeData xmlns:pr="smNativeData" val="SMDATA_13_QBrgZRMAAAAlAAAAZAAAAA8BAAAAkAAAAEgAAACQAAAASAAAAAAAAAABAAAAAAAAAAEAAABQAAAAAAAAAAAA4D8AAAAAAADgPwAAAAAAAOA/AAAAAAAA4D8AAAAAAADgPwAAAAAAAOA/AAAAAAAA4D8AAAAAAADgPwAAAAAAAOA/AAAAAAAA4D8CAAAAjAAAAAAAAAAAAAAAu+DjDP///wgAAAAAAAAAAAAAAAAAAAAAAAAAAAAAAAAAAAAAZAAAAAEAAABAAAAAAAAAAAAAAAAAAAAAAAAAAAAAAAAAAAAAAAAAAAAAAAAAAAAAAAAAAAAAAAAAAAAAAAAAAAAAAAAAAAAAAAAAAAAAAAAAAAAAAAAAAAAAAAAAAAAAFAAAADwAAAAAAAAAAAAAAAAAAAkUAAAAAQAAABQAAAAUAAAAFAAAAAEAAAAAAAAAZAAAAGQAAAAAAAAAZAAAAGQAAAAVAAAAYAAAAAAAAAAAAAAADwAAACADAAAAAAAAAAAAAAEAAACgMgAAVgcAAKr4//8BAAAAf39/AAEAAABkAAAAAAAAABQAAABAHwAAAAAAACYAAAAAAAAAwOD//wAAAAAmAAAAZAAAABYAAABMAAAAAAAAAAAAAAAEAAAAAAAAAAEAAACAgIAKAAAAACgAAAAoAAAAZAAAAGQAAAAAAAAAzMzMAAAAAABQAAAAUAAAAGQAAABkAAAAAAAAABcAAAAUAAAAAAAAAAAAAAD/fwAA/38AAAAAAAAJAAAABAAAAAAAAAAMAAAAEAAAAAAAAAAAAAAAAAAAAAAAAAAeAAAAaAAAAAAAAAAAAAAAAAAAAAAAAAAAAAAAECcAABAnAAAAAAAAAAAAAAAAAAAAAAAAAAAAAAAAAAAAAAAAAAAAABQAAAAAAAAAwMD/AAAAAABkAAAAMgAAAAAAAABkAAAAAAAAAH9/fwAKAAAAHwAAAFQAAAAAAAAFAAAAAQAAAAAAAAAAAAAAAAAAAAAAAAAAAAAAAAAAAAAAAAAAAAAAAn9/fwAAAAADzMzMAMDA/wB/f38AAAAAAAAAAAAAAAAAAAAAAAAAAAAhAAAAGAAAABQAAABQKAAAGycAAHA1AABZKQAAEAAAACYAAAAIAAAAAAAAAAAAAAA="/>
               </a:ext>
             </a:extLst>
           </p:cNvSpPr>
@@ -796,7 +796,7 @@
           <a:lstStyle/>
           <a:p>
             <a:pPr/>
-            <a:fld id="{3FF7223E-70D2-A2D4-9C4F-86816C016AD3}" type="slidenum">
+            <a:fld id="{3F82B172-3CD2-D747-9C3A-CA12FF746A9F}" type="slidenum">
               <a:t/>
             </a:fld>
           </a:p>
@@ -834,7 +834,7 @@
             <a:spLocks noGrp="1" noChangeArrowheads="1"/>
             <a:extLst>
               <a:ext uri="smNativeData">
-                <pr:smNativeData xmlns:pr="smNativeData" val="SMDATA_13_VnXdZRMAAAAlAAAAZAAAAA8BAAAAkAAAAEgAAACQAAAASAAAAAAAAAABAAAAAAAAAAEAAABQAAAAAAAAAAAA4D8AAAAAAADgPwAAAAAAAOA/AAAAAAAA4D8AAAAAAADgPwAAAAAAAOA/AAAAAAAA4D8AAAAAAADgPwAAAAAAAOA/AAAAAAAA4D8CAAAAjAAAAAAAAAAAAAAAu+DjDP///wgAAAAAAAAAAAAAAAAAAAAAAAAAAAAAAAAAAAAAZAAAAAEAAABAAAAAAAAAAAAAAAAAAAAAAAAAAAAAAAAAAAAAAAAAAAAAAAAAAAAAAAAAAAAAAAAAAAAAAAAAAAAAAAAAAAAAAAAAAAAAAAAAAAAAAAAAAAAAAAAAAAAAFAAAADwAAAAAAAAAAAAAAAAAAAkUAAAAAQAAABQAAAAUAAAAFAAAAAEAAAAAAAAAZAAAAGQAAAAAAAAAZAAAAGQAAAAVAAAAYAAAAAAAAAAAAAAADwAAACADAAAAAAAAAAAAAAEAAACgMgAAVgcAAKr4//8BAAAAf39/AAEAAABkAAAAAAAAABQAAABAHwAAAAAAACYAAAAAAAAAwOD//wAAAAAmAAAAZAAAABYAAABMAAAAAAAAAAAAAAAEAAAAAAAAAAEAAACAgIAKAAAAACgAAAAoAAAAZAAAAGQAAAAAAAAAzMzMAAAAAABQAAAAUAAAAGQAAABkAAAAAAAAABcAAAAUAAAAAAAAAAAAAAD/fwAA/38AAAAAAAAJAAAABAAAAAAAAAAMAAAAEAAAAAAAAAAAAAAAAAAAAAAAAAAeAAAAaAAAAAAAAAAAAAAAAAAAAAAAAAAAAAAAECcAABAnAAAAAAAAAAAAAAAAAAAAAAAAAAAAAAAAAAAAAAAAAAAAABQAAAAAAAAAwMD/AAAAAABkAAAAMgAAAAAAAABkAAAAAAAAAH9/fwAKAAAAHwAAAFQAAAAAAAAFAAAAAQAAAAAAAAAAAAAAAAAAAAAAAAAAAAAAAAAAAAAAAAAAAAAAAn9/fwAAAAADzMzMAMDA/wB/f38AAAAAAAAAAAAAAAAAAAAAAAAAAAAhAAAAGAAAABQAAADQAgAAsAEAAHA1AAC4CAAAEAAAACYAAAAIAAAAAAAAAAAAAAA="/>
+                <pr:smNativeData xmlns:pr="smNativeData" val="SMDATA_13_QBrgZRMAAAAlAAAAZAAAAA8BAAAAkAAAAEgAAACQAAAASAAAAAAAAAABAAAAAAAAAAEAAABQAAAAAAAAAAAA4D8AAAAAAADgPwAAAAAAAOA/AAAAAAAA4D8AAAAAAADgPwAAAAAAAOA/AAAAAAAA4D8AAAAAAADgPwAAAAAAAOA/AAAAAAAA4D8CAAAAjAAAAAAAAAAAAAAAu+DjDP///wgAAAAAAAAAAAAAAAAAAAAAAAAAAAAAAAAAAAAAZAAAAAEAAABAAAAAAAAAAAAAAAAAAAAAAAAAAAAAAAAAAAAAAAAAAAAAAAAAAAAAAAAAAAAAAAAAAAAAAAAAAAAAAAAAAAAAAAAAAAAAAAAAAAAAAAAAAAAAAAAAAAAAFAAAADwAAAAAAAAAAAAAAAAAAAkUAAAAAQAAABQAAAAUAAAAFAAAAAEAAAAAAAAAZAAAAGQAAAAAAAAAZAAAAGQAAAAVAAAAYAAAAAAAAAAAAAAADwAAACADAAAAAAAAAAAAAAEAAACgMgAAVgcAAKr4//8BAAAAf39/AAEAAABkAAAAAAAAABQAAABAHwAAAAAAACYAAAAAAAAAwOD//wAAAAAmAAAAZAAAABYAAABMAAAAAAAAAAAAAAAEAAAAAAAAAAEAAACAgIAKAAAAACgAAAAoAAAAZAAAAGQAAAAAAAAAzMzMAAAAAABQAAAAUAAAAGQAAABkAAAAAAAAABcAAAAUAAAAAAAAAAAAAAD/fwAA/38AAAAAAAAJAAAABAAAAAAAAAAMAAAAEAAAAAAAAAAAAAAAAAAAAAAAAAAeAAAAaAAAAAAAAAAAAAAAAAAAAAAAAAAAAAAAECcAABAnAAAAAAAAAAAAAAAAAAAAAAAAAAAAAAAAAAAAAAAAAAAAABQAAAAAAAAAwMD/AAAAAABkAAAAMgAAAAAAAABkAAAAAAAAAH9/fwAKAAAAHwAAAFQAAAAAAAAFAAAAAQAAAAAAAAAAAAAAAAAAAAAAAAAAAAAAAAAAAAAAAAAAAAAAAn9/fwAAAAADzMzMAMDA/wB/f38AAAAAAAAAAAAAAAAAAAAAAAAAAAAhAAAAGAAAABQAAADQAgAAsAEAAHA1AAC4CAAAEAAAACYAAAAIAAAAAAAAAAAAAAA="/>
               </a:ext>
             </a:extLst>
           </p:cNvSpPr>
@@ -861,7 +861,7 @@
             <a:spLocks noGrp="1" noChangeArrowheads="1"/>
             <a:extLst>
               <a:ext uri="smNativeData">
-                <pr:smNativeData xmlns:pr="smNativeData" val="SMDATA_13_VnXdZRMAAAAlAAAAZAAAAA8BAAAAkAAAAEgAAACQAAAASAAAAAAAAAAAAAAAAAAAAAEAAABQAAAAAAAAAAAA4D8AAAAAAADgPwAAAAAAAOA/AAAAAAAA4D8AAAAAAADgPwAAAAAAAOA/AAAAAAAA4D8AAAAAAADgPwAAAAAAAOA/AAAAAAAA4D8CAAAAjAAAAAAAAAAAAAAAu+DjDP///wgAAAAAAAAAAAAAAAAAAAAAAAAAAAAAAAAAAAAAZAAAAAEAAABAAAAAAAAAAAAAAAAAAAAAAAAAAAAAAAAAAAAAAAAAAAAAAAAAAAAAAAAAAAAAAAAAAAAAAAAAAAAAAAAAAAAAAAAAAAAAAAAAAAAAAAAAAAAAAAAAAAAAFAAAADwAAAAAAAAAAAAAAAAAAAkUAAAAAQAAABQAAAAUAAAAFAAAAAEAAAAAAAAAZAAAAGQAAAAAAAAAZAAAAGQAAAAVAAAAYAAAAAAAAAAAAAAADwAAACADAAAAAAAAAAAAAAEAAACgMgAAVgcAAKr4//8BAAAAf39/AAEAAABkAAAAAAAAABQAAABAHwAAAAAAACYAAAAAAAAAwOD//wAAAAAmAAAAZAAAABYAAABMAAAAAAAAAAAAAAAEAAAAAAAAAAEAAACAgIAKAAAAACgAAAAoAAAAZAAAAGQAAAAAAAAAzMzMAAAAAABQAAAAUAAAAGQAAABkAAAAAAAAABcAAAAUAAAAAAAAAAAAAAD/fwAA/38AAAAAAAAJAAAABAAAAAAAAAAMAAAAEAAAAAAAAAAAAAAAAAAAAAAAAAAeAAAAaAAAAAAAAAAAAAAAAAAAAAAAAAAAAAAAECcAABAnAAAAAAAAAAAAAAAAAAAAAAAAAAAAAAAAAAAAAAAAAAAAABQAAAAAAAAAwMD/AAAAAABkAAAAMgAAAAAAAABkAAAAAAAAAH9/fwAKAAAAHwAAAFQAAAAAAAAFAAAAAQAAAAAAAAAAAAAAAAAAAAAAAAAAAAAAAAAAAAAAAAAAAAAAAn9/fwAAAAADzMzMAMDA/wB/f38AAAAAAAAAAAAAAAAAAAAAAAAAAAAhAAAAGAAAABQAAADQAgAA2AkAAHA1AACwJQAAEAAAACYAAAAIAAAAAAAAAAAAAAA="/>
+                <pr:smNativeData xmlns:pr="smNativeData" val="SMDATA_13_QBrgZRMAAAAlAAAAZAAAAA8BAAAAkAAAAEgAAACQAAAASAAAAAAAAAAAAAAAAAAAAAEAAABQAAAAAAAAAAAA4D8AAAAAAADgPwAAAAAAAOA/AAAAAAAA4D8AAAAAAADgPwAAAAAAAOA/AAAAAAAA4D8AAAAAAADgPwAAAAAAAOA/AAAAAAAA4D8CAAAAjAAAAAAAAAAAAAAAu+DjDP///wgAAAAAAAAAAAAAAAAAAAAAAAAAAAAAAAAAAAAAZAAAAAEAAABAAAAAAAAAAAAAAAAAAAAAAAAAAAAAAAAAAAAAAAAAAAAAAAAAAAAAAAAAAAAAAAAAAAAAAAAAAAAAAAAAAAAAAAAAAAAAAAAAAAAAAAAAAAAAAAAAAAAAFAAAADwAAAAAAAAAAAAAAAAAAAkUAAAAAQAAABQAAAAUAAAAFAAAAAEAAAAAAAAAZAAAAGQAAAAAAAAAZAAAAGQAAAAVAAAAYAAAAAAAAAAAAAAADwAAACADAAAAAAAAAAAAAAEAAACgMgAAVgcAAKr4//8BAAAAf39/AAEAAABkAAAAAAAAABQAAABAHwAAAAAAACYAAAAAAAAAwOD//wAAAAAmAAAAZAAAABYAAABMAAAAAAAAAAAAAAAEAAAAAAAAAAEAAACAgIAKAAAAACgAAAAoAAAAZAAAAGQAAAAAAAAAzMzMAAAAAABQAAAAUAAAAGQAAABkAAAAAAAAABcAAAAUAAAAAAAAAAAAAAD/fwAA/38AAAAAAAAJAAAABAAAAAAAAAAMAAAAEAAAAAAAAAAAAAAAAAAAAAAAAAAeAAAAaAAAAAAAAAAAAAAAAAAAAAAAAAAAAAAAECcAABAnAAAAAAAAAAAAAAAAAAAAAAAAAAAAAAAAAAAAAAAAAAAAABQAAAAAAAAAwMD/AAAAAABkAAAAMgAAAAAAAABkAAAAAAAAAH9/fwAKAAAAHwAAAFQAAAAAAAAFAAAAAQAAAAAAAAAAAAAAAAAAAAAAAAAAAAAAAAAAAAAAAAAAAAAAAn9/fwAAAAADzMzMAMDA/wB/f38AAAAAAAAAAAAAAAAAAAAAAAAAAAAhAAAAGAAAABQAAADQAgAA2AkAAHA1AACwJQAAEAAAACYAAAAIAAAAAAAAAAAAAAA="/>
               </a:ext>
             </a:extLst>
           </p:cNvSpPr>
@@ -912,7 +912,7 @@
             <a:spLocks noGrp="1" noChangeArrowheads="1"/>
             <a:extLst>
               <a:ext uri="smNativeData">
-                <pr:smNativeData xmlns:pr="smNativeData" val="SMDATA_13_VnXdZRMAAAAlAAAAZAAAAA8BAAAAkAAAAEgAAACQAAAASAAAAAAAAAABAAAAAAAAAAEAAABQAAAAAAAAAAAA4D8AAAAAAADgPwAAAAAAAOA/AAAAAAAA4D8AAAAAAADgPwAAAAAAAOA/AAAAAAAA4D8AAAAAAADgPwAAAAAAAOA/AAAAAAAA4D8CAAAAjAAAAAAAAAAAAAAAu+DjDP///wgAAAAAAAAAAAAAAAAAAAAAAAAAAAAAAAAAAAAAZAAAAAEAAABAAAAAAAAAAAAAAAAAAAAAAAAAAAAAAAAAAAAAAAAAAAAAAAAAAAAAAAAAAAAAAAAAAAAAAAAAAAAAAAAAAAAAAAAAAAAAAAAAAAAAAAAAAAAAAAAAAAAAFAAAADwAAAAAAAAAAAAAAAAAAAkUAAAAAQAAABQAAAAUAAAAFAAAAAEAAAAAAAAAZAAAAGQAAAAAAAAAZAAAAGQAAAAVAAAAYAAAAAAAAAAAAAAADwAAACADAAAAAAAAAAAAAAEAAACgMgAAVgcAAKr4//8BAAAAf39/AAEAAABkAAAAAAAAABQAAABAHwAAAAAAACYAAAAAAAAAwOD//wAAAAAmAAAAZAAAABYAAABMAAAAAAAAAAAAAAAEAAAAAAAAAAEAAACAgIAKAAAAACgAAAAoAAAAZAAAAGQAAAAAAAAAzMzMAAAAAABQAAAAUAAAAGQAAABkAAAAAAAAABcAAAAUAAAAAAAAAAAAAAD/fwAA/38AAAAAAAAJAAAABAAAAAAAAAAMAAAAEAAAAAAAAAAAAAAAAAAAAAAAAAAeAAAAaAAAAAAAAAAAAAAAAAAAAAAAAAAAAAAAECcAABAnAAAAAAAAAAAAAAAAAAAAAAAAAAAAAAAAAAAAAAAAAAAAABQAAAAAAAAAwMD/AAAAAABkAAAAMgAAAAAAAABkAAAAAAAAAH9/fwAKAAAAHwAAAFQAAAAAAAAFAAAAAQAAAAAAAAAAAAAAAAAAAAAAAAAAAAAAAAAAAAAAAAAAAAAAAn9/fwAAAAADzMzMAMDA/wB/f38AAAAAAAAAAAAAAAAAAAAAAAAAAAAhAAAAGAAAABQAAADQAgAAGycAAPAPAABZKQAAEAAAACYAAAAIAAAAAAAAAAAAAAA="/>
+                <pr:smNativeData xmlns:pr="smNativeData" val="SMDATA_13_QBrgZRMAAAAlAAAAZAAAAA8BAAAAkAAAAEgAAACQAAAASAAAAAAAAAABAAAAAAAAAAEAAABQAAAAAAAAAAAA4D8AAAAAAADgPwAAAAAAAOA/AAAAAAAA4D8AAAAAAADgPwAAAAAAAOA/AAAAAAAA4D8AAAAAAADgPwAAAAAAAOA/AAAAAAAA4D8CAAAAjAAAAAAAAAAAAAAAu+DjDP///wgAAAAAAAAAAAAAAAAAAAAAAAAAAAAAAAAAAAAAZAAAAAEAAABAAAAAAAAAAAAAAAAAAAAAAAAAAAAAAAAAAAAAAAAAAAAAAAAAAAAAAAAAAAAAAAAAAAAAAAAAAAAAAAAAAAAAAAAAAAAAAAAAAAAAAAAAAAAAAAAAAAAAFAAAADwAAAAAAAAAAAAAAAAAAAkUAAAAAQAAABQAAAAUAAAAFAAAAAEAAAAAAAAAZAAAAGQAAAAAAAAAZAAAAGQAAAAVAAAAYAAAAAAAAAAAAAAADwAAACADAAAAAAAAAAAAAAEAAACgMgAAVgcAAKr4//8BAAAAf39/AAEAAABkAAAAAAAAABQAAABAHwAAAAAAACYAAAAAAAAAwOD//wAAAAAmAAAAZAAAABYAAABMAAAAAAAAAAAAAAAEAAAAAAAAAAEAAACAgIAKAAAAACgAAAAoAAAAZAAAAGQAAAAAAAAAzMzMAAAAAABQAAAAUAAAAGQAAABkAAAAAAAAABcAAAAUAAAAAAAAAAAAAAD/fwAA/38AAAAAAAAJAAAABAAAAAAAAAAMAAAAEAAAAAAAAAAAAAAAAAAAAAAAAAAeAAAAaAAAAAAAAAAAAAAAAAAAAAAAAAAAAAAAECcAABAnAAAAAAAAAAAAAAAAAAAAAAAAAAAAAAAAAAAAAAAAAAAAABQAAAAAAAAAwMD/AAAAAABkAAAAMgAAAAAAAABkAAAAAAAAAH9/fwAKAAAAHwAAAFQAAAAAAAAFAAAAAQAAAAAAAAAAAAAAAAAAAAAAAAAAAAAAAAAAAAAAAAAAAAAAAn9/fwAAAAADzMzMAMDA/wB/f38AAAAAAAAAAAAAAAAAAAAAAAAAAAAhAAAAGAAAABQAAADQAgAAGycAAPAPAABZKQAAEAAAACYAAAAIAAAAAAAAAAAAAAA="/>
               </a:ext>
             </a:extLst>
           </p:cNvSpPr>
@@ -926,7 +926,7 @@
           <a:lstStyle/>
           <a:p>
             <a:pPr/>
-            <a:fld id="{3FF72F63-2DD2-A2D9-9C4F-DB8C61016A8E}" type="datetime1">
+            <a:fld id="{3F82BA79-37D2-D74C-9C3A-C119F4746A94}" type="datetime1">
               <a:t/>
             </a:fld>
           </a:p>
@@ -939,7 +939,7 @@
             <a:spLocks noGrp="1" noChangeArrowheads="1"/>
             <a:extLst>
               <a:ext uri="smNativeData">
-                <pr:smNativeData xmlns:pr="smNativeData" val="SMDATA_13_VnXdZRMAAAAlAAAAZAAAAA8BAAAAkAAAAEgAAACQAAAASAAAAAAAAAABAAAAAAAAAAEAAABQAAAAAAAAAAAA4D8AAAAAAADgPwAAAAAAAOA/AAAAAAAA4D8AAAAAAADgPwAAAAAAAOA/AAAAAAAA4D8AAAAAAADgPwAAAAAAAOA/AAAAAAAA4D8CAAAAjAAAAAAAAAAAAAAAu+DjDP///wgAAAAAAAAAAAAAAAAAAAAAAAAAAAAAAAAAAAAAZAAAAAEAAABAAAAAAAAAAAAAAAAAAAAAAAAAAAAAAAAAAAAAAAAAAAAAAAAAAAAAAAAAAAAAAAAAAAAAAAAAAAAAAAAAAAAAAAAAAAAAAAAAAAAAAAAAAAAAAAAAAAAAFAAAADwAAAAAAAAAAAAAAAAAAAkUAAAAAQAAABQAAAAUAAAAFAAAAAEAAAAAAAAAZAAAAGQAAAAAAAAAZAAAAGQAAAAVAAAAYAAAAAAAAAAAAAAADwAAACADAAAAAAAAAAAAAAEAAACgMgAAVgcAAKr4//8BAAAAf39/AAEAAABkAAAAAAAAABQAAABAHwAAAAAAACYAAAAAAAAAwOD//wAAAAAmAAAAZAAAABYAAABMAAAAAAAAAAAAAAAEAAAAAAAAAAEAAACAgIAKAAAAACgAAAAoAAAAZAAAAGQAAAAAAAAAzMzMAAAAAABQAAAAUAAAAGQAAABkAAAAAAAAABcAAAAUAAAAAAAAAAAAAAD/fwAA/38AAAAAAAAJAAAABAAAAAAAAAAMAAAAEAAAAAAAAAAAAAAAAAAAAAAAAAAeAAAAaAAAAAAAAAAAAAAAAAAAAAAAAAAAAAAAECcAABAnAAAAAAAAAAAAAAAAAAAAAAAAAAAAAAAAAAAAAAAAAAAAABQAAAAAAAAAwMD/AAAAAABkAAAAMgAAAAAAAABkAAAAAAAAAH9/fwAKAAAAHwAAAFQAAAAAAAAFAAAAAQAAAAAAAAAAAAAAAAAAAAAAAAAAAAAAAAAAAAAAAAAAAAAAAn9/fwAAAAADzMzMAMDA/wB/f38AAAAAAAAAAAAAAAAAAAAAAAAAAAAhAAAAGAAAABQAAAA4EwAAGycAAAglAABZKQAAEAAAACYAAAAIAAAAAAAAAAAAAAA="/>
+                <pr:smNativeData xmlns:pr="smNativeData" val="SMDATA_13_QBrgZRMAAAAlAAAAZAAAAA8BAAAAkAAAAEgAAACQAAAASAAAAAAAAAABAAAAAAAAAAEAAABQAAAAAAAAAAAA4D8AAAAAAADgPwAAAAAAAOA/AAAAAAAA4D8AAAAAAADgPwAAAAAAAOA/AAAAAAAA4D8AAAAAAADgPwAAAAAAAOA/AAAAAAAA4D8CAAAAjAAAAAAAAAAAAAAAu+DjDP///wgAAAAAAAAAAAAAAAAAAAAAAAAAAAAAAAAAAAAAZAAAAAEAAABAAAAAAAAAAAAAAAAAAAAAAAAAAAAAAAAAAAAAAAAAAAAAAAAAAAAAAAAAAAAAAAAAAAAAAAAAAAAAAAAAAAAAAAAAAAAAAAAAAAAAAAAAAAAAAAAAAAAAFAAAADwAAAAAAAAAAAAAAAAAAAkUAAAAAQAAABQAAAAUAAAAFAAAAAEAAAAAAAAAZAAAAGQAAAAAAAAAZAAAAGQAAAAVAAAAYAAAAAAAAAAAAAAADwAAACADAAAAAAAAAAAAAAEAAACgMgAAVgcAAKr4//8BAAAAf39/AAEAAABkAAAAAAAAABQAAABAHwAAAAAAACYAAAAAAAAAwOD//wAAAAAmAAAAZAAAABYAAABMAAAAAAAAAAAAAAAEAAAAAAAAAAEAAACAgIAKAAAAACgAAAAoAAAAZAAAAGQAAAAAAAAAzMzMAAAAAABQAAAAUAAAAGQAAABkAAAAAAAAABcAAAAUAAAAAAAAAAAAAAD/fwAA/38AAAAAAAAJAAAABAAAAAAAAAAMAAAAEAAAAAAAAAAAAAAAAAAAAAAAAAAeAAAAaAAAAAAAAAAAAAAAAAAAAAAAAAAAAAAAECcAABAnAAAAAAAAAAAAAAAAAAAAAAAAAAAAAAAAAAAAAAAAAAAAABQAAAAAAAAAwMD/AAAAAABkAAAAMgAAAAAAAABkAAAAAAAAAH9/fwAKAAAAHwAAAFQAAAAAAAAFAAAAAQAAAAAAAAAAAAAAAAAAAAAAAAAAAAAAAAAAAAAAAAAAAAAAAn9/fwAAAAADzMzMAMDA/wB/f38AAAAAAAAAAAAAAAAAAAAAAAAAAAAhAAAAGAAAABQAAAA4EwAAGycAAAglAABZKQAAEAAAACYAAAAIAAAAAAAAAAAAAAA="/>
               </a:ext>
             </a:extLst>
           </p:cNvSpPr>
@@ -963,7 +963,7 @@
             <a:spLocks noGrp="1" noChangeArrowheads="1"/>
             <a:extLst>
               <a:ext uri="smNativeData">
-                <pr:smNativeData xmlns:pr="smNativeData" val="SMDATA_13_VnXdZRMAAAAlAAAAZAAAAA8BAAAAkAAAAEgAAACQAAAASAAAAAAAAAABAAAAAAAAAAEAAABQAAAAAAAAAAAA4D8AAAAAAADgPwAAAAAAAOA/AAAAAAAA4D8AAAAAAADgPwAAAAAAAOA/AAAAAAAA4D8AAAAAAADgPwAAAAAAAOA/AAAAAAAA4D8CAAAAjAAAAAAAAAAAAAAAu+DjDP///wgAAAAAAAAAAAAAAAAAAAAAAAAAAAAAAAAAAAAAZAAAAAEAAABAAAAAAAAAAAAAAAAAAAAAAAAAAAAAAAAAAAAAAAAAAAAAAAAAAAAAAAAAAAAAAAAAAAAAAAAAAAAAAAAAAAAAAAAAAAAAAAAAAAAAAAAAAAAAAAAAAAAAFAAAADwAAAAAAAAAAAAAAAAAAAkUAAAAAQAAABQAAAAUAAAAFAAAAAEAAAAAAAAAZAAAAGQAAAAAAAAAZAAAAGQAAAAVAAAAYAAAAAAAAAAAAAAADwAAACADAAAAAAAAAAAAAAEAAACgMgAAVgcAAKr4//8BAAAAf39/AAEAAABkAAAAAAAAABQAAABAHwAAAAAAACYAAAAAAAAAwOD//wAAAAAmAAAAZAAAABYAAABMAAAAAAAAAAAAAAAEAAAAAAAAAAEAAACAgIAKAAAAACgAAAAoAAAAZAAAAGQAAAAAAAAAzMzMAAAAAABQAAAAUAAAAGQAAABkAAAAAAAAABcAAAAUAAAAAAAAAAAAAAD/fwAA/38AAAAAAAAJAAAABAAAAAAAAAAMAAAAEAAAAAAAAAAAAAAAAAAAAAAAAAAeAAAAaAAAAAAAAAAAAAAAAAAAAAAAAAAAAAAAECcAABAnAAAAAAAAAAAAAAAAAAAAAAAAAAAAAAAAAAAAAAAAAAAAABQAAAAAAAAAwMD/AAAAAABkAAAAMgAAAAAAAABkAAAAAAAAAH9/fwAKAAAAHwAAAFQAAAAAAAAFAAAAAQAAAAAAAAAAAAAAAAAAAAAAAAAAAAAAAAAAAAAAAAAAAAAAAn9/fwAAAAADzMzMAMDA/wB/f38AAAAAAAAAAAAAAAAAAAAAAAAAAAAhAAAAGAAAABQAAABQKAAAGycAAHA1AABZKQAAEAAAACYAAAAIAAAAAAAAAAAAAAA="/>
+                <pr:smNativeData xmlns:pr="smNativeData" val="SMDATA_13_QBrgZRMAAAAlAAAAZAAAAA8BAAAAkAAAAEgAAACQAAAASAAAAAAAAAABAAAAAAAAAAEAAABQAAAAAAAAAAAA4D8AAAAAAADgPwAAAAAAAOA/AAAAAAAA4D8AAAAAAADgPwAAAAAAAOA/AAAAAAAA4D8AAAAAAADgPwAAAAAAAOA/AAAAAAAA4D8CAAAAjAAAAAAAAAAAAAAAu+DjDP///wgAAAAAAAAAAAAAAAAAAAAAAAAAAAAAAAAAAAAAZAAAAAEAAABAAAAAAAAAAAAAAAAAAAAAAAAAAAAAAAAAAAAAAAAAAAAAAAAAAAAAAAAAAAAAAAAAAAAAAAAAAAAAAAAAAAAAAAAAAAAAAAAAAAAAAAAAAAAAAAAAAAAAFAAAADwAAAAAAAAAAAAAAAAAAAkUAAAAAQAAABQAAAAUAAAAFAAAAAEAAAAAAAAAZAAAAGQAAAAAAAAAZAAAAGQAAAAVAAAAYAAAAAAAAAAAAAAADwAAACADAAAAAAAAAAAAAAEAAACgMgAAVgcAAKr4//8BAAAAf39/AAEAAABkAAAAAAAAABQAAABAHwAAAAAAACYAAAAAAAAAwOD//wAAAAAmAAAAZAAAABYAAABMAAAAAAAAAAAAAAAEAAAAAAAAAAEAAACAgIAKAAAAACgAAAAoAAAAZAAAAGQAAAAAAAAAzMzMAAAAAABQAAAAUAAAAGQAAABkAAAAAAAAABcAAAAUAAAAAAAAAAAAAAD/fwAA/38AAAAAAAAJAAAABAAAAAAAAAAMAAAAEAAAAAAAAAAAAAAAAAAAAAAAAAAeAAAAaAAAAAAAAAAAAAAAAAAAAAAAAAAAAAAAECcAABAnAAAAAAAAAAAAAAAAAAAAAAAAAAAAAAAAAAAAAAAAAAAAABQAAAAAAAAAwMD/AAAAAABkAAAAMgAAAAAAAABkAAAAAAAAAH9/fwAKAAAAHwAAAFQAAAAAAAAFAAAAAQAAAAAAAAAAAAAAAAAAAAAAAAAAAAAAAAAAAAAAAAAAAAAAAn9/fwAAAAADzMzMAMDA/wB/f38AAAAAAAAAAAAAAAAAAAAAAAAAAAAhAAAAGAAAABQAAABQKAAAGycAAHA1AABZKQAAEAAAACYAAAAIAAAAAAAAAAAAAAA="/>
               </a:ext>
             </a:extLst>
           </p:cNvSpPr>
@@ -977,7 +977,7 @@
           <a:lstStyle/>
           <a:p>
             <a:pPr/>
-            <a:fld id="{3FF756FA-B4D2-A2A0-9C4F-42F518016A17}" type="slidenum">
+            <a:fld id="{3F82F19A-D4D2-D707-9C3A-2252BF746A77}" type="slidenum">
               <a:t/>
             </a:fld>
           </a:p>
@@ -1015,7 +1015,7 @@
             <a:spLocks noGrp="1" noChangeArrowheads="1"/>
             <a:extLst>
               <a:ext uri="smNativeData">
-                <pr:smNativeData xmlns:pr="smNativeData" val="SMDATA_13_VnXdZRMAAAAlAAAAZAAAAA8BAAAAkAAAAEgAAACQAAAASAAAAAAAAAAAAAAAAAAAAAEAAABQAAAAAAAAAAAA4D8AAAAAAADgPwAAAAAAAOA/AAAAAAAA4D8AAAAAAADgPwAAAAAAAOA/AAAAAAAA4D8AAAAAAADgPwAAAAAAAOA/AAAAAAAA4D8CAAAAjAAAAAAAAAAAAAAAu+DjDP///wgAAAAAAAAAAAAAAAAAAAAAAAAAAAAAAAAAAAAAZAAAAAEAAABAAAAAAAAAAAAAAAAAAAAAAAAAAAAAAAAAAAAAAAAAAAAAAAAAAAAAAAAAAAAAAAAAAAAAAAAAAAAAAAAAAAAAAAAAAAAAAAAAAAAAAAAAAAAAAAAAAAAAFAAAADwAAAAAAAAAAAAAAAAAAAkUAAAAAQAAABQAAAAUAAAAFAAAAAEAAAAAAAAAZAAAAGQAAAAAAAAAZAAAAGQAAAAVAAAAYAAAAAAAAAAAAAAADwAAACADAAAAAAAAAAAAAAEAAACgMgAAVgcAAKr4//8BAAAAf39/AAEAAABkAAAAAAAAABQAAABAHwAAAAAAACYAAAAAAAAAwOD//wAAAAAmAAAAZAAAABYAAABMAAAAAAAAAAAAAAAEAAAAAAAAAAEAAACAgIAKAAAAACgAAAAoAAAAZAAAAGQAAAAAAAAAzMzMAAAAAABQAAAAUAAAAGQAAABkAAAAAAAAABcAAAAUAAAAAAAAAAAAAAD/fwAA/38AAAAAAAAJAAAABAAAAAAAAAAMAAAAEAAAAAAAAAAAAAAAAAAAAAAAAAAeAAAAaAAAAAAAAAAAAAAAAAAAAAAAAAAAAAAAECcAABAnAAAAAAAAAAAAAAAAAAAAAAAAAAAAAAAAAAAAAAAAAAAAABQAAAAAAAAAwMD/AAAAAABkAAAAMgAAAAAAAABkAAAAAAAAAH9/fwAKAAAAHwAAAFQAAAAAAAAFAAAAAQAAAAAAAAAAAAAAAAAAAAAAAAAAAAAAAAAAAAAAAAAAAAAAAn9/fwAAAAADzMzMAMDA/wB/f38AAAAAAAAAAAAAAAAAAAAAAAAAAAAhAAAAGAAAABQAAAByBAAAHBsAAEI0AAB9IwAAEAAAACYAAAAIAAAAgYAAAAAAAAA="/>
+                <pr:smNativeData xmlns:pr="smNativeData" val="SMDATA_13_QBrgZRMAAAAlAAAAZAAAAA8BAAAAkAAAAEgAAACQAAAASAAAAAAAAAAAAAAAAAAAAAEAAABQAAAAAAAAAAAA4D8AAAAAAADgPwAAAAAAAOA/AAAAAAAA4D8AAAAAAADgPwAAAAAAAOA/AAAAAAAA4D8AAAAAAADgPwAAAAAAAOA/AAAAAAAA4D8CAAAAjAAAAAAAAAAAAAAAu+DjDP///wgAAAAAAAAAAAAAAAAAAAAAAAAAAAAAAAAAAAAAZAAAAAEAAABAAAAAAAAAAAAAAAAAAAAAAAAAAAAAAAAAAAAAAAAAAAAAAAAAAAAAAAAAAAAAAAAAAAAAAAAAAAAAAAAAAAAAAAAAAAAAAAAAAAAAAAAAAAAAAAAAAAAAFAAAADwAAAAAAAAAAAAAAAAAAAkUAAAAAQAAABQAAAAUAAAAFAAAAAEAAAAAAAAAZAAAAGQAAAAAAAAAZAAAAGQAAAAVAAAAYAAAAAAAAAAAAAAADwAAACADAAAAAAAAAAAAAAEAAACgMgAAVgcAAKr4//8BAAAAf39/AAEAAABkAAAAAAAAABQAAABAHwAAAAAAACYAAAAAAAAAwOD//wAAAAAmAAAAZAAAABYAAABMAAAAAAAAAAAAAAAEAAAAAAAAAAEAAACAgIAKAAAAACgAAAAoAAAAZAAAAGQAAAAAAAAAzMzMAAAAAABQAAAAUAAAAGQAAABkAAAAAAAAABcAAAAUAAAAAAAAAAAAAAD/fwAA/38AAAAAAAAJAAAABAAAAAAAAAAMAAAAEAAAAAAAAAAAAAAAAAAAAAAAAAAeAAAAaAAAAAAAAAAAAAAAAAAAAAAAAAAAAAAAECcAABAnAAAAAAAAAAAAAAAAAAAAAAAAAAAAAAAAAAAAAAAAAAAAABQAAAAAAAAAwMD/AAAAAABkAAAAMgAAAAAAAABkAAAAAAAAAH9/fwAKAAAAHwAAAFQAAAAAAAAFAAAAAQAAAAAAAAAAAAAAAAAAAAAAAAAAAAAAAAAAAAAAAAAAAAAAAn9/fwAAAAADzMzMAMDA/wB/f38AAAAAAAAAAAAAAAAAAAAAAAAAAAAhAAAAGAAAABQAAAByBAAAHBsAAEI0AAB9IwAAEAAAACYAAAAIAAAAgYAAAAAAAAA="/>
               </a:ext>
             </a:extLst>
           </p:cNvSpPr>
@@ -1057,7 +1057,7 @@
             <a:spLocks noGrp="1" noChangeArrowheads="1"/>
             <a:extLst>
               <a:ext uri="smNativeData">
-                <pr:smNativeData xmlns:pr="smNativeData" val="SMDATA_13_VnXdZRMAAAAlAAAAZAAAAA8BAAAAkAAAAEgAAACQAAAASAAAAAAAAAACAAAAAAAAAAEAAABQAAAAAAAAAAAA4D8AAAAAAADgPwAAAAAAAOA/AAAAAAAA4D8AAAAAAADgPwAAAAAAAOA/AAAAAAAA4D8AAAAAAADgPwAAAAAAAOA/AAAAAAAA4D8CAAAAjAAAAAAAAAAAAAAAu+DjDP///wgAAAAAAAAAAAAAAAAAAAAAAAAAAAAAAAAAAAAAZAAAAAEAAABAAAAAAAAAAAAAAAAAAAAAAAAAAAAAAAAAAAAAAAAAAAAAAAAAAAAAAAAAAAAAAAAAAAAAAAAAAAAAAAAAAAAAAAAAAAAAAAAAAAAAAAAAAAAAAAAAAAAAFAAAADwAAAAAAAAAAAAAAAAAAAkUAAAAAQAAABQAAAAUAAAAFAAAAAEAAAAAAAAAZAAAAGQAAAAAAAAAZAAAAGQAAAAVAAAAYAAAAAAAAAAAAAAADwAAACADAAAAAAAAAAAAAAEAAACgMgAAVgcAAKr4//8BAAAAf39/AAEAAABkAAAAAAAAABQAAABAHwAAAAAAACYAAAAAAAAAwOD//wAAAAAmAAAAZAAAABYAAABMAAAAAAAAAAAAAAAEAAAAAAAAAAEAAACAgIAKAAAAACgAAAAoAAAAZAAAAGQAAAAAAAAAzMzMAAAAAABQAAAAUAAAAGQAAABkAAAAAAAAABcAAAAUAAAAAAAAAAAAAAD/fwAA/38AAAAAAAAJAAAABAAAAAAAAAAMAAAAEAAAAAAAAAAAAAAAAAAAAAAAAAAeAAAAaAAAAAAAAAAAAAAAAAAAAAAAAAAAAAAAECcAABAnAAAAAAAAAAAAAAAAAAAAAAAAAAAAAAAAAAAAAAAAAAAAABQAAAAAAAAAwMD/AAAAAABkAAAAMgAAAAAAAABkAAAAAAAAAH9/fwAKAAAAHwAAAFQAAAAAAAAFAAAAAQAAAAAAAAAAAAAAAAAAAAAAAAAAAAAAAAAAAAAAAAAAAAAAAn9/fwAAAAADzMzMAMDA/wB/f38AAAAAAAAAAAAAAAAAAAAAAAAAAAAhAAAAGAAAABQAAAByBAAA4REAAEI0AAAcGwAAEAAAACYAAAAIAAAAgYAAAAAAAAA="/>
+                <pr:smNativeData xmlns:pr="smNativeData" val="SMDATA_13_QBrgZRMAAAAlAAAAZAAAAA8BAAAAkAAAAEgAAACQAAAASAAAAAAAAAACAAAAAAAAAAEAAABQAAAAAAAAAAAA4D8AAAAAAADgPwAAAAAAAOA/AAAAAAAA4D8AAAAAAADgPwAAAAAAAOA/AAAAAAAA4D8AAAAAAADgPwAAAAAAAOA/AAAAAAAA4D8CAAAAjAAAAAAAAAAAAAAAu+DjDP///wgAAAAAAAAAAAAAAAAAAAAAAAAAAAAAAAAAAAAAZAAAAAEAAABAAAAAAAAAAAAAAAAAAAAAAAAAAAAAAAAAAAAAAAAAAAAAAAAAAAAAAAAAAAAAAAAAAAAAAAAAAAAAAAAAAAAAAAAAAAAAAAAAAAAAAAAAAAAAAAAAAAAAFAAAADwAAAAAAAAAAAAAAAAAAAkUAAAAAQAAABQAAAAUAAAAFAAAAAEAAAAAAAAAZAAAAGQAAAAAAAAAZAAAAGQAAAAVAAAAYAAAAAAAAAAAAAAADwAAACADAAAAAAAAAAAAAAEAAACgMgAAVgcAAKr4//8BAAAAf39/AAEAAABkAAAAAAAAABQAAABAHwAAAAAAACYAAAAAAAAAwOD//wAAAAAmAAAAZAAAABYAAABMAAAAAAAAAAAAAAAEAAAAAAAAAAEAAACAgIAKAAAAACgAAAAoAAAAZAAAAGQAAAAAAAAAzMzMAAAAAABQAAAAUAAAAGQAAABkAAAAAAAAABcAAAAUAAAAAAAAAAAAAAD/fwAA/38AAAAAAAAJAAAABAAAAAAAAAAMAAAAEAAAAAAAAAAAAAAAAAAAAAAAAAAeAAAAaAAAAAAAAAAAAAAAAAAAAAAAAAAAAAAAECcAABAnAAAAAAAAAAAAAAAAAAAAAAAAAAAAAAAAAAAAAAAAAAAAABQAAAAAAAAAwMD/AAAAAABkAAAAMgAAAAAAAABkAAAAAAAAAH9/fwAKAAAAHwAAAFQAAAAAAAAFAAAAAQAAAAAAAAAAAAAAAAAAAAAAAAAAAAAAAAAAAAAAAAAAAAAAAn9/fwAAAAADzMzMAMDA/wB/f38AAAAAAAAAAAAAAAAAAAAAAAAAAAAhAAAAGAAAABQAAAByBAAA4REAAEI0AAAcGwAAEAAAACYAAAAIAAAAgYAAAAAAAAA="/>
               </a:ext>
             </a:extLst>
           </p:cNvSpPr>
@@ -1130,7 +1130,7 @@
             <a:spLocks noGrp="1" noChangeArrowheads="1"/>
             <a:extLst>
               <a:ext uri="smNativeData">
-                <pr:smNativeData xmlns:pr="smNativeData" val="SMDATA_13_VnXdZRMAAAAlAAAAZAAAAA8BAAAAkAAAAEgAAACQAAAASAAAAAAAAAABAAAAAAAAAAEAAABQAAAAAAAAAAAA4D8AAAAAAADgPwAAAAAAAOA/AAAAAAAA4D8AAAAAAADgPwAAAAAAAOA/AAAAAAAA4D8AAAAAAADgPwAAAAAAAOA/AAAAAAAA4D8CAAAAjAAAAAAAAAAAAAAAu+DjDP///wgAAAAAAAAAAAAAAAAAAAAAAAAAAAAAAAAAAAAAZAAAAAEAAABAAAAAAAAAAAAAAAAAAAAAAAAAAAAAAAAAAAAAAAAAAAAAAAAAAAAAAAAAAAAAAAAAAAAAAAAAAAAAAAAAAAAAAAAAAAAAAAAAAAAAAAAAAAAAAAAAAAAAFAAAADwAAAAAAAAAAAAAAAAAAAkUAAAAAQAAABQAAAAUAAAAFAAAAAEAAAAAAAAAZAAAAGQAAAAAAAAAZAAAAGQAAAAVAAAAYAAAAAAAAAAAAAAADwAAACADAAAAAAAAAAAAAAEAAACgMgAAVgcAAKr4//8BAAAAf39/AAEAAABkAAAAAAAAABQAAABAHwAAAAAAACYAAAAAAAAAwOD//wAAAAAmAAAAZAAAABYAAABMAAAAAAAAAAAAAAAEAAAAAAAAAAEAAACAgIAKAAAAACgAAAAoAAAAZAAAAGQAAAAAAAAAzMzMAAAAAABQAAAAUAAAAGQAAABkAAAAAAAAABcAAAAUAAAAAAAAAAAAAAD/fwAA/38AAAAAAAAJAAAABAAAAAAAAAAMAAAAEAAAAAAAAAAAAAAAAAAAAAAAAAAeAAAAaAAAAAAAAAAAAAAAAAAAAAAAAAAAAAAAECcAABAnAAAAAAAAAAAAAAAAAAAAAAAAAAAAAAAAAAAAAAAAAAAAABQAAAAAAAAAwMD/AAAAAABkAAAAMgAAAAAAAABkAAAAAAAAAH9/fwAKAAAAHwAAAFQAAAAAAAAFAAAAAQAAAAAAAAAAAAAAAAAAAAAAAAAAAAAAAAAAAAAAAAAAAAAAAn9/fwAAAAADzMzMAMDA/wB/f38AAAAAAAAAAAAAAAAAAAAAAAAAAAAhAAAAGAAAABQAAADQAgAAGycAAPAPAABZKQAAEAAAACYAAAAIAAAAAAAAAAAAAAA="/>
+                <pr:smNativeData xmlns:pr="smNativeData" val="SMDATA_13_QBrgZRMAAAAlAAAAZAAAAA8BAAAAkAAAAEgAAACQAAAASAAAAAAAAAABAAAAAAAAAAEAAABQAAAAAAAAAAAA4D8AAAAAAADgPwAAAAAAAOA/AAAAAAAA4D8AAAAAAADgPwAAAAAAAOA/AAAAAAAA4D8AAAAAAADgPwAAAAAAAOA/AAAAAAAA4D8CAAAAjAAAAAAAAAAAAAAAu+DjDP///wgAAAAAAAAAAAAAAAAAAAAAAAAAAAAAAAAAAAAAZAAAAAEAAABAAAAAAAAAAAAAAAAAAAAAAAAAAAAAAAAAAAAAAAAAAAAAAAAAAAAAAAAAAAAAAAAAAAAAAAAAAAAAAAAAAAAAAAAAAAAAAAAAAAAAAAAAAAAAAAAAAAAAFAAAADwAAAAAAAAAAAAAAAAAAAkUAAAAAQAAABQAAAAUAAAAFAAAAAEAAAAAAAAAZAAAAGQAAAAAAAAAZAAAAGQAAAAVAAAAYAAAAAAAAAAAAAAADwAAACADAAAAAAAAAAAAAAEAAACgMgAAVgcAAKr4//8BAAAAf39/AAEAAABkAAAAAAAAABQAAABAHwAAAAAAACYAAAAAAAAAwOD//wAAAAAmAAAAZAAAABYAAABMAAAAAAAAAAAAAAAEAAAAAAAAAAEAAACAgIAKAAAAACgAAAAoAAAAZAAAAGQAAAAAAAAAzMzMAAAAAABQAAAAUAAAAGQAAABkAAAAAAAAABcAAAAUAAAAAAAAAAAAAAD/fwAA/38AAAAAAAAJAAAABAAAAAAAAAAMAAAAEAAAAAAAAAAAAAAAAAAAAAAAAAAeAAAAaAAAAAAAAAAAAAAAAAAAAAAAAAAAAAAAECcAABAnAAAAAAAAAAAAAAAAAAAAAAAAAAAAAAAAAAAAAAAAAAAAABQAAAAAAAAAwMD/AAAAAABkAAAAMgAAAAAAAABkAAAAAAAAAH9/fwAKAAAAHwAAAFQAAAAAAAAFAAAAAQAAAAAAAAAAAAAAAAAAAAAAAAAAAAAAAAAAAAAAAAAAAAAAAn9/fwAAAAADzMzMAMDA/wB/f38AAAAAAAAAAAAAAAAAAAAAAAAAAAAhAAAAGAAAABQAAADQAgAAGycAAPAPAABZKQAAEAAAACYAAAAIAAAAAAAAAAAAAAA="/>
               </a:ext>
             </a:extLst>
           </p:cNvSpPr>
@@ -1144,7 +1144,7 @@
           <a:lstStyle/>
           <a:p>
             <a:pPr/>
-            <a:fld id="{3FF710B1-FFD2-A2E6-9C4F-09B35E016A5C}" type="datetime1">
+            <a:fld id="{3F82D974-3AD2-D72F-9C3A-CC7A97746A99}" type="datetime1">
               <a:t/>
             </a:fld>
           </a:p>
@@ -1157,7 +1157,7 @@
             <a:spLocks noGrp="1" noChangeArrowheads="1"/>
             <a:extLst>
               <a:ext uri="smNativeData">
-                <pr:smNativeData xmlns:pr="smNativeData" val="SMDATA_13_VnXdZRMAAAAlAAAAZAAAAA8BAAAAkAAAAEgAAACQAAAASAAAAAAAAAABAAAAAAAAAAEAAABQAAAAAAAAAAAA4D8AAAAAAADgPwAAAAAAAOA/AAAAAAAA4D8AAAAAAADgPwAAAAAAAOA/AAAAAAAA4D8AAAAAAADgPwAAAAAAAOA/AAAAAAAA4D8CAAAAjAAAAAAAAAAAAAAAu+DjDP///wgAAAAAAAAAAAAAAAAAAAAAAAAAAAAAAAAAAAAAZAAAAAEAAABAAAAAAAAAAAAAAAAAAAAAAAAAAAAAAAAAAAAAAAAAAAAAAAAAAAAAAAAAAAAAAAAAAAAAAAAAAAAAAAAAAAAAAAAAAAAAAAAAAAAAAAAAAAAAAAAAAAAAFAAAADwAAAAAAAAAAAAAAAAAAAkUAAAAAQAAABQAAAAUAAAAFAAAAAEAAAAAAAAAZAAAAGQAAAAAAAAAZAAAAGQAAAAVAAAAYAAAAAAAAAAAAAAADwAAACADAAAAAAAAAAAAAAEAAACgMgAAVgcAAKr4//8BAAAAf39/AAEAAABkAAAAAAAAABQAAABAHwAAAAAAACYAAAAAAAAAwOD//wAAAAAmAAAAZAAAABYAAABMAAAAAAAAAAAAAAAEAAAAAAAAAAEAAACAgIAKAAAAACgAAAAoAAAAZAAAAGQAAAAAAAAAzMzMAAAAAABQAAAAUAAAAGQAAABkAAAAAAAAABcAAAAUAAAAAAAAAAAAAAD/fwAA/38AAAAAAAAJAAAABAAAAAAAAAAMAAAAEAAAAAAAAAAAAAAAAAAAAAAAAAAeAAAAaAAAAAAAAAAAAAAAAAAAAAAAAAAAAAAAECcAABAnAAAAAAAAAAAAAAAAAAAAAAAAAAAAAAAAAAAAAAAAAAAAABQAAAAAAAAAwMD/AAAAAABkAAAAMgAAAAAAAABkAAAAAAAAAH9/fwAKAAAAHwAAAFQAAAAAAAAFAAAAAQAAAAAAAAAAAAAAAAAAAAAAAAAAAAAAAAAAAAAAAAAAAAAAAn9/fwAAAAADzMzMAMDA/wB/f38AAAAAAAAAAAAAAAAAAAAAAAAAAAAhAAAAGAAAABQAAAA4EwAAGycAAAglAABZKQAAEAAAACYAAAAIAAAAAAAAAAAAAAA="/>
+                <pr:smNativeData xmlns:pr="smNativeData" val="SMDATA_13_QBrgZRMAAAAlAAAAZAAAAA8BAAAAkAAAAEgAAACQAAAASAAAAAAAAAABAAAAAAAAAAEAAABQAAAAAAAAAAAA4D8AAAAAAADgPwAAAAAAAOA/AAAAAAAA4D8AAAAAAADgPwAAAAAAAOA/AAAAAAAA4D8AAAAAAADgPwAAAAAAAOA/AAAAAAAA4D8CAAAAjAAAAAAAAAAAAAAAu+DjDP///wgAAAAAAAAAAAAAAAAAAAAAAAAAAAAAAAAAAAAAZAAAAAEAAABAAAAAAAAAAAAAAAAAAAAAAAAAAAAAAAAAAAAAAAAAAAAAAAAAAAAAAAAAAAAAAAAAAAAAAAAAAAAAAAAAAAAAAAAAAAAAAAAAAAAAAAAAAAAAAAAAAAAAFAAAADwAAAAAAAAAAAAAAAAAAAkUAAAAAQAAABQAAAAUAAAAFAAAAAEAAAAAAAAAZAAAAGQAAAAAAAAAZAAAAGQAAAAVAAAAYAAAAAAAAAAAAAAADwAAACADAAAAAAAAAAAAAAEAAACgMgAAVgcAAKr4//8BAAAAf39/AAEAAABkAAAAAAAAABQAAABAHwAAAAAAACYAAAAAAAAAwOD//wAAAAAmAAAAZAAAABYAAABMAAAAAAAAAAAAAAAEAAAAAAAAAAEAAACAgIAKAAAAACgAAAAoAAAAZAAAAGQAAAAAAAAAzMzMAAAAAABQAAAAUAAAAGQAAABkAAAAAAAAABcAAAAUAAAAAAAAAAAAAAD/fwAA/38AAAAAAAAJAAAABAAAAAAAAAAMAAAAEAAAAAAAAAAAAAAAAAAAAAAAAAAeAAAAaAAAAAAAAAAAAAAAAAAAAAAAAAAAAAAAECcAABAnAAAAAAAAAAAAAAAAAAAAAAAAAAAAAAAAAAAAAAAAAAAAABQAAAAAAAAAwMD/AAAAAABkAAAAMgAAAAAAAABkAAAAAAAAAH9/fwAKAAAAHwAAAFQAAAAAAAAFAAAAAQAAAAAAAAAAAAAAAAAAAAAAAAAAAAAAAAAAAAAAAAAAAAAAAn9/fwAAAAADzMzMAMDA/wB/f38AAAAAAAAAAAAAAAAAAAAAAAAAAAAhAAAAGAAAABQAAAA4EwAAGycAAAglAABZKQAAEAAAACYAAAAIAAAAAAAAAAAAAAA="/>
               </a:ext>
             </a:extLst>
           </p:cNvSpPr>
@@ -1181,7 +1181,7 @@
             <a:spLocks noGrp="1" noChangeArrowheads="1"/>
             <a:extLst>
               <a:ext uri="smNativeData">
-                <pr:smNativeData xmlns:pr="smNativeData" val="SMDATA_13_VnXdZRMAAAAlAAAAZAAAAA8BAAAAkAAAAEgAAACQAAAASAAAAAAAAAABAAAAAAAAAAEAAABQAAAAAAAAAAAA4D8AAAAAAADgPwAAAAAAAOA/AAAAAAAA4D8AAAAAAADgPwAAAAAAAOA/AAAAAAAA4D8AAAAAAADgPwAAAAAAAOA/AAAAAAAA4D8CAAAAjAAAAAAAAAAAAAAAu+DjDP///wgAAAAAAAAAAAAAAAAAAAAAAAAAAAAAAAAAAAAAZAAAAAEAAABAAAAAAAAAAAAAAAAAAAAAAAAAAAAAAAAAAAAAAAAAAAAAAAAAAAAAAAAAAAAAAAAAAAAAAAAAAAAAAAAAAAAAAAAAAAAAAAAAAAAAAAAAAAAAAAAAAAAAFAAAADwAAAAAAAAAAAAAAAAAAAkUAAAAAQAAABQAAAAUAAAAFAAAAAEAAAAAAAAAZAAAAGQAAAAAAAAAZAAAAGQAAAAVAAAAYAAAAAAAAAAAAAAADwAAACADAAAAAAAAAAAAAAEAAACgMgAAVgcAAKr4//8BAAAAf39/AAEAAABkAAAAAAAAABQAAABAHwAAAAAAACYAAAAAAAAAwOD//wAAAAAmAAAAZAAAABYAAABMAAAAAAAAAAAAAAAEAAAAAAAAAAEAAACAgIAKAAAAACgAAAAoAAAAZAAAAGQAAAAAAAAAzMzMAAAAAABQAAAAUAAAAGQAAABkAAAAAAAAABcAAAAUAAAAAAAAAAAAAAD/fwAA/38AAAAAAAAJAAAABAAAAAAAAAAMAAAAEAAAAAAAAAAAAAAAAAAAAAAAAAAeAAAAaAAAAAAAAAAAAAAAAAAAAAAAAAAAAAAAECcAABAnAAAAAAAAAAAAAAAAAAAAAAAAAAAAAAAAAAAAAAAAAAAAABQAAAAAAAAAwMD/AAAAAABkAAAAMgAAAAAAAABkAAAAAAAAAH9/fwAKAAAAHwAAAFQAAAAAAAAFAAAAAQAAAAAAAAAAAAAAAAAAAAAAAAAAAAAAAAAAAAAAAAAAAAAAAn9/fwAAAAADzMzMAMDA/wB/f38AAAAAAAAAAAAAAAAAAAAAAAAAAAAhAAAAGAAAABQAAABQKAAAGycAAHA1AABZKQAAEAAAACYAAAAIAAAAAAAAAAAAAAA="/>
+                <pr:smNativeData xmlns:pr="smNativeData" val="SMDATA_13_QBrgZRMAAAAlAAAAZAAAAA8BAAAAkAAAAEgAAACQAAAASAAAAAAAAAABAAAAAAAAAAEAAABQAAAAAAAAAAAA4D8AAAAAAADgPwAAAAAAAOA/AAAAAAAA4D8AAAAAAADgPwAAAAAAAOA/AAAAAAAA4D8AAAAAAADgPwAAAAAAAOA/AAAAAAAA4D8CAAAAjAAAAAAAAAAAAAAAu+DjDP///wgAAAAAAAAAAAAAAAAAAAAAAAAAAAAAAAAAAAAAZAAAAAEAAABAAAAAAAAAAAAAAAAAAAAAAAAAAAAAAAAAAAAAAAAAAAAAAAAAAAAAAAAAAAAAAAAAAAAAAAAAAAAAAAAAAAAAAAAAAAAAAAAAAAAAAAAAAAAAAAAAAAAAFAAAADwAAAAAAAAAAAAAAAAAAAkUAAAAAQAAABQAAAAUAAAAFAAAAAEAAAAAAAAAZAAAAGQAAAAAAAAAZAAAAGQAAAAVAAAAYAAAAAAAAAAAAAAADwAAACADAAAAAAAAAAAAAAEAAACgMgAAVgcAAKr4//8BAAAAf39/AAEAAABkAAAAAAAAABQAAABAHwAAAAAAACYAAAAAAAAAwOD//wAAAAAmAAAAZAAAABYAAABMAAAAAAAAAAAAAAAEAAAAAAAAAAEAAACAgIAKAAAAACgAAAAoAAAAZAAAAGQAAAAAAAAAzMzMAAAAAABQAAAAUAAAAGQAAABkAAAAAAAAABcAAAAUAAAAAAAAAAAAAAD/fwAA/38AAAAAAAAJAAAABAAAAAAAAAAMAAAAEAAAAAAAAAAAAAAAAAAAAAAAAAAeAAAAaAAAAAAAAAAAAAAAAAAAAAAAAAAAAAAAECcAABAnAAAAAAAAAAAAAAAAAAAAAAAAAAAAAAAAAAAAAAAAAAAAABQAAAAAAAAAwMD/AAAAAABkAAAAMgAAAAAAAABkAAAAAAAAAH9/fwAKAAAAHwAAAFQAAAAAAAAFAAAAAQAAAAAAAAAAAAAAAAAAAAAAAAAAAAAAAAAAAAAAAAAAAAAAAn9/fwAAAAADzMzMAMDA/wB/f38AAAAAAAAAAAAAAAAAAAAAAAAAAAAhAAAAGAAAABQAAABQKAAAGycAAHA1AABZKQAAEAAAACYAAAAIAAAAAAAAAAAAAAA="/>
               </a:ext>
             </a:extLst>
           </p:cNvSpPr>
@@ -1195,7 +1195,7 @@
           <a:lstStyle/>
           <a:p>
             <a:pPr/>
-            <a:fld id="{3FF77FE4-AAD2-A289-9C4F-5CDC31016A09}" type="slidenum">
+            <a:fld id="{3F82A8FB-B5D2-D75E-9C3A-430BE6746A16}" type="slidenum">
               <a:t/>
             </a:fld>
           </a:p>
@@ -1233,7 +1233,7 @@
             <a:spLocks noGrp="1" noChangeArrowheads="1"/>
             <a:extLst>
               <a:ext uri="smNativeData">
-                <pr:smNativeData xmlns:pr="smNativeData" val="SMDATA_13_VnXdZRMAAAAlAAAAZAAAAA8BAAAAkAAAAEgAAACQAAAASAAAAAAAAAABAAAAAAAAAAEAAABQAAAAAAAAAAAA4D8AAAAAAADgPwAAAAAAAOA/AAAAAAAA4D8AAAAAAADgPwAAAAAAAOA/AAAAAAAA4D8AAAAAAADgPwAAAAAAAOA/AAAAAAAA4D8CAAAAjAAAAAAAAAAAAAAAu+DjDP///wgAAAAAAAAAAAAAAAAAAAAAAAAAAAAAAAAAAAAAZAAAAAEAAABAAAAAAAAAAAAAAAAAAAAAAAAAAAAAAAAAAAAAAAAAAAAAAAAAAAAAAAAAAAAAAAAAAAAAAAAAAAAAAAAAAAAAAAAAAAAAAAAAAAAAAAAAAAAAAAAAAAAAFAAAADwAAAAAAAAAAAAAAAAAAAkUAAAAAQAAABQAAAAUAAAAFAAAAAEAAAAAAAAAZAAAAGQAAAAAAAAAZAAAAGQAAAAVAAAAYAAAAAAAAAAAAAAADwAAACADAAAAAAAAAAAAAAEAAACgMgAAVgcAAKr4//8BAAAAf39/AAEAAABkAAAAAAAAABQAAABAHwAAAAAAACYAAAAAAAAAwOD//wAAAAAmAAAAZAAAABYAAABMAAAAAAAAAAAAAAAEAAAAAAAAAAEAAACAgIAKAAAAACgAAAAoAAAAZAAAAGQAAAAAAAAAzMzMAAAAAABQAAAAUAAAAGQAAABkAAAAAAAAABcAAAAUAAAAAAAAAAAAAAD/fwAA/38AAAAAAAAJAAAABAAAAAAAAAAMAAAAEAAAAAAAAAAAAAAAAAAAAAAAAAAeAAAAaAAAAAAAAAAAAAAAAAAAAAAAAAAAAAAAECcAABAnAAAAAAAAAAAAAAAAAAAAAAAAAAAAAAAAAAAAAAAAAAAAABQAAAAAAAAAwMD/AAAAAABkAAAAMgAAAAAAAABkAAAAAAAAAH9/fwAKAAAAHwAAAFQAAAAAAAAFAAAAAQAAAAAAAAAAAAAAAAAAAAAAAAAAAAAAAAAAAAAAAAAAAAAAAn9/fwAAAAADzMzMAMDA/wB/f38AAAAAAAAAAAAAAAAAAAAAAAAAAAAhAAAAGAAAABQAAADQAgAAsAEAAHA1AAC4CAAAEAAAACYAAAAIAAAAAAAAAAAAAAA="/>
+                <pr:smNativeData xmlns:pr="smNativeData" val="SMDATA_13_QBrgZRMAAAAlAAAAZAAAAA8BAAAAkAAAAEgAAACQAAAASAAAAAAAAAABAAAAAAAAAAEAAABQAAAAAAAAAAAA4D8AAAAAAADgPwAAAAAAAOA/AAAAAAAA4D8AAAAAAADgPwAAAAAAAOA/AAAAAAAA4D8AAAAAAADgPwAAAAAAAOA/AAAAAAAA4D8CAAAAjAAAAAAAAAAAAAAAu+DjDP///wgAAAAAAAAAAAAAAAAAAAAAAAAAAAAAAAAAAAAAZAAAAAEAAABAAAAAAAAAAAAAAAAAAAAAAAAAAAAAAAAAAAAAAAAAAAAAAAAAAAAAAAAAAAAAAAAAAAAAAAAAAAAAAAAAAAAAAAAAAAAAAAAAAAAAAAAAAAAAAAAAAAAAFAAAADwAAAAAAAAAAAAAAAAAAAkUAAAAAQAAABQAAAAUAAAAFAAAAAEAAAAAAAAAZAAAAGQAAAAAAAAAZAAAAGQAAAAVAAAAYAAAAAAAAAAAAAAADwAAACADAAAAAAAAAAAAAAEAAACgMgAAVgcAAKr4//8BAAAAf39/AAEAAABkAAAAAAAAABQAAABAHwAAAAAAACYAAAAAAAAAwOD//wAAAAAmAAAAZAAAABYAAABMAAAAAAAAAAAAAAAEAAAAAAAAAAEAAACAgIAKAAAAACgAAAAoAAAAZAAAAGQAAAAAAAAAzMzMAAAAAABQAAAAUAAAAGQAAABkAAAAAAAAABcAAAAUAAAAAAAAAAAAAAD/fwAA/38AAAAAAAAJAAAABAAAAAAAAAAMAAAAEAAAAAAAAAAAAAAAAAAAAAAAAAAeAAAAaAAAAAAAAAAAAAAAAAAAAAAAAAAAAAAAECcAABAnAAAAAAAAAAAAAAAAAAAAAAAAAAAAAAAAAAAAAAAAAAAAABQAAAAAAAAAwMD/AAAAAABkAAAAMgAAAAAAAABkAAAAAAAAAH9/fwAKAAAAHwAAAFQAAAAAAAAFAAAAAQAAAAAAAAAAAAAAAAAAAAAAAAAAAAAAAAAAAAAAAAAAAAAAAn9/fwAAAAADzMzMAMDA/wB/f38AAAAAAAAAAAAAAAAAAAAAAAAAAAAhAAAAGAAAABQAAADQAgAAsAEAAHA1AAC4CAAAEAAAACYAAAAIAAAAAAAAAAAAAAA="/>
               </a:ext>
             </a:extLst>
           </p:cNvSpPr>
@@ -1260,7 +1260,7 @@
             <a:spLocks noGrp="1" noChangeArrowheads="1"/>
             <a:extLst>
               <a:ext uri="smNativeData">
-                <pr:smNativeData xmlns:pr="smNativeData" val="SMDATA_13_VnXdZRMAAAAlAAAAZAAAAA8BAAAAkAAAAEgAAACQAAAASAAAAAAAAAAAAAAAAAAAAAEAAABQAAAAAAAAAAAA4D8AAAAAAADgPwAAAAAAAOA/AAAAAAAA4D8AAAAAAADgPwAAAAAAAOA/AAAAAAAA4D8AAAAAAADgPwAAAAAAAOA/AAAAAAAA4D8CAAAAjAAAAAAAAAAAAAAAu+DjDP///wgAAAAAAAAAAAAAAAAAAAAAAAAAAAAAAAAAAAAAZAAAAAEAAABAAAAAAAAAAAAAAAAAAAAAAAAAAAAAAAAAAAAAAAAAAAAAAAAAAAAAAAAAAAAAAAAAAAAAAAAAAAAAAAAAAAAAAAAAAAAAAAAAAAAAAAAAAAAAAAAAAAAAFAAAADwAAAAAAAAAAAAAAAAAAAkUAAAAAQAAABQAAAAUAAAAFAAAAAEAAAAAAAAAZAAAAGQAAAAAAAAAZAAAAGQAAAAVAAAAYAAAAAAAAAAAAAAADwAAACADAAAAAAAAAAAAAAEAAACgMgAAVgcAAKr4//8BAAAAf39/AAEAAABkAAAAAAAAABQAAABAHwAAAAAAACYAAAAAAAAAwOD//wAAAAAmAAAAZAAAABYAAABMAAAAAAAAAAAAAAAEAAAAAAAAAAEAAACAgIAKAAAAACgAAAAoAAAAZAAAAGQAAAAAAAAAzMzMAAAAAABQAAAAUAAAAGQAAABkAAAAAAAAABcAAAAUAAAAAAAAAAAAAAD/fwAA/38AAAAAAAAJAAAABAAAAAAAAAAMAAAAEAAAAAAAAAAAAAAAAAAAAAAAAAAeAAAAaAAAAAAAAAAAAAAAAAAAAAAAAAAAAAAAECcAABAnAAAAAAAAAAAAAAAAAAAAAAAAAAAAAAAAAAAAAAAAAAAAABQAAAAAAAAAwMD/AAAAAABkAAAAMgAAAAAAAABkAAAAAAAAAH9/fwAKAAAAHwAAAFQAAAAAAAAFAAAAAQAAAAAAAAAAAAAAAAAAAAAAAAAAAAAAAAAAAAAAAAAAAAAAAn9/fwAAAAADzMzMAMDA/wB/f38AAAAAAAAAAAAAAAAAAAAAAAAAAAAhAAAAGAAAABQAAADQAgAA2AkAAKgbAACwJQAAEAAAACYAAAAIAAAAAYAAAAAAAAA="/>
+                <pr:smNativeData xmlns:pr="smNativeData" val="SMDATA_13_QBrgZRMAAAAlAAAAZAAAAA8BAAAAkAAAAEgAAACQAAAASAAAAAAAAAAAAAAAAAAAAAEAAABQAAAAAAAAAAAA4D8AAAAAAADgPwAAAAAAAOA/AAAAAAAA4D8AAAAAAADgPwAAAAAAAOA/AAAAAAAA4D8AAAAAAADgPwAAAAAAAOA/AAAAAAAA4D8CAAAAjAAAAAAAAAAAAAAAu+DjDP///wgAAAAAAAAAAAAAAAAAAAAAAAAAAAAAAAAAAAAAZAAAAAEAAABAAAAAAAAAAAAAAAAAAAAAAAAAAAAAAAAAAAAAAAAAAAAAAAAAAAAAAAAAAAAAAAAAAAAAAAAAAAAAAAAAAAAAAAAAAAAAAAAAAAAAAAAAAAAAAAAAAAAAFAAAADwAAAAAAAAAAAAAAAAAAAkUAAAAAQAAABQAAAAUAAAAFAAAAAEAAAAAAAAAZAAAAGQAAAAAAAAAZAAAAGQAAAAVAAAAYAAAAAAAAAAAAAAADwAAACADAAAAAAAAAAAAAAEAAACgMgAAVgcAAKr4//8BAAAAf39/AAEAAABkAAAAAAAAABQAAABAHwAAAAAAACYAAAAAAAAAwOD//wAAAAAmAAAAZAAAABYAAABMAAAAAAAAAAAAAAAEAAAAAAAAAAEAAACAgIAKAAAAACgAAAAoAAAAZAAAAGQAAAAAAAAAzMzMAAAAAABQAAAAUAAAAGQAAABkAAAAAAAAABcAAAAUAAAAAAAAAAAAAAD/fwAA/38AAAAAAAAJAAAABAAAAAAAAAAMAAAAEAAAAAAAAAAAAAAAAAAAAAAAAAAeAAAAaAAAAAAAAAAAAAAAAAAAAAAAAAAAAAAAECcAABAnAAAAAAAAAAAAAAAAAAAAAAAAAAAAAAAAAAAAAAAAAAAAABQAAAAAAAAAwMD/AAAAAABkAAAAMgAAAAAAAABkAAAAAAAAAH9/fwAKAAAAHwAAAFQAAAAAAAAFAAAAAQAAAAAAAAAAAAAAAAAAAAAAAAAAAAAAAAAAAAAAAAAAAAAAAn9/fwAAAAADzMzMAMDA/wB/f38AAAAAAAAAAAAAAAAAAAAAAAAAAAAhAAAAGAAAABQAAADQAgAA2AkAAKgbAACwJQAAEAAAACYAAAAIAAAAAYAAAAAAAAA="/>
               </a:ext>
             </a:extLst>
           </p:cNvSpPr>
@@ -1344,7 +1344,7 @@
             <a:spLocks noGrp="1" noChangeArrowheads="1"/>
             <a:extLst>
               <a:ext uri="smNativeData">
-                <pr:smNativeData xmlns:pr="smNativeData" val="SMDATA_13_VnXdZRMAAAAlAAAAZAAAAA8BAAAAkAAAAEgAAACQAAAASAAAAAAAAAAAAAAAAAAAAAEAAABQAAAAAAAAAAAA4D8AAAAAAADgPwAAAAAAAOA/AAAAAAAA4D8AAAAAAADgPwAAAAAAAOA/AAAAAAAA4D8AAAAAAADgPwAAAAAAAOA/AAAAAAAA4D8CAAAAjAAAAAAAAAAAAAAAu+DjDP///wgAAAAAAAAAAAAAAAAAAAAAAAAAAAAAAAAAAAAAZAAAAAEAAABAAAAAAAAAAAAAAAAAAAAAAAAAAAAAAAAAAAAAAAAAAAAAAAAAAAAAAAAAAAAAAAAAAAAAAAAAAAAAAAAAAAAAAAAAAAAAAAAAAAAAAAAAAAAAAAAAAAAAFAAAADwAAAAAAAAAAAAAAAAAAAkUAAAAAQAAABQAAAAUAAAAFAAAAAEAAAAAAAAAZAAAAGQAAAAAAAAAZAAAAGQAAAAVAAAAYAAAAAAAAAAAAAAADwAAACADAAAAAAAAAAAAAAEAAACgMgAAVgcAAKr4//8BAAAAf39/AAEAAABkAAAAAAAAABQAAABAHwAAAAAAACYAAAAAAAAAwOD//wAAAAAmAAAAZAAAABYAAABMAAAAAAAAAAAAAAAEAAAAAAAAAAEAAACAgIAKAAAAACgAAAAoAAAAZAAAAGQAAAAAAAAAzMzMAAAAAABQAAAAUAAAAGQAAABkAAAAAAAAABcAAAAUAAAAAAAAAAAAAAD/fwAA/38AAAAAAAAJAAAABAAAAAAAAAAMAAAAEAAAAAAAAAAAAAAAAAAAAAAAAAAeAAAAaAAAAAAAAAAAAAAAAAAAAAAAAAAAAAAAECcAABAnAAAAAAAAAAAAAAAAAAAAAAAAAAAAAAAAAAAAAAAAAAAAABQAAAAAAAAAwMD/AAAAAABkAAAAMgAAAAAAAABkAAAAAAAAAH9/fwAKAAAAHwAAAFQAAAAAAAAFAAAAAQAAAAAAAAAAAAAAAAAAAAAAAAAAAAAAAAAAAAAAAAAAAAAAAn9/fwAAAAADzMzMAMDA/wB/f38AAAAAAAAAAAAAAAAAAAAAAAAAAAAhAAAAGAAAABQAAACYHAAA2AkAAHA1AACwJQAAEAAAACYAAAAIAAAAAYAAAAAAAAA="/>
+                <pr:smNativeData xmlns:pr="smNativeData" val="SMDATA_13_QBrgZRMAAAAlAAAAZAAAAA8BAAAAkAAAAEgAAACQAAAASAAAAAAAAAAAAAAAAAAAAAEAAABQAAAAAAAAAAAA4D8AAAAAAADgPwAAAAAAAOA/AAAAAAAA4D8AAAAAAADgPwAAAAAAAOA/AAAAAAAA4D8AAAAAAADgPwAAAAAAAOA/AAAAAAAA4D8CAAAAjAAAAAAAAAAAAAAAu+DjDP///wgAAAAAAAAAAAAAAAAAAAAAAAAAAAAAAAAAAAAAZAAAAAEAAABAAAAAAAAAAAAAAAAAAAAAAAAAAAAAAAAAAAAAAAAAAAAAAAAAAAAAAAAAAAAAAAAAAAAAAAAAAAAAAAAAAAAAAAAAAAAAAAAAAAAAAAAAAAAAAAAAAAAAFAAAADwAAAAAAAAAAAAAAAAAAAkUAAAAAQAAABQAAAAUAAAAFAAAAAEAAAAAAAAAZAAAAGQAAAAAAAAAZAAAAGQAAAAVAAAAYAAAAAAAAAAAAAAADwAAACADAAAAAAAAAAAAAAEAAACgMgAAVgcAAKr4//8BAAAAf39/AAEAAABkAAAAAAAAABQAAABAHwAAAAAAACYAAAAAAAAAwOD//wAAAAAmAAAAZAAAABYAAABMAAAAAAAAAAAAAAAEAAAAAAAAAAEAAACAgIAKAAAAACgAAAAoAAAAZAAAAGQAAAAAAAAAzMzMAAAAAABQAAAAUAAAAGQAAABkAAAAAAAAABcAAAAUAAAAAAAAAAAAAAD/fwAA/38AAAAAAAAJAAAABAAAAAAAAAAMAAAAEAAAAAAAAAAAAAAAAAAAAAAAAAAeAAAAaAAAAAAAAAAAAAAAAAAAAAAAAAAAAAAAECcAABAnAAAAAAAAAAAAAAAAAAAAAAAAAAAAAAAAAAAAAAAAAAAAABQAAAAAAAAAwMD/AAAAAABkAAAAMgAAAAAAAABkAAAAAAAAAH9/fwAKAAAAHwAAAFQAAAAAAAAFAAAAAQAAAAAAAAAAAAAAAAAAAAAAAAAAAAAAAAAAAAAAAAAAAAAAAn9/fwAAAAADzMzMAMDA/wB/f38AAAAAAAAAAAAAAAAAAAAAAAAAAAAhAAAAGAAAABQAAACYHAAA2AkAAHA1AACwJQAAEAAAACYAAAAIAAAAAYAAAAAAAAA="/>
               </a:ext>
             </a:extLst>
           </p:cNvSpPr>
@@ -1428,7 +1428,7 @@
             <a:spLocks noGrp="1" noChangeArrowheads="1"/>
             <a:extLst>
               <a:ext uri="smNativeData">
-                <pr:smNativeData xmlns:pr="smNativeData" val="SMDATA_13_VnXdZRMAAAAlAAAAZAAAAA8BAAAAkAAAAEgAAACQAAAASAAAAAAAAAABAAAAAAAAAAEAAABQAAAAAAAAAAAA4D8AAAAAAADgPwAAAAAAAOA/AAAAAAAA4D8AAAAAAADgPwAAAAAAAOA/AAAAAAAA4D8AAAAAAADgPwAAAAAAAOA/AAAAAAAA4D8CAAAAjAAAAAAAAAAAAAAAu+DjDP///wgAAAAAAAAAAAAAAAAAAAAAAAAAAAAAAAAAAAAAZAAAAAEAAABAAAAAAAAAAAAAAAAAAAAAAAAAAAAAAAAAAAAAAAAAAAAAAAAAAAAAAAAAAAAAAAAAAAAAAAAAAAAAAAAAAAAAAAAAAAAAAAAAAAAAAAAAAAAAAAAAAAAAFAAAADwAAAAAAAAAAAAAAAAAAAkUAAAAAQAAABQAAAAUAAAAFAAAAAEAAAAAAAAAZAAAAGQAAAAAAAAAZAAAAGQAAAAVAAAAYAAAAAAAAAAAAAAADwAAACADAAAAAAAAAAAAAAEAAACgMgAAVgcAAKr4//8BAAAAf39/AAEAAABkAAAAAAAAABQAAABAHwAAAAAAACYAAAAAAAAAwOD//wAAAAAmAAAAZAAAABYAAABMAAAAAAAAAAAAAAAEAAAAAAAAAAEAAACAgIAKAAAAACgAAAAoAAAAZAAAAGQAAAAAAAAAzMzMAAAAAABQAAAAUAAAAGQAAABkAAAAAAAAABcAAAAUAAAAAAAAAAAAAAD/fwAA/38AAAAAAAAJAAAABAAAAAAAAAAMAAAAEAAAAAAAAAAAAAAAAAAAAAAAAAAeAAAAaAAAAAAAAAAAAAAAAAAAAAAAAAAAAAAAECcAABAnAAAAAAAAAAAAAAAAAAAAAAAAAAAAAAAAAAAAAAAAAAAAABQAAAAAAAAAwMD/AAAAAABkAAAAMgAAAAAAAABkAAAAAAAAAH9/fwAKAAAAHwAAAFQAAAAAAAAFAAAAAQAAAAAAAAAAAAAAAAAAAAAAAAAAAAAAAAAAAAAAAAAAAAAAAn9/fwAAAAADzMzMAMDA/wB/f38AAAAAAAAAAAAAAAAAAAAAAAAAAAAhAAAAGAAAABQAAADQAgAAGycAAPAPAABZKQAAEAAAACYAAAAIAAAAAAAAAAAAAAA="/>
+                <pr:smNativeData xmlns:pr="smNativeData" val="SMDATA_13_QBrgZRMAAAAlAAAAZAAAAA8BAAAAkAAAAEgAAACQAAAASAAAAAAAAAABAAAAAAAAAAEAAABQAAAAAAAAAAAA4D8AAAAAAADgPwAAAAAAAOA/AAAAAAAA4D8AAAAAAADgPwAAAAAAAOA/AAAAAAAA4D8AAAAAAADgPwAAAAAAAOA/AAAAAAAA4D8CAAAAjAAAAAAAAAAAAAAAu+DjDP///wgAAAAAAAAAAAAAAAAAAAAAAAAAAAAAAAAAAAAAZAAAAAEAAABAAAAAAAAAAAAAAAAAAAAAAAAAAAAAAAAAAAAAAAAAAAAAAAAAAAAAAAAAAAAAAAAAAAAAAAAAAAAAAAAAAAAAAAAAAAAAAAAAAAAAAAAAAAAAAAAAAAAAFAAAADwAAAAAAAAAAAAAAAAAAAkUAAAAAQAAABQAAAAUAAAAFAAAAAEAAAAAAAAAZAAAAGQAAAAAAAAAZAAAAGQAAAAVAAAAYAAAAAAAAAAAAAAADwAAACADAAAAAAAAAAAAAAEAAACgMgAAVgcAAKr4//8BAAAAf39/AAEAAABkAAAAAAAAABQAAABAHwAAAAAAACYAAAAAAAAAwOD//wAAAAAmAAAAZAAAABYAAABMAAAAAAAAAAAAAAAEAAAAAAAAAAEAAACAgIAKAAAAACgAAAAoAAAAZAAAAGQAAAAAAAAAzMzMAAAAAABQAAAAUAAAAGQAAABkAAAAAAAAABcAAAAUAAAAAAAAAAAAAAD/fwAA/38AAAAAAAAJAAAABAAAAAAAAAAMAAAAEAAAAAAAAAAAAAAAAAAAAAAAAAAeAAAAaAAAAAAAAAAAAAAAAAAAAAAAAAAAAAAAECcAABAnAAAAAAAAAAAAAAAAAAAAAAAAAAAAAAAAAAAAAAAAAAAAABQAAAAAAAAAwMD/AAAAAABkAAAAMgAAAAAAAABkAAAAAAAAAH9/fwAKAAAAHwAAAFQAAAAAAAAFAAAAAQAAAAAAAAAAAAAAAAAAAAAAAAAAAAAAAAAAAAAAAAAAAAAAAn9/fwAAAAADzMzMAMDA/wB/f38AAAAAAAAAAAAAAAAAAAAAAAAAAAAhAAAAGAAAABQAAADQAgAAGycAAPAPAABZKQAAEAAAACYAAAAIAAAAAAAAAAAAAAA="/>
               </a:ext>
             </a:extLst>
           </p:cNvSpPr>
@@ -1442,7 +1442,7 @@
           <a:lstStyle/>
           <a:p>
             <a:pPr/>
-            <a:fld id="{3FF701D5-9BD2-A2F7-9C4F-6DA24F016A38}" type="datetime1">
+            <a:fld id="{3F82918E-C0D2-D767-9C3A-3632DF746A63}" type="datetime1">
               <a:t/>
             </a:fld>
           </a:p>
@@ -1455,7 +1455,7 @@
             <a:spLocks noGrp="1" noChangeArrowheads="1"/>
             <a:extLst>
               <a:ext uri="smNativeData">
-                <pr:smNativeData xmlns:pr="smNativeData" val="SMDATA_13_VnXdZRMAAAAlAAAAZAAAAA8BAAAAkAAAAEgAAACQAAAASAAAAAAAAAABAAAAAAAAAAEAAABQAAAAAAAAAAAA4D8AAAAAAADgPwAAAAAAAOA/AAAAAAAA4D8AAAAAAADgPwAAAAAAAOA/AAAAAAAA4D8AAAAAAADgPwAAAAAAAOA/AAAAAAAA4D8CAAAAjAAAAAAAAAAAAAAAu+DjDP///wgAAAAAAAAAAAAAAAAAAAAAAAAAAAAAAAAAAAAAZAAAAAEAAABAAAAAAAAAAAAAAAAAAAAAAAAAAAAAAAAAAAAAAAAAAAAAAAAAAAAAAAAAAAAAAAAAAAAAAAAAAAAAAAAAAAAAAAAAAAAAAAAAAAAAAAAAAAAAAAAAAAAAFAAAADwAAAAAAAAAAAAAAAAAAAkUAAAAAQAAABQAAAAUAAAAFAAAAAEAAAAAAAAAZAAAAGQAAAAAAAAAZAAAAGQAAAAVAAAAYAAAAAAAAAAAAAAADwAAACADAAAAAAAAAAAAAAEAAACgMgAAVgcAAKr4//8BAAAAf39/AAEAAABkAAAAAAAAABQAAABAHwAAAAAAACYAAAAAAAAAwOD//wAAAAAmAAAAZAAAABYAAABMAAAAAAAAAAAAAAAEAAAAAAAAAAEAAACAgIAKAAAAACgAAAAoAAAAZAAAAGQAAAAAAAAAzMzMAAAAAABQAAAAUAAAAGQAAABkAAAAAAAAABcAAAAUAAAAAAAAAAAAAAD/fwAA/38AAAAAAAAJAAAABAAAAAAAAAAMAAAAEAAAAAAAAAAAAAAAAAAAAAAAAAAeAAAAaAAAAAAAAAAAAAAAAAAAAAAAAAAAAAAAECcAABAnAAAAAAAAAAAAAAAAAAAAAAAAAAAAAAAAAAAAAAAAAAAAABQAAAAAAAAAwMD/AAAAAABkAAAAMgAAAAAAAABkAAAAAAAAAH9/fwAKAAAAHwAAAFQAAAAAAAAFAAAAAQAAAAAAAAAAAAAAAAAAAAAAAAAAAAAAAAAAAAAAAAAAAAAAAn9/fwAAAAADzMzMAMDA/wB/f38AAAAAAAAAAAAAAAAAAAAAAAAAAAAhAAAAGAAAABQAAAA4EwAAGycAAAglAABZKQAAEAAAACYAAAAIAAAAAAAAAAAAAAA="/>
+                <pr:smNativeData xmlns:pr="smNativeData" val="SMDATA_13_QBrgZRMAAAAlAAAAZAAAAA8BAAAAkAAAAEgAAACQAAAASAAAAAAAAAABAAAAAAAAAAEAAABQAAAAAAAAAAAA4D8AAAAAAADgPwAAAAAAAOA/AAAAAAAA4D8AAAAAAADgPwAAAAAAAOA/AAAAAAAA4D8AAAAAAADgPwAAAAAAAOA/AAAAAAAA4D8CAAAAjAAAAAAAAAAAAAAAu+DjDP///wgAAAAAAAAAAAAAAAAAAAAAAAAAAAAAAAAAAAAAZAAAAAEAAABAAAAAAAAAAAAAAAAAAAAAAAAAAAAAAAAAAAAAAAAAAAAAAAAAAAAAAAAAAAAAAAAAAAAAAAAAAAAAAAAAAAAAAAAAAAAAAAAAAAAAAAAAAAAAAAAAAAAAFAAAADwAAAAAAAAAAAAAAAAAAAkUAAAAAQAAABQAAAAUAAAAFAAAAAEAAAAAAAAAZAAAAGQAAAAAAAAAZAAAAGQAAAAVAAAAYAAAAAAAAAAAAAAADwAAACADAAAAAAAAAAAAAAEAAACgMgAAVgcAAKr4//8BAAAAf39/AAEAAABkAAAAAAAAABQAAABAHwAAAAAAACYAAAAAAAAAwOD//wAAAAAmAAAAZAAAABYAAABMAAAAAAAAAAAAAAAEAAAAAAAAAAEAAACAgIAKAAAAACgAAAAoAAAAZAAAAGQAAAAAAAAAzMzMAAAAAABQAAAAUAAAAGQAAABkAAAAAAAAABcAAAAUAAAAAAAAAAAAAAD/fwAA/38AAAAAAAAJAAAABAAAAAAAAAAMAAAAEAAAAAAAAAAAAAAAAAAAAAAAAAAeAAAAaAAAAAAAAAAAAAAAAAAAAAAAAAAAAAAAECcAABAnAAAAAAAAAAAAAAAAAAAAAAAAAAAAAAAAAAAAAAAAAAAAABQAAAAAAAAAwMD/AAAAAABkAAAAMgAAAAAAAABkAAAAAAAAAH9/fwAKAAAAHwAAAFQAAAAAAAAFAAAAAQAAAAAAAAAAAAAAAAAAAAAAAAAAAAAAAAAAAAAAAAAAAAAAAn9/fwAAAAADzMzMAMDA/wB/f38AAAAAAAAAAAAAAAAAAAAAAAAAAAAhAAAAGAAAABQAAAA4EwAAGycAAAglAABZKQAAEAAAACYAAAAIAAAAAAAAAAAAAAA="/>
               </a:ext>
             </a:extLst>
           </p:cNvSpPr>
@@ -1479,7 +1479,7 @@
             <a:spLocks noGrp="1" noChangeArrowheads="1"/>
             <a:extLst>
               <a:ext uri="smNativeData">
-                <pr:smNativeData xmlns:pr="smNativeData" val="SMDATA_13_VnXdZRMAAAAlAAAAZAAAAA8BAAAAkAAAAEgAAACQAAAASAAAAAAAAAABAAAAAAAAAAEAAABQAAAAAAAAAAAA4D8AAAAAAADgPwAAAAAAAOA/AAAAAAAA4D8AAAAAAADgPwAAAAAAAOA/AAAAAAAA4D8AAAAAAADgPwAAAAAAAOA/AAAAAAAA4D8CAAAAjAAAAAAAAAAAAAAAu+DjDP///wgAAAAAAAAAAAAAAAAAAAAAAAAAAAAAAAAAAAAAZAAAAAEAAABAAAAAAAAAAAAAAAAAAAAAAAAAAAAAAAAAAAAAAAAAAAAAAAAAAAAAAAAAAAAAAAAAAAAAAAAAAAAAAAAAAAAAAAAAAAAAAAAAAAAAAAAAAAAAAAAAAAAAFAAAADwAAAAAAAAAAAAAAAAAAAkUAAAAAQAAABQAAAAUAAAAFAAAAAEAAAAAAAAAZAAAAGQAAAAAAAAAZAAAAGQAAAAVAAAAYAAAAAAAAAAAAAAADwAAACADAAAAAAAAAAAAAAEAAACgMgAAVgcAAKr4//8BAAAAf39/AAEAAABkAAAAAAAAABQAAABAHwAAAAAAACYAAAAAAAAAwOD//wAAAAAmAAAAZAAAABYAAABMAAAAAAAAAAAAAAAEAAAAAAAAAAEAAACAgIAKAAAAACgAAAAoAAAAZAAAAGQAAAAAAAAAzMzMAAAAAABQAAAAUAAAAGQAAABkAAAAAAAAABcAAAAUAAAAAAAAAAAAAAD/fwAA/38AAAAAAAAJAAAABAAAAAAAAAAMAAAAEAAAAAAAAAAAAAAAAAAAAAAAAAAeAAAAaAAAAAAAAAAAAAAAAAAAAAAAAAAAAAAAECcAABAnAAAAAAAAAAAAAAAAAAAAAAAAAAAAAAAAAAAAAAAAAAAAABQAAAAAAAAAwMD/AAAAAABkAAAAMgAAAAAAAABkAAAAAAAAAH9/fwAKAAAAHwAAAFQAAAAAAAAFAAAAAQAAAAAAAAAAAAAAAAAAAAAAAAAAAAAAAAAAAAAAAAAAAAAAAn9/fwAAAAADzMzMAMDA/wB/f38AAAAAAAAAAAAAAAAAAAAAAAAAAAAhAAAAGAAAABQAAABQKAAAGycAAHA1AABZKQAAEAAAACYAAAAIAAAAAAAAAAAAAAA="/>
+                <pr:smNativeData xmlns:pr="smNativeData" val="SMDATA_13_QBrgZRMAAAAlAAAAZAAAAA8BAAAAkAAAAEgAAACQAAAASAAAAAAAAAABAAAAAAAAAAEAAABQAAAAAAAAAAAA4D8AAAAAAADgPwAAAAAAAOA/AAAAAAAA4D8AAAAAAADgPwAAAAAAAOA/AAAAAAAA4D8AAAAAAADgPwAAAAAAAOA/AAAAAAAA4D8CAAAAjAAAAAAAAAAAAAAAu+DjDP///wgAAAAAAAAAAAAAAAAAAAAAAAAAAAAAAAAAAAAAZAAAAAEAAABAAAAAAAAAAAAAAAAAAAAAAAAAAAAAAAAAAAAAAAAAAAAAAAAAAAAAAAAAAAAAAAAAAAAAAAAAAAAAAAAAAAAAAAAAAAAAAAAAAAAAAAAAAAAAAAAAAAAAFAAAADwAAAAAAAAAAAAAAAAAAAkUAAAAAQAAABQAAAAUAAAAFAAAAAEAAAAAAAAAZAAAAGQAAAAAAAAAZAAAAGQAAAAVAAAAYAAAAAAAAAAAAAAADwAAACADAAAAAAAAAAAAAAEAAACgMgAAVgcAAKr4//8BAAAAf39/AAEAAABkAAAAAAAAABQAAABAHwAAAAAAACYAAAAAAAAAwOD//wAAAAAmAAAAZAAAABYAAABMAAAAAAAAAAAAAAAEAAAAAAAAAAEAAACAgIAKAAAAACgAAAAoAAAAZAAAAGQAAAAAAAAAzMzMAAAAAABQAAAAUAAAAGQAAABkAAAAAAAAABcAAAAUAAAAAAAAAAAAAAD/fwAA/38AAAAAAAAJAAAABAAAAAAAAAAMAAAAEAAAAAAAAAAAAAAAAAAAAAAAAAAeAAAAaAAAAAAAAAAAAAAAAAAAAAAAAAAAAAAAECcAABAnAAAAAAAAAAAAAAAAAAAAAAAAAAAAAAAAAAAAAAAAAAAAABQAAAAAAAAAwMD/AAAAAABkAAAAMgAAAAAAAABkAAAAAAAAAH9/fwAKAAAAHwAAAFQAAAAAAAAFAAAAAQAAAAAAAAAAAAAAAAAAAAAAAAAAAAAAAAAAAAAAAAAAAAAAAn9/fwAAAAADzMzMAMDA/wB/f38AAAAAAAAAAAAAAAAAAAAAAAAAAAAhAAAAGAAAABQAAABQKAAAGycAAHA1AABZKQAAEAAAACYAAAAIAAAAAAAAAAAAAAA="/>
               </a:ext>
             </a:extLst>
           </p:cNvSpPr>
@@ -1493,7 +1493,7 @@
           <a:lstStyle/>
           <a:p>
             <a:pPr/>
-            <a:fld id="{3FF71233-7DD2-A2E4-9C4F-8BB15C016ADE}" type="slidenum">
+            <a:fld id="{3F82F432-7CD2-D702-9C3A-8A57BA746ADF}" type="slidenum">
               <a:t/>
             </a:fld>
           </a:p>
@@ -1531,7 +1531,7 @@
             <a:spLocks noGrp="1" noChangeArrowheads="1"/>
             <a:extLst>
               <a:ext uri="smNativeData">
-                <pr:smNativeData xmlns:pr="smNativeData" val="SMDATA_13_VnXdZRMAAAAlAAAAZAAAAA8BAAAAkAAAAEgAAACQAAAASAAAAAAAAAABAAAAAAAAAAEAAABQAAAAAAAAAAAA4D8AAAAAAADgPwAAAAAAAOA/AAAAAAAA4D8AAAAAAADgPwAAAAAAAOA/AAAAAAAA4D8AAAAAAADgPwAAAAAAAOA/AAAAAAAA4D8CAAAAjAAAAAAAAAAAAAAAu+DjDP///wgAAAAAAAAAAAAAAAAAAAAAAAAAAAAAAAAAAAAAZAAAAAEAAABAAAAAAAAAAAAAAAAAAAAAAAAAAAAAAAAAAAAAAAAAAAAAAAAAAAAAAAAAAAAAAAAAAAAAAAAAAAAAAAAAAAAAAAAAAAAAAAAAAAAAAAAAAAAAAAAAAAAAFAAAADwAAAAAAAAAAAAAAAAAAAkUAAAAAQAAABQAAAAUAAAAFAAAAAEAAAAAAAAAZAAAAGQAAAAAAAAAZAAAAGQAAAAVAAAAYAAAAAAAAAAAAAAADwAAACADAAAAAAAAAAAAAAEAAACgMgAAVgcAAKr4//8BAAAAf39/AAEAAABkAAAAAAAAABQAAABAHwAAAAAAACYAAAAAAAAAwOD//wAAAAAmAAAAZAAAABYAAABMAAAAAAAAAAAAAAAEAAAAAAAAAAEAAACAgIAKAAAAACgAAAAoAAAAZAAAAGQAAAAAAAAAzMzMAAAAAABQAAAAUAAAAGQAAABkAAAAAAAAABcAAAAUAAAAAAAAAAAAAAD/fwAA/38AAAAAAAAJAAAABAAAAAAAAAAMAAAAEAAAAAAAAAAAAAAAAAAAAAAAAAAeAAAAaAAAAAAAAAAAAAAAAAAAAAAAAAAAAAAAECcAABAnAAAAAAAAAAAAAAAAAAAAAAAAAAAAAAAAAAAAAAAAAAAAABQAAAAAAAAAwMD/AAAAAABkAAAAMgAAAAAAAABkAAAAAAAAAH9/fwAKAAAAHwAAAFQAAAAAAAAFAAAAAQAAAAAAAAAAAAAAAAAAAAAAAAAAAAAAAAAAAAAAAAAAAAAAAn9/fwAAAAADzMzMAMDA/wB/f38AAAAAAAAAAAAAAAAAAAAAAAAAAAAhAAAAGAAAABQAAADQAgAAsAEAAHA1AAC4CAAAEAAAACYAAAAIAAAAAAAAAAAAAAA="/>
+                <pr:smNativeData xmlns:pr="smNativeData" val="SMDATA_13_QBrgZRMAAAAlAAAAZAAAAA8BAAAAkAAAAEgAAACQAAAASAAAAAAAAAABAAAAAAAAAAEAAABQAAAAAAAAAAAA4D8AAAAAAADgPwAAAAAAAOA/AAAAAAAA4D8AAAAAAADgPwAAAAAAAOA/AAAAAAAA4D8AAAAAAADgPwAAAAAAAOA/AAAAAAAA4D8CAAAAjAAAAAAAAAAAAAAAu+DjDP///wgAAAAAAAAAAAAAAAAAAAAAAAAAAAAAAAAAAAAAZAAAAAEAAABAAAAAAAAAAAAAAAAAAAAAAAAAAAAAAAAAAAAAAAAAAAAAAAAAAAAAAAAAAAAAAAAAAAAAAAAAAAAAAAAAAAAAAAAAAAAAAAAAAAAAAAAAAAAAAAAAAAAAFAAAADwAAAAAAAAAAAAAAAAAAAkUAAAAAQAAABQAAAAUAAAAFAAAAAEAAAAAAAAAZAAAAGQAAAAAAAAAZAAAAGQAAAAVAAAAYAAAAAAAAAAAAAAADwAAACADAAAAAAAAAAAAAAEAAACgMgAAVgcAAKr4//8BAAAAf39/AAEAAABkAAAAAAAAABQAAABAHwAAAAAAACYAAAAAAAAAwOD//wAAAAAmAAAAZAAAABYAAABMAAAAAAAAAAAAAAAEAAAAAAAAAAEAAACAgIAKAAAAACgAAAAoAAAAZAAAAGQAAAAAAAAAzMzMAAAAAABQAAAAUAAAAGQAAABkAAAAAAAAABcAAAAUAAAAAAAAAAAAAAD/fwAA/38AAAAAAAAJAAAABAAAAAAAAAAMAAAAEAAAAAAAAAAAAAAAAAAAAAAAAAAeAAAAaAAAAAAAAAAAAAAAAAAAAAAAAAAAAAAAECcAABAnAAAAAAAAAAAAAAAAAAAAAAAAAAAAAAAAAAAAAAAAAAAAABQAAAAAAAAAwMD/AAAAAABkAAAAMgAAAAAAAABkAAAAAAAAAH9/fwAKAAAAHwAAAFQAAAAAAAAFAAAAAQAAAAAAAAAAAAAAAAAAAAAAAAAAAAAAAAAAAAAAAAAAAAAAAn9/fwAAAAADzMzMAMDA/wB/f38AAAAAAAAAAAAAAAAAAAAAAAAAAAAhAAAAGAAAABQAAADQAgAAsAEAAHA1AAC4CAAAEAAAACYAAAAIAAAAAAAAAAAAAAA="/>
               </a:ext>
             </a:extLst>
           </p:cNvSpPr>
@@ -1558,7 +1558,7 @@
             <a:spLocks noGrp="1" noChangeArrowheads="1"/>
             <a:extLst>
               <a:ext uri="smNativeData">
-                <pr:smNativeData xmlns:pr="smNativeData" val="SMDATA_13_VnXdZRMAAAAlAAAAZAAAAA8BAAAAkAAAAEgAAACQAAAASAAAAAAAAAACAAAAAAAAAAEAAABQAAAAAAAAAAAA4D8AAAAAAADgPwAAAAAAAOA/AAAAAAAA4D8AAAAAAADgPwAAAAAAAOA/AAAAAAAA4D8AAAAAAADgPwAAAAAAAOA/AAAAAAAA4D8CAAAAjAAAAAAAAAAAAAAAu+DjDP///wgAAAAAAAAAAAAAAAAAAAAAAAAAAAAAAAAAAAAAZAAAAAEAAABAAAAAAAAAAAAAAAAAAAAAAAAAAAAAAAAAAAAAAAAAAAAAAAAAAAAAAAAAAAAAAAAAAAAAAAAAAAAAAAAAAAAAAAAAAAAAAAAAAAAAAAAAAAAAAAAAAAAAFAAAADwAAAAAAAAAAAAAAAAAAAkUAAAAAQAAABQAAAAUAAAAFAAAAAEAAAAAAAAAZAAAAGQAAAAAAAAAZAAAAGQAAAAVAAAAYAAAAAAAAAAAAAAADwAAACADAAAAAAAAAAAAAAEAAACgMgAAVgcAAKr4//8BAAAAf39/AAEAAABkAAAAAAAAABQAAABAHwAAAAAAACYAAAAAAAAAwOD//wAAAAAmAAAAZAAAABYAAABMAAAAAAAAAAAAAAAEAAAAAAAAAAEAAACAgIAKAAAAACgAAAAoAAAAZAAAAGQAAAAAAAAAzMzMAAAAAABQAAAAUAAAAGQAAABkAAAAAAAAABcAAAAUAAAAAAAAAAAAAAD/fwAA/38AAAAAAAAJAAAABAAAAAAAAAAMAAAAEAAAAAAAAAAAAAAAAAAAAAAAAAAeAAAAaAAAAAAAAAAAAAAAAAAAAAAAAAAAAAAAECcAABAnAAAAAAAAAAAAAAAAAAAAAAAAAAAAAAAAAAAAAAAAAAAAABQAAAAAAAAAwMD/AAAAAABkAAAAMgAAAAAAAABkAAAAAAAAAH9/fwAKAAAAHwAAAFQAAAAAAAAFAAAAAQAAAAAAAAAAAAAAAAAAAAAAAAAAAAAAAAAAAAAAAAAAAAAAAn9/fwAAAAADzMzMAMDA/wB/f38AAAAAAAAAAAAAAAAAAAAAAAAAAAAhAAAAGAAAABQAAADQAgAAcQkAAKobAABhDQAAEAAAACYAAAAIAAAAgYAAAAAAAAA="/>
+                <pr:smNativeData xmlns:pr="smNativeData" val="SMDATA_13_QBrgZRMAAAAlAAAAZAAAAA8BAAAAkAAAAEgAAACQAAAASAAAAAAAAAACAAAAAAAAAAEAAABQAAAAAAAAAAAA4D8AAAAAAADgPwAAAAAAAOA/AAAAAAAA4D8AAAAAAADgPwAAAAAAAOA/AAAAAAAA4D8AAAAAAADgPwAAAAAAAOA/AAAAAAAA4D8CAAAAjAAAAAAAAAAAAAAAu+DjDP///wgAAAAAAAAAAAAAAAAAAAAAAAAAAAAAAAAAAAAAZAAAAAEAAABAAAAAAAAAAAAAAAAAAAAAAAAAAAAAAAAAAAAAAAAAAAAAAAAAAAAAAAAAAAAAAAAAAAAAAAAAAAAAAAAAAAAAAAAAAAAAAAAAAAAAAAAAAAAAAAAAAAAAFAAAADwAAAAAAAAAAAAAAAAAAAkUAAAAAQAAABQAAAAUAAAAFAAAAAEAAAAAAAAAZAAAAGQAAAAAAAAAZAAAAGQAAAAVAAAAYAAAAAAAAAAAAAAADwAAACADAAAAAAAAAAAAAAEAAACgMgAAVgcAAKr4//8BAAAAf39/AAEAAABkAAAAAAAAABQAAABAHwAAAAAAACYAAAAAAAAAwOD//wAAAAAmAAAAZAAAABYAAABMAAAAAAAAAAAAAAAEAAAAAAAAAAEAAACAgIAKAAAAACgAAAAoAAAAZAAAAGQAAAAAAAAAzMzMAAAAAABQAAAAUAAAAGQAAABkAAAAAAAAABcAAAAUAAAAAAAAAAAAAAD/fwAA/38AAAAAAAAJAAAABAAAAAAAAAAMAAAAEAAAAAAAAAAAAAAAAAAAAAAAAAAeAAAAaAAAAAAAAAAAAAAAAAAAAAAAAAAAAAAAECcAABAnAAAAAAAAAAAAAAAAAAAAAAAAAAAAAAAAAAAAAAAAAAAAABQAAAAAAAAAwMD/AAAAAABkAAAAMgAAAAAAAABkAAAAAAAAAH9/fwAKAAAAHwAAAFQAAAAAAAAFAAAAAQAAAAAAAAAAAAAAAAAAAAAAAAAAAAAAAAAAAAAAAAAAAAAAAn9/fwAAAAADzMzMAMDA/wB/f38AAAAAAAAAAAAAAAAAAAAAAAAAAAAhAAAAGAAAABQAAADQAgAAcQkAAKobAABhDQAAEAAAACYAAAAIAAAAgYAAAAAAAAA="/>
               </a:ext>
             </a:extLst>
           </p:cNvSpPr>
@@ -1631,7 +1631,7 @@
             <a:spLocks noGrp="1" noChangeArrowheads="1"/>
             <a:extLst>
               <a:ext uri="smNativeData">
-                <pr:smNativeData xmlns:pr="smNativeData" val="SMDATA_13_VnXdZRMAAAAlAAAAZAAAAA8BAAAAkAAAAEgAAACQAAAASAAAAAAAAAAAAAAAAAAAAAEAAABQAAAAAAAAAAAA4D8AAAAAAADgPwAAAAAAAOA/AAAAAAAA4D8AAAAAAADgPwAAAAAAAOA/AAAAAAAA4D8AAAAAAADgPwAAAAAAAOA/AAAAAAAA4D8CAAAAjAAAAAAAAAAAAAAAu+DjDP///wgAAAAAAAAAAAAAAAAAAAAAAAAAAAAAAAAAAAAAZAAAAAEAAABAAAAAAAAAAAAAAAAAAAAAAAAAAAAAAAAAAAAAAAAAAAAAAAAAAAAAAAAAAAAAAAAAAAAAAAAAAAAAAAAAAAAAAAAAAAAAAAAAAAAAAAAAAAAAAAAAAAAAFAAAADwAAAAAAAAAAAAAAAAAAAkUAAAAAQAAABQAAAAUAAAAFAAAAAEAAAAAAAAAZAAAAGQAAAAAAAAAZAAAAGQAAAAVAAAAYAAAAAAAAAAAAAAADwAAACADAAAAAAAAAAAAAAEAAACgMgAAVgcAAKr4//8BAAAAf39/AAEAAABkAAAAAAAAABQAAABAHwAAAAAAACYAAAAAAAAAwOD//wAAAAAmAAAAZAAAABYAAABMAAAAAAAAAAAAAAAEAAAAAAAAAAEAAACAgIAKAAAAACgAAAAoAAAAZAAAAGQAAAAAAAAAzMzMAAAAAABQAAAAUAAAAGQAAABkAAAAAAAAABcAAAAUAAAAAAAAAAAAAAD/fwAA/38AAAAAAAAJAAAABAAAAAAAAAAMAAAAEAAAAAAAAAAAAAAAAAAAAAAAAAAeAAAAaAAAAAAAAAAAAAAAAAAAAAAAAAAAAAAAECcAABAnAAAAAAAAAAAAAAAAAAAAAAAAAAAAAAAAAAAAAAAAAAAAABQAAAAAAAAAwMD/AAAAAABkAAAAMgAAAAAAAABkAAAAAAAAAH9/fwAKAAAAHwAAAFQAAAAAAAAFAAAAAQAAAAAAAAAAAAAAAAAAAAAAAAAAAAAAAAAAAAAAAAAAAAAAAn9/fwAAAAADzMzMAMDA/wB/f38AAAAAAAAAAAAAAAAAAAAAAAAAAAAhAAAAGAAAABQAAADQAgAAYQ0AAKobAACwJQAAEAAAACYAAAAIAAAAAYAAAAAAAAA="/>
+                <pr:smNativeData xmlns:pr="smNativeData" val="SMDATA_13_QBrgZRMAAAAlAAAAZAAAAA8BAAAAkAAAAEgAAACQAAAASAAAAAAAAAAAAAAAAAAAAAEAAABQAAAAAAAAAAAA4D8AAAAAAADgPwAAAAAAAOA/AAAAAAAA4D8AAAAAAADgPwAAAAAAAOA/AAAAAAAA4D8AAAAAAADgPwAAAAAAAOA/AAAAAAAA4D8CAAAAjAAAAAAAAAAAAAAAu+DjDP///wgAAAAAAAAAAAAAAAAAAAAAAAAAAAAAAAAAAAAAZAAAAAEAAABAAAAAAAAAAAAAAAAAAAAAAAAAAAAAAAAAAAAAAAAAAAAAAAAAAAAAAAAAAAAAAAAAAAAAAAAAAAAAAAAAAAAAAAAAAAAAAAAAAAAAAAAAAAAAAAAAAAAAFAAAADwAAAAAAAAAAAAAAAAAAAkUAAAAAQAAABQAAAAUAAAAFAAAAAEAAAAAAAAAZAAAAGQAAAAAAAAAZAAAAGQAAAAVAAAAYAAAAAAAAAAAAAAADwAAACADAAAAAAAAAAAAAAEAAACgMgAAVgcAAKr4//8BAAAAf39/AAEAAABkAAAAAAAAABQAAABAHwAAAAAAACYAAAAAAAAAwOD//wAAAAAmAAAAZAAAABYAAABMAAAAAAAAAAAAAAAEAAAAAAAAAAEAAACAgIAKAAAAACgAAAAoAAAAZAAAAGQAAAAAAAAAzMzMAAAAAABQAAAAUAAAAGQAAABkAAAAAAAAABcAAAAUAAAAAAAAAAAAAAD/fwAA/38AAAAAAAAJAAAABAAAAAAAAAAMAAAAEAAAAAAAAAAAAAAAAAAAAAAAAAAeAAAAaAAAAAAAAAAAAAAAAAAAAAAAAAAAAAAAECcAABAnAAAAAAAAAAAAAAAAAAAAAAAAAAAAAAAAAAAAAAAAAAAAABQAAAAAAAAAwMD/AAAAAABkAAAAMgAAAAAAAABkAAAAAAAAAH9/fwAKAAAAHwAAAFQAAAAAAAAFAAAAAQAAAAAAAAAAAAAAAAAAAAAAAAAAAAAAAAAAAAAAAAAAAAAAAn9/fwAAAAADzMzMAMDA/wB/f38AAAAAAAAAAAAAAAAAAAAAAAAAAAAhAAAAGAAAABQAAADQAgAAYQ0AAKobAACwJQAAEAAAACYAAAAIAAAAAYAAAAAAAAA="/>
               </a:ext>
             </a:extLst>
           </p:cNvSpPr>
@@ -1715,7 +1715,7 @@
             <a:spLocks noGrp="1" noChangeArrowheads="1"/>
             <a:extLst>
               <a:ext uri="smNativeData">
-                <pr:smNativeData xmlns:pr="smNativeData" val="SMDATA_13_VnXdZRMAAAAlAAAAZAAAAA8BAAAAkAAAAEgAAACQAAAASAAAAAAAAAACAAAAAAAAAAEAAABQAAAAAAAAAAAA4D8AAAAAAADgPwAAAAAAAOA/AAAAAAAA4D8AAAAAAADgPwAAAAAAAOA/AAAAAAAA4D8AAAAAAADgPwAAAAAAAOA/AAAAAAAA4D8CAAAAjAAAAAAAAAAAAAAAu+DjDP///wgAAAAAAAAAAAAAAAAAAAAAAAAAAAAAAAAAAAAAZAAAAAEAAABAAAAAAAAAAAAAAAAAAAAAAAAAAAAAAAAAAAAAAAAAAAAAAAAAAAAAAAAAAAAAAAAAAAAAAAAAAAAAAAAAAAAAAAAAAAAAAAAAAAAAAAAAAAAAAAAAAAAAFAAAADwAAAAAAAAAAAAAAAAAAAkUAAAAAQAAABQAAAAUAAAAFAAAAAEAAAAAAAAAZAAAAGQAAAAAAAAAZAAAAGQAAAAVAAAAYAAAAAAAAAAAAAAADwAAACADAAAAAAAAAAAAAAEAAACgMgAAVgcAAKr4//8BAAAAf39/AAEAAABkAAAAAAAAABQAAABAHwAAAAAAACYAAAAAAAAAwOD//wAAAAAmAAAAZAAAABYAAABMAAAAAAAAAAAAAAAEAAAAAAAAAAEAAACAgIAKAAAAACgAAAAoAAAAZAAAAGQAAAAAAAAAzMzMAAAAAABQAAAAUAAAAGQAAABkAAAAAAAAABcAAAAUAAAAAAAAAAAAAAD/fwAA/38AAAAAAAAJAAAABAAAAAAAAAAMAAAAEAAAAAAAAAAAAAAAAAAAAAAAAAAeAAAAaAAAAAAAAAAAAAAAAAAAAAAAAAAAAAAAECcAABAnAAAAAAAAAAAAAAAAAAAAAAAAAAAAAAAAAAAAAAAAAAAAABQAAAAAAAAAwMD/AAAAAABkAAAAMgAAAAAAAABkAAAAAAAAAH9/fwAKAAAAHwAAAFQAAAAAAAAFAAAAAQAAAAAAAAAAAAAAAAAAAAAAAAAAAAAAAAAAAAAAAAAAAAAAAn9/fwAAAAADzMzMAMDA/wB/f38AAAAAAAAAAAAAAAAAAAAAAAAAAAAhAAAAGAAAABQAAACWHAAAcQkAAHA1AABhDQAAEAAAACYAAAAIAAAAgYAAAAAAAAA="/>
+                <pr:smNativeData xmlns:pr="smNativeData" val="SMDATA_13_QBrgZRMAAAAlAAAAZAAAAA8BAAAAkAAAAEgAAACQAAAASAAAAAAAAAACAAAAAAAAAAEAAABQAAAAAAAAAAAA4D8AAAAAAADgPwAAAAAAAOA/AAAAAAAA4D8AAAAAAADgPwAAAAAAAOA/AAAAAAAA4D8AAAAAAADgPwAAAAAAAOA/AAAAAAAA4D8CAAAAjAAAAAAAAAAAAAAAu+DjDP///wgAAAAAAAAAAAAAAAAAAAAAAAAAAAAAAAAAAAAAZAAAAAEAAABAAAAAAAAAAAAAAAAAAAAAAAAAAAAAAAAAAAAAAAAAAAAAAAAAAAAAAAAAAAAAAAAAAAAAAAAAAAAAAAAAAAAAAAAAAAAAAAAAAAAAAAAAAAAAAAAAAAAAFAAAADwAAAAAAAAAAAAAAAAAAAkUAAAAAQAAABQAAAAUAAAAFAAAAAEAAAAAAAAAZAAAAGQAAAAAAAAAZAAAAGQAAAAVAAAAYAAAAAAAAAAAAAAADwAAACADAAAAAAAAAAAAAAEAAACgMgAAVgcAAKr4//8BAAAAf39/AAEAAABkAAAAAAAAABQAAABAHwAAAAAAACYAAAAAAAAAwOD//wAAAAAmAAAAZAAAABYAAABMAAAAAAAAAAAAAAAEAAAAAAAAAAEAAACAgIAKAAAAACgAAAAoAAAAZAAAAGQAAAAAAAAAzMzMAAAAAABQAAAAUAAAAGQAAABkAAAAAAAAABcAAAAUAAAAAAAAAAAAAAD/fwAA/38AAAAAAAAJAAAABAAAAAAAAAAMAAAAEAAAAAAAAAAAAAAAAAAAAAAAAAAeAAAAaAAAAAAAAAAAAAAAAAAAAAAAAAAAAAAAECcAABAnAAAAAAAAAAAAAAAAAAAAAAAAAAAAAAAAAAAAAAAAAAAAABQAAAAAAAAAwMD/AAAAAABkAAAAMgAAAAAAAABkAAAAAAAAAH9/fwAKAAAAHwAAAFQAAAAAAAAFAAAAAQAAAAAAAAAAAAAAAAAAAAAAAAAAAAAAAAAAAAAAAAAAAAAAAn9/fwAAAAADzMzMAMDA/wB/f38AAAAAAAAAAAAAAAAAAAAAAAAAAAAhAAAAGAAAABQAAACWHAAAcQkAAHA1AABhDQAAEAAAACYAAAAIAAAAgYAAAAAAAAA="/>
               </a:ext>
             </a:extLst>
           </p:cNvSpPr>
@@ -1788,7 +1788,7 @@
             <a:spLocks noGrp="1" noChangeArrowheads="1"/>
             <a:extLst>
               <a:ext uri="smNativeData">
-                <pr:smNativeData xmlns:pr="smNativeData" val="SMDATA_13_VnXdZRMAAAAlAAAAZAAAAA8BAAAAkAAAAEgAAACQAAAASAAAAAAAAAAAAAAAAAAAAAEAAABQAAAAAAAAAAAA4D8AAAAAAADgPwAAAAAAAOA/AAAAAAAA4D8AAAAAAADgPwAAAAAAAOA/AAAAAAAA4D8AAAAAAADgPwAAAAAAAOA/AAAAAAAA4D8CAAAAjAAAAAAAAAAAAAAAu+DjDP///wgAAAAAAAAAAAAAAAAAAAAAAAAAAAAAAAAAAAAAZAAAAAEAAABAAAAAAAAAAAAAAAAAAAAAAAAAAAAAAAAAAAAAAAAAAAAAAAAAAAAAAAAAAAAAAAAAAAAAAAAAAAAAAAAAAAAAAAAAAAAAAAAAAAAAAAAAAAAAAAAAAAAAFAAAADwAAAAAAAAAAAAAAAAAAAkUAAAAAQAAABQAAAAUAAAAFAAAAAEAAAAAAAAAZAAAAGQAAAAAAAAAZAAAAGQAAAAVAAAAYAAAAAAAAAAAAAAADwAAACADAAAAAAAAAAAAAAEAAACgMgAAVgcAAKr4//8BAAAAf39/AAEAAABkAAAAAAAAABQAAABAHwAAAAAAACYAAAAAAAAAwOD//wAAAAAmAAAAZAAAABYAAABMAAAAAAAAAAAAAAAEAAAAAAAAAAEAAACAgIAKAAAAACgAAAAoAAAAZAAAAGQAAAAAAAAAzMzMAAAAAABQAAAAUAAAAGQAAABkAAAAAAAAABcAAAAUAAAAAAAAAAAAAAD/fwAA/38AAAAAAAAJAAAABAAAAAAAAAAMAAAAEAAAAAAAAAAAAAAAAAAAAAAAAAAeAAAAaAAAAAAAAAAAAAAAAAAAAAAAAAAAAAAAECcAABAnAAAAAAAAAAAAAAAAAAAAAAAAAAAAAAAAAAAAAAAAAAAAABQAAAAAAAAAwMD/AAAAAABkAAAAMgAAAAAAAABkAAAAAAAAAH9/fwAKAAAAHwAAAFQAAAAAAAAFAAAAAQAAAAAAAAAAAAAAAAAAAAAAAAAAAAAAAAAAAAAAAAAAAAAAAn9/fwAAAAADzMzMAMDA/wB/f38AAAAAAAAAAAAAAAAAAAAAAAAAAAAhAAAAGAAAABQAAACWHAAAYQ0AAHA1AACwJQAAEAAAACYAAAAIAAAAAYAAAAAAAAA="/>
+                <pr:smNativeData xmlns:pr="smNativeData" val="SMDATA_13_QBrgZRMAAAAlAAAAZAAAAA8BAAAAkAAAAEgAAACQAAAASAAAAAAAAAAAAAAAAAAAAAEAAABQAAAAAAAAAAAA4D8AAAAAAADgPwAAAAAAAOA/AAAAAAAA4D8AAAAAAADgPwAAAAAAAOA/AAAAAAAA4D8AAAAAAADgPwAAAAAAAOA/AAAAAAAA4D8CAAAAjAAAAAAAAAAAAAAAu+DjDP///wgAAAAAAAAAAAAAAAAAAAAAAAAAAAAAAAAAAAAAZAAAAAEAAABAAAAAAAAAAAAAAAAAAAAAAAAAAAAAAAAAAAAAAAAAAAAAAAAAAAAAAAAAAAAAAAAAAAAAAAAAAAAAAAAAAAAAAAAAAAAAAAAAAAAAAAAAAAAAAAAAAAAAFAAAADwAAAAAAAAAAAAAAAAAAAkUAAAAAQAAABQAAAAUAAAAFAAAAAEAAAAAAAAAZAAAAGQAAAAAAAAAZAAAAGQAAAAVAAAAYAAAAAAAAAAAAAAADwAAACADAAAAAAAAAAAAAAEAAACgMgAAVgcAAKr4//8BAAAAf39/AAEAAABkAAAAAAAAABQAAABAHwAAAAAAACYAAAAAAAAAwOD//wAAAAAmAAAAZAAAABYAAABMAAAAAAAAAAAAAAAEAAAAAAAAAAEAAACAgIAKAAAAACgAAAAoAAAAZAAAAGQAAAAAAAAAzMzMAAAAAABQAAAAUAAAAGQAAABkAAAAAAAAABcAAAAUAAAAAAAAAAAAAAD/fwAA/38AAAAAAAAJAAAABAAAAAAAAAAMAAAAEAAAAAAAAAAAAAAAAAAAAAAAAAAeAAAAaAAAAAAAAAAAAAAAAAAAAAAAAAAAAAAAECcAABAnAAAAAAAAAAAAAAAAAAAAAAAAAAAAAAAAAAAAAAAAAAAAABQAAAAAAAAAwMD/AAAAAABkAAAAMgAAAAAAAABkAAAAAAAAAH9/fwAKAAAAHwAAAFQAAAAAAAAFAAAAAQAAAAAAAAAAAAAAAAAAAAAAAAAAAAAAAAAAAAAAAAAAAAAAAn9/fwAAAAADzMzMAMDA/wB/f38AAAAAAAAAAAAAAAAAAAAAAAAAAAAhAAAAGAAAABQAAACWHAAAYQ0AAHA1AACwJQAAEAAAACYAAAAIAAAAAYAAAAAAAAA="/>
               </a:ext>
             </a:extLst>
           </p:cNvSpPr>
@@ -1872,7 +1872,7 @@
             <a:spLocks noGrp="1" noChangeArrowheads="1"/>
             <a:extLst>
               <a:ext uri="smNativeData">
-                <pr:smNativeData xmlns:pr="smNativeData" val="SMDATA_13_VnXdZRMAAAAlAAAAZAAAAA8BAAAAkAAAAEgAAACQAAAASAAAAAAAAAABAAAAAAAAAAEAAABQAAAAAAAAAAAA4D8AAAAAAADgPwAAAAAAAOA/AAAAAAAA4D8AAAAAAADgPwAAAAAAAOA/AAAAAAAA4D8AAAAAAADgPwAAAAAAAOA/AAAAAAAA4D8CAAAAjAAAAAAAAAAAAAAAu+DjDP///wgAAAAAAAAAAAAAAAAAAAAAAAAAAAAAAAAAAAAAZAAAAAEAAABAAAAAAAAAAAAAAAAAAAAAAAAAAAAAAAAAAAAAAAAAAAAAAAAAAAAAAAAAAAAAAAAAAAAAAAAAAAAAAAAAAAAAAAAAAAAAAAAAAAAAAAAAAAAAAAAAAAAAFAAAADwAAAAAAAAAAAAAAAAAAAkUAAAAAQAAABQAAAAUAAAAFAAAAAEAAAAAAAAAZAAAAGQAAAAAAAAAZAAAAGQAAAAVAAAAYAAAAAAAAAAAAAAADwAAACADAAAAAAAAAAAAAAEAAACgMgAAVgcAAKr4//8BAAAAf39/AAEAAABkAAAAAAAAABQAAABAHwAAAAAAACYAAAAAAAAAwOD//wAAAAAmAAAAZAAAABYAAABMAAAAAAAAAAAAAAAEAAAAAAAAAAEAAACAgIAKAAAAACgAAAAoAAAAZAAAAGQAAAAAAAAAzMzMAAAAAABQAAAAUAAAAGQAAABkAAAAAAAAABcAAAAUAAAAAAAAAAAAAAD/fwAA/38AAAAAAAAJAAAABAAAAAAAAAAMAAAAEAAAAAAAAAAAAAAAAAAAAAAAAAAeAAAAaAAAAAAAAAAAAAAAAAAAAAAAAAAAAAAAECcAABAnAAAAAAAAAAAAAAAAAAAAAAAAAAAAAAAAAAAAAAAAAAAAABQAAAAAAAAAwMD/AAAAAABkAAAAMgAAAAAAAABkAAAAAAAAAH9/fwAKAAAAHwAAAFQAAAAAAAAFAAAAAQAAAAAAAAAAAAAAAAAAAAAAAAAAAAAAAAAAAAAAAAAAAAAAAn9/fwAAAAADzMzMAMDA/wB/f38AAAAAAAAAAAAAAAAAAAAAAAAAAAAhAAAAGAAAABQAAADQAgAAGycAAPAPAABZKQAAEAAAACYAAAAIAAAAAAAAAAAAAAA="/>
+                <pr:smNativeData xmlns:pr="smNativeData" val="SMDATA_13_QBrgZRMAAAAlAAAAZAAAAA8BAAAAkAAAAEgAAACQAAAASAAAAAAAAAABAAAAAAAAAAEAAABQAAAAAAAAAAAA4D8AAAAAAADgPwAAAAAAAOA/AAAAAAAA4D8AAAAAAADgPwAAAAAAAOA/AAAAAAAA4D8AAAAAAADgPwAAAAAAAOA/AAAAAAAA4D8CAAAAjAAAAAAAAAAAAAAAu+DjDP///wgAAAAAAAAAAAAAAAAAAAAAAAAAAAAAAAAAAAAAZAAAAAEAAABAAAAAAAAAAAAAAAAAAAAAAAAAAAAAAAAAAAAAAAAAAAAAAAAAAAAAAAAAAAAAAAAAAAAAAAAAAAAAAAAAAAAAAAAAAAAAAAAAAAAAAAAAAAAAAAAAAAAAFAAAADwAAAAAAAAAAAAAAAAAAAkUAAAAAQAAABQAAAAUAAAAFAAAAAEAAAAAAAAAZAAAAGQAAAAAAAAAZAAAAGQAAAAVAAAAYAAAAAAAAAAAAAAADwAAACADAAAAAAAAAAAAAAEAAACgMgAAVgcAAKr4//8BAAAAf39/AAEAAABkAAAAAAAAABQAAABAHwAAAAAAACYAAAAAAAAAwOD//wAAAAAmAAAAZAAAABYAAABMAAAAAAAAAAAAAAAEAAAAAAAAAAEAAACAgIAKAAAAACgAAAAoAAAAZAAAAGQAAAAAAAAAzMzMAAAAAABQAAAAUAAAAGQAAABkAAAAAAAAABcAAAAUAAAAAAAAAAAAAAD/fwAA/38AAAAAAAAJAAAABAAAAAAAAAAMAAAAEAAAAAAAAAAAAAAAAAAAAAAAAAAeAAAAaAAAAAAAAAAAAAAAAAAAAAAAAAAAAAAAECcAABAnAAAAAAAAAAAAAAAAAAAAAAAAAAAAAAAAAAAAAAAAAAAAABQAAAAAAAAAwMD/AAAAAABkAAAAMgAAAAAAAABkAAAAAAAAAH9/fwAKAAAAHwAAAFQAAAAAAAAFAAAAAQAAAAAAAAAAAAAAAAAAAAAAAAAAAAAAAAAAAAAAAAAAAAAAAn9/fwAAAAADzMzMAMDA/wB/f38AAAAAAAAAAAAAAAAAAAAAAAAAAAAhAAAAGAAAABQAAADQAgAAGycAAPAPAABZKQAAEAAAACYAAAAIAAAAAAAAAAAAAAA="/>
               </a:ext>
             </a:extLst>
           </p:cNvSpPr>
@@ -1886,7 +1886,7 @@
           <a:lstStyle/>
           <a:p>
             <a:pPr/>
-            <a:fld id="{3FF77416-58D2-A282-9C4F-AED73A016AFB}" type="datetime1">
+            <a:fld id="{3F82E431-7FD2-D712-9C3A-8947AA746ADC}" type="datetime1">
               <a:t/>
             </a:fld>
           </a:p>
@@ -1899,7 +1899,7 @@
             <a:spLocks noGrp="1" noChangeArrowheads="1"/>
             <a:extLst>
               <a:ext uri="smNativeData">
-                <pr:smNativeData xmlns:pr="smNativeData" val="SMDATA_13_VnXdZRMAAAAlAAAAZAAAAA8BAAAAkAAAAEgAAACQAAAASAAAAAAAAAABAAAAAAAAAAEAAABQAAAAAAAAAAAA4D8AAAAAAADgPwAAAAAAAOA/AAAAAAAA4D8AAAAAAADgPwAAAAAAAOA/AAAAAAAA4D8AAAAAAADgPwAAAAAAAOA/AAAAAAAA4D8CAAAAjAAAAAAAAAAAAAAAu+DjDP///wgAAAAAAAAAAAAAAAAAAAAAAAAAAAAAAAAAAAAAZAAAAAEAAABAAAAAAAAAAAAAAAAAAAAAAAAAAAAAAAAAAAAAAAAAAAAAAAAAAAAAAAAAAAAAAAAAAAAAAAAAAAAAAAAAAAAAAAAAAAAAAAAAAAAAAAAAAAAAAAAAAAAAFAAAADwAAAAAAAAAAAAAAAAAAAkUAAAAAQAAABQAAAAUAAAAFAAAAAEAAAAAAAAAZAAAAGQAAAAAAAAAZAAAAGQAAAAVAAAAYAAAAAAAAAAAAAAADwAAACADAAAAAAAAAAAAAAEAAACgMgAAVgcAAKr4//8BAAAAf39/AAEAAABkAAAAAAAAABQAAABAHwAAAAAAACYAAAAAAAAAwOD//wAAAAAmAAAAZAAAABYAAABMAAAAAAAAAAAAAAAEAAAAAAAAAAEAAACAgIAKAAAAACgAAAAoAAAAZAAAAGQAAAAAAAAAzMzMAAAAAABQAAAAUAAAAGQAAABkAAAAAAAAABcAAAAUAAAAAAAAAAAAAAD/fwAA/38AAAAAAAAJAAAABAAAAAAAAAAMAAAAEAAAAAAAAAAAAAAAAAAAAAAAAAAeAAAAaAAAAAAAAAAAAAAAAAAAAAAAAAAAAAAAECcAABAnAAAAAAAAAAAAAAAAAAAAAAAAAAAAAAAAAAAAAAAAAAAAABQAAAAAAAAAwMD/AAAAAABkAAAAMgAAAAAAAABkAAAAAAAAAH9/fwAKAAAAHwAAAFQAAAAAAAAFAAAAAQAAAAAAAAAAAAAAAAAAAAAAAAAAAAAAAAAAAAAAAAAAAAAAAn9/fwAAAAADzMzMAMDA/wB/f38AAAAAAAAAAAAAAAAAAAAAAAAAAAAhAAAAGAAAABQAAAA4EwAAGycAAAglAABZKQAAEAAAACYAAAAIAAAAAAAAAAAAAAA="/>
+                <pr:smNativeData xmlns:pr="smNativeData" val="SMDATA_13_QBrgZRMAAAAlAAAAZAAAAA8BAAAAkAAAAEgAAACQAAAASAAAAAAAAAABAAAAAAAAAAEAAABQAAAAAAAAAAAA4D8AAAAAAADgPwAAAAAAAOA/AAAAAAAA4D8AAAAAAADgPwAAAAAAAOA/AAAAAAAA4D8AAAAAAADgPwAAAAAAAOA/AAAAAAAA4D8CAAAAjAAAAAAAAAAAAAAAu+DjDP///wgAAAAAAAAAAAAAAAAAAAAAAAAAAAAAAAAAAAAAZAAAAAEAAABAAAAAAAAAAAAAAAAAAAAAAAAAAAAAAAAAAAAAAAAAAAAAAAAAAAAAAAAAAAAAAAAAAAAAAAAAAAAAAAAAAAAAAAAAAAAAAAAAAAAAAAAAAAAAAAAAAAAAFAAAADwAAAAAAAAAAAAAAAAAAAkUAAAAAQAAABQAAAAUAAAAFAAAAAEAAAAAAAAAZAAAAGQAAAAAAAAAZAAAAGQAAAAVAAAAYAAAAAAAAAAAAAAADwAAACADAAAAAAAAAAAAAAEAAACgMgAAVgcAAKr4//8BAAAAf39/AAEAAABkAAAAAAAAABQAAABAHwAAAAAAACYAAAAAAAAAwOD//wAAAAAmAAAAZAAAABYAAABMAAAAAAAAAAAAAAAEAAAAAAAAAAEAAACAgIAKAAAAACgAAAAoAAAAZAAAAGQAAAAAAAAAzMzMAAAAAABQAAAAUAAAAGQAAABkAAAAAAAAABcAAAAUAAAAAAAAAAAAAAD/fwAA/38AAAAAAAAJAAAABAAAAAAAAAAMAAAAEAAAAAAAAAAAAAAAAAAAAAAAAAAeAAAAaAAAAAAAAAAAAAAAAAAAAAAAAAAAAAAAECcAABAnAAAAAAAAAAAAAAAAAAAAAAAAAAAAAAAAAAAAAAAAAAAAABQAAAAAAAAAwMD/AAAAAABkAAAAMgAAAAAAAABkAAAAAAAAAH9/fwAKAAAAHwAAAFQAAAAAAAAFAAAAAQAAAAAAAAAAAAAAAAAAAAAAAAAAAAAAAAAAAAAAAAAAAAAAAn9/fwAAAAADzMzMAMDA/wB/f38AAAAAAAAAAAAAAAAAAAAAAAAAAAAhAAAAGAAAABQAAAA4EwAAGycAAAglAABZKQAAEAAAACYAAAAIAAAAAAAAAAAAAAA="/>
               </a:ext>
             </a:extLst>
           </p:cNvSpPr>
@@ -1923,7 +1923,7 @@
             <a:spLocks noGrp="1" noChangeArrowheads="1"/>
             <a:extLst>
               <a:ext uri="smNativeData">
-                <pr:smNativeData xmlns:pr="smNativeData" val="SMDATA_13_VnXdZRMAAAAlAAAAZAAAAA8BAAAAkAAAAEgAAACQAAAASAAAAAAAAAABAAAAAAAAAAEAAABQAAAAAAAAAAAA4D8AAAAAAADgPwAAAAAAAOA/AAAAAAAA4D8AAAAAAADgPwAAAAAAAOA/AAAAAAAA4D8AAAAAAADgPwAAAAAAAOA/AAAAAAAA4D8CAAAAjAAAAAAAAAAAAAAAu+DjDP///wgAAAAAAAAAAAAAAAAAAAAAAAAAAAAAAAAAAAAAZAAAAAEAAABAAAAAAAAAAAAAAAAAAAAAAAAAAAAAAAAAAAAAAAAAAAAAAAAAAAAAAAAAAAAAAAAAAAAAAAAAAAAAAAAAAAAAAAAAAAAAAAAAAAAAAAAAAAAAAAAAAAAAFAAAADwAAAAAAAAAAAAAAAAAAAkUAAAAAQAAABQAAAAUAAAAFAAAAAEAAAAAAAAAZAAAAGQAAAAAAAAAZAAAAGQAAAAVAAAAYAAAAAAAAAAAAAAADwAAACADAAAAAAAAAAAAAAEAAACgMgAAVgcAAKr4//8BAAAAf39/AAEAAABkAAAAAAAAABQAAABAHwAAAAAAACYAAAAAAAAAwOD//wAAAAAmAAAAZAAAABYAAABMAAAAAAAAAAAAAAAEAAAAAAAAAAEAAACAgIAKAAAAACgAAAAoAAAAZAAAAGQAAAAAAAAAzMzMAAAAAABQAAAAUAAAAGQAAABkAAAAAAAAABcAAAAUAAAAAAAAAAAAAAD/fwAA/38AAAAAAAAJAAAABAAAAAAAAAAMAAAAEAAAAAAAAAAAAAAAAAAAAAAAAAAeAAAAaAAAAAAAAAAAAAAAAAAAAAAAAAAAAAAAECcAABAnAAAAAAAAAAAAAAAAAAAAAAAAAAAAAAAAAAAAAAAAAAAAABQAAAAAAAAAwMD/AAAAAABkAAAAMgAAAAAAAABkAAAAAAAAAH9/fwAKAAAAHwAAAFQAAAAAAAAFAAAAAQAAAAAAAAAAAAAAAAAAAAAAAAAAAAAAAAAAAAAAAAAAAAAAAn9/fwAAAAADzMzMAMDA/wB/f38AAAAAAAAAAAAAAAAAAAAAAAAAAAAhAAAAGAAAABQAAABQKAAAGycAAHA1AABZKQAAEAAAACYAAAAIAAAAAAAAAAAAAAA="/>
+                <pr:smNativeData xmlns:pr="smNativeData" val="SMDATA_13_QBrgZRMAAAAlAAAAZAAAAA8BAAAAkAAAAEgAAACQAAAASAAAAAAAAAABAAAAAAAAAAEAAABQAAAAAAAAAAAA4D8AAAAAAADgPwAAAAAAAOA/AAAAAAAA4D8AAAAAAADgPwAAAAAAAOA/AAAAAAAA4D8AAAAAAADgPwAAAAAAAOA/AAAAAAAA4D8CAAAAjAAAAAAAAAAAAAAAu+DjDP///wgAAAAAAAAAAAAAAAAAAAAAAAAAAAAAAAAAAAAAZAAAAAEAAABAAAAAAAAAAAAAAAAAAAAAAAAAAAAAAAAAAAAAAAAAAAAAAAAAAAAAAAAAAAAAAAAAAAAAAAAAAAAAAAAAAAAAAAAAAAAAAAAAAAAAAAAAAAAAAAAAAAAAFAAAADwAAAAAAAAAAAAAAAAAAAkUAAAAAQAAABQAAAAUAAAAFAAAAAEAAAAAAAAAZAAAAGQAAAAAAAAAZAAAAGQAAAAVAAAAYAAAAAAAAAAAAAAADwAAACADAAAAAAAAAAAAAAEAAACgMgAAVgcAAKr4//8BAAAAf39/AAEAAABkAAAAAAAAABQAAABAHwAAAAAAACYAAAAAAAAAwOD//wAAAAAmAAAAZAAAABYAAABMAAAAAAAAAAAAAAAEAAAAAAAAAAEAAACAgIAKAAAAACgAAAAoAAAAZAAAAGQAAAAAAAAAzMzMAAAAAABQAAAAUAAAAGQAAABkAAAAAAAAABcAAAAUAAAAAAAAAAAAAAD/fwAA/38AAAAAAAAJAAAABAAAAAAAAAAMAAAAEAAAAAAAAAAAAAAAAAAAAAAAAAAeAAAAaAAAAAAAAAAAAAAAAAAAAAAAAAAAAAAAECcAABAnAAAAAAAAAAAAAAAAAAAAAAAAAAAAAAAAAAAAAAAAAAAAABQAAAAAAAAAwMD/AAAAAABkAAAAMgAAAAAAAABkAAAAAAAAAH9/fwAKAAAAHwAAAFQAAAAAAAAFAAAAAQAAAAAAAAAAAAAAAAAAAAAAAAAAAAAAAAAAAAAAAAAAAAAAAn9/fwAAAAADzMzMAMDA/wB/f38AAAAAAAAAAAAAAAAAAAAAAAAAAAAhAAAAGAAAABQAAABQKAAAGycAAHA1AABZKQAAEAAAACYAAAAIAAAAAAAAAAAAAAA="/>
               </a:ext>
             </a:extLst>
           </p:cNvSpPr>
@@ -1937,7 +1937,7 @@
           <a:lstStyle/>
           <a:p>
             <a:pPr/>
-            <a:fld id="{3FF779C8-86D2-A28F-9C4F-70DA37016A25}" type="slidenum">
+            <a:fld id="{3F82F2AF-E1D2-D704-9C3A-1751BC746A42}" type="slidenum">
               <a:t/>
             </a:fld>
           </a:p>
@@ -1975,7 +1975,7 @@
             <a:spLocks noGrp="1" noChangeArrowheads="1"/>
             <a:extLst>
               <a:ext uri="smNativeData">
-                <pr:smNativeData xmlns:pr="smNativeData" val="SMDATA_13_VnXdZRMAAAAlAAAAZAAAAA8BAAAAkAAAAEgAAACQAAAASAAAAAAAAAABAAAAAAAAAAEAAABQAAAAAAAAAAAA4D8AAAAAAADgPwAAAAAAAOA/AAAAAAAA4D8AAAAAAADgPwAAAAAAAOA/AAAAAAAA4D8AAAAAAADgPwAAAAAAAOA/AAAAAAAA4D8CAAAAjAAAAAAAAAAAAAAAu+DjDP///wgAAAAAAAAAAAAAAAAAAAAAAAAAAAAAAAAAAAAAZAAAAAEAAABAAAAAAAAAAAAAAAAAAAAAAAAAAAAAAAAAAAAAAAAAAAAAAAAAAAAAAAAAAAAAAAAAAAAAAAAAAAAAAAAAAAAAAAAAAAAAAAAAAAAAAAAAAAAAAAAAAAAAFAAAADwAAAAAAAAAAAAAAAAAAAkUAAAAAQAAABQAAAAUAAAAFAAAAAEAAAAAAAAAZAAAAGQAAAAAAAAAZAAAAGQAAAAVAAAAYAAAAAAAAAAAAAAADwAAACADAAAAAAAAAAAAAAEAAACgMgAAVgcAAKr4//8BAAAAf39/AAEAAABkAAAAAAAAABQAAABAHwAAAAAAACYAAAAAAAAAwOD//wAAAAAmAAAAZAAAABYAAABMAAAAAAAAAAAAAAAEAAAAAAAAAAEAAACAgIAKAAAAACgAAAAoAAAAZAAAAGQAAAAAAAAAzMzMAAAAAABQAAAAUAAAAGQAAABkAAAAAAAAABcAAAAUAAAAAAAAAAAAAAD/fwAA/38AAAAAAAAJAAAABAAAAAAAAAAMAAAAEAAAAAAAAAAAAAAAAAAAAAAAAAAeAAAAaAAAAAAAAAAAAAAAAAAAAAAAAAAAAAAAECcAABAnAAAAAAAAAAAAAAAAAAAAAAAAAAAAAAAAAAAAAAAAAAAAABQAAAAAAAAAwMD/AAAAAABkAAAAMgAAAAAAAABkAAAAAAAAAH9/fwAKAAAAHwAAAFQAAAAAAAAFAAAAAQAAAAAAAAAAAAAAAAAAAAAAAAAAAAAAAAAAAAAAAAAAAAAAAn9/fwAAAAADzMzMAMDA/wB/f38AAAAAAAAAAAAAAAAAAAAAAAAAAAAhAAAAGAAAABQAAADQAgAAsAEAAHA1AAC4CAAAEAAAACYAAAAIAAAAAAAAAAAAAAA="/>
+                <pr:smNativeData xmlns:pr="smNativeData" val="SMDATA_13_QBrgZRMAAAAlAAAAZAAAAA8BAAAAkAAAAEgAAACQAAAASAAAAAAAAAABAAAAAAAAAAEAAABQAAAAAAAAAAAA4D8AAAAAAADgPwAAAAAAAOA/AAAAAAAA4D8AAAAAAADgPwAAAAAAAOA/AAAAAAAA4D8AAAAAAADgPwAAAAAAAOA/AAAAAAAA4D8CAAAAjAAAAAAAAAAAAAAAu+DjDP///wgAAAAAAAAAAAAAAAAAAAAAAAAAAAAAAAAAAAAAZAAAAAEAAABAAAAAAAAAAAAAAAAAAAAAAAAAAAAAAAAAAAAAAAAAAAAAAAAAAAAAAAAAAAAAAAAAAAAAAAAAAAAAAAAAAAAAAAAAAAAAAAAAAAAAAAAAAAAAAAAAAAAAFAAAADwAAAAAAAAAAAAAAAAAAAkUAAAAAQAAABQAAAAUAAAAFAAAAAEAAAAAAAAAZAAAAGQAAAAAAAAAZAAAAGQAAAAVAAAAYAAAAAAAAAAAAAAADwAAACADAAAAAAAAAAAAAAEAAACgMgAAVgcAAKr4//8BAAAAf39/AAEAAABkAAAAAAAAABQAAABAHwAAAAAAACYAAAAAAAAAwOD//wAAAAAmAAAAZAAAABYAAABMAAAAAAAAAAAAAAAEAAAAAAAAAAEAAACAgIAKAAAAACgAAAAoAAAAZAAAAGQAAAAAAAAAzMzMAAAAAABQAAAAUAAAAGQAAABkAAAAAAAAABcAAAAUAAAAAAAAAAAAAAD/fwAA/38AAAAAAAAJAAAABAAAAAAAAAAMAAAAEAAAAAAAAAAAAAAAAAAAAAAAAAAeAAAAaAAAAAAAAAAAAAAAAAAAAAAAAAAAAAAAECcAABAnAAAAAAAAAAAAAAAAAAAAAAAAAAAAAAAAAAAAAAAAAAAAABQAAAAAAAAAwMD/AAAAAABkAAAAMgAAAAAAAABkAAAAAAAAAH9/fwAKAAAAHwAAAFQAAAAAAAAFAAAAAQAAAAAAAAAAAAAAAAAAAAAAAAAAAAAAAAAAAAAAAAAAAAAAAn9/fwAAAAADzMzMAMDA/wB/f38AAAAAAAAAAAAAAAAAAAAAAAAAAAAhAAAAGAAAABQAAADQAgAAsAEAAHA1AAC4CAAAEAAAACYAAAAIAAAAAAAAAAAAAAA="/>
               </a:ext>
             </a:extLst>
           </p:cNvSpPr>
@@ -2002,7 +2002,7 @@
             <a:spLocks noGrp="1" noChangeArrowheads="1"/>
             <a:extLst>
               <a:ext uri="smNativeData">
-                <pr:smNativeData xmlns:pr="smNativeData" val="SMDATA_13_VnXdZRMAAAAlAAAAZAAAAA8BAAAAkAAAAEgAAACQAAAASAAAAAAAAAABAAAAAAAAAAEAAABQAAAAAAAAAAAA4D8AAAAAAADgPwAAAAAAAOA/AAAAAAAA4D8AAAAAAADgPwAAAAAAAOA/AAAAAAAA4D8AAAAAAADgPwAAAAAAAOA/AAAAAAAA4D8CAAAAjAAAAAAAAAAAAAAAu+DjDP///wgAAAAAAAAAAAAAAAAAAAAAAAAAAAAAAAAAAAAAZAAAAAEAAABAAAAAAAAAAAAAAAAAAAAAAAAAAAAAAAAAAAAAAAAAAAAAAAAAAAAAAAAAAAAAAAAAAAAAAAAAAAAAAAAAAAAAAAAAAAAAAAAAAAAAAAAAAAAAAAAAAAAAFAAAADwAAAAAAAAAAAAAAAAAAAkUAAAAAQAAABQAAAAUAAAAFAAAAAEAAAAAAAAAZAAAAGQAAAAAAAAAZAAAAGQAAAAVAAAAYAAAAAAAAAAAAAAADwAAACADAAAAAAAAAAAAAAEAAACgMgAAVgcAAKr4//8BAAAAf39/AAEAAABkAAAAAAAAABQAAABAHwAAAAAAACYAAAAAAAAAwOD//wAAAAAmAAAAZAAAABYAAABMAAAAAAAAAAAAAAAEAAAAAAAAAAEAAACAgIAKAAAAACgAAAAoAAAAZAAAAGQAAAAAAAAAzMzMAAAAAABQAAAAUAAAAGQAAABkAAAAAAAAABcAAAAUAAAAAAAAAAAAAAD/fwAA/38AAAAAAAAJAAAABAAAAAAAAAAMAAAAEAAAAAAAAAAAAAAAAAAAAAAAAAAeAAAAaAAAAAAAAAAAAAAAAAAAAAAAAAAAAAAAECcAABAnAAAAAAAAAAAAAAAAAAAAAAAAAAAAAAAAAAAAAAAAAAAAABQAAAAAAAAAwMD/AAAAAABkAAAAMgAAAAAAAABkAAAAAAAAAH9/fwAKAAAAHwAAAFQAAAAAAAAFAAAAAQAAAAAAAAAAAAAAAAAAAAAAAAAAAAAAAAAAAAAAAAAAAAAAAn9/fwAAAAADzMzMAMDA/wB/f38AAAAAAAAAAAAAAAAAAAAAAAAAAAAhAAAAGAAAABQAAADQAgAAGycAAPAPAABZKQAAEAAAACYAAAAIAAAAAAAAAAAAAAA="/>
+                <pr:smNativeData xmlns:pr="smNativeData" val="SMDATA_13_QBrgZRMAAAAlAAAAZAAAAA8BAAAAkAAAAEgAAACQAAAASAAAAAAAAAABAAAAAAAAAAEAAABQAAAAAAAAAAAA4D8AAAAAAADgPwAAAAAAAOA/AAAAAAAA4D8AAAAAAADgPwAAAAAAAOA/AAAAAAAA4D8AAAAAAADgPwAAAAAAAOA/AAAAAAAA4D8CAAAAjAAAAAAAAAAAAAAAu+DjDP///wgAAAAAAAAAAAAAAAAAAAAAAAAAAAAAAAAAAAAAZAAAAAEAAABAAAAAAAAAAAAAAAAAAAAAAAAAAAAAAAAAAAAAAAAAAAAAAAAAAAAAAAAAAAAAAAAAAAAAAAAAAAAAAAAAAAAAAAAAAAAAAAAAAAAAAAAAAAAAAAAAAAAAFAAAADwAAAAAAAAAAAAAAAAAAAkUAAAAAQAAABQAAAAUAAAAFAAAAAEAAAAAAAAAZAAAAGQAAAAAAAAAZAAAAGQAAAAVAAAAYAAAAAAAAAAAAAAADwAAACADAAAAAAAAAAAAAAEAAACgMgAAVgcAAKr4//8BAAAAf39/AAEAAABkAAAAAAAAABQAAABAHwAAAAAAACYAAAAAAAAAwOD//wAAAAAmAAAAZAAAABYAAABMAAAAAAAAAAAAAAAEAAAAAAAAAAEAAACAgIAKAAAAACgAAAAoAAAAZAAAAGQAAAAAAAAAzMzMAAAAAABQAAAAUAAAAGQAAABkAAAAAAAAABcAAAAUAAAAAAAAAAAAAAD/fwAA/38AAAAAAAAJAAAABAAAAAAAAAAMAAAAEAAAAAAAAAAAAAAAAAAAAAAAAAAeAAAAaAAAAAAAAAAAAAAAAAAAAAAAAAAAAAAAECcAABAnAAAAAAAAAAAAAAAAAAAAAAAAAAAAAAAAAAAAAAAAAAAAABQAAAAAAAAAwMD/AAAAAABkAAAAMgAAAAAAAABkAAAAAAAAAH9/fwAKAAAAHwAAAFQAAAAAAAAFAAAAAQAAAAAAAAAAAAAAAAAAAAAAAAAAAAAAAAAAAAAAAAAAAAAAAn9/fwAAAAADzMzMAMDA/wB/f38AAAAAAAAAAAAAAAAAAAAAAAAAAAAhAAAAGAAAABQAAADQAgAAGycAAPAPAABZKQAAEAAAACYAAAAIAAAAAAAAAAAAAAA="/>
               </a:ext>
             </a:extLst>
           </p:cNvSpPr>
@@ -2016,7 +2016,7 @@
           <a:lstStyle/>
           <a:p>
             <a:pPr/>
-            <a:fld id="{3FF7192E-60D2-A2EF-9C4F-96BA57016AC3}" type="datetime1">
+            <a:fld id="{3F82BF94-DAD2-D749-9C3A-2C1CF1746A79}" type="datetime1">
               <a:t/>
             </a:fld>
           </a:p>
@@ -2029,7 +2029,7 @@
             <a:spLocks noGrp="1" noChangeArrowheads="1"/>
             <a:extLst>
               <a:ext uri="smNativeData">
-                <pr:smNativeData xmlns:pr="smNativeData" val="SMDATA_13_VnXdZRMAAAAlAAAAZAAAAA8BAAAAkAAAAEgAAACQAAAASAAAAAAAAAABAAAAAAAAAAEAAABQAAAAAAAAAAAA4D8AAAAAAADgPwAAAAAAAOA/AAAAAAAA4D8AAAAAAADgPwAAAAAAAOA/AAAAAAAA4D8AAAAAAADgPwAAAAAAAOA/AAAAAAAA4D8CAAAAjAAAAAAAAAAAAAAAu+DjDP///wgAAAAAAAAAAAAAAAAAAAAAAAAAAAAAAAAAAAAAZAAAAAEAAABAAAAAAAAAAAAAAAAAAAAAAAAAAAAAAAAAAAAAAAAAAAAAAAAAAAAAAAAAAAAAAAAAAAAAAAAAAAAAAAAAAAAAAAAAAAAAAAAAAAAAAAAAAAAAAAAAAAAAFAAAADwAAAAAAAAAAAAAAAAAAAkUAAAAAQAAABQAAAAUAAAAFAAAAAEAAAAAAAAAZAAAAGQAAAAAAAAAZAAAAGQAAAAVAAAAYAAAAAAAAAAAAAAADwAAACADAAAAAAAAAAAAAAEAAACgMgAAVgcAAKr4//8BAAAAf39/AAEAAABkAAAAAAAAABQAAABAHwAAAAAAACYAAAAAAAAAwOD//wAAAAAmAAAAZAAAABYAAABMAAAAAAAAAAAAAAAEAAAAAAAAAAEAAACAgIAKAAAAACgAAAAoAAAAZAAAAGQAAAAAAAAAzMzMAAAAAABQAAAAUAAAAGQAAABkAAAAAAAAABcAAAAUAAAAAAAAAAAAAAD/fwAA/38AAAAAAAAJAAAABAAAAAAAAAAMAAAAEAAAAAAAAAAAAAAAAAAAAAAAAAAeAAAAaAAAAAAAAAAAAAAAAAAAAAAAAAAAAAAAECcAABAnAAAAAAAAAAAAAAAAAAAAAAAAAAAAAAAAAAAAAAAAAAAAABQAAAAAAAAAwMD/AAAAAABkAAAAMgAAAAAAAABkAAAAAAAAAH9/fwAKAAAAHwAAAFQAAAAAAAAFAAAAAQAAAAAAAAAAAAAAAAAAAAAAAAAAAAAAAAAAAAAAAAAAAAAAAn9/fwAAAAADzMzMAMDA/wB/f38AAAAAAAAAAAAAAAAAAAAAAAAAAAAhAAAAGAAAABQAAAA4EwAAGycAAAglAABZKQAAEAAAACYAAAAIAAAAAAAAAAAAAAA="/>
+                <pr:smNativeData xmlns:pr="smNativeData" val="SMDATA_13_QBrgZRMAAAAlAAAAZAAAAA8BAAAAkAAAAEgAAACQAAAASAAAAAAAAAABAAAAAAAAAAEAAABQAAAAAAAAAAAA4D8AAAAAAADgPwAAAAAAAOA/AAAAAAAA4D8AAAAAAADgPwAAAAAAAOA/AAAAAAAA4D8AAAAAAADgPwAAAAAAAOA/AAAAAAAA4D8CAAAAjAAAAAAAAAAAAAAAu+DjDP///wgAAAAAAAAAAAAAAAAAAAAAAAAAAAAAAAAAAAAAZAAAAAEAAABAAAAAAAAAAAAAAAAAAAAAAAAAAAAAAAAAAAAAAAAAAAAAAAAAAAAAAAAAAAAAAAAAAAAAAAAAAAAAAAAAAAAAAAAAAAAAAAAAAAAAAAAAAAAAAAAAAAAAFAAAADwAAAAAAAAAAAAAAAAAAAkUAAAAAQAAABQAAAAUAAAAFAAAAAEAAAAAAAAAZAAAAGQAAAAAAAAAZAAAAGQAAAAVAAAAYAAAAAAAAAAAAAAADwAAACADAAAAAAAAAAAAAAEAAACgMgAAVgcAAKr4//8BAAAAf39/AAEAAABkAAAAAAAAABQAAABAHwAAAAAAACYAAAAAAAAAwOD//wAAAAAmAAAAZAAAABYAAABMAAAAAAAAAAAAAAAEAAAAAAAAAAEAAACAgIAKAAAAACgAAAAoAAAAZAAAAGQAAAAAAAAAzMzMAAAAAABQAAAAUAAAAGQAAABkAAAAAAAAABcAAAAUAAAAAAAAAAAAAAD/fwAA/38AAAAAAAAJAAAABAAAAAAAAAAMAAAAEAAAAAAAAAAAAAAAAAAAAAAAAAAeAAAAaAAAAAAAAAAAAAAAAAAAAAAAAAAAAAAAECcAABAnAAAAAAAAAAAAAAAAAAAAAAAAAAAAAAAAAAAAAAAAAAAAABQAAAAAAAAAwMD/AAAAAABkAAAAMgAAAAAAAABkAAAAAAAAAH9/fwAKAAAAHwAAAFQAAAAAAAAFAAAAAQAAAAAAAAAAAAAAAAAAAAAAAAAAAAAAAAAAAAAAAAAAAAAAAn9/fwAAAAADzMzMAMDA/wB/f38AAAAAAAAAAAAAAAAAAAAAAAAAAAAhAAAAGAAAABQAAAA4EwAAGycAAAglAABZKQAAEAAAACYAAAAIAAAAAAAAAAAAAAA="/>
               </a:ext>
             </a:extLst>
           </p:cNvSpPr>
@@ -2053,7 +2053,7 @@
             <a:spLocks noGrp="1" noChangeArrowheads="1"/>
             <a:extLst>
               <a:ext uri="smNativeData">
-                <pr:smNativeData xmlns:pr="smNativeData" val="SMDATA_13_VnXdZRMAAAAlAAAAZAAAAA8BAAAAkAAAAEgAAACQAAAASAAAAAAAAAABAAAAAAAAAAEAAABQAAAAAAAAAAAA4D8AAAAAAADgPwAAAAAAAOA/AAAAAAAA4D8AAAAAAADgPwAAAAAAAOA/AAAAAAAA4D8AAAAAAADgPwAAAAAAAOA/AAAAAAAA4D8CAAAAjAAAAAAAAAAAAAAAu+DjDP///wgAAAAAAAAAAAAAAAAAAAAAAAAAAAAAAAAAAAAAZAAAAAEAAABAAAAAAAAAAAAAAAAAAAAAAAAAAAAAAAAAAAAAAAAAAAAAAAAAAAAAAAAAAAAAAAAAAAAAAAAAAAAAAAAAAAAAAAAAAAAAAAAAAAAAAAAAAAAAAAAAAAAAFAAAADwAAAAAAAAAAAAAAAAAAAkUAAAAAQAAABQAAAAUAAAAFAAAAAEAAAAAAAAAZAAAAGQAAAAAAAAAZAAAAGQAAAAVAAAAYAAAAAAAAAAAAAAADwAAACADAAAAAAAAAAAAAAEAAACgMgAAVgcAAKr4//8BAAAAf39/AAEAAABkAAAAAAAAABQAAABAHwAAAAAAACYAAAAAAAAAwOD//wAAAAAmAAAAZAAAABYAAABMAAAAAAAAAAAAAAAEAAAAAAAAAAEAAACAgIAKAAAAACgAAAAoAAAAZAAAAGQAAAAAAAAAzMzMAAAAAABQAAAAUAAAAGQAAABkAAAAAAAAABcAAAAUAAAAAAAAAAAAAAD/fwAA/38AAAAAAAAJAAAABAAAAAEAAQAMAAAAEAAAAAAAAAAAAAAAAAAAAAAAAAAeAAAAaAAAAAAAAAAAAAAAAAAAAAAAAAAAAAAAECcAABAnAAAAAAAAAAAAAAAAAAAAAAAAAAAAAAAAAAAAAAAAAAAAABQAAAAAAAAAwMD/AAAAAABkAAAAMgAAAAAAAABkAAAAAAAAAH9/fwAKAAAAHwAAAFQAAAAAAAAFAAAAAQAAAAAAAAAAAAAAAAAAAAAAAAAAAAAAAAAAAAAAAAAAAAAAAn9/fwAAAAADzMzMAMDA/wB/f38AAAAAAAAAAAAAAAAAAAAAAAAAAAAhAAAAGAAAABQAAABQKAAAGycAAHA1AABZKQAAEAAAACYAAAAIAAAAAAAAAAAAAAA="/>
+                <pr:smNativeData xmlns:pr="smNativeData" val="SMDATA_13_QBrgZRMAAAAlAAAAZAAAAA8BAAAAkAAAAEgAAACQAAAASAAAAAAAAAABAAAAAAAAAAEAAABQAAAAAAAAAAAA4D8AAAAAAADgPwAAAAAAAOA/AAAAAAAA4D8AAAAAAADgPwAAAAAAAOA/AAAAAAAA4D8AAAAAAADgPwAAAAAAAOA/AAAAAAAA4D8CAAAAjAAAAAAAAAAAAAAAu+DjDP///wgAAAAAAAAAAAAAAAAAAAAAAAAAAAAAAAAAAAAAZAAAAAEAAABAAAAAAAAAAAAAAAAAAAAAAAAAAAAAAAAAAAAAAAAAAAAAAAAAAAAAAAAAAAAAAAAAAAAAAAAAAAAAAAAAAAAAAAAAAAAAAAAAAAAAAAAAAAAAAAAAAAAAFAAAADwAAAAAAAAAAAAAAAAAAAkUAAAAAQAAABQAAAAUAAAAFAAAAAEAAAAAAAAAZAAAAGQAAAAAAAAAZAAAAGQAAAAVAAAAYAAAAAAAAAAAAAAADwAAACADAAAAAAAAAAAAAAEAAACgMgAAVgcAAKr4//8BAAAAf39/AAEAAABkAAAAAAAAABQAAABAHwAAAAAAACYAAAAAAAAAwOD//wAAAAAmAAAAZAAAABYAAABMAAAAAAAAAAAAAAAEAAAAAAAAAAEAAACAgIAKAAAAACgAAAAoAAAAZAAAAGQAAAAAAAAAzMzMAAAAAABQAAAAUAAAAGQAAABkAAAAAAAAABcAAAAUAAAAAAAAAAAAAAD/fwAA/38AAAAAAAAJAAAABAAAAAEAAQAMAAAAEAAAAAAAAAAAAAAAAAAAAAAAAAAeAAAAaAAAAAAAAAAAAAAAAAAAAAAAAAAAAAAAECcAABAnAAAAAAAAAAAAAAAAAAAAAAAAAAAAAAAAAAAAAAAAAAAAABQAAAAAAAAAwMD/AAAAAABkAAAAMgAAAAAAAABkAAAAAAAAAH9/fwAKAAAAHwAAAFQAAAAAAAAFAAAAAQAAAAAAAAAAAAAAAAAAAAAAAAAAAAAAAAAAAAAAAAAAAAAAAn9/fwAAAAADzMzMAMDA/wB/f38AAAAAAAAAAAAAAAAAAAAAAAAAAAAhAAAAGAAAABQAAABQKAAAGycAAHA1AABZKQAAEAAAACYAAAAIAAAAAAAAAAAAAAA="/>
               </a:ext>
             </a:extLst>
           </p:cNvSpPr>
@@ -2067,7 +2067,7 @@
           <a:lstStyle/>
           <a:p>
             <a:pPr/>
-            <a:fld id="{3FF7035D-13D2-A2F5-9C4F-E5A04D016AB0}" type="slidenum">
+            <a:fld id="{3F82DB55-1BD2-D72D-9C3A-ED7895746AB8}" type="slidenum">
               <a:t/>
             </a:fld>
           </a:p>
@@ -2105,7 +2105,7 @@
             <a:spLocks noGrp="1" noChangeArrowheads="1"/>
             <a:extLst>
               <a:ext uri="smNativeData">
-                <pr:smNativeData xmlns:pr="smNativeData" val="SMDATA_13_VnXdZRMAAAAlAAAAZAAAAA8BAAAAkAAAAEgAAACQAAAASAAAAAAAAAABAAAAAAAAAAEAAABQAAAAAAAAAAAA4D8AAAAAAADgPwAAAAAAAOA/AAAAAAAA4D8AAAAAAADgPwAAAAAAAOA/AAAAAAAA4D8AAAAAAADgPwAAAAAAAOA/AAAAAAAA4D8CAAAAjAAAAAAAAAAAAAAAu+DjDP///wgAAAAAAAAAAAAAAAAAAAAAAAAAAAAAAAAAAAAAZAAAAAEAAABAAAAAAAAAAAAAAAAAAAAAAAAAAAAAAAAAAAAAAAAAAAAAAAAAAAAAAAAAAAAAAAAAAAAAAAAAAAAAAAAAAAAAAAAAAAAAAAAAAAAAAAAAAAAAAAAAAAAAFAAAADwAAAAAAAAAAAAAAAAAAAkUAAAAAQAAABQAAAAUAAAAFAAAAAEAAAAAAAAAZAAAAGQAAAAAAAAAZAAAAGQAAAAVAAAAYAAAAAAAAAAAAAAADwAAACADAAAAAAAAAAAAAAEAAACgMgAAVgcAAKr4//8BAAAAf39/AAEAAABkAAAAAAAAABQAAABAHwAAAAAAACYAAAAAAAAAwOD//wAAAAAmAAAAZAAAABYAAABMAAAAAAAAAAAAAAAEAAAAAAAAAAEAAACAgIAKAAAAACgAAAAoAAAAZAAAAGQAAAAAAAAAzMzMAAAAAABQAAAAUAAAAGQAAABkAAAAAAAAABcAAAAUAAAAAAAAAAAAAAD/fwAA/38AAAAAAAAJAAAABAAAABUAAgAMAAAAEAAAAAAAAAAAAAAAAAAAAAAAAAAeAAAAaAAAAAAAAAAAAAAAAAAAAAAAAAAAAAAAECcAABAnAAAAAAAAAAAAAAAAAAAAAAAAAAAAAAAAAAAAAAAAAAAAABQAAAAAAAAAwMD/AAAAAABkAAAAMgAAAAAAAABkAAAAAAAAAH9/fwAKAAAAHwAAAFQAAAAAAAAFAAAAAQAAAAAAAAAAAAAAAAAAAAAAAAAAAAAAAAAAAAAAAAAAAAAAAn9/fwAAAAADzMzMAMDA/wB/f38AAAAAAAAAAAAAAAAAAAAAAAAAAAAhAAAAGAAAABQAAADQAgAAGycAAPAPAABZKQAAEAAAACYAAAAIAAAAAAAAAAAAAAA="/>
+                <pr:smNativeData xmlns:pr="smNativeData" val="SMDATA_13_QBrgZRMAAAAlAAAAZAAAAA8BAAAAkAAAAEgAAACQAAAASAAAAAAAAAABAAAAAAAAAAEAAABQAAAAAAAAAAAA4D8AAAAAAADgPwAAAAAAAOA/AAAAAAAA4D8AAAAAAADgPwAAAAAAAOA/AAAAAAAA4D8AAAAAAADgPwAAAAAAAOA/AAAAAAAA4D8CAAAAjAAAAAAAAAAAAAAAu+DjDP///wgAAAAAAAAAAAAAAAAAAAAAAAAAAAAAAAAAAAAAZAAAAAEAAABAAAAAAAAAAAAAAAAAAAAAAAAAAAAAAAAAAAAAAAAAAAAAAAAAAAAAAAAAAAAAAAAAAAAAAAAAAAAAAAAAAAAAAAAAAAAAAAAAAAAAAAAAAAAAAAAAAAAAFAAAADwAAAAAAAAAAAAAAAAAAAkUAAAAAQAAABQAAAAUAAAAFAAAAAEAAAAAAAAAZAAAAGQAAAAAAAAAZAAAAGQAAAAVAAAAYAAAAAAAAAAAAAAADwAAACADAAAAAAAAAAAAAAEAAACgMgAAVgcAAKr4//8BAAAAf39/AAEAAABkAAAAAAAAABQAAABAHwAAAAAAACYAAAAAAAAAwOD//wAAAAAmAAAAZAAAABYAAABMAAAAAAAAAAAAAAAEAAAAAAAAAAEAAACAgIAKAAAAACgAAAAoAAAAZAAAAGQAAAAAAAAAzMzMAAAAAABQAAAAUAAAAGQAAABkAAAAAAAAABcAAAAUAAAAAAAAAAAAAAD/fwAA/38AAAAAAAAJAAAABAAAABUAAgAMAAAAEAAAAAAAAAAAAAAAAAAAAAAAAAAeAAAAaAAAAAAAAAAAAAAAAAAAAAAAAAAAAAAAECcAABAnAAAAAAAAAAAAAAAAAAAAAAAAAAAAAAAAAAAAAAAAAAAAABQAAAAAAAAAwMD/AAAAAABkAAAAMgAAAAAAAABkAAAAAAAAAH9/fwAKAAAAHwAAAFQAAAAAAAAFAAAAAQAAAAAAAAAAAAAAAAAAAAAAAAAAAAAAAAAAAAAAAAAAAAAAAn9/fwAAAAADzMzMAMDA/wB/f38AAAAAAAAAAAAAAAAAAAAAAAAAAAAhAAAAGAAAABQAAADQAgAAGycAAPAPAABZKQAAEAAAACYAAAAIAAAAAAAAAAAAAAA="/>
               </a:ext>
             </a:extLst>
           </p:cNvSpPr>
@@ -2119,7 +2119,7 @@
           <a:lstStyle/>
           <a:p>
             <a:pPr/>
-            <a:fld id="{3FF7163D-73D2-A2E0-9C4F-85B558016AD0}" type="datetime1">
+            <a:fld id="{3F82BE2D-63D2-D748-9C3A-951DF0746AC0}" type="datetime1">
               <a:t/>
             </a:fld>
           </a:p>
@@ -2132,7 +2132,7 @@
             <a:spLocks noGrp="1" noChangeArrowheads="1"/>
             <a:extLst>
               <a:ext uri="smNativeData">
-                <pr:smNativeData xmlns:pr="smNativeData" val="SMDATA_13_VnXdZRMAAAAlAAAAZAAAAA8BAAAAkAAAAEgAAACQAAAASAAAAAAAAAABAAAAAAAAAAEAAABQAAAAAAAAAAAA4D8AAAAAAADgPwAAAAAAAOA/AAAAAAAA4D8AAAAAAADgPwAAAAAAAOA/AAAAAAAA4D8AAAAAAADgPwAAAAAAAOA/AAAAAAAA4D8CAAAAjAAAAAAAAAAAAAAAu+DjDP///wgAAAAAAAAAAAAAAAAAAAAAAAAAAAAAAAAAAAAAZAAAAAEAAABAAAAAAAAAAAAAAAAAAAAAAAAAAAAAAAAAAAAAAAAAAAAAAAAAAAAAAAAAAAAAAAAAAAAAAAAAAAAAAAAAAAAAAAAAAAAAAAAAAAAAAAAAAAAAAAAAAAAAFAAAADwAAAAAAAAAAAAAAAAAAAkUAAAAAQAAABQAAAAUAAAAFAAAAAEAAAAAAAAAZAAAAGQAAAAAAAAAZAAAAGQAAAAVAAAAYAAAAAAAAAAAAAAADwAAACADAAAAAAAAAAAAAAEAAACgMgAAVgcAAKr4//8BAAAAf39/AAEAAABkAAAAAAAAABQAAABAHwAAAAAAACYAAAAAAAAAwOD//wAAAAAmAAAAZAAAABYAAABMAAAAAAAAAAAAAAAEAAAAAAAAAAEAAACAgIAKAAAAACgAAAAoAAAAZAAAAGQAAAAAAAAAzMzMAAAAAABQAAAAUAAAAGQAAABkAAAAAAAAABcAAAAUAAAAAAAAAAAAAAD/fwAA/38AAAAAAAAJAAAABAAAAAAAAAAMAAAAEAAAAAAAAAAAAAAAAAAAAAAAAAAeAAAAaAAAAAAAAAAAAAAAAAAAAAAAAAAAAAAAECcAABAnAAAAAAAAAAAAAAAAAAAAAAAAAAAAAAAAAAAAAAAAAAAAABQAAAAAAAAAwMD/AAAAAABkAAAAMgAAAAAAAABkAAAAAAAAAH9/fwAKAAAAHwAAAFQAAAAAAAAFAAAAAQAAAAAAAAAAAAAAAAAAAAAAAAAAAAAAAAAAAAAAAAAAAAAAAn9/fwAAAAADzMzMAMDA/wB/f38AAAAAAAAAAAAAAAAAAAAAAAAAAAAhAAAAGAAAABQAAAA4EwAAGycAAAglAABZKQAAEAAAACYAAAAIAAAAAAAAAAAAAAA="/>
+                <pr:smNativeData xmlns:pr="smNativeData" val="SMDATA_13_QBrgZRMAAAAlAAAAZAAAAA8BAAAAkAAAAEgAAACQAAAASAAAAAAAAAABAAAAAAAAAAEAAABQAAAAAAAAAAAA4D8AAAAAAADgPwAAAAAAAOA/AAAAAAAA4D8AAAAAAADgPwAAAAAAAOA/AAAAAAAA4D8AAAAAAADgPwAAAAAAAOA/AAAAAAAA4D8CAAAAjAAAAAAAAAAAAAAAu+DjDP///wgAAAAAAAAAAAAAAAAAAAAAAAAAAAAAAAAAAAAAZAAAAAEAAABAAAAAAAAAAAAAAAAAAAAAAAAAAAAAAAAAAAAAAAAAAAAAAAAAAAAAAAAAAAAAAAAAAAAAAAAAAAAAAAAAAAAAAAAAAAAAAAAAAAAAAAAAAAAAAAAAAAAAFAAAADwAAAAAAAAAAAAAAAAAAAkUAAAAAQAAABQAAAAUAAAAFAAAAAEAAAAAAAAAZAAAAGQAAAAAAAAAZAAAAGQAAAAVAAAAYAAAAAAAAAAAAAAADwAAACADAAAAAAAAAAAAAAEAAACgMgAAVgcAAKr4//8BAAAAf39/AAEAAABkAAAAAAAAABQAAABAHwAAAAAAACYAAAAAAAAAwOD//wAAAAAmAAAAZAAAABYAAABMAAAAAAAAAAAAAAAEAAAAAAAAAAEAAACAgIAKAAAAACgAAAAoAAAAZAAAAGQAAAAAAAAAzMzMAAAAAABQAAAAUAAAAGQAAABkAAAAAAAAABcAAAAUAAAAAAAAAAAAAAD/fwAA/38AAAAAAAAJAAAABAAAAAAAAAAMAAAAEAAAAAAAAAAAAAAAAAAAAAAAAAAeAAAAaAAAAAAAAAAAAAAAAAAAAAAAAAAAAAAAECcAABAnAAAAAAAAAAAAAAAAAAAAAAAAAAAAAAAAAAAAAAAAAAAAABQAAAAAAAAAwMD/AAAAAABkAAAAMgAAAAAAAABkAAAAAAAAAH9/fwAKAAAAHwAAAFQAAAAAAAAFAAAAAQAAAAAAAAAAAAAAAAAAAAAAAAAAAAAAAAAAAAAAAAAAAAAAAn9/fwAAAAADzMzMAMDA/wB/f38AAAAAAAAAAAAAAAAAAAAAAAAAAAAhAAAAGAAAABQAAAA4EwAAGycAAAglAABZKQAAEAAAACYAAAAIAAAAAAAAAAAAAAA="/>
               </a:ext>
             </a:extLst>
           </p:cNvSpPr>
@@ -2156,7 +2156,7 @@
             <a:spLocks noGrp="1" noChangeArrowheads="1"/>
             <a:extLst>
               <a:ext uri="smNativeData">
-                <pr:smNativeData xmlns:pr="smNativeData" val="SMDATA_13_VnXdZRMAAAAlAAAAZAAAAA8BAAAAkAAAAEgAAACQAAAASAAAAAAAAAABAAAAAAAAAAEAAABQAAAAAAAAAAAA4D8AAAAAAADgPwAAAAAAAOA/AAAAAAAA4D8AAAAAAADgPwAAAAAAAOA/AAAAAAAA4D8AAAAAAADgPwAAAAAAAOA/AAAAAAAA4D8CAAAAjAAAAAAAAAAAAAAAu+DjDP///wgAAAAAAAAAAAAAAAAAAAAAAAAAAAAAAAAAAAAAZAAAAAEAAABAAAAAAAAAAAAAAAAAAAAAAAAAAAAAAAAAAAAAAAAAAAAAAAAAAAAAAAAAAAAAAAAAAAAAAAAAAAAAAAAAAAAAAAAAAAAAAAAAAAAAAAAAAAAAAAAAAAAAFAAAADwAAAAAAAAAAAAAAAAAAAkUAAAAAQAAABQAAAAUAAAAFAAAAAEAAAAAAAAAZAAAAGQAAAAAAAAAZAAAAGQAAAAVAAAAYAAAAAAAAAAAAAAADwAAACADAAAAAAAAAAAAAAEAAACgMgAAVgcAAKr4//8BAAAAf39/AAEAAABkAAAAAAAAABQAAABAHwAAAAAAACYAAAAAAAAAwOD//wAAAAAmAAAAZAAAABYAAABMAAAAAAAAAAAAAAAEAAAAAAAAAAEAAACAgIAKAAAAACgAAAAoAAAAZAAAAGQAAAAAAAAAzMzMAAAAAABQAAAAUAAAAGQAAABkAAAAAAAAABcAAAAUAAAAAAAAAAAAAAD/fwAA/38AAAAAAAAJAAAABAAAAAAAAAAMAAAAEAAAAAAAAAAAAAAAAAAAAAAAAAAeAAAAaAAAAAAAAAAAAAAAAAAAAAAAAAAAAAAAECcAABAnAAAAAAAAAAAAAAAAAAAAAAAAAAAAAAAAAAAAAAAAAAAAABQAAAAAAAAAwMD/AAAAAABkAAAAMgAAAAAAAABkAAAAAAAAAH9/fwAKAAAAHwAAAFQAAAAAAAAFAAAAAQAAAAAAAAAAAAAAAAAAAAAAAAAAAAAAAAAAAAAAAAAAAAAAAn9/fwAAAAADzMzMAMDA/wB/f38AAAAAAAAAAAAAAAAAAAAAAAAAAAAhAAAAGAAAABQAAABQKAAAGycAAHA1AABZKQAAEAAAACYAAAAIAAAAAAAAAAAAAAA="/>
+                <pr:smNativeData xmlns:pr="smNativeData" val="SMDATA_13_QBrgZRMAAAAlAAAAZAAAAA8BAAAAkAAAAEgAAACQAAAASAAAAAAAAAABAAAAAAAAAAEAAABQAAAAAAAAAAAA4D8AAAAAAADgPwAAAAAAAOA/AAAAAAAA4D8AAAAAAADgPwAAAAAAAOA/AAAAAAAA4D8AAAAAAADgPwAAAAAAAOA/AAAAAAAA4D8CAAAAjAAAAAAAAAAAAAAAu+DjDP///wgAAAAAAAAAAAAAAAAAAAAAAAAAAAAAAAAAAAAAZAAAAAEAAABAAAAAAAAAAAAAAAAAAAAAAAAAAAAAAAAAAAAAAAAAAAAAAAAAAAAAAAAAAAAAAAAAAAAAAAAAAAAAAAAAAAAAAAAAAAAAAAAAAAAAAAAAAAAAAAAAAAAAFAAAADwAAAAAAAAAAAAAAAAAAAkUAAAAAQAAABQAAAAUAAAAFAAAAAEAAAAAAAAAZAAAAGQAAAAAAAAAZAAAAGQAAAAVAAAAYAAAAAAAAAAAAAAADwAAACADAAAAAAAAAAAAAAEAAACgMgAAVgcAAKr4//8BAAAAf39/AAEAAABkAAAAAAAAABQAAABAHwAAAAAAACYAAAAAAAAAwOD//wAAAAAmAAAAZAAAABYAAABMAAAAAAAAAAAAAAAEAAAAAAAAAAEAAACAgIAKAAAAACgAAAAoAAAAZAAAAGQAAAAAAAAAzMzMAAAAAABQAAAAUAAAAGQAAABkAAAAAAAAABcAAAAUAAAAAAAAAAAAAAD/fwAA/38AAAAAAAAJAAAABAAAAAAAAAAMAAAAEAAAAAAAAAAAAAAAAAAAAAAAAAAeAAAAaAAAAAAAAAAAAAAAAAAAAAAAAAAAAAAAECcAABAnAAAAAAAAAAAAAAAAAAAAAAAAAAAAAAAAAAAAAAAAAAAAABQAAAAAAAAAwMD/AAAAAABkAAAAMgAAAAAAAABkAAAAAAAAAH9/fwAKAAAAHwAAAFQAAAAAAAAFAAAAAQAAAAAAAAAAAAAAAAAAAAAAAAAAAAAAAAAAAAAAAAAAAAAAAn9/fwAAAAADzMzMAMDA/wB/f38AAAAAAAAAAAAAAAAAAAAAAAAAAAAhAAAAGAAAABQAAABQKAAAGycAAHA1AABZKQAAEAAAACYAAAAIAAAAAAAAAAAAAAA="/>
               </a:ext>
             </a:extLst>
           </p:cNvSpPr>
@@ -2170,7 +2170,7 @@
           <a:lstStyle/>
           <a:p>
             <a:pPr/>
-            <a:fld id="{3FF73824-6AD2-A2CE-9C4F-9C9B76016AC9}" type="slidenum">
+            <a:fld id="{3F82C777-39D2-D731-9C3A-CF6489746A9A}" type="slidenum">
               <a:t/>
             </a:fld>
           </a:p>
@@ -2208,7 +2208,7 @@
             <a:spLocks noGrp="1" noChangeArrowheads="1"/>
             <a:extLst>
               <a:ext uri="smNativeData">
-                <pr:smNativeData xmlns:pr="smNativeData" val="SMDATA_13_VnXdZRMAAAAlAAAAZAAAAA8BAAAAkAAAAEgAAACQAAAASAAAAAAAAAACAAAAAAAAAAEAAABQAAAAAAAAAAAA4D8AAAAAAADgPwAAAAAAAOA/AAAAAAAA4D8AAAAAAADgPwAAAAAAAOA/AAAAAAAA4D8AAAAAAADgPwAAAAAAAOA/AAAAAAAA4D8CAAAAjAAAAAAAAAAAAAAAu+DjDP///wgAAAAAAAAAAAAAAAAAAAAAAAAAAAAAAAAAAAAAZAAAAAEAAABAAAAAAAAAAAAAAAAAAAAAAAAAAAAAAAAAAAAAAAAAAAAAAAAAAAAAAAAAAAAAAAAAAAAAAAAAAAAAAAAAAAAAAAAAAAAAAAAAAAAAAAAAAAAAAAAAAAAAFAAAADwAAAAAAAAAAAAAAAAAAAkUAAAAAQAAABQAAAAUAAAAFAAAAAEAAAAAAAAAZAAAAGQAAAAAAAAAZAAAAGQAAAAVAAAAYAAAAAAAAAAAAAAADwAAACADAAAAAAAAAAAAAAEAAACgMgAAVgcAAKr4//8BAAAAf39/AAEAAABkAAAAAAAAABQAAABAHwAAAAAAACYAAAAAAAAAwOD//wAAAAAmAAAAZAAAABYAAABMAAAAAAAAAAAAAAAEAAAAAAAAAAEAAACAgIAKAAAAACgAAAAoAAAAZAAAAGQAAAAAAAAAzMzMAAAAAABQAAAAUAAAAGQAAABkAAAAAAAAABcAAAAUAAAAAAAAAAAAAAD/fwAA/38AAAAAAAAJAAAABAAAAAAAAAAMAAAAEAAAAAAAAAAAAAAAAAAAAAAAAAAeAAAAaAAAAAAAAAAAAAAAAAAAAAAAAAAAAAAAECcAABAnAAAAAAAAAAAAAAAAAAAAAAAAAAAAAAAAAAAAAAAAAAAAABQAAAAAAAAAwMD/AAAAAABkAAAAMgAAAAAAAABkAAAAAAAAAH9/fwAKAAAAHwAAAFQAAAAAAAAFAAAAAQAAAAAAAAAAAAAAAAAAAAAAAAAAAAAAAAAAAAAAAAAAAAAAAn9/fwAAAAADzMzMAMDA/wB/f38AAAAAAAAAAAAAAAAAAAAAAAAAAAAhAAAAGAAAABQAAADQAgAArgEAAFIVAADUCAAAEAAAACYAAAAIAAAAgYAAAAAAAAA="/>
+                <pr:smNativeData xmlns:pr="smNativeData" val="SMDATA_13_QBrgZRMAAAAlAAAAZAAAAA8BAAAAkAAAAEgAAACQAAAASAAAAAAAAAACAAAAAAAAAAEAAABQAAAAAAAAAAAA4D8AAAAAAADgPwAAAAAAAOA/AAAAAAAA4D8AAAAAAADgPwAAAAAAAOA/AAAAAAAA4D8AAAAAAADgPwAAAAAAAOA/AAAAAAAA4D8CAAAAjAAAAAAAAAAAAAAAu+DjDP///wgAAAAAAAAAAAAAAAAAAAAAAAAAAAAAAAAAAAAAZAAAAAEAAABAAAAAAAAAAAAAAAAAAAAAAAAAAAAAAAAAAAAAAAAAAAAAAAAAAAAAAAAAAAAAAAAAAAAAAAAAAAAAAAAAAAAAAAAAAAAAAAAAAAAAAAAAAAAAAAAAAAAAFAAAADwAAAAAAAAAAAAAAAAAAAkUAAAAAQAAABQAAAAUAAAAFAAAAAEAAAAAAAAAZAAAAGQAAAAAAAAAZAAAAGQAAAAVAAAAYAAAAAAAAAAAAAAADwAAACADAAAAAAAAAAAAAAEAAACgMgAAVgcAAKr4//8BAAAAf39/AAEAAABkAAAAAAAAABQAAABAHwAAAAAAACYAAAAAAAAAwOD//wAAAAAmAAAAZAAAABYAAABMAAAAAAAAAAAAAAAEAAAAAAAAAAEAAACAgIAKAAAAACgAAAAoAAAAZAAAAGQAAAAAAAAAzMzMAAAAAABQAAAAUAAAAGQAAABkAAAAAAAAABcAAAAUAAAAAAAAAAAAAAD/fwAA/38AAAAAAAAJAAAABAAAAAAAAAAMAAAAEAAAAAAAAAAAAAAAAAAAAAAAAAAeAAAAaAAAAAAAAAAAAAAAAAAAAAAAAAAAAAAAECcAABAnAAAAAAAAAAAAAAAAAAAAAAAAAAAAAAAAAAAAAAAAAAAAABQAAAAAAAAAwMD/AAAAAABkAAAAMgAAAAAAAABkAAAAAAAAAH9/fwAKAAAAHwAAAFQAAAAAAAAFAAAAAQAAAAAAAAAAAAAAAAAAAAAAAAAAAAAAAAAAAAAAAAAAAAAAAn9/fwAAAAADzMzMAMDA/wB/f38AAAAAAAAAAAAAAAAAAAAAAAAAAAAhAAAAGAAAABQAAADQAgAArgEAAFIVAADUCAAAEAAAACYAAAAIAAAAgYAAAAAAAAA="/>
               </a:ext>
             </a:extLst>
           </p:cNvSpPr>
@@ -2248,7 +2248,7 @@
             <a:spLocks noGrp="1" noChangeArrowheads="1"/>
             <a:extLst>
               <a:ext uri="smNativeData">
-                <pr:smNativeData xmlns:pr="smNativeData" val="SMDATA_13_VnXdZRMAAAAlAAAAZAAAAA8BAAAAkAAAAEgAAACQAAAASAAAAAAAAAAAAAAAAAAAAAEAAABQAAAAAAAAAAAA4D8AAAAAAADgPwAAAAAAAOA/AAAAAAAA4D8AAAAAAADgPwAAAAAAAOA/AAAAAAAA4D8AAAAAAADgPwAAAAAAAOA/AAAAAAAA4D8CAAAAjAAAAAAAAAAAAAAAu+DjDP///wgAAAAAAAAAAAAAAAAAAAAAAAAAAAAAAAAAAAAAZAAAAAEAAABAAAAAAAAAAAAAAAAAAAAAAAAAAAAAAAAAAAAAAAAAAAAAAAAAAAAAAAAAAAAAAAAAAAAAAAAAAAAAAAAAAAAAAAAAAAAAAAAAAAAAAAAAAAAAAAAAAAAAFAAAADwAAAAAAAAAAAAAAAAAAAkUAAAAAQAAABQAAAAUAAAAFAAAAAEAAAAAAAAAZAAAAGQAAAAAAAAAZAAAAGQAAAAVAAAAYAAAAAAAAAAAAAAADwAAACADAAAAAAAAAAAAAAEAAACgMgAAVgcAAKr4//8BAAAAf39/AAEAAABkAAAAAAAAABQAAABAHwAAAAAAACYAAAAAAAAAwOD//wAAAAAmAAAAZAAAABYAAABMAAAAAAAAAAAAAAAEAAAAAAAAAAEAAACAgIAKAAAAACgAAAAoAAAAZAAAAGQAAAAAAAAAzMzMAAAAAABQAAAAUAAAAGQAAABkAAAAAAAAABcAAAAUAAAAAAAAAAAAAAD/fwAA/38AAAAAAAAJAAAABAAAAAAAAAAMAAAAEAAAAAAAAAAAAAAAAAAAAAAAAAAeAAAAaAAAAAAAAAAAAAAAAAAAAAAAAAAAAAAAECcAABAnAAAAAAAAAAAAAAAAAAAAAAAAAAAAAAAAAAAAAAAAAAAAABQAAAAAAAAAwMD/AAAAAABkAAAAMgAAAAAAAABkAAAAAAAAAH9/fwAKAAAAHwAAAFQAAAAAAAAFAAAAAQAAAAAAAAAAAAAAAAAAAAAAAAAAAAAAAAAAAAAAAAAAAAAAAn9/fwAAAAADzMzMAMDA/wB/f38AAAAAAAAAAAAAAAAAAAAAAAAAAAAhAAAAGAAAABQAAAD+FQAArgEAAHA1AACwJQAAEAAAACYAAAAIAAAAAYAAAAAAAAA="/>
+                <pr:smNativeData xmlns:pr="smNativeData" val="SMDATA_13_QBrgZRMAAAAlAAAAZAAAAA8BAAAAkAAAAEgAAACQAAAASAAAAAAAAAAAAAAAAAAAAAEAAABQAAAAAAAAAAAA4D8AAAAAAADgPwAAAAAAAOA/AAAAAAAA4D8AAAAAAADgPwAAAAAAAOA/AAAAAAAA4D8AAAAAAADgPwAAAAAAAOA/AAAAAAAA4D8CAAAAjAAAAAAAAAAAAAAAu+DjDP///wgAAAAAAAAAAAAAAAAAAAAAAAAAAAAAAAAAAAAAZAAAAAEAAABAAAAAAAAAAAAAAAAAAAAAAAAAAAAAAAAAAAAAAAAAAAAAAAAAAAAAAAAAAAAAAAAAAAAAAAAAAAAAAAAAAAAAAAAAAAAAAAAAAAAAAAAAAAAAAAAAAAAAFAAAADwAAAAAAAAAAAAAAAAAAAkUAAAAAQAAABQAAAAUAAAAFAAAAAEAAAAAAAAAZAAAAGQAAAAAAAAAZAAAAGQAAAAVAAAAYAAAAAAAAAAAAAAADwAAACADAAAAAAAAAAAAAAEAAACgMgAAVgcAAKr4//8BAAAAf39/AAEAAABkAAAAAAAAABQAAABAHwAAAAAAACYAAAAAAAAAwOD//wAAAAAmAAAAZAAAABYAAABMAAAAAAAAAAAAAAAEAAAAAAAAAAEAAACAgIAKAAAAACgAAAAoAAAAZAAAAGQAAAAAAAAAzMzMAAAAAABQAAAAUAAAAGQAAABkAAAAAAAAABcAAAAUAAAAAAAAAAAAAAD/fwAA/38AAAAAAAAJAAAABAAAAAAAAAAMAAAAEAAAAAAAAAAAAAAAAAAAAAAAAAAeAAAAaAAAAAAAAAAAAAAAAAAAAAAAAAAAAAAAECcAABAnAAAAAAAAAAAAAAAAAAAAAAAAAAAAAAAAAAAAAAAAAAAAABQAAAAAAAAAwMD/AAAAAABkAAAAMgAAAAAAAABkAAAAAAAAAH9/fwAKAAAAHwAAAFQAAAAAAAAFAAAAAQAAAAAAAAAAAAAAAAAAAAAAAAAAAAAAAAAAAAAAAAAAAAAAAn9/fwAAAAADzMzMAMDA/wB/f38AAAAAAAAAAAAAAAAAAAAAAAAAAAAhAAAAGAAAABQAAAD+FQAArgEAAHA1AACwJQAAEAAAACYAAAAIAAAAAYAAAAAAAAA="/>
               </a:ext>
             </a:extLst>
           </p:cNvSpPr>
@@ -2332,7 +2332,7 @@
             <a:spLocks noGrp="1" noChangeArrowheads="1"/>
             <a:extLst>
               <a:ext uri="smNativeData">
-                <pr:smNativeData xmlns:pr="smNativeData" val="SMDATA_13_VnXdZRMAAAAlAAAAZAAAAA8BAAAAkAAAAEgAAACQAAAASAAAAAAAAAAAAAAAAAAAAAEAAABQAAAAAAAAAAAA4D8AAAAAAADgPwAAAAAAAOA/AAAAAAAA4D8AAAAAAADgPwAAAAAAAOA/AAAAAAAA4D8AAAAAAADgPwAAAAAAAOA/AAAAAAAA4D8CAAAAjAAAAAAAAAAAAAAAu+DjDP///wgAAAAAAAAAAAAAAAAAAAAAAAAAAAAAAAAAAAAAZAAAAAEAAABAAAAAAAAAAAAAAAAAAAAAAAAAAAAAAAAAAAAAAAAAAAAAAAAAAAAAAAAAAAAAAAAAAAAAAAAAAAAAAAAAAAAAAAAAAAAAAAAAAAAAAAAAAAAAAAAAAAAAFAAAADwAAAAAAAAAAAAAAAAAAAkUAAAAAQAAABQAAAAUAAAAFAAAAAEAAAAAAAAAZAAAAGQAAAAAAAAAZAAAAGQAAAAVAAAAYAAAAAAAAAAAAAAADwAAACADAAAAAAAAAAAAAAEAAACgMgAAVgcAAKr4//8BAAAAf39/AAEAAABkAAAAAAAAABQAAABAHwAAAAAAACYAAAAAAAAAwOD//wAAAAAmAAAAZAAAABYAAABMAAAAAAAAAAAAAAAEAAAAAAAAAAEAAACAgIAKAAAAACgAAAAoAAAAZAAAAGQAAAAAAAAAzMzMAAAAAABQAAAAUAAAAGQAAABkAAAAAAAAABcAAAAUAAAAAAAAAAAAAAD/fwAA/38AAAAAAAAJAAAABAAAAAAAAAAMAAAAEAAAAAAAAAAAAAAAAAAAAAAAAAAeAAAAaAAAAAAAAAAAAAAAAAAAAAAAAAAAAAAAECcAABAnAAAAAAAAAAAAAAAAAAAAAAAAAAAAAAAAAAAAAAAAAAAAABQAAAAAAAAAwMD/AAAAAABkAAAAMgAAAAAAAABkAAAAAAAAAH9/fwAKAAAAHwAAAFQAAAAAAAAFAAAAAQAAAAAAAAAAAAAAAAAAAAAAAAAAAAAAAAAAAAAAAAAAAAAAAn9/fwAAAAADzMzMAMDA/wB/f38AAAAAAAAAAAAAAAAAAAAAAAAAAAAhAAAAGAAAABQAAADQAgAA1AgAAFIVAACwJQAAEAAAACYAAAAIAAAAAYAAAAAAAAA="/>
+                <pr:smNativeData xmlns:pr="smNativeData" val="SMDATA_13_QBrgZRMAAAAlAAAAZAAAAA8BAAAAkAAAAEgAAACQAAAASAAAAAAAAAAAAAAAAAAAAAEAAABQAAAAAAAAAAAA4D8AAAAAAADgPwAAAAAAAOA/AAAAAAAA4D8AAAAAAADgPwAAAAAAAOA/AAAAAAAA4D8AAAAAAADgPwAAAAAAAOA/AAAAAAAA4D8CAAAAjAAAAAAAAAAAAAAAu+DjDP///wgAAAAAAAAAAAAAAAAAAAAAAAAAAAAAAAAAAAAAZAAAAAEAAABAAAAAAAAAAAAAAAAAAAAAAAAAAAAAAAAAAAAAAAAAAAAAAAAAAAAAAAAAAAAAAAAAAAAAAAAAAAAAAAAAAAAAAAAAAAAAAAAAAAAAAAAAAAAAAAAAAAAAFAAAADwAAAAAAAAAAAAAAAAAAAkUAAAAAQAAABQAAAAUAAAAFAAAAAEAAAAAAAAAZAAAAGQAAAAAAAAAZAAAAGQAAAAVAAAAYAAAAAAAAAAAAAAADwAAACADAAAAAAAAAAAAAAEAAACgMgAAVgcAAKr4//8BAAAAf39/AAEAAABkAAAAAAAAABQAAABAHwAAAAAAACYAAAAAAAAAwOD//wAAAAAmAAAAZAAAABYAAABMAAAAAAAAAAAAAAAEAAAAAAAAAAEAAACAgIAKAAAAACgAAAAoAAAAZAAAAGQAAAAAAAAAzMzMAAAAAABQAAAAUAAAAGQAAABkAAAAAAAAABcAAAAUAAAAAAAAAAAAAAD/fwAA/38AAAAAAAAJAAAABAAAAAAAAAAMAAAAEAAAAAAAAAAAAAAAAAAAAAAAAAAeAAAAaAAAAAAAAAAAAAAAAAAAAAAAAAAAAAAAECcAABAnAAAAAAAAAAAAAAAAAAAAAAAAAAAAAAAAAAAAAAAAAAAAABQAAAAAAAAAwMD/AAAAAABkAAAAMgAAAAAAAABkAAAAAAAAAH9/fwAKAAAAHwAAAFQAAAAAAAAFAAAAAQAAAAAAAAAAAAAAAAAAAAAAAAAAAAAAAAAAAAAAAAAAAAAAAn9/fwAAAAADzMzMAMDA/wB/f38AAAAAAAAAAAAAAAAAAAAAAAAAAAAhAAAAGAAAABQAAADQAgAA1AgAAFIVAACwJQAAEAAAACYAAAAIAAAAAYAAAAAAAAA="/>
               </a:ext>
             </a:extLst>
           </p:cNvSpPr>
@@ -2401,7 +2401,7 @@
             <a:spLocks noGrp="1" noChangeArrowheads="1"/>
             <a:extLst>
               <a:ext uri="smNativeData">
-                <pr:smNativeData xmlns:pr="smNativeData" val="SMDATA_13_VnXdZRMAAAAlAAAAZAAAAA8BAAAAkAAAAEgAAACQAAAASAAAAAAAAAABAAAAAAAAAAEAAABQAAAAAAAAAAAA4D8AAAAAAADgPwAAAAAAAOA/AAAAAAAA4D8AAAAAAADgPwAAAAAAAOA/AAAAAAAA4D8AAAAAAADgPwAAAAAAAOA/AAAAAAAA4D8CAAAAjAAAAAAAAAAAAAAAu+DjDP///wgAAAAAAAAAAAAAAAAAAAAAAAAAAAAAAAAAAAAAZAAAAAEAAABAAAAAAAAAAAAAAAAAAAAAAAAAAAAAAAAAAAAAAAAAAAAAAAAAAAAAAAAAAAAAAAAAAAAAAAAAAAAAAAAAAAAAAAAAAAAAAAAAAAAAAAAAAAAAAAAAAAAAFAAAADwAAAAAAAAAAAAAAAAAAAkUAAAAAQAAABQAAAAUAAAAFAAAAAEAAAAAAAAAZAAAAGQAAAAAAAAAZAAAAGQAAAAVAAAAYAAAAAAAAAAAAAAADwAAACADAAAAAAAAAAAAAAEAAACgMgAAVgcAAKr4//8BAAAAf39/AAEAAABkAAAAAAAAABQAAABAHwAAAAAAACYAAAAAAAAAwOD//wAAAAAmAAAAZAAAABYAAABMAAAAAAAAAAAAAAAEAAAAAAAAAAEAAACAgIAKAAAAACgAAAAoAAAAZAAAAGQAAAAAAAAAzMzMAAAAAABQAAAAUAAAAGQAAABkAAAAAAAAABcAAAAUAAAAAAAAAAAAAAD/fwAA/38AAAAAAAAJAAAABAAAAEsEAAAMAAAAEAAAAAAAAAAAAAAAAAAAAAAAAAAeAAAAaAAAAAAAAAAAAAAAAAAAAAAAAAAAAAAAECcAABAnAAAAAAAAAAAAAAAAAAAAAAAAAAAAAAAAAAAAAAAAAAAAABQAAAAAAAAAwMD/AAAAAABkAAAAMgAAAAAAAABkAAAAAAAAAH9/fwAKAAAAHwAAAFQAAAAAAAAFAAAAAQAAAAAAAAAAAAAAAAAAAAAAAAAAAAAAAAAAAAAAAAAAAAAAAn9/fwAAAAADzMzMAMDA/wB/f38AAAAAAAAAAAAAAAAAAAAAAAAAAAAhAAAAGAAAABQAAADQAgAAGycAAPAPAABZKQAAEAAAACYAAAAIAAAAAAAAAAAAAAA="/>
+                <pr:smNativeData xmlns:pr="smNativeData" val="SMDATA_13_QBrgZRMAAAAlAAAAZAAAAA8BAAAAkAAAAEgAAACQAAAASAAAAAAAAAABAAAAAAAAAAEAAABQAAAAAAAAAAAA4D8AAAAAAADgPwAAAAAAAOA/AAAAAAAA4D8AAAAAAADgPwAAAAAAAOA/AAAAAAAA4D8AAAAAAADgPwAAAAAAAOA/AAAAAAAA4D8CAAAAjAAAAAAAAAAAAAAAu+DjDP///wgAAAAAAAAAAAAAAAAAAAAAAAAAAAAAAAAAAAAAZAAAAAEAAABAAAAAAAAAAAAAAAAAAAAAAAAAAAAAAAAAAAAAAAAAAAAAAAAAAAAAAAAAAAAAAAAAAAAAAAAAAAAAAAAAAAAAAAAAAAAAAAAAAAAAAAAAAAAAAAAAAAAAFAAAADwAAAAAAAAAAAAAAAAAAAkUAAAAAQAAABQAAAAUAAAAFAAAAAEAAAAAAAAAZAAAAGQAAAAAAAAAZAAAAGQAAAAVAAAAYAAAAAAAAAAAAAAADwAAACADAAAAAAAAAAAAAAEAAACgMgAAVgcAAKr4//8BAAAAf39/AAEAAABkAAAAAAAAABQAAABAHwAAAAAAACYAAAAAAAAAwOD//wAAAAAmAAAAZAAAABYAAABMAAAAAAAAAAAAAAAEAAAAAAAAAAEAAACAgIAKAAAAACgAAAAoAAAAZAAAAGQAAAAAAAAAzMzMAAAAAABQAAAAUAAAAGQAAABkAAAAAAAAABcAAAAUAAAAAAAAAAAAAAD/fwAA/38AAAAAAAAJAAAABAAAAEsEAAAMAAAAEAAAAAAAAAAAAAAAAAAAAAAAAAAeAAAAaAAAAAAAAAAAAAAAAAAAAAAAAAAAAAAAECcAABAnAAAAAAAAAAAAAAAAAAAAAAAAAAAAAAAAAAAAAAAAAAAAABQAAAAAAAAAwMD/AAAAAABkAAAAMgAAAAAAAABkAAAAAAAAAH9/fwAKAAAAHwAAAFQAAAAAAAAFAAAAAQAAAAAAAAAAAAAAAAAAAAAAAAAAAAAAAAAAAAAAAAAAAAAAAn9/fwAAAAADzMzMAMDA/wB/f38AAAAAAAAAAAAAAAAAAAAAAAAAAAAhAAAAGAAAABQAAADQAgAAGycAAPAPAABZKQAAEAAAACYAAAAIAAAAAAAAAAAAAAA="/>
               </a:ext>
             </a:extLst>
           </p:cNvSpPr>
@@ -2415,7 +2415,7 @@
           <a:lstStyle/>
           <a:p>
             <a:pPr/>
-            <a:fld id="{3FF743EE-A0D2-A2B5-9C4F-56E00D016A03}" type="datetime1">
+            <a:fld id="{3F82B70A-44D2-D741-9C3A-B214F9746AE7}" type="datetime1">
               <a:t/>
             </a:fld>
           </a:p>
@@ -2428,7 +2428,7 @@
             <a:spLocks noGrp="1" noChangeArrowheads="1"/>
             <a:extLst>
               <a:ext uri="smNativeData">
-                <pr:smNativeData xmlns:pr="smNativeData" val="SMDATA_13_VnXdZRMAAAAlAAAAZAAAAA8BAAAAkAAAAEgAAACQAAAASAAAAAAAAAABAAAAAAAAAAEAAABQAAAAAAAAAAAA4D8AAAAAAADgPwAAAAAAAOA/AAAAAAAA4D8AAAAAAADgPwAAAAAAAOA/AAAAAAAA4D8AAAAAAADgPwAAAAAAAOA/AAAAAAAA4D8CAAAAjAAAAAAAAAAAAAAAu+DjDP///wgAAAAAAAAAAAAAAAAAAAAAAAAAAAAAAAAAAAAAZAAAAAEAAABAAAAAAAAAAAAAAAAAAAAAAAAAAAAAAAAAAAAAAAAAAAAAAAAAAAAAAAAAAAAAAAAAAAAAAAAAAAAAAAAAAAAAAAAAAAAAAAAAAAAAAAAAAAAAAAAAAAAAFAAAADwAAAAAAAAAAAAAAAAAAAkUAAAAAQAAABQAAAAUAAAAFAAAAAEAAAAAAAAAZAAAAGQAAAAAAAAAZAAAAGQAAAAVAAAAYAAAAAAAAAAAAAAADwAAACADAAAAAAAAAAAAAAEAAACgMgAAVgcAAKr4//8BAAAAf39/AAEAAABkAAAAAAAAABQAAABAHwAAAAAAACYAAAAAAAAAwOD//wAAAAAmAAAAZAAAABYAAABMAAAAAAAAAAAAAAAEAAAAAAAAAAEAAACAgIAKAAAAACgAAAAoAAAAZAAAAGQAAAAAAAAAzMzMAAAAAABQAAAAUAAAAGQAAABkAAAAAAAAABcAAAAUAAAAAAAAAAAAAAD/fwAA/38AAAAAAAAJAAAABAAAAFQAaQAMAAAAEAAAAAAAAAAAAAAAAAAAAAAAAAAeAAAAaAAAAAAAAAAAAAAAAAAAAAAAAAAAAAAAECcAABAnAAAAAAAAAAAAAAAAAAAAAAAAAAAAAAAAAAAAAAAAAAAAABQAAAAAAAAAwMD/AAAAAABkAAAAMgAAAAAAAABkAAAAAAAAAH9/fwAKAAAAHwAAAFQAAAAAAAAFAAAAAQAAAAAAAAAAAAAAAAAAAAAAAAAAAAAAAAAAAAAAAAAAAAAAAn9/fwAAAAADzMzMAMDA/wB/f38AAAAAAAAAAAAAAAAAAAAAAAAAAAAhAAAAGAAAABQAAAA4EwAAGycAAAglAABZKQAAEAAAACYAAAAIAAAAAAAAAAAAAAA="/>
+                <pr:smNativeData xmlns:pr="smNativeData" val="SMDATA_13_QBrgZRMAAAAlAAAAZAAAAA8BAAAAkAAAAEgAAACQAAAASAAAAAAAAAABAAAAAAAAAAEAAABQAAAAAAAAAAAA4D8AAAAAAADgPwAAAAAAAOA/AAAAAAAA4D8AAAAAAADgPwAAAAAAAOA/AAAAAAAA4D8AAAAAAADgPwAAAAAAAOA/AAAAAAAA4D8CAAAAjAAAAAAAAAAAAAAAu+DjDP///wgAAAAAAAAAAAAAAAAAAAAAAAAAAAAAAAAAAAAAZAAAAAEAAABAAAAAAAAAAAAAAAAAAAAAAAAAAAAAAAAAAAAAAAAAAAAAAAAAAAAAAAAAAAAAAAAAAAAAAAAAAAAAAAAAAAAAAAAAAAAAAAAAAAAAAAAAAAAAAAAAAAAAFAAAADwAAAAAAAAAAAAAAAAAAAkUAAAAAQAAABQAAAAUAAAAFAAAAAEAAAAAAAAAZAAAAGQAAAAAAAAAZAAAAGQAAAAVAAAAYAAAAAAAAAAAAAAADwAAACADAAAAAAAAAAAAAAEAAACgMgAAVgcAAKr4//8BAAAAf39/AAEAAABkAAAAAAAAABQAAABAHwAAAAAAACYAAAAAAAAAwOD//wAAAAAmAAAAZAAAABYAAABMAAAAAAAAAAAAAAAEAAAAAAAAAAEAAACAgIAKAAAAACgAAAAoAAAAZAAAAGQAAAAAAAAAzMzMAAAAAABQAAAAUAAAAGQAAABkAAAAAAAAABcAAAAUAAAAAAAAAAAAAAD/fwAA/38AAAAAAAAJAAAABAAAAFQAaQAMAAAAEAAAAAAAAAAAAAAAAAAAAAAAAAAeAAAAaAAAAAAAAAAAAAAAAAAAAAAAAAAAAAAAECcAABAnAAAAAAAAAAAAAAAAAAAAAAAAAAAAAAAAAAAAAAAAAAAAABQAAAAAAAAAwMD/AAAAAABkAAAAMgAAAAAAAABkAAAAAAAAAH9/fwAKAAAAHwAAAFQAAAAAAAAFAAAAAQAAAAAAAAAAAAAAAAAAAAAAAAAAAAAAAAAAAAAAAAAAAAAAAn9/fwAAAAADzMzMAMDA/wB/f38AAAAAAAAAAAAAAAAAAAAAAAAAAAAhAAAAGAAAABQAAAA4EwAAGycAAAglAABZKQAAEAAAACYAAAAIAAAAAAAAAAAAAAA="/>
               </a:ext>
             </a:extLst>
           </p:cNvSpPr>
@@ -2452,7 +2452,7 @@
             <a:spLocks noGrp="1" noChangeArrowheads="1"/>
             <a:extLst>
               <a:ext uri="smNativeData">
-                <pr:smNativeData xmlns:pr="smNativeData" val="SMDATA_13_VnXdZRMAAAAlAAAAZAAAAA8BAAAAkAAAAEgAAACQAAAASAAAAAAAAAABAAAAAAAAAAEAAABQAAAAAAAAAAAA4D8AAAAAAADgPwAAAAAAAOA/AAAAAAAA4D8AAAAAAADgPwAAAAAAAOA/AAAAAAAA4D8AAAAAAADgPwAAAAAAAOA/AAAAAAAA4D8CAAAAjAAAAAAAAAAAAAAAu+DjDP///wgAAAAAAAAAAAAAAAAAAAAAAAAAAAAAAAAAAAAAZAAAAAEAAABAAAAAAAAAAAAAAAAAAAAAAAAAAAAAAAAAAAAAAAAAAAAAAAAAAAAAAAAAAAAAAAAAAAAAAAAAAAAAAAAAAAAAAAAAAAAAAAAAAAAAAAAAAAAAAAAAAAAAFAAAADwAAAAAAAAAAAAAAAAAAAkUAAAAAQAAABQAAAAUAAAAFAAAAAEAAAAAAAAAZAAAAGQAAAAAAAAAZAAAAGQAAAAVAAAAYAAAAAAAAAAAAAAADwAAACADAAAAAAAAAAAAAAEAAACgMgAAVgcAAKr4//8BAAAAf39/AAEAAABkAAAAAAAAABQAAABAHwAAAAAAACYAAAAAAAAAwOD//wAAAAAmAAAAZAAAABYAAABMAAAAAAAAAAAAAAAEAAAAAAAAAAEAAACAgIAKAAAAACgAAAAoAAAAZAAAAGQAAAAAAAAAzMzMAAAAAABQAAAAUAAAAGQAAABkAAAAAAAAABcAAAAUAAAAAAAAAAAAAAD/fwAA/38AAAAAAAAJAAAABAAAAAAAAAAMAAAAEAAAAAAAAAAAAAAAAAAAAAAAAAAeAAAAaAAAAAAAAAAAAAAAAAAAAAAAAAAAAAAAECcAABAnAAAAAAAAAAAAAAAAAAAAAAAAAAAAAAAAAAAAAAAAAAAAABQAAAAAAAAAwMD/AAAAAABkAAAAMgAAAAAAAABkAAAAAAAAAH9/fwAKAAAAHwAAAFQAAAAAAAAFAAAAAQAAAAAAAAAAAAAAAAAAAAAAAAAAAAAAAAAAAAAAAAAAAAAAAn9/fwAAAAADzMzMAMDA/wB/f38AAAAAAAAAAAAAAAAAAAAAAAAAAAAhAAAAGAAAABQAAABQKAAAGycAAHA1AABZKQAAEAAAACYAAAAIAAAAAAAAAAAAAAA="/>
+                <pr:smNativeData xmlns:pr="smNativeData" val="SMDATA_13_QBrgZRMAAAAlAAAAZAAAAA8BAAAAkAAAAEgAAACQAAAASAAAAAAAAAABAAAAAAAAAAEAAABQAAAAAAAAAAAA4D8AAAAAAADgPwAAAAAAAOA/AAAAAAAA4D8AAAAAAADgPwAAAAAAAOA/AAAAAAAA4D8AAAAAAADgPwAAAAAAAOA/AAAAAAAA4D8CAAAAjAAAAAAAAAAAAAAAu+DjDP///wgAAAAAAAAAAAAAAAAAAAAAAAAAAAAAAAAAAAAAZAAAAAEAAABAAAAAAAAAAAAAAAAAAAAAAAAAAAAAAAAAAAAAAAAAAAAAAAAAAAAAAAAAAAAAAAAAAAAAAAAAAAAAAAAAAAAAAAAAAAAAAAAAAAAAAAAAAAAAAAAAAAAAFAAAADwAAAAAAAAAAAAAAAAAAAkUAAAAAQAAABQAAAAUAAAAFAAAAAEAAAAAAAAAZAAAAGQAAAAAAAAAZAAAAGQAAAAVAAAAYAAAAAAAAAAAAAAADwAAACADAAAAAAAAAAAAAAEAAACgMgAAVgcAAKr4//8BAAAAf39/AAEAAABkAAAAAAAAABQAAABAHwAAAAAAACYAAAAAAAAAwOD//wAAAAAmAAAAZAAAABYAAABMAAAAAAAAAAAAAAAEAAAAAAAAAAEAAACAgIAKAAAAACgAAAAoAAAAZAAAAGQAAAAAAAAAzMzMAAAAAABQAAAAUAAAAGQAAABkAAAAAAAAABcAAAAUAAAAAAAAAAAAAAD/fwAA/38AAAAAAAAJAAAABAAAAAAAAAAMAAAAEAAAAAAAAAAAAAAAAAAAAAAAAAAeAAAAaAAAAAAAAAAAAAAAAAAAAAAAAAAAAAAAECcAABAnAAAAAAAAAAAAAAAAAAAAAAAAAAAAAAAAAAAAAAAAAAAAABQAAAAAAAAAwMD/AAAAAABkAAAAMgAAAAAAAABkAAAAAAAAAH9/fwAKAAAAHwAAAFQAAAAAAAAFAAAAAQAAAAAAAAAAAAAAAAAAAAAAAAAAAAAAAAAAAAAAAAAAAAAAAn9/fwAAAAADzMzMAMDA/wB/f38AAAAAAAAAAAAAAAAAAAAAAAAAAAAhAAAAGAAAABQAAABQKAAAGycAAHA1AABZKQAAEAAAACYAAAAIAAAAAAAAAAAAAAA="/>
               </a:ext>
             </a:extLst>
           </p:cNvSpPr>
@@ -2466,7 +2466,7 @@
           <a:lstStyle/>
           <a:p>
             <a:pPr/>
-            <a:fld id="{3FF762E4-AAD2-A294-9C4F-5CC12C016A09}" type="slidenum">
+            <a:fld id="{3F82B23D-73D2-D744-9C3A-8511FC746AD0}" type="slidenum">
               <a:t/>
             </a:fld>
           </a:p>
@@ -2504,7 +2504,7 @@
             <a:spLocks noGrp="1" noChangeArrowheads="1"/>
             <a:extLst>
               <a:ext uri="smNativeData">
-                <pr:smNativeData xmlns:pr="smNativeData" val="SMDATA_13_VnXdZRMAAAAlAAAAZAAAAA8BAAAAkAAAAEgAAACQAAAASAAAAAAAAAACAAAAAAAAAAEAAABQAAAAAAAAAAAA4D8AAAAAAADgPwAAAAAAAOA/AAAAAAAA4D8AAAAAAADgPwAAAAAAAOA/AAAAAAAA4D8AAAAAAADgPwAAAAAAAOA/AAAAAAAA4D8CAAAAjAAAAAAAAAAAAAAAu+DjDP///wgAAAAAAAAAAAAAAAAAAAAAAAAAAAAAAAAAAAAAZAAAAAEAAABAAAAAAAAAAAAAAAAAAAAAAAAAAAAAAAAAAAAAAAAAAAAAAAAAAAAAAAAAAAAAAAAAAAAAAAAAAAAAAAAAAAAAAAAAAAAAAAAAAAAAAAAAAAAAAAAAAAAAFAAAADwAAAAAAAAAAAAAAAAAAAkUAAAAAQAAABQAAAAUAAAAFAAAAAEAAAAAAAAAZAAAAGQAAAAAAAAAZAAAAGQAAAAVAAAAYAAAAAAAAAAAAAAADwAAACADAAAAAAAAAAAAAAEAAACgMgAAVgcAAKr4//8BAAAAf39/AAEAAABkAAAAAAAAABQAAABAHwAAAAAAACYAAAAAAAAAwOD//wAAAAAmAAAAZAAAABYAAABMAAAAAAAAAAAAAAAEAAAAAAAAAAEAAACAgIAKAAAAACgAAAAoAAAAZAAAAGQAAAAAAAAAzMzMAAAAAABQAAAAUAAAAGQAAABkAAAAAAAAABcAAAAUAAAAAAAAAAAAAAD/fwAA/38AAAAAAAAJAAAABAAAAGkAYwAMAAAAEAAAAAAAAAAAAAAAAAAAAAAAAAAeAAAAaAAAAAAAAAAAAAAAAAAAAAAAAAAAAAAAECcAABAnAAAAAAAAAAAAAAAAAAAAAAAAAAAAAAAAAAAAAAAAAAAAABQAAAAAAAAAwMD/AAAAAABkAAAAMgAAAAAAAABkAAAAAAAAAH9/fwAKAAAAHwAAAFQAAAAAAAAFAAAAAQAAAAAAAAAAAAAAAAAAAAAAAAAAAAAAAAAAAAAAAAAAAAAAAn9/fwAAAAADzMzMAMDA/wB/f38AAAAAAAAAAAAAAAAAAAAAAAAAAAAhAAAAGAAAABQAAAAGCwAAiB0AAMYsAAAEIQAAEAAAACYAAAAIAAAAgYAAAAAAAAA="/>
+                <pr:smNativeData xmlns:pr="smNativeData" val="SMDATA_13_QBrgZRMAAAAlAAAAZAAAAA8BAAAAkAAAAEgAAACQAAAASAAAAAAAAAACAAAAAAAAAAEAAABQAAAAAAAAAAAA4D8AAAAAAADgPwAAAAAAAOA/AAAAAAAA4D8AAAAAAADgPwAAAAAAAOA/AAAAAAAA4D8AAAAAAADgPwAAAAAAAOA/AAAAAAAA4D8CAAAAjAAAAAAAAAAAAAAAu+DjDP///wgAAAAAAAAAAAAAAAAAAAAAAAAAAAAAAAAAAAAAZAAAAAEAAABAAAAAAAAAAAAAAAAAAAAAAAAAAAAAAAAAAAAAAAAAAAAAAAAAAAAAAAAAAAAAAAAAAAAAAAAAAAAAAAAAAAAAAAAAAAAAAAAAAAAAAAAAAAAAAAAAAAAAFAAAADwAAAAAAAAAAAAAAAAAAAkUAAAAAQAAABQAAAAUAAAAFAAAAAEAAAAAAAAAZAAAAGQAAAAAAAAAZAAAAGQAAAAVAAAAYAAAAAAAAAAAAAAADwAAACADAAAAAAAAAAAAAAEAAACgMgAAVgcAAKr4//8BAAAAf39/AAEAAABkAAAAAAAAABQAAABAHwAAAAAAACYAAAAAAAAAwOD//wAAAAAmAAAAZAAAABYAAABMAAAAAAAAAAAAAAAEAAAAAAAAAAEAAACAgIAKAAAAACgAAAAoAAAAZAAAAGQAAAAAAAAAzMzMAAAAAABQAAAAUAAAAGQAAABkAAAAAAAAABcAAAAUAAAAAAAAAAAAAAD/fwAA/38AAAAAAAAJAAAABAAAAGkAYwAMAAAAEAAAAAAAAAAAAAAAAAAAAAAAAAAeAAAAaAAAAAAAAAAAAAAAAAAAAAAAAAAAAAAAECcAABAnAAAAAAAAAAAAAAAAAAAAAAAAAAAAAAAAAAAAAAAAAAAAABQAAAAAAAAAwMD/AAAAAABkAAAAMgAAAAAAAABkAAAAAAAAAH9/fwAKAAAAHwAAAFQAAAAAAAAFAAAAAQAAAAAAAAAAAAAAAAAAAAAAAAAAAAAAAAAAAAAAAAAAAAAAAn9/fwAAAAADzMzMAMDA/wB/f38AAAAAAAAAAAAAAAAAAAAAAAAAAAAhAAAAGAAAABQAAAAGCwAAiB0AAMYsAAAEIQAAEAAAACYAAAAIAAAAgYAAAAAAAAA="/>
               </a:ext>
             </a:extLst>
           </p:cNvSpPr>
@@ -2544,7 +2544,7 @@
             <a:spLocks noGrp="1" noChangeArrowheads="1"/>
             <a:extLst>
               <a:ext uri="smNativeData">
-                <pr:smNativeData xmlns:pr="smNativeData" val="SMDATA_13_VnXdZRMAAAAlAAAAZAAAAA8BAAAAkAAAAEgAAACQAAAASAAAAAAAAAAAAAAAAAAAAAEAAABQAAAAAAAAAAAA4D8AAAAAAADgPwAAAAAAAOA/AAAAAAAA4D8AAAAAAADgPwAAAAAAAOA/AAAAAAAA4D8AAAAAAADgPwAAAAAAAOA/AAAAAAAA4D8CAAAAjAAAAAAAAAAAAAAAu+DjDP///wgAAAAAAAAAAAAAAAAAAAAAAAAAAAAAAAAAAAAAZAAAAAEAAABAAAAAAAAAAAAAAAAAAAAAAAAAAAAAAAAAAAAAAAAAAAAAAAAAAAAAAAAAAAAAAAAAAAAAAAAAAAAAAAAAAAAAAAAAAAAAAAAAAAAAAAAAAAAAAAAAAAAAFAAAADwAAAAAAAAAAAAAAAAAAAkUAAAAAQAAABQAAAAUAAAAFAAAAAEAAAAAAAAAZAAAAGQAAAAAAAAAZAAAAGQAAAAVAAAAYAAAAAAAAAAAAAAADwAAACADAAAAAAAAAAAAAAEAAACgMgAAVgcAAKr4//8BAAAAf39/AAEAAABkAAAAAAAAABQAAABAHwAAAAAAACYAAAAAAAAAwOD//wAAAAAmAAAAZAAAABYAAABMAAAAAAAAAAAAAAAEAAAAAAAAAAEAAACAgIAKAAAAACgAAAAoAAAAZAAAAGQAAAAAAAAAzMzMAAAAAABQAAAAUAAAAGQAAABkAAAAAAAAABcAAAAUAAAAAAAAAAAAAAD/fwAA/38AAAAAAAAJAAAABAAAALwCAAAMAAAAEAAAAAAAAAAAAAAAAAAAAAAAAAAeAAAAaAAAAAAAAAAAAAAAAAAAAAAAAAAAAAAAECcAABAnAAAAAAAAAAAAAAAAAAAAAAAAAAAAAAAAAAAAAAAAAAAAABQAAAAAAAAAwMD/AAAAAABkAAAAMgAAAAAAAABkAAAAAAAAAH9/fwAKAAAAHwAAAFQAAAAAAAAFAAAAAQAAAAAAAAAAAAAAAAAAAAAAAAAAAAAAAAAAAAAAAAAAAAAAAn9/fwAAAAADzMzMAMDA/wB/f38AAAAAAAAAAAAAAAAAAAAAAAAAAAAhAAAAGAAAABQAAAAGCwAAxgMAAMYsAAAWHQAAEAAAACYAAAAIAAAAAYAAAAAAAAA="/>
+                <pr:smNativeData xmlns:pr="smNativeData" val="SMDATA_13_QBrgZRMAAAAlAAAAZAAAAA8BAAAAkAAAAEgAAACQAAAASAAAAAAAAAAAAAAAAAAAAAEAAABQAAAAAAAAAAAA4D8AAAAAAADgPwAAAAAAAOA/AAAAAAAA4D8AAAAAAADgPwAAAAAAAOA/AAAAAAAA4D8AAAAAAADgPwAAAAAAAOA/AAAAAAAA4D8CAAAAjAAAAAAAAAAAAAAAu+DjDP///wgAAAAAAAAAAAAAAAAAAAAAAAAAAAAAAAAAAAAAZAAAAAEAAABAAAAAAAAAAAAAAAAAAAAAAAAAAAAAAAAAAAAAAAAAAAAAAAAAAAAAAAAAAAAAAAAAAAAAAAAAAAAAAAAAAAAAAAAAAAAAAAAAAAAAAAAAAAAAAAAAAAAAFAAAADwAAAAAAAAAAAAAAAAAAAkUAAAAAQAAABQAAAAUAAAAFAAAAAEAAAAAAAAAZAAAAGQAAAAAAAAAZAAAAGQAAAAVAAAAYAAAAAAAAAAAAAAADwAAACADAAAAAAAAAAAAAAEAAACgMgAAVgcAAKr4//8BAAAAf39/AAEAAABkAAAAAAAAABQAAABAHwAAAAAAACYAAAAAAAAAwOD//wAAAAAmAAAAZAAAABYAAABMAAAAAAAAAAAAAAAEAAAAAAAAAAEAAACAgIAKAAAAACgAAAAoAAAAZAAAAGQAAAAAAAAAzMzMAAAAAABQAAAAUAAAAGQAAABkAAAAAAAAABcAAAAUAAAAAAAAAAAAAAD/fwAA/38AAAAAAAAJAAAABAAAALwCAAAMAAAAEAAAAAAAAAAAAAAAAAAAAAAAAAAeAAAAaAAAAAAAAAAAAAAAAAAAAAAAAAAAAAAAECcAABAnAAAAAAAAAAAAAAAAAAAAAAAAAAAAAAAAAAAAAAAAAAAAABQAAAAAAAAAwMD/AAAAAABkAAAAMgAAAAAAAABkAAAAAAAAAH9/fwAKAAAAHwAAAFQAAAAAAAAFAAAAAQAAAAAAAAAAAAAAAAAAAAAAAAAAAAAAAAAAAAAAAAAAAAAAAn9/fwAAAAADzMzMAMDA/wB/f38AAAAAAAAAAAAAAAAAAAAAAAAAAAAhAAAAGAAAABQAAAAGCwAAxgMAAMYsAAAWHQAAEAAAACYAAAAIAAAAAYAAAAAAAAA="/>
               </a:ext>
             </a:extLst>
           </p:cNvSpPr>
@@ -2613,7 +2613,7 @@
             <a:spLocks noGrp="1" noChangeArrowheads="1"/>
             <a:extLst>
               <a:ext uri="smNativeData">
-                <pr:smNativeData xmlns:pr="smNativeData" val="SMDATA_13_VnXdZRMAAAAlAAAAZAAAAA8BAAAAkAAAAEgAAACQAAAASAAAAAAAAAAAAAAAAAAAAAEAAABQAAAAAAAAAAAA4D8AAAAAAADgPwAAAAAAAOA/AAAAAAAA4D8AAAAAAADgPwAAAAAAAOA/AAAAAAAA4D8AAAAAAADgPwAAAAAAAOA/AAAAAAAA4D8CAAAAjAAAAAAAAAAAAAAAu+DjDP///wgAAAAAAAAAAAAAAAAAAAAAAAAAAAAAAAAAAAAAZAAAAAEAAABAAAAAAAAAAAAAAAAAAAAAAAAAAAAAAAAAAAAAAAAAAAAAAAAAAAAAAAAAAAAAAAAAAAAAAAAAAAAAAAAAAAAAAAAAAAAAAAAAAAAAAAAAAAAAAAAAAAAAFAAAADwAAAAAAAAAAAAAAAAAAAkUAAAAAQAAABQAAAAUAAAAFAAAAAEAAAAAAAAAZAAAAGQAAAAAAAAAZAAAAGQAAAAVAAAAYAAAAAAAAAAAAAAADwAAACADAAAAAAAAAAAAAAEAAACgMgAAVgcAAKr4//8BAAAAf39/AAEAAABkAAAAAAAAABQAAABAHwAAAAAAACYAAAAAAAAAwOD//wAAAAAmAAAAZAAAABYAAABMAAAAAAAAAAAAAAAEAAAAAAAAAAEAAACAgIAKAAAAACgAAAAoAAAAZAAAAGQAAAAAAAAAzMzMAAAAAABQAAAAUAAAAGQAAABkAAAAAAAAABcAAAAUAAAAAAAAAAAAAAD/fwAA/38AAAAAAAAJAAAABAAAAHQAIAAMAAAAEAAAAAAAAAAAAAAAAAAAAAAAAAAeAAAAaAAAAAAAAAAAAAAAAAAAAAAAAAAAAAAAECcAABAnAAAAAAAAAAAAAAAAAAAAAAAAAAAAAAAAAAAAAAAAAAAAABQAAAAAAAAAwMD/AAAAAABkAAAAMgAAAAAAAABkAAAAAAAAAH9/fwAKAAAAHwAAAFQAAAAAAAAFAAAAAQAAAAAAAAAAAAAAAAAAAAAAAAAAAAAAAAAAAAAAAAAAAAAAAn9/fwAAAAADzMzMAMDA/wB/f38AAAAAAAAAAAAAAAAAAAAAAAAAAAAhAAAAGAAAABQAAAAGCwAABCEAAMYsAAD4JQAAEAAAACYAAAAIAAAAAYAAAAAAAAA="/>
+                <pr:smNativeData xmlns:pr="smNativeData" val="SMDATA_13_QBrgZRMAAAAlAAAAZAAAAA8BAAAAkAAAAEgAAACQAAAASAAAAAAAAAAAAAAAAAAAAAEAAABQAAAAAAAAAAAA4D8AAAAAAADgPwAAAAAAAOA/AAAAAAAA4D8AAAAAAADgPwAAAAAAAOA/AAAAAAAA4D8AAAAAAADgPwAAAAAAAOA/AAAAAAAA4D8CAAAAjAAAAAAAAAAAAAAAu+DjDP///wgAAAAAAAAAAAAAAAAAAAAAAAAAAAAAAAAAAAAAZAAAAAEAAABAAAAAAAAAAAAAAAAAAAAAAAAAAAAAAAAAAAAAAAAAAAAAAAAAAAAAAAAAAAAAAAAAAAAAAAAAAAAAAAAAAAAAAAAAAAAAAAAAAAAAAAAAAAAAAAAAAAAAFAAAADwAAAAAAAAAAAAAAAAAAAkUAAAAAQAAABQAAAAUAAAAFAAAAAEAAAAAAAAAZAAAAGQAAAAAAAAAZAAAAGQAAAAVAAAAYAAAAAAAAAAAAAAADwAAACADAAAAAAAAAAAAAAEAAACgMgAAVgcAAKr4//8BAAAAf39/AAEAAABkAAAAAAAAABQAAABAHwAAAAAAACYAAAAAAAAAwOD//wAAAAAmAAAAZAAAABYAAABMAAAAAAAAAAAAAAAEAAAAAAAAAAEAAACAgIAKAAAAACgAAAAoAAAAZAAAAGQAAAAAAAAAzMzMAAAAAABQAAAAUAAAAGQAAABkAAAAAAAAABcAAAAUAAAAAAAAAAAAAAD/fwAA/38AAAAAAAAJAAAABAAAAHQAIAAMAAAAEAAAAAAAAAAAAAAAAAAAAAAAAAAeAAAAaAAAAAAAAAAAAAAAAAAAAAAAAAAAAAAAECcAABAnAAAAAAAAAAAAAAAAAAAAAAAAAAAAAAAAAAAAAAAAAAAAABQAAAAAAAAAwMD/AAAAAABkAAAAMgAAAAAAAABkAAAAAAAAAH9/fwAKAAAAHwAAAFQAAAAAAAAFAAAAAQAAAAAAAAAAAAAAAAAAAAAAAAAAAAAAAAAAAAAAAAAAAAAAAn9/fwAAAAADzMzMAMDA/wB/f38AAAAAAAAAAAAAAAAAAAAAAAAAAAAhAAAAGAAAABQAAAAGCwAABCEAAMYsAAD4JQAAEAAAACYAAAAIAAAAAYAAAAAAAAA="/>
               </a:ext>
             </a:extLst>
           </p:cNvSpPr>
@@ -2682,7 +2682,7 @@
             <a:spLocks noGrp="1" noChangeArrowheads="1"/>
             <a:extLst>
               <a:ext uri="smNativeData">
-                <pr:smNativeData xmlns:pr="smNativeData" val="SMDATA_13_VnXdZRMAAAAlAAAAZAAAAA8BAAAAkAAAAEgAAACQAAAASAAAAAAAAAABAAAAAAAAAAEAAABQAAAAAAAAAAAA4D8AAAAAAADgPwAAAAAAAOA/AAAAAAAA4D8AAAAAAADgPwAAAAAAAOA/AAAAAAAA4D8AAAAAAADgPwAAAAAAAOA/AAAAAAAA4D8CAAAAjAAAAAAAAAAAAAAAu+DjDP///wgAAAAAAAAAAAAAAAAAAAAAAAAAAAAAAAAAAAAAZAAAAAEAAABAAAAAAAAAAAAAAAAAAAAAAAAAAAAAAAAAAAAAAAAAAAAAAAAAAAAAAAAAAAAAAAAAAAAAAAAAAAAAAAAAAAAAAAAAAAAAAAAAAAAAAAAAAAAAAAAAAAAAFAAAADwAAAAAAAAAAAAAAAAAAAkUAAAAAQAAABQAAAAUAAAAFAAAAAEAAAAAAAAAZAAAAGQAAAAAAAAAZAAAAGQAAAAVAAAAYAAAAAAAAAAAAAAADwAAACADAAAAAAAAAAAAAAEAAACgMgAAVgcAAKr4//8BAAAAf39/AAEAAABkAAAAAAAAABQAAABAHwAAAAAAACYAAAAAAAAAwOD//wAAAAAmAAAAZAAAABYAAABMAAAAAAAAAAAAAAAEAAAAAAAAAAEAAACAgIAKAAAAACgAAAAoAAAAZAAAAGQAAAAAAAAAzMzMAAAAAABQAAAAUAAAAGQAAABkAAAAAAAAABcAAAAUAAAAAAAAAAAAAAD/fwAA/38AAAAAAAAJAAAABAAAAAAAAAAMAAAAEAAAAAAAAAAAAAAAAAAAAAAAAAAeAAAAaAAAAAAAAAAAAAAAAAAAAAAAAAAAAAAAECcAABAnAAAAAAAAAAAAAAAAAAAAAAAAAAAAAAAAAAAAAAAAAAAAABQAAAAAAAAAwMD/AAAAAABkAAAAMgAAAAAAAABkAAAAAAAAAH9/fwAKAAAAHwAAAFQAAAAAAAAFAAAAAQAAAAAAAAAAAAAAAAAAAAAAAAAAAAAAAAAAAAAAAAAAAAAAAn9/fwAAAAADzMzMAMDA/wB/f38AAAAAAAAAAAAAAAAAAAAAAAAAAAAhAAAAGAAAABQAAADQAgAAGycAAPAPAABZKQAAEAAAACYAAAAIAAAAAAAAAAAAAAA="/>
+                <pr:smNativeData xmlns:pr="smNativeData" val="SMDATA_13_QBrgZRMAAAAlAAAAZAAAAA8BAAAAkAAAAEgAAACQAAAASAAAAAAAAAABAAAAAAAAAAEAAABQAAAAAAAAAAAA4D8AAAAAAADgPwAAAAAAAOA/AAAAAAAA4D8AAAAAAADgPwAAAAAAAOA/AAAAAAAA4D8AAAAAAADgPwAAAAAAAOA/AAAAAAAA4D8CAAAAjAAAAAAAAAAAAAAAu+DjDP///wgAAAAAAAAAAAAAAAAAAAAAAAAAAAAAAAAAAAAAZAAAAAEAAABAAAAAAAAAAAAAAAAAAAAAAAAAAAAAAAAAAAAAAAAAAAAAAAAAAAAAAAAAAAAAAAAAAAAAAAAAAAAAAAAAAAAAAAAAAAAAAAAAAAAAAAAAAAAAAAAAAAAAFAAAADwAAAAAAAAAAAAAAAAAAAkUAAAAAQAAABQAAAAUAAAAFAAAAAEAAAAAAAAAZAAAAGQAAAAAAAAAZAAAAGQAAAAVAAAAYAAAAAAAAAAAAAAADwAAACADAAAAAAAAAAAAAAEAAACgMgAAVgcAAKr4//8BAAAAf39/AAEAAABkAAAAAAAAABQAAABAHwAAAAAAACYAAAAAAAAAwOD//wAAAAAmAAAAZAAAABYAAABMAAAAAAAAAAAAAAAEAAAAAAAAAAEAAACAgIAKAAAAACgAAAAoAAAAZAAAAGQAAAAAAAAAzMzMAAAAAABQAAAAUAAAAGQAAABkAAAAAAAAABcAAAAUAAAAAAAAAAAAAAD/fwAA/38AAAAAAAAJAAAABAAAAAAAAAAMAAAAEAAAAAAAAAAAAAAAAAAAAAAAAAAeAAAAaAAAAAAAAAAAAAAAAAAAAAAAAAAAAAAAECcAABAnAAAAAAAAAAAAAAAAAAAAAAAAAAAAAAAAAAAAAAAAAAAAABQAAAAAAAAAwMD/AAAAAABkAAAAMgAAAAAAAABkAAAAAAAAAH9/fwAKAAAAHwAAAFQAAAAAAAAFAAAAAQAAAAAAAAAAAAAAAAAAAAAAAAAAAAAAAAAAAAAAAAAAAAAAAn9/fwAAAAADzMzMAMDA/wB/f38AAAAAAAAAAAAAAAAAAAAAAAAAAAAhAAAAGAAAABQAAADQAgAAGycAAPAPAABZKQAAEAAAACYAAAAIAAAAAAAAAAAAAAA="/>
               </a:ext>
             </a:extLst>
           </p:cNvSpPr>
@@ -2696,7 +2696,7 @@
           <a:lstStyle/>
           <a:p>
             <a:pPr/>
-            <a:fld id="{3FF76696-D8D2-A290-9C4F-2EC528016A7B}" type="datetime1">
+            <a:fld id="{3F82BA57-19D2-D74C-9C3A-EF19F4746ABA}" type="datetime1">
               <a:t/>
             </a:fld>
           </a:p>
@@ -2709,7 +2709,7 @@
             <a:spLocks noGrp="1" noChangeArrowheads="1"/>
             <a:extLst>
               <a:ext uri="smNativeData">
-                <pr:smNativeData xmlns:pr="smNativeData" val="SMDATA_13_VnXdZRMAAAAlAAAAZAAAAA8BAAAAkAAAAEgAAACQAAAASAAAAAAAAAABAAAAAAAAAAEAAABQAAAAAAAAAAAA4D8AAAAAAADgPwAAAAAAAOA/AAAAAAAA4D8AAAAAAADgPwAAAAAAAOA/AAAAAAAA4D8AAAAAAADgPwAAAAAAAOA/AAAAAAAA4D8CAAAAjAAAAAAAAAAAAAAAu+DjDP///wgAAAAAAAAAAAAAAAAAAAAAAAAAAAAAAAAAAAAAZAAAAAEAAABAAAAAAAAAAAAAAAAAAAAAAAAAAAAAAAAAAAAAAAAAAAAAAAAAAAAAAAAAAAAAAAAAAAAAAAAAAAAAAAAAAAAAAAAAAAAAAAAAAAAAAAAAAAAAAAAAAAAAFAAAADwAAAAAAAAAAAAAAAAAAAkUAAAAAQAAABQAAAAUAAAAFAAAAAEAAAAAAAAAZAAAAGQAAAAAAAAAZAAAAGQAAAAVAAAAYAAAAAAAAAAAAAAADwAAACADAAAAAAAAAAAAAAEAAACgMgAAVgcAAKr4//8BAAAAf39/AAEAAABkAAAAAAAAABQAAABAHwAAAAAAACYAAAAAAAAAwOD//wAAAAAmAAAAZAAAABYAAABMAAAAAAAAAAAAAAAEAAAAAAAAAAEAAACAgIAKAAAAACgAAAAoAAAAZAAAAGQAAAAAAAAAzMzMAAAAAABQAAAAUAAAAGQAAABkAAAAAAAAABcAAAAUAAAAAAAAAAAAAAD/fwAA/38AAAAAAAAJAAAABAAAACAAAAAMAAAAEAAAAAAAAAAAAAAAAAAAAAAAAAAeAAAAaAAAAAAAAAAAAAAAAAAAAAAAAAAAAAAAECcAABAnAAAAAAAAAAAAAAAAAAAAAAAAAAAAAAAAAAAAAAAAAAAAABQAAAAAAAAAwMD/AAAAAABkAAAAMgAAAAAAAABkAAAAAAAAAH9/fwAKAAAAHwAAAFQAAAAAAAAFAAAAAQAAAAAAAAAAAAAAAAAAAAAAAAAAAAAAAAAAAAAAAAAAAAAAAn9/fwAAAAADzMzMAMDA/wB/f38AAAAAAAAAAAAAAAAAAAAAAAAAAAAhAAAAGAAAABQAAAA4EwAAGycAAAglAABZKQAAEAAAACYAAAAIAAAAAAAAAAAAAAA="/>
+                <pr:smNativeData xmlns:pr="smNativeData" val="SMDATA_13_QBrgZRMAAAAlAAAAZAAAAA8BAAAAkAAAAEgAAACQAAAASAAAAAAAAAABAAAAAAAAAAEAAABQAAAAAAAAAAAA4D8AAAAAAADgPwAAAAAAAOA/AAAAAAAA4D8AAAAAAADgPwAAAAAAAOA/AAAAAAAA4D8AAAAAAADgPwAAAAAAAOA/AAAAAAAA4D8CAAAAjAAAAAAAAAAAAAAAu+DjDP///wgAAAAAAAAAAAAAAAAAAAAAAAAAAAAAAAAAAAAAZAAAAAEAAABAAAAAAAAAAAAAAAAAAAAAAAAAAAAAAAAAAAAAAAAAAAAAAAAAAAAAAAAAAAAAAAAAAAAAAAAAAAAAAAAAAAAAAAAAAAAAAAAAAAAAAAAAAAAAAAAAAAAAFAAAADwAAAAAAAAAAAAAAAAAAAkUAAAAAQAAABQAAAAUAAAAFAAAAAEAAAAAAAAAZAAAAGQAAAAAAAAAZAAAAGQAAAAVAAAAYAAAAAAAAAAAAAAADwAAACADAAAAAAAAAAAAAAEAAACgMgAAVgcAAKr4//8BAAAAf39/AAEAAABkAAAAAAAAABQAAABAHwAAAAAAACYAAAAAAAAAwOD//wAAAAAmAAAAZAAAABYAAABMAAAAAAAAAAAAAAAEAAAAAAAAAAEAAACAgIAKAAAAACgAAAAoAAAAZAAAAGQAAAAAAAAAzMzMAAAAAABQAAAAUAAAAGQAAABkAAAAAAAAABcAAAAUAAAAAAAAAAAAAAD/fwAA/38AAAAAAAAJAAAABAAAACAAAAAMAAAAEAAAAAAAAAAAAAAAAAAAAAAAAAAeAAAAaAAAAAAAAAAAAAAAAAAAAAAAAAAAAAAAECcAABAnAAAAAAAAAAAAAAAAAAAAAAAAAAAAAAAAAAAAAAAAAAAAABQAAAAAAAAAwMD/AAAAAABkAAAAMgAAAAAAAABkAAAAAAAAAH9/fwAKAAAAHwAAAFQAAAAAAAAFAAAAAQAAAAAAAAAAAAAAAAAAAAAAAAAAAAAAAAAAAAAAAAAAAAAAAn9/fwAAAAADzMzMAMDA/wB/f38AAAAAAAAAAAAAAAAAAAAAAAAAAAAhAAAAGAAAABQAAAA4EwAAGycAAAglAABZKQAAEAAAACYAAAAIAAAAAAAAAAAAAAA="/>
               </a:ext>
             </a:extLst>
           </p:cNvSpPr>
@@ -2733,7 +2733,7 @@
             <a:spLocks noGrp="1" noChangeArrowheads="1"/>
             <a:extLst>
               <a:ext uri="smNativeData">
-                <pr:smNativeData xmlns:pr="smNativeData" val="SMDATA_13_VnXdZRMAAAAlAAAAZAAAAA8BAAAAkAAAAEgAAACQAAAASAAAAAAAAAABAAAAAAAAAAEAAABQAAAAAAAAAAAA4D8AAAAAAADgPwAAAAAAAOA/AAAAAAAA4D8AAAAAAADgPwAAAAAAAOA/AAAAAAAA4D8AAAAAAADgPwAAAAAAAOA/AAAAAAAA4D8CAAAAjAAAAAAAAAAAAAAAu+DjDP///wgAAAAAAAAAAAAAAAAAAAAAAAAAAAAAAAAAAAAAZAAAAAEAAABAAAAAAAAAAAAAAAAAAAAAAAAAAAAAAAAAAAAAAAAAAAAAAAAAAAAAAAAAAAAAAAAAAAAAAAAAAAAAAAAAAAAAAAAAAAAAAAAAAAAAAAAAAAAAAAAAAAAAFAAAADwAAAAAAAAAAAAAAAAAAAkUAAAAAQAAABQAAAAUAAAAFAAAAAEAAAAAAAAAZAAAAGQAAAAAAAAAZAAAAGQAAAAVAAAAYAAAAAAAAAAAAAAADwAAACADAAAAAAAAAAAAAAEAAACgMgAAVgcAAKr4//8BAAAAf39/AAEAAABkAAAAAAAAABQAAABAHwAAAAAAACYAAAAAAAAAwOD//wAAAAAmAAAAZAAAABYAAABMAAAAAAAAAAAAAAAEAAAAAAAAAAEAAACAgIAKAAAAACgAAAAoAAAAZAAAAGQAAAAAAAAAzMzMAAAAAABQAAAAUAAAAGQAAABkAAAAAAAAABcAAAAUAAAAAAAAAAAAAAD/fwAA/38AAAAAAAAJAAAABAAAAGgBAAAMAAAAEAAAAAAAAAAAAAAAAAAAAAAAAAAeAAAAaAAAAAAAAAAAAAAAAAAAAAAAAAAAAAAAECcAABAnAAAAAAAAAAAAAAAAAAAAAAAAAAAAAAAAAAAAAAAAAAAAABQAAAAAAAAAwMD/AAAAAABkAAAAMgAAAAAAAABkAAAAAAAAAH9/fwAKAAAAHwAAAFQAAAAAAAAFAAAAAQAAAAAAAAAAAAAAAAAAAAAAAAAAAAAAAAAAAAAAAAAAAAAAAn9/fwAAAAADzMzMAMDA/wB/f38AAAAAAAAAAAAAAAAAAAAAAAAAAAAhAAAAGAAAABQAAABQKAAAGycAAHA1AABZKQAAEAAAACYAAAAIAAAAAAAAAAAAAAA="/>
+                <pr:smNativeData xmlns:pr="smNativeData" val="SMDATA_13_QBrgZRMAAAAlAAAAZAAAAA8BAAAAkAAAAEgAAACQAAAASAAAAAAAAAABAAAAAAAAAAEAAABQAAAAAAAAAAAA4D8AAAAAAADgPwAAAAAAAOA/AAAAAAAA4D8AAAAAAADgPwAAAAAAAOA/AAAAAAAA4D8AAAAAAADgPwAAAAAAAOA/AAAAAAAA4D8CAAAAjAAAAAAAAAAAAAAAu+DjDP///wgAAAAAAAAAAAAAAAAAAAAAAAAAAAAAAAAAAAAAZAAAAAEAAABAAAAAAAAAAAAAAAAAAAAAAAAAAAAAAAAAAAAAAAAAAAAAAAAAAAAAAAAAAAAAAAAAAAAAAAAAAAAAAAAAAAAAAAAAAAAAAAAAAAAAAAAAAAAAAAAAAAAAFAAAADwAAAAAAAAAAAAAAAAAAAkUAAAAAQAAABQAAAAUAAAAFAAAAAEAAAAAAAAAZAAAAGQAAAAAAAAAZAAAAGQAAAAVAAAAYAAAAAAAAAAAAAAADwAAACADAAAAAAAAAAAAAAEAAACgMgAAVgcAAKr4//8BAAAAf39/AAEAAABkAAAAAAAAABQAAABAHwAAAAAAACYAAAAAAAAAwOD//wAAAAAmAAAAZAAAABYAAABMAAAAAAAAAAAAAAAEAAAAAAAAAAEAAACAgIAKAAAAACgAAAAoAAAAZAAAAGQAAAAAAAAAzMzMAAAAAABQAAAAUAAAAGQAAABkAAAAAAAAABcAAAAUAAAAAAAAAAAAAAD/fwAA/38AAAAAAAAJAAAABAAAAGgBAAAMAAAAEAAAAAAAAAAAAAAAAAAAAAAAAAAeAAAAaAAAAAAAAAAAAAAAAAAAAAAAAAAAAAAAECcAABAnAAAAAAAAAAAAAAAAAAAAAAAAAAAAAAAAAAAAAAAAAAAAABQAAAAAAAAAwMD/AAAAAABkAAAAMgAAAAAAAABkAAAAAAAAAH9/fwAKAAAAHwAAAFQAAAAAAAAFAAAAAQAAAAAAAAAAAAAAAAAAAAAAAAAAAAAAAAAAAAAAAAAAAAAAAn9/fwAAAAADzMzMAMDA/wB/f38AAAAAAAAAAAAAAAAAAAAAAAAAAAAhAAAAGAAAABQAAABQKAAAGycAAHA1AABZKQAAEAAAACYAAAAIAAAAAAAAAAAAAAA="/>
               </a:ext>
             </a:extLst>
           </p:cNvSpPr>
@@ -2747,7 +2747,7 @@
           <a:lstStyle/>
           <a:p>
             <a:pPr/>
-            <a:fld id="{3FF70602-4CD2-A2F0-9C4F-BAA548016AEF}" type="slidenum">
+            <a:fld id="{3F82A351-1FD2-D755-9C3A-E900ED746ABC}" type="slidenum">
               <a:t/>
             </a:fld>
           </a:p>
@@ -2793,7 +2793,7 @@
             <a:spLocks noGrp="1" noChangeArrowheads="1"/>
             <a:extLst>
               <a:ext uri="smNativeData">
-                <pr:smNativeData xmlns:pr="smNativeData" val="SMDATA_13_VnXdZRMAAAAlAAAAZAAAAA8BAAAAkAAAAEgAAACQAAAASAAAAAAAAAABAAAAAAAAAAEAAABQAAAAAAAAAAAA4D8AAAAAAADgPwAAAAAAAOA/AAAAAAAA4D8AAAAAAADgPwAAAAAAAOA/AAAAAAAA4D8AAAAAAADgPwAAAAAAAOA/AAAAAAAA4D8CAAAAjAAAAAAAAAAAAAAAu+DjDP///wgAAAAAAAAAAAAAAAAAAAAAAAAAAAAAAAAAAAAAZAAAAAEAAABAAAAAAAAAAAAAAAAAAAAAAAAAAAAAAAAAAAAAAAAAAAAAAAAAAAAAAAAAAAAAAAAAAAAAAAAAAAAAAAAAAAAAAAAAAAAAAAAAAAAAAAAAAAAAAAAAAAAAFAAAADwAAAAAAAAAAAAAAAAAAAkUAAAAAQAAABQAAAAUAAAAFAAAAAEAAAAAAAAAZAAAAGQAAAAAAAAAZAAAAGQAAAAVAAAAYAAAAAAAAAAAAAAADwAAACADAAAAAAAAAAAAAAEAAACgMgAAVgcAAKr4//8BAAAAf39/AAEAAABkAAAAAAAAABQAAABAHwAAAAAAACYAAAAAAAAAwOD//wAAAAAmAAAAZAAAABYAAABMAAAAAAAAAAAAAAAEAAAAAAAAAAEAAACAgIAKAAAAACgAAAAoAAAAZAAAAGQAAAAAAAAAzMzMAAAAAABQAAAAUAAAAGQAAABkAAAAAAAAABcAAAAUAAAAAAAAAAAAAAD/fwAA/38AAAAAAAAJAAAABAAAAAAAAAAMAAAAEAAAAAAAAAAAAAAAAAAAAAAAAAAeAAAAaAAAAAAAAAAAAAAAAAAAAAAAAAAAAAAAECcAABAnAAAAAAAAAAAAAAAAAAAAAAAAAAAAAAAAAAAAAAAAAAAAABQAAAAAAAAAwMD/AAAAAABkAAAAMgAAAAAAAABkAAAAAAAAAH9/fwAKAAAAHwAAAFQAAAAAAAAFAAAAAQAAAAAAAAAAAAAAAAAAAAAAAAAAAAAAAAAAAAAAAAAAAAAAAn9/fwAAAAADzMzMAMDA/wB/f38AAAAAAAAAAAAAAAAAAAAAAAAAAAAhAAAAGAAAABQAAADQAgAAsAEAAHA1AAC4CAAAEAAAACYAAAAIAAAA//////////8="/>
+                <pr:smNativeData xmlns:pr="smNativeData" val="SMDATA_13_QBrgZRMAAAAlAAAAZAAAAA8BAAAAkAAAAEgAAACQAAAASAAAAAAAAAABAAAAAAAAAAEAAABQAAAAAAAAAAAA4D8AAAAAAADgPwAAAAAAAOA/AAAAAAAA4D8AAAAAAADgPwAAAAAAAOA/AAAAAAAA4D8AAAAAAADgPwAAAAAAAOA/AAAAAAAA4D8CAAAAjAAAAAAAAAAAAAAAu+DjDP///wgAAAAAAAAAAAAAAAAAAAAAAAAAAAAAAAAAAAAAZAAAAAEAAABAAAAAAAAAAAAAAAAAAAAAAAAAAAAAAAAAAAAAAAAAAAAAAAAAAAAAAAAAAAAAAAAAAAAAAAAAAAAAAAAAAAAAAAAAAAAAAAAAAAAAAAAAAAAAAAAAAAAAFAAAADwAAAAAAAAAAAAAAAAAAAkUAAAAAQAAABQAAAAUAAAAFAAAAAEAAAAAAAAAZAAAAGQAAAAAAAAAZAAAAGQAAAAVAAAAYAAAAAAAAAAAAAAADwAAACADAAAAAAAAAAAAAAEAAACgMgAAVgcAAKr4//8BAAAAf39/AAEAAABkAAAAAAAAABQAAABAHwAAAAAAACYAAAAAAAAAwOD//wAAAAAmAAAAZAAAABYAAABMAAAAAAAAAAAAAAAEAAAAAAAAAAEAAACAgIAKAAAAACgAAAAoAAAAZAAAAGQAAAAAAAAAzMzMAAAAAABQAAAAUAAAAGQAAABkAAAAAAAAABcAAAAUAAAAAAAAAAAAAAD/fwAA/38AAAAAAAAJAAAABAAAAAAAAAAMAAAAEAAAAAAAAAAAAAAAAAAAAAAAAAAeAAAAaAAAAAAAAAAAAAAAAAAAAAAAAAAAAAAAECcAABAnAAAAAAAAAAAAAAAAAAAAAAAAAAAAAAAAAAAAAAAAAAAAABQAAAAAAAAAwMD/AAAAAABkAAAAMgAAAAAAAABkAAAAAAAAAH9/fwAKAAAAHwAAAFQAAAAAAAAFAAAAAQAAAAAAAAAAAAAAAAAAAAAAAAAAAAAAAAAAAAAAAAAAAAAAAn9/fwAAAAADzMzMAMDA/wB/f38AAAAAAAAAAAAAAAAAAAAAAAAAAAAhAAAAGAAAABQAAADQAgAAsAEAAHA1AAC4CAAAEAAAACYAAAAIAAAA//////////8="/>
               </a:ext>
             </a:extLst>
           </p:cNvSpPr>
@@ -2837,7 +2837,7 @@
             <a:spLocks noGrp="1" noChangeArrowheads="1"/>
             <a:extLst>
               <a:ext uri="smNativeData">
-                <pr:smNativeData xmlns:pr="smNativeData" val="SMDATA_13_VnXdZRMAAAAlAAAAZAAAAA8BAAAAkAAAAEgAAACQAAAASAAAAAAAAAAAAAAAAAAAAAEAAABQAAAAAAAAAAAA4D8AAAAAAADgPwAAAAAAAOA/AAAAAAAA4D8AAAAAAADgPwAAAAAAAOA/AAAAAAAA4D8AAAAAAADgPwAAAAAAAOA/AAAAAAAA4D8CAAAAjAAAAAAAAAAAAAAAu+DjDP///wgAAAAAAAAAAAAAAAAAAAAAAAAAAAAAAAAAAAAAZAAAAAEAAABAAAAAAAAAAAAAAAAAAAAAAAAAAAAAAAAAAAAAAAAAAAAAAAAAAAAAAAAAAAAAAAAAAAAAAAAAAAAAAAAAAAAAAAAAAAAAAAAAAAAAAAAAAAAAAAAAAAAAFAAAADwAAAAAAAAAAAAAAAAAAAkUAAAAAQAAABQAAAAUAAAAFAAAAAEAAAAAAAAAZAAAAGQAAAAAAAAAZAAAAGQAAAAVAAAAYAAAAAAAAAAAAAAADwAAACADAAAAAAAAAAAAAAEAAACgMgAAVgcAAKr4//8BAAAAf39/AAEAAABkAAAAAAAAABQAAABAHwAAAAAAACYAAAAAAAAAwOD//wAAAAAmAAAAZAAAABYAAABMAAAAAAAAAAAAAAAEAAAAAAAAAAEAAACAgIAKAAAAACgAAAAoAAAAZAAAAGQAAAAAAAAAzMzMAAAAAABQAAAAUAAAAGQAAABkAAAAAAAAABcAAAAUAAAAAAAAAAAAAAD/fwAA/38AAAAAAAAJAAAABAAAAGYAYwAMAAAAEAAAAAAAAAAAAAAAAAAAAAAAAAAeAAAAaAAAAAAAAAAAAAAAAAAAAAAAAAAAAAAAECcAABAnAAAAAAAAAAAAAAAAAAAAAAAAAAAAAAAAAAAAAAAAAAAAABQAAAAAAAAAwMD/AAAAAABkAAAAMgAAAAAAAABkAAAAAAAAAH9/fwAKAAAAHwAAAFQAAAAAAAAFAAAAAQAAAAAAAAAAAAAAAAAAAAAAAAAAAAAAAAAAAAAAAAAAAAAAAn9/fwAAAAADzMzMAMDA/wB/f38AAAAAAAAAAAAAAAAAAAAAAAAAAAAhAAAAGAAAABQAAADQAgAA2AkAAHA1AACwJQAAEAAAACYAAAAIAAAA//////////8="/>
+                <pr:smNativeData xmlns:pr="smNativeData" val="SMDATA_13_QBrgZRMAAAAlAAAAZAAAAA8BAAAAkAAAAEgAAACQAAAASAAAAAAAAAAAAAAAAAAAAAEAAABQAAAAAAAAAAAA4D8AAAAAAADgPwAAAAAAAOA/AAAAAAAA4D8AAAAAAADgPwAAAAAAAOA/AAAAAAAA4D8AAAAAAADgPwAAAAAAAOA/AAAAAAAA4D8CAAAAjAAAAAAAAAAAAAAAu+DjDP///wgAAAAAAAAAAAAAAAAAAAAAAAAAAAAAAAAAAAAAZAAAAAEAAABAAAAAAAAAAAAAAAAAAAAAAAAAAAAAAAAAAAAAAAAAAAAAAAAAAAAAAAAAAAAAAAAAAAAAAAAAAAAAAAAAAAAAAAAAAAAAAAAAAAAAAAAAAAAAAAAAAAAAFAAAADwAAAAAAAAAAAAAAAAAAAkUAAAAAQAAABQAAAAUAAAAFAAAAAEAAAAAAAAAZAAAAGQAAAAAAAAAZAAAAGQAAAAVAAAAYAAAAAAAAAAAAAAADwAAACADAAAAAAAAAAAAAAEAAACgMgAAVgcAAKr4//8BAAAAf39/AAEAAABkAAAAAAAAABQAAABAHwAAAAAAACYAAAAAAAAAwOD//wAAAAAmAAAAZAAAABYAAABMAAAAAAAAAAAAAAAEAAAAAAAAAAEAAACAgIAKAAAAACgAAAAoAAAAZAAAAGQAAAAAAAAAzMzMAAAAAABQAAAAUAAAAGQAAABkAAAAAAAAABcAAAAUAAAAAAAAAAAAAAD/fwAA/38AAAAAAAAJAAAABAAAAGYAYwAMAAAAEAAAAAAAAAAAAAAAAAAAAAAAAAAeAAAAaAAAAAAAAAAAAAAAAAAAAAAAAAAAAAAAECcAABAnAAAAAAAAAAAAAAAAAAAAAAAAAAAAAAAAAAAAAAAAAAAAABQAAAAAAAAAwMD/AAAAAABkAAAAMgAAAAAAAABkAAAAAAAAAH9/fwAKAAAAHwAAAFQAAAAAAAAFAAAAAQAAAAAAAAAAAAAAAAAAAAAAAAAAAAAAAAAAAAAAAAAAAAAAAn9/fwAAAAADzMzMAMDA/wB/f38AAAAAAAAAAAAAAAAAAAAAAAAAAAAhAAAAGAAAABQAAADQAgAA2AkAAHA1AACwJQAAEAAAACYAAAAIAAAA//////////8="/>
               </a:ext>
             </a:extLst>
           </p:cNvSpPr>
@@ -2905,7 +2905,7 @@
             <a:spLocks noGrp="1" noChangeArrowheads="1"/>
             <a:extLst>
               <a:ext uri="smNativeData">
-                <pr:smNativeData xmlns:pr="smNativeData" val="SMDATA_13_VnXdZRMAAAAlAAAAZAAAAA8BAAAAkAAAAEgAAACQAAAASAAAAAAAAAABAAAAAAAAAAEAAABQAAAAAAAAAAAA4D8AAAAAAADgPwAAAAAAAOA/AAAAAAAA4D8AAAAAAADgPwAAAAAAAOA/AAAAAAAA4D8AAAAAAADgPwAAAAAAAOA/AAAAAAAA4D8CAAAAjAAAAAAAAAAAAAAAu+DjDP///wgAAAAAAAAAAAAAAAAAAAAAAAAAAAAAAAAAAAAAZAAAAAEAAABAAAAAAAAAAAAAAAAAAAAAAAAAAAAAAAAAAAAAAAAAAAAAAAAAAAAAAAAAAAAAAAAAAAAAAAAAAAAAAAAAAAAAAAAAAAAAAAAAAAAAAAAAAAAAAAAAAAAAFAAAADwAAAAAAAAAAAAAAAAAAAkUAAAAAQAAABQAAAAUAAAAFAAAAAEAAAAAAAAAZAAAAGQAAAAAAAAAZAAAAGQAAAAVAAAAYAAAAAAAAAAAAAAADwAAACADAAAAAAAAAAAAAAEAAACgMgAAVgcAAKr4//8BAAAAf39/AAEAAABkAAAAAAAAABQAAABAHwAAAAAAACYAAAAAAAAAwOD//wAAAAAmAAAAZAAAABYAAABMAAAAAAAAAAAAAAAEAAAAAAAAAAEAAACAgIAKAAAAACgAAAAoAAAAZAAAAGQAAAAAAAAAzMzMAAAAAABQAAAAUAAAAGQAAABkAAAAAAAAABcAAAAUAAAAAAAAAAAAAAD/fwAA/38AAAAAAAAJAAAABAAAAAAAAAAMAAAAEAAAAAAAAAAAAAAAAAAAAAAAAAAeAAAAaAAAAAAAAAAAAAAAAAAAAAAAAAAAAAAAECcAABAnAAAAAAAAAAAAAAAAAAAAAAAAAAAAAAAAAAAAAAAAAAAAABQAAAAAAAAAwMD/AAAAAABkAAAAMgAAAAAAAABkAAAAAAAAAH9/fwAKAAAAHwAAAFQAAAAAAAAFAAAAAQAAAAAAAAAAAAAAAAAAAAAAAAAAAAAAAAAAAAAAAAAAAAAAAn9/fwAAAAADzMzMAMDA/wB/f38AAAAAAAAAAAAAAAAAAAAAAAAAAAAhAAAAGAAAABQAAADQAgAAGycAAPAPAABZKQAAEAAAACYAAAAIAAAA//////////8="/>
+                <pr:smNativeData xmlns:pr="smNativeData" val="SMDATA_13_QBrgZRMAAAAlAAAAZAAAAA8BAAAAkAAAAEgAAACQAAAASAAAAAAAAAABAAAAAAAAAAEAAABQAAAAAAAAAAAA4D8AAAAAAADgPwAAAAAAAOA/AAAAAAAA4D8AAAAAAADgPwAAAAAAAOA/AAAAAAAA4D8AAAAAAADgPwAAAAAAAOA/AAAAAAAA4D8CAAAAjAAAAAAAAAAAAAAAu+DjDP///wgAAAAAAAAAAAAAAAAAAAAAAAAAAAAAAAAAAAAAZAAAAAEAAABAAAAAAAAAAAAAAAAAAAAAAAAAAAAAAAAAAAAAAAAAAAAAAAAAAAAAAAAAAAAAAAAAAAAAAAAAAAAAAAAAAAAAAAAAAAAAAAAAAAAAAAAAAAAAAAAAAAAAFAAAADwAAAAAAAAAAAAAAAAAAAkUAAAAAQAAABQAAAAUAAAAFAAAAAEAAAAAAAAAZAAAAGQAAAAAAAAAZAAAAGQAAAAVAAAAYAAAAAAAAAAAAAAADwAAACADAAAAAAAAAAAAAAEAAACgMgAAVgcAAKr4//8BAAAAf39/AAEAAABkAAAAAAAAABQAAABAHwAAAAAAACYAAAAAAAAAwOD//wAAAAAmAAAAZAAAABYAAABMAAAAAAAAAAAAAAAEAAAAAAAAAAEAAACAgIAKAAAAACgAAAAoAAAAZAAAAGQAAAAAAAAAzMzMAAAAAABQAAAAUAAAAGQAAABkAAAAAAAAABcAAAAUAAAAAAAAAAAAAAD/fwAA/38AAAAAAAAJAAAABAAAAAAAAAAMAAAAEAAAAAAAAAAAAAAAAAAAAAAAAAAeAAAAaAAAAAAAAAAAAAAAAAAAAAAAAAAAAAAAECcAABAnAAAAAAAAAAAAAAAAAAAAAAAAAAAAAAAAAAAAAAAAAAAAABQAAAAAAAAAwMD/AAAAAABkAAAAMgAAAAAAAABkAAAAAAAAAH9/fwAKAAAAHwAAAFQAAAAAAAAFAAAAAQAAAAAAAAAAAAAAAAAAAAAAAAAAAAAAAAAAAAAAAAAAAAAAAn9/fwAAAAADzMzMAMDA/wB/f38AAAAAAAAAAAAAAAAAAAAAAAAAAAAhAAAAGAAAABQAAADQAgAAGycAAPAPAABZKQAAEAAAACYAAAAIAAAA//////////8="/>
               </a:ext>
             </a:extLst>
           </p:cNvSpPr>
@@ -2940,7 +2940,7 @@
           </a:lstStyle>
           <a:p>
             <a:pPr/>
-            <a:fld id="{3FF76BD7-99D2-A29D-9C4F-6FC825016A3A}" type="datetime1">
+            <a:fld id="{3F82F986-C8D2-D70F-9C3A-3E5AB7746A6B}" type="datetime1">
               <a:t/>
             </a:fld>
           </a:p>
@@ -2953,7 +2953,7 @@
             <a:spLocks noGrp="1" noChangeArrowheads="1"/>
             <a:extLst>
               <a:ext uri="smNativeData">
-                <pr:smNativeData xmlns:pr="smNativeData" val="SMDATA_13_VnXdZRMAAAAlAAAAZAAAAA8BAAAAkAAAAEgAAACQAAAASAAAAAAAAAABAAAAAAAAAAEAAABQAAAAAAAAAAAA4D8AAAAAAADgPwAAAAAAAOA/AAAAAAAA4D8AAAAAAADgPwAAAAAAAOA/AAAAAAAA4D8AAAAAAADgPwAAAAAAAOA/AAAAAAAA4D8CAAAAjAAAAAAAAAAAAAAAu+DjDP///wgAAAAAAAAAAAAAAAAAAAAAAAAAAAAAAAAAAAAAZAAAAAEAAABAAAAAAAAAAAAAAAAAAAAAAAAAAAAAAAAAAAAAAAAAAAAAAAAAAAAAAAAAAAAAAAAAAAAAAAAAAAAAAAAAAAAAAAAAAAAAAAAAAAAAAAAAAAAAAAAAAAAAFAAAADwAAAAAAAAAAAAAAAAAAAkUAAAAAQAAABQAAAAUAAAAFAAAAAEAAAAAAAAAZAAAAGQAAAAAAAAAZAAAAGQAAAAVAAAAYAAAAAAAAAAAAAAADwAAACADAAAAAAAAAAAAAAEAAACgMgAAVgcAAKr4//8BAAAAf39/AAEAAABkAAAAAAAAABQAAABAHwAAAAAAACYAAAAAAAAAwOD//wAAAAAmAAAAZAAAABYAAABMAAAAAAAAAAAAAAAEAAAAAAAAAAEAAACAgIAKAAAAACgAAAAoAAAAZAAAAGQAAAAAAAAAzMzMAAAAAABQAAAAUAAAAGQAAABkAAAAAAAAABcAAAAUAAAAAAAAAAAAAAD/fwAA/38AAAAAAAAJAAAABAAAAAAAAAAMAAAAEAAAAAAAAAAAAAAAAAAAAAAAAAAeAAAAaAAAAAAAAAAAAAAAAAAAAAAAAAAAAAAAECcAABAnAAAAAAAAAAAAAAAAAAAAAAAAAAAAAAAAAAAAAAAAAAAAABQAAAAAAAAAwMD/AAAAAABkAAAAMgAAAAAAAABkAAAAAAAAAH9/fwAKAAAAHwAAAFQAAAAAAAAFAAAAAQAAAAAAAAAAAAAAAAAAAAAAAAAAAAAAAAAAAAAAAAAAAAAAAn9/fwAAAAADzMzMAMDA/wB/f38AAAAAAAAAAAAAAAAAAAAAAAAAAAAhAAAAGAAAABQAAAA4EwAAGycAAAglAABZKQAAEAAAACYAAAAIAAAA//////////8="/>
+                <pr:smNativeData xmlns:pr="smNativeData" val="SMDATA_13_QBrgZRMAAAAlAAAAZAAAAA8BAAAAkAAAAEgAAACQAAAASAAAAAAAAAABAAAAAAAAAAEAAABQAAAAAAAAAAAA4D8AAAAAAADgPwAAAAAAAOA/AAAAAAAA4D8AAAAAAADgPwAAAAAAAOA/AAAAAAAA4D8AAAAAAADgPwAAAAAAAOA/AAAAAAAA4D8CAAAAjAAAAAAAAAAAAAAAu+DjDP///wgAAAAAAAAAAAAAAAAAAAAAAAAAAAAAAAAAAAAAZAAAAAEAAABAAAAAAAAAAAAAAAAAAAAAAAAAAAAAAAAAAAAAAAAAAAAAAAAAAAAAAAAAAAAAAAAAAAAAAAAAAAAAAAAAAAAAAAAAAAAAAAAAAAAAAAAAAAAAAAAAAAAAFAAAADwAAAAAAAAAAAAAAAAAAAkUAAAAAQAAABQAAAAUAAAAFAAAAAEAAAAAAAAAZAAAAGQAAAAAAAAAZAAAAGQAAAAVAAAAYAAAAAAAAAAAAAAADwAAACADAAAAAAAAAAAAAAEAAACgMgAAVgcAAKr4//8BAAAAf39/AAEAAABkAAAAAAAAABQAAABAHwAAAAAAACYAAAAAAAAAwOD//wAAAAAmAAAAZAAAABYAAABMAAAAAAAAAAAAAAAEAAAAAAAAAAEAAACAgIAKAAAAACgAAAAoAAAAZAAAAGQAAAAAAAAAzMzMAAAAAABQAAAAUAAAAGQAAABkAAAAAAAAABcAAAAUAAAAAAAAAAAAAAD/fwAA/38AAAAAAAAJAAAABAAAAAAAAAAMAAAAEAAAAAAAAAAAAAAAAAAAAAAAAAAeAAAAaAAAAAAAAAAAAAAAAAAAAAAAAAAAAAAAECcAABAnAAAAAAAAAAAAAAAAAAAAAAAAAAAAAAAAAAAAAAAAAAAAABQAAAAAAAAAwMD/AAAAAABkAAAAMgAAAAAAAABkAAAAAAAAAH9/fwAKAAAAHwAAAFQAAAAAAAAFAAAAAQAAAAAAAAAAAAAAAAAAAAAAAAAAAAAAAAAAAAAAAAAAAAAAAn9/fwAAAAADzMzMAMDA/wB/f38AAAAAAAAAAAAAAAAAAAAAAAAAAAAhAAAAGAAAABQAAAA4EwAAGycAAAglAABZKQAAEAAAACYAAAAIAAAA//////////8="/>
               </a:ext>
             </a:extLst>
           </p:cNvSpPr>
@@ -2998,7 +2998,7 @@
             <a:spLocks noGrp="1" noChangeArrowheads="1"/>
             <a:extLst>
               <a:ext uri="smNativeData">
-                <pr:smNativeData xmlns:pr="smNativeData" val="SMDATA_13_VnXdZRMAAAAlAAAAZAAAAA8BAAAAkAAAAEgAAACQAAAASAAAAAAAAAABAAAAAAAAAAEAAABQAAAAAAAAAAAA4D8AAAAAAADgPwAAAAAAAOA/AAAAAAAA4D8AAAAAAADgPwAAAAAAAOA/AAAAAAAA4D8AAAAAAADgPwAAAAAAAOA/AAAAAAAA4D8CAAAAjAAAAAAAAAAAAAAAu+DjDP///wgAAAAAAAAAAAAAAAAAAAAAAAAAAAAAAAAAAAAAZAAAAAEAAABAAAAAAAAAAAAAAAAAAAAAAAAAAAAAAAAAAAAAAAAAAAAAAAAAAAAAAAAAAAAAAAAAAAAAAAAAAAAAAAAAAAAAAAAAAAAAAAAAAAAAAAAAAAAAAAAAAAAAFAAAADwAAAAAAAAAAAAAAAAAAAkUAAAAAQAAABQAAAAUAAAAFAAAAAEAAAAAAAAAZAAAAGQAAAAAAAAAZAAAAGQAAAAVAAAAYAAAAAAAAAAAAAAADwAAACADAAAAAAAAAAAAAAEAAACgMgAAVgcAAKr4//8BAAAAf39/AAEAAABkAAAAAAAAABQAAABAHwAAAAAAACYAAAAAAAAAwOD//wAAAAAmAAAAZAAAABYAAABMAAAAAAAAAAAAAAAEAAAAAAAAAAEAAACAgIAKAAAAACgAAAAoAAAAZAAAAGQAAAAAAAAAzMzMAAAAAABQAAAAUAAAAGQAAABkAAAAAAAAABcAAAAUAAAAAAAAAAAAAAD/fwAA/38AAAAAAAAJAAAABAAAAAAAAAAMAAAAEAAAAAAAAAAAAAAAAAAAAAAAAAAeAAAAaAAAAAAAAAAAAAAAAAAAAAAAAAAAAAAAECcAABAnAAAAAAAAAAAAAAAAAAAAAAAAAAAAAAAAAAAAAAAAAAAAABQAAAAAAAAAwMD/AAAAAABkAAAAMgAAAAAAAABkAAAAAAAAAH9/fwAKAAAAHwAAAFQAAAAAAAAFAAAAAQAAAAAAAAAAAAAAAAAAAAAAAAAAAAAAAAAAAAAAAAAAAAAAAn9/fwAAAAADzMzMAMDA/wB/f38AAAAAAAAAAAAAAAAAAAAAAAAAAAAhAAAAGAAAABQAAABQKAAAGycAAHA1AABZKQAAEAAAACYAAAAIAAAA//////////8="/>
+                <pr:smNativeData xmlns:pr="smNativeData" val="SMDATA_13_QBrgZRMAAAAlAAAAZAAAAA8BAAAAkAAAAEgAAACQAAAASAAAAAAAAAABAAAAAAAAAAEAAABQAAAAAAAAAAAA4D8AAAAAAADgPwAAAAAAAOA/AAAAAAAA4D8AAAAAAADgPwAAAAAAAOA/AAAAAAAA4D8AAAAAAADgPwAAAAAAAOA/AAAAAAAA4D8CAAAAjAAAAAAAAAAAAAAAu+DjDP///wgAAAAAAAAAAAAAAAAAAAAAAAAAAAAAAAAAAAAAZAAAAAEAAABAAAAAAAAAAAAAAAAAAAAAAAAAAAAAAAAAAAAAAAAAAAAAAAAAAAAAAAAAAAAAAAAAAAAAAAAAAAAAAAAAAAAAAAAAAAAAAAAAAAAAAAAAAAAAAAAAAAAAFAAAADwAAAAAAAAAAAAAAAAAAAkUAAAAAQAAABQAAAAUAAAAFAAAAAEAAAAAAAAAZAAAAGQAAAAAAAAAZAAAAGQAAAAVAAAAYAAAAAAAAAAAAAAADwAAACADAAAAAAAAAAAAAAEAAACgMgAAVgcAAKr4//8BAAAAf39/AAEAAABkAAAAAAAAABQAAABAHwAAAAAAACYAAAAAAAAAwOD//wAAAAAmAAAAZAAAABYAAABMAAAAAAAAAAAAAAAEAAAAAAAAAAEAAACAgIAKAAAAACgAAAAoAAAAZAAAAGQAAAAAAAAAzMzMAAAAAABQAAAAUAAAAGQAAABkAAAAAAAAABcAAAAUAAAAAAAAAAAAAAD/fwAA/38AAAAAAAAJAAAABAAAAAAAAAAMAAAAEAAAAAAAAAAAAAAAAAAAAAAAAAAeAAAAaAAAAAAAAAAAAAAAAAAAAAAAAAAAAAAAECcAABAnAAAAAAAAAAAAAAAAAAAAAAAAAAAAAAAAAAAAAAAAAAAAABQAAAAAAAAAwMD/AAAAAABkAAAAMgAAAAAAAABkAAAAAAAAAH9/fwAKAAAAHwAAAFQAAAAAAAAFAAAAAQAAAAAAAAAAAAAAAAAAAAAAAAAAAAAAAAAAAAAAAAAAAAAAAn9/fwAAAAADzMzMAMDA/wB/f38AAAAAAAAAAAAAAAAAAAAAAAAAAAAhAAAAGAAAABQAAABQKAAAGycAAHA1AABZKQAAEAAAACYAAAAIAAAA//////////8="/>
               </a:ext>
             </a:extLst>
           </p:cNvSpPr>
@@ -3033,7 +3033,7 @@
           </a:lstStyle>
           <a:p>
             <a:pPr/>
-            <a:fld id="{3FF77DC2-8CD2-A28B-9C4F-7ADE33016A2F}" type="slidenum">
+            <a:fld id="{3F82FCBF-F1D2-D70A-9C3A-075FB2746A52}" type="slidenum">
               <a:t/>
             </a:fld>
           </a:p>
@@ -3712,7 +3712,7 @@
             <a:spLocks noGrp="1" noChangeArrowheads="1"/>
             <a:extLst>
               <a:ext uri="smNativeData">
-                <pr:smNativeData xmlns:pr="smNativeData" val="SMDATA_13_VnXdZRMAAAAlAAAAZAAAAA8BAAAAkAAAAEgAAACQAAAASAAAAAAAAAABAAAAAAAAAAEAAABQAAAAAAAAAAAA4D8AAAAAAADgPwAAAAAAAOA/AAAAAAAA4D8AAAAAAADgPwAAAAAAAOA/AAAAAAAA4D8AAAAAAADgPwAAAAAAAOA/AAAAAAAA4D8CAAAAjAAAAAAAAAAAAAAAu+DjDP///wgAAAAAAAAAAAAAAAAAAAAAAAAAAAAAAAAAAAAAZAAAAAEAAABAAAAAAAAAAAAAAAAAAAAAAAAAAAAAAAAAAAAAAAAAAAAAAAAAAAAAAAAAAAAAAAAAAAAAAAAAAAAAAAAAAAAAAAAAAAAAAAAAAAAAAAAAAAAAAAAAAAAAFAAAADwAAAAAAAAAAAAAAAAAAAkUAAAAAQAAABQAAAAUAAAAFAAAAAEAAAAAAAAAZAAAAGQAAAAAAAAAZAAAAGQAAAAVAAAAYAAAAAAAAAAAAAAADwAAACADAAAAAAAAAAAAAAEAAACgMgAAVgcAAKr4//8BAAAAf39/AAEAAABkAAAAAAAAABQAAABAHwAAAAAAACYAAAAAAAAAwOD//wAAAAAmAAAAZAAAABYAAABMAAAAAAAAAAAAAAAEAAAAAAAAAAEAAACAgIAKAAAAACgAAAAoAAAAZAAAAGQAAAAAAAAAzMzMAAAAAABQAAAAUAAAAGQAAABkAAAAAAAAABcAAAAUAAAAAAAAAAAAAAD/fwAA/38AAAAAAAAJAAAABAAAAAAAAAAMAAAAEAAAAAAAAAAAAAAAAAAAAAAAAAAeAAAAaAAAAAAAAAAAAAAAAAAAAAAAAAAAAAAAECcAABAnAAAAAAAAAAAAAAAAAAAAAAAAAAAAAAAAAAAAAAAAAAAAABQAAAAAAAAAwMD/AAAAAABkAAAAMgAAAAAAAABkAAAAAAAAAH9/fwAKAAAAHwAAAFQAAAC74OMF////AQAAAAAAAAAAAAAAAAAAAAAAAAAAAAAAAAAAAAAAAAAAAAAAAn9/fwCAgIADzMzMAMDA/wB/f38AAAAAAAAAAAAAAAAAAAAAAAAAAAAhAAAAGAAAABQAAAD5AwAANQIAAMkzAABBCwAAEAAAACYAAAAIAAAAAQAAAAAAAAA="/>
+                <pr:smNativeData xmlns:pr="smNativeData" val="SMDATA_13_QBrgZRMAAAAlAAAAZAAAAA8BAAAAkAAAAEgAAACQAAAASAAAAAAAAAABAAAAAAAAAAEAAABQAAAAAAAAAAAA4D8AAAAAAADgPwAAAAAAAOA/AAAAAAAA4D8AAAAAAADgPwAAAAAAAOA/AAAAAAAA4D8AAAAAAADgPwAAAAAAAOA/AAAAAAAA4D8CAAAAjAAAAAAAAAAAAAAAu+DjDP///wgAAAAAAAAAAAAAAAAAAAAAAAAAAAAAAAAAAAAAZAAAAAEAAABAAAAAAAAAAAAAAAAAAAAAAAAAAAAAAAAAAAAAAAAAAAAAAAAAAAAAAAAAAAAAAAAAAAAAAAAAAAAAAAAAAAAAAAAAAAAAAAAAAAAAAAAAAAAAAAAAAAAAFAAAADwAAAAAAAAAAAAAAAAAAAkUAAAAAQAAABQAAAAUAAAAFAAAAAEAAAAAAAAAZAAAAGQAAAAAAAAAZAAAAGQAAAAVAAAAYAAAAAAAAAAAAAAADwAAACADAAAAAAAAAAAAAAEAAACgMgAAVgcAAKr4//8BAAAAf39/AAEAAABkAAAAAAAAABQAAABAHwAAAAAAACYAAAAAAAAAwOD//wAAAAAmAAAAZAAAABYAAABMAAAAAAAAAAAAAAAEAAAAAAAAAAEAAACAgIAKAAAAACgAAAAoAAAAZAAAAGQAAAAAAAAAzMzMAAAAAABQAAAAUAAAAGQAAABkAAAAAAAAABcAAAAUAAAAAAAAAAAAAAD/fwAA/38AAAAAAAAJAAAABAAAAAAAAAAMAAAAEAAAAAAAAAAAAAAAAAAAAAAAAAAeAAAAaAAAAAAAAAAAAAAAAAAAAAAAAAAAAAAAECcAABAnAAAAAAAAAAAAAAAAAAAAAAAAAAAAAAAAAAAAAAAAAAAAABQAAAAAAAAAwMD/AAAAAABkAAAAMgAAAAAAAABkAAAAAAAAAH9/fwAKAAAAHwAAAFQAAAC74OMF////AQAAAAAAAAAAAAAAAAAAAAAAAAAAAAAAAAAAAAAAAAAAAAAAAn9/fwCAgIADzMzMAMDA/wB/f38AAAAAAAAAAAAAAAAAAAAAAAAAAAAhAAAAGAAAABQAAAD5AwAANQIAAMkzAABBCwAAEAAAACYAAAAIAAAAAQAAAAAAAAA="/>
               </a:ext>
             </a:extLst>
           </p:cNvSpPr>
@@ -3750,7 +3750,7 @@
             <a:spLocks noGrp="1" noChangeArrowheads="1"/>
             <a:extLst>
               <a:ext uri="smNativeData">
-                <pr:smNativeData xmlns:pr="smNativeData" val="SMDATA_13_VnXdZRMAAAAlAAAAZAAAAA8BAAAAkAAAAEgAAACQAAAASAAAAAAAAAAAAAAAAAAAAAEAAABQAAAAAAAAAAAA4D8AAAAAAADgPwAAAAAAAOA/AAAAAAAA4D8AAAAAAADgPwAAAAAAAOA/AAAAAAAA4D8AAAAAAADgPwAAAAAAAOA/AAAAAAAA4D8CAAAAjAAAAAAAAAAAAAAAu+DjDP///wgAAAAAAAAAAAAAAAAAAAAAAAAAAAAAAAAAAAAAZAAAAAEAAABAAAAAAAAAAAAAAAAAAAAAAAAAAAAAAAAAAAAAAAAAAAAAAAAAAAAAAAAAAAAAAAAAAAAAAAAAAAAAAAAAAAAAAAAAAAAAAAAAAAAAAAAAAAAAAAAAAAAAFAAAADwAAAAAAAAAAAAAAAAAAAkUAAAAAQAAABQAAAAUAAAAFAAAAAEAAAAAAAAAZAAAAGQAAAAAAAAAZAAAAGQAAAAVAAAAYAAAAAAAAAAAAAAADwAAACADAAAAAAAAAAAAAAEAAACgMgAAVgcAAKr4//8BAAAAf39/AAEAAABkAAAAAAAAABQAAABAHwAAAAAAACYAAAAAAAAAwOD//wAAAAAmAAAAZAAAABYAAABMAAAAAAAAAAAAAAAEAAAAAAAAAAEAAACAgIAKAAAAACgAAAAoAAAAZAAAAGQAAAAAAAAAzMzMAAAAAABQAAAAUAAAAGQAAABkAAAAAAAAABcAAAAUAAAAAAAAAAAAAAD/fwAA/38AAAAAAAAJAAAABAAAAAAAAAAMAAAAEAAAAAAAAAAAAAAAAAAAAAAAAAAeAAAAaAAAAAAAAAAAAAAAAAAAAAAAAAAAAAAAECcAABAnAAAAAAAAAAAAAAAAAAAAAAAAAAAAAAAAAAAAAAAAAAAAABQAAAAAAAAAwMD/AAAAAABkAAAAMgAAAAAAAABkAAAAAAAAAH9/fwAKAAAAHwAAAFQAAAC74OMF////AQAAAAAAAAAAAAAAAAAAAAAAAAAAAAAAAAAAAAAAAAAAAAAAAn9/fwCAgIADzMzMAMDA/wB/f38AAAAAAAAAAAAAAAAAAAAAAAAAAAAhAAAAGAAAABQAAABjCAAAnQwAAMMvAAD2JQAAEAAAACYAAAAIAAAAAQAAAAAAAAA="/>
+                <pr:smNativeData xmlns:pr="smNativeData" val="SMDATA_13_QBrgZRMAAAAlAAAAZAAAAA8BAAAAkAAAAEgAAACQAAAASAAAAAAAAAAAAAAAAAAAAAEAAABQAAAAAAAAAAAA4D8AAAAAAADgPwAAAAAAAOA/AAAAAAAA4D8AAAAAAADgPwAAAAAAAOA/AAAAAAAA4D8AAAAAAADgPwAAAAAAAOA/AAAAAAAA4D8CAAAAjAAAAAAAAAAAAAAAu+DjDP///wgAAAAAAAAAAAAAAAAAAAAAAAAAAAAAAAAAAAAAZAAAAAEAAABAAAAAAAAAAAAAAAAAAAAAAAAAAAAAAAAAAAAAAAAAAAAAAAAAAAAAAAAAAAAAAAAAAAAAAAAAAAAAAAAAAAAAAAAAAAAAAAAAAAAAAAAAAAAAAAAAAAAAFAAAADwAAAAAAAAAAAAAAAAAAAkUAAAAAQAAABQAAAAUAAAAFAAAAAEAAAAAAAAAZAAAAGQAAAAAAAAAZAAAAGQAAAAVAAAAYAAAAAAAAAAAAAAADwAAACADAAAAAAAAAAAAAAEAAACgMgAAVgcAAKr4//8BAAAAf39/AAEAAABkAAAAAAAAABQAAABAHwAAAAAAACYAAAAAAAAAwOD//wAAAAAmAAAAZAAAABYAAABMAAAAAAAAAAAAAAAEAAAAAAAAAAEAAACAgIAKAAAAACgAAAAoAAAAZAAAAGQAAAAAAAAAzMzMAAAAAABQAAAAUAAAAGQAAABkAAAAAAAAABcAAAAUAAAAAAAAAAAAAAD/fwAA/38AAAAAAAAJAAAABAAAAAAAAAAMAAAAEAAAAAAAAAAAAAAAAAAAAAAAAAAeAAAAaAAAAAAAAAAAAAAAAAAAAAAAAAAAAAAAECcAABAnAAAAAAAAAAAAAAAAAAAAAAAAAAAAAAAAAAAAAAAAAAAAABQAAAAAAAAAwMD/AAAAAABkAAAAMgAAAAAAAABkAAAAAAAAAH9/fwAKAAAAHwAAAFQAAAC74OMF////AQAAAAAAAAAAAAAAAAAAAAAAAAAAAAAAAAAAAAAAAAAAAAAAAn9/fwCAgIADzMzMAMDA/wB/f38AAAAAAAAAAAAAAAAAAAAAAAAAAAAhAAAAGAAAABQAAABjCAAAnQwAAMMvAAD2JQAAEAAAACYAAAAIAAAAAQAAAAAAAAA="/>
               </a:ext>
             </a:extLst>
           </p:cNvSpPr>
@@ -3858,7 +3858,7 @@
             <a:spLocks noGrp="1" noChangeArrowheads="1"/>
             <a:extLst>
               <a:ext uri="smNativeData">
-                <pr:smNativeData xmlns:pr="smNativeData" val="SMDATA_13_VnXdZRMAAAAlAAAAZAAAAA8BAAAAkAAAAEgAAACQAAAASAAAAAAAAAAAAAAAAAAAAAEAAABQAAAAAAAAAAAA4D8AAAAAAADgPwAAAAAAAOA/AAAAAAAA4D8AAAAAAADgPwAAAAAAAOA/AAAAAAAA4D8AAAAAAADgPwAAAAAAAOA/AAAAAAAA4D8CAAAAjAAAAAAAAAAAAAAAu+DjDP///wgAAAAAAAAAAAAAAAAAAAAAAAAAAAAAAAAAAAAAZAAAAAEAAABAAAAAAAAAAAAAAAAAAAAAAAAAAAAAAAAAAAAAAAAAAAAAAAAAAAAAAAAAAAAAAAAAAAAAAAAAAAAAAAAAAAAAAAAAAAAAAAAAAAAAAAAAAAAAAAAAAAAAFAAAADwAAAAAAAAAAAAAAAAAAAkUAAAAAQAAABQAAAAUAAAAFAAAAAEAAAAAAAAAZAAAAGQAAAAAAAAAZAAAAGQAAAAVAAAAYAAAAAAAAAAAAAAADwAAACADAAAAAAAAAAAAAAEAAACgMgAAVgcAAKr4//8BAAAAf39/AAEAAABkAAAAAAAAABQAAABAHwAAAAAAACYAAAAAAAAAwOD//wAAAAAmAAAAZAAAABYAAABMAAAAAAAAAAAAAAAEAAAAAAAAAAEAAACAgIAKAAAAACgAAAAoAAAAZAAAAGQAAAAAAAAAzMzMAAAAAABQAAAAUAAAAGQAAABkAAAAAAAAABcAAAAUAAAAAAAAAAAAAAD/fwAA/38AAAAAAAAJAAAABAAAAAAAAAAMAAAAEAAAAAAAAAAAAAAAAAAAAAAAAAAeAAAAaAAAAAAAAAAAAAAAAAAAAAAAAAAAAAAAECcAABAnAAAAAAAAAAAAAAAAAAAAAAAAAAAAAAAAAAAAAAAAAAAAABQAAAAAAAAAwMD/AAAAAABkAAAAMgAAAAAAAABkAAAAAAAAAH9/fwAKAAAAHwAAAFQAAAC74OMF////AQAAAAAAAAAAAAAAAAAAAAAAAAAAAAAAAAAAAAAAAAAAAAAAAn9/fwCAgIADzMzMAMDA/wB/f38AAAAAAAAAAAAAAAAAAAAAAAAAAAAhAAAAGAAAABQAAABjCAAANQIAAMMvAAD2JQAAAAAAACYAAAAIAAAAAQAAAAAAAAA="/>
+                <pr:smNativeData xmlns:pr="smNativeData" val="SMDATA_13_QBrgZRMAAAAlAAAAZAAAAA8BAAAAkAAAAEgAAACQAAAASAAAAAAAAAAAAAAAAAAAAAEAAABQAAAAAAAAAAAA4D8AAAAAAADgPwAAAAAAAOA/AAAAAAAA4D8AAAAAAADgPwAAAAAAAOA/AAAAAAAA4D8AAAAAAADgPwAAAAAAAOA/AAAAAAAA4D8CAAAAjAAAAAAAAAAAAAAAu+DjDP///wgAAAAAAAAAAAAAAAAAAAAAAAAAAAAAAAAAAAAAZAAAAAEAAABAAAAAAAAAAAAAAAAAAAAAAAAAAAAAAAAAAAAAAAAAAAAAAAAAAAAAAAAAAAAAAAAAAAAAAAAAAAAAAAAAAAAAAAAAAAAAAAAAAAAAAAAAAAAAAAAAAAAAFAAAADwAAAAAAAAAAAAAAAAAAAkUAAAAAQAAABQAAAAUAAAAFAAAAAEAAAAAAAAAZAAAAGQAAAAAAAAAZAAAAGQAAAAVAAAAYAAAAAAAAAAAAAAADwAAACADAAAAAAAAAAAAAAEAAACgMgAAVgcAAKr4//8BAAAAf39/AAEAAABkAAAAAAAAABQAAABAHwAAAAAAACYAAAAAAAAAwOD//wAAAAAmAAAAZAAAABYAAABMAAAAAAAAAAAAAAAEAAAAAAAAAAEAAACAgIAKAAAAACgAAAAoAAAAZAAAAGQAAAAAAAAAzMzMAAAAAABQAAAAUAAAAGQAAABkAAAAAAAAABcAAAAUAAAAAAAAAAAAAAD/fwAA/38AAAAAAAAJAAAABAAAAAAAAAAMAAAAEAAAAAAAAAAAAAAAAAAAAAAAAAAeAAAAaAAAAAAAAAAAAAAAAAAAAAAAAAAAAAAAECcAABAnAAAAAAAAAAAAAAAAAAAAAAAAAAAAAAAAAAAAAAAAAAAAABQAAAAAAAAAwMD/AAAAAABkAAAAMgAAAAAAAABkAAAAAAAAAH9/fwAKAAAAHwAAAFQAAAC74OMF////AQAAAAAAAAAAAAAAAAAAAAAAAAAAAAAAAAAAAAAAAAAAAAAAAn9/fwCAgIADzMzMAMDA/wB/f38AAAAAAAAAAAAAAAAAAAAAAAAAAAAhAAAAGAAAABQAAABjCAAANQIAAMMvAAD2JQAAEAAAACYAAAAIAAAAAQAAAAAAAAA="/>
               </a:ext>
             </a:extLst>
           </p:cNvSpPr>
@@ -4310,7 +4310,7 @@
     </p:bldLst>
     <p:extLst>
       <p:ext uri="smNativeData">
-        <pr:smNativeData xmlns:pr="smNativeData" val="VnXdZQcAAAAFAAAAAAAAAAEAAAABAAAAAAAAAAAAAAAAAAAAAAAAAAkAAAABAAAAAQAAAAEAAAAAAAAAAAAAAAAAAAAAAAAADQAAAAIAAAABAAAAAQAAAAAAAAAAAAAAAAAAAAAAAAARAAAAAwAAAAEAAAABAAAAAAAAAAAAAAAAAAAAAAAAABUAAAAEAAAAAQAAAAEAAAAAAAAAAAAAAAAAAAAAAAAAGQAAAAUAAAABAAAAAQAAAAAAAAAAAAAAAAAAAAAAAAAdAAAABgAAAAEAAAABAAAAAAAAAAAAAAAAAAAAAAAAAA=="/>
+        <pr:smNativeData xmlns:pr="smNativeData" val="QBrgZQcAAAAFAAAAAAAAAAEAAAABAAAAAAAAAAAAAAAAAAAAAAAAAAkAAAABAAAAAQAAAAEAAAAAAAAAAAAAAAAAAAAAAAAADQAAAAIAAAABAAAAAQAAAAAAAAAAAAAAAAAAAAAAAAARAAAAAwAAAAEAAAABAAAAAAAAAAAAAAAAAAAAAAAAABUAAAAEAAAAAQAAAAEAAAAAAAAAAAAAAAAAAAAAAAAAGQAAAAUAAAABAAAAAQAAAAAAAAAAAAAAAAAAAAAAAAAdAAAABgAAAAEAAAABAAAAAAAAAAAAAAAAAAAAAAAAAA=="/>
       </p:ext>
     </p:extLst>
   </p:timing>
@@ -4341,7 +4341,7 @@
             <a:spLocks noGrp="1" noChangeArrowheads="1"/>
             <a:extLst>
               <a:ext uri="smNativeData">
-                <pr:smNativeData xmlns:pr="smNativeData" val="SMDATA_13_VnXdZRMAAAAlAAAAZAAAAA8BAAAAkAAAAEgAAACQAAAASAAAAAAAAAABAAAAAAAAAAEAAABQAAAAAAAAAAAA4D8AAAAAAADgPwAAAAAAAOA/AAAAAAAA4D8AAAAAAADgPwAAAAAAAOA/AAAAAAAA4D8AAAAAAADgPwAAAAAAAOA/AAAAAAAA4D8CAAAAjAAAAAAAAAAAAAAAu+DjDP///wgAAAAAAAAAAAAAAAAAAAAAAAAAAAAAAAAAAAAAZAAAAAEAAABAAAAAAAAAAAAAAAAAAAAAAAAAAAAAAAAAAAAAAAAAAAAAAAAAAAAAAAAAAAAAAAAAAAAAAAAAAAAAAAAAAAAAAAAAAAAAAAAAAAAAAAAAAAAAAAAAAAAAFAAAADwAAAAAAAAAAAAAAAAAAAkUAAAAAQAAABQAAAAUAAAAFAAAAAEAAAAAAAAAZAAAAGQAAAAAAAAAZAAAAGQAAAAVAAAAYAAAAAAAAAAAAAAADwAAACADAAAAAAAAAAAAAAEAAACgMgAAVgcAAKr4//8BAAAAf39/AAEAAABkAAAAAAAAABQAAABAHwAAAAAAACYAAAAAAAAAwOD//wAAAAAmAAAAZAAAABYAAABMAAAAAAAAAAAAAAAEAAAAAAAAAAEAAACAgIAKAAAAACgAAAAoAAAAZAAAAGQAAAAAAAAAzMzMAAAAAABQAAAAUAAAAGQAAABkAAAAAAAAABcAAAAUAAAAAAAAAAAAAAD/fwAA/38AAAAAAAAJAAAABAAAAAAAAAAMAAAAEAAAAAAAAAAAAAAAAAAAAAAAAAAeAAAAaAAAAAAAAAAAAAAAAAAAAAAAAAAAAAAAECcAABAnAAAAAAAAAAAAAAAAAAAAAAAAAAAAAAAAAAAAAAAAAAAAABQAAAAAAAAAwMD/AAAAAABkAAAAMgAAAAAAAABkAAAAAAAAAH9/fwAKAAAAHwAAAFQAAAC74OMF////AQAAAAAAAAAAAAAAAAAAAAAAAAAAAAAAAAAAAAAAAAAAAAAAAn9/fwCAgIADzMzMAMDA/wB/f38AAAAAAAAAAAAAAAAAAAAAAAAAAAAhAAAAGAAAABQAAAD5AwAANQIAAMkzAABBCwAAAAAAACYAAAAIAAAAAQAAAAAAAAA="/>
+                <pr:smNativeData xmlns:pr="smNativeData" val="SMDATA_13_QBrgZRMAAAAlAAAAZAAAAA8BAAAAkAAAAEgAAACQAAAASAAAAAAAAAABAAAAAAAAAAEAAABQAAAAAAAAAAAA4D8AAAAAAADgPwAAAAAAAOA/AAAAAAAA4D8AAAAAAADgPwAAAAAAAOA/AAAAAAAA4D8AAAAAAADgPwAAAAAAAOA/AAAAAAAA4D8CAAAAjAAAAAAAAAAAAAAAu+DjDP///wgAAAAAAAAAAAAAAAAAAAAAAAAAAAAAAAAAAAAAZAAAAAEAAABAAAAAAAAAAAAAAAAAAAAAAAAAAAAAAAAAAAAAAAAAAAAAAAAAAAAAAAAAAAAAAAAAAAAAAAAAAAAAAAAAAAAAAAAAAAAAAAAAAAAAAAAAAAAAAAAAAAAAFAAAADwAAAAAAAAAAAAAAAAAAAkUAAAAAQAAABQAAAAUAAAAFAAAAAEAAAAAAAAAZAAAAGQAAAAAAAAAZAAAAGQAAAAVAAAAYAAAAAAAAAAAAAAADwAAACADAAAAAAAAAAAAAAEAAACgMgAAVgcAAKr4//8BAAAAf39/AAEAAABkAAAAAAAAABQAAABAHwAAAAAAACYAAAAAAAAAwOD//wAAAAAmAAAAZAAAABYAAABMAAAAAAAAAAAAAAAEAAAAAAAAAAEAAACAgIAKAAAAACgAAAAoAAAAZAAAAGQAAAAAAAAAzMzMAAAAAABQAAAAUAAAAGQAAABkAAAAAAAAABcAAAAUAAAAAAAAAAAAAAD/fwAA/38AAAAAAAAJAAAABAAAAAAAAAAMAAAAEAAAAAAAAAAAAAAAAAAAAAAAAAAeAAAAaAAAAAAAAAAAAAAAAAAAAAAAAAAAAAAAECcAABAnAAAAAAAAAAAAAAAAAAAAAAAAAAAAAAAAAAAAAAAAAAAAABQAAAAAAAAAwMD/AAAAAABkAAAAMgAAAAAAAABkAAAAAAAAAH9/fwAKAAAAHwAAAFQAAAC74OMF////AQAAAAAAAAAAAAAAAAAAAAAAAAAAAAAAAAAAAAAAAAAAAAAAAn9/fwCAgIADzMzMAMDA/wB/f38AAAAAAAAAAAAAAAAAAAAAAAAAAAAhAAAAGAAAABQAAAD5AwAANQIAAMkzAABBCwAAEAAAACYAAAAIAAAAAQAAAAAAAAA="/>
               </a:ext>
             </a:extLst>
           </p:cNvSpPr>
@@ -4379,7 +4379,7 @@
             <a:spLocks noGrp="1" noChangeArrowheads="1"/>
             <a:extLst>
               <a:ext uri="smNativeData">
-                <pr:smNativeData xmlns:pr="smNativeData" val="SMDATA_13_VnXdZRMAAAAlAAAAZAAAAA8BAAAAkAAAAEgAAACQAAAASAAAAAAAAAAAAAAAAAAAAAEAAABQAAAAAAAAAAAA4D8AAAAAAADgPwAAAAAAAOA/AAAAAAAA4D8AAAAAAADgPwAAAAAAAOA/AAAAAAAA4D8AAAAAAADgPwAAAAAAAOA/AAAAAAAA4D8CAAAAjAAAAAAAAAAAAAAAu+DjDP///wgAAAAAAAAAAAAAAAAAAAAAAAAAAAAAAAAAAAAAZAAAAAEAAABAAAAAAAAAAAAAAAAAAAAAAAAAAAAAAAAAAAAAAAAAAAAAAAAAAAAAAAAAAAAAAAAAAAAAAAAAAAAAAAAAAAAAAAAAAAAAAAAAAAAAAAAAAAAAAAAAAAAAFAAAADwAAAAAAAAAAAAAAAAAAAkUAAAAAQAAABQAAAAUAAAAFAAAAAEAAAAAAAAAZAAAAGQAAAAAAAAAZAAAAGQAAAAVAAAAYAAAAAAAAAAAAAAADwAAACADAAAAAAAAAAAAAAEAAACgMgAAVgcAAKr4//8BAAAAf39/AAEAAABkAAAAAAAAABQAAABAHwAAAAAAACYAAAAAAAAAwOD//wAAAAAmAAAAZAAAABYAAABMAAAAAAAAAAAAAAAEAAAAAAAAAAEAAACAgIAKAAAAACgAAAAoAAAAZAAAAGQAAAAAAAAAzMzMAAAAAABQAAAAUAAAAGQAAABkAAAAAAAAABcAAAAUAAAAAAAAAAAAAAD/fwAA/38AAAAAAAAJAAAABAAAAAAAAAAMAAAAEAAAAAAAAAAAAAAAAAAAAAAAAAAeAAAAaAAAAAAAAAAAAAAAAAAAAAAAAAAAAAAAECcAABAnAAAAAAAAAAAAAAAAAAAAAAAAAAAAAAAAAAAAAAAAAAAAABQAAAAAAAAAwMD/AAAAAABkAAAAMgAAAAAAAABkAAAAAAAAAH9/fwAKAAAAHwAAAFQAAAC74OMF////AQAAAAAAAAAAAAAAAAAAAAAAAAAAAAAAAAAAAAAAAAAAAAAAAn9/fwCAgIADzMzMAMDA/wB/f38AAAAAAAAAAAAAAAAAAAAAAAAAAAAhAAAAGAAAABQAAABjCAAAnQwAAMMvAAD2JQAAAAAAACYAAAAIAAAAAQAAAAAAAAA="/>
+                <pr:smNativeData xmlns:pr="smNativeData" val="SMDATA_13_QBrgZRMAAAAlAAAAZAAAAA8BAAAAkAAAAEgAAACQAAAASAAAAAAAAAAAAAAAAAAAAAEAAABQAAAAAAAAAAAA4D8AAAAAAADgPwAAAAAAAOA/AAAAAAAA4D8AAAAAAADgPwAAAAAAAOA/AAAAAAAA4D8AAAAAAADgPwAAAAAAAOA/AAAAAAAA4D8CAAAAjAAAAAAAAAAAAAAAu+DjDP///wgAAAAAAAAAAAAAAAAAAAAAAAAAAAAAAAAAAAAAZAAAAAEAAABAAAAAAAAAAAAAAAAAAAAAAAAAAAAAAAAAAAAAAAAAAAAAAAAAAAAAAAAAAAAAAAAAAAAAAAAAAAAAAAAAAAAAAAAAAAAAAAAAAAAAAAAAAAAAAAAAAAAAFAAAADwAAAAAAAAAAAAAAAAAAAkUAAAAAQAAABQAAAAUAAAAFAAAAAEAAAAAAAAAZAAAAGQAAAAAAAAAZAAAAGQAAAAVAAAAYAAAAAAAAAAAAAAADwAAACADAAAAAAAAAAAAAAEAAACgMgAAVgcAAKr4//8BAAAAf39/AAEAAABkAAAAAAAAABQAAABAHwAAAAAAACYAAAAAAAAAwOD//wAAAAAmAAAAZAAAABYAAABMAAAAAAAAAAAAAAAEAAAAAAAAAAEAAACAgIAKAAAAACgAAAAoAAAAZAAAAGQAAAAAAAAAzMzMAAAAAABQAAAAUAAAAGQAAABkAAAAAAAAABcAAAAUAAAAAAAAAAAAAAD/fwAA/38AAAAAAAAJAAAABAAAAAAAAAAMAAAAEAAAAAAAAAAAAAAAAAAAAAAAAAAeAAAAaAAAAAAAAAAAAAAAAAAAAAAAAAAAAAAAECcAABAnAAAAAAAAAAAAAAAAAAAAAAAAAAAAAAAAAAAAAAAAAAAAABQAAAAAAAAAwMD/AAAAAABkAAAAMgAAAAAAAABkAAAAAAAAAH9/fwAKAAAAHwAAAFQAAAC74OMF////AQAAAAAAAAAAAAAAAAAAAAAAAAAAAAAAAAAAAAAAAAAAAAAAAn9/fwCAgIADzMzMAMDA/wB/f38AAAAAAAAAAAAAAAAAAAAAAAAAAAAhAAAAGAAAABQAAABjCAAAnQwAAMMvAAD2JQAAEAAAACYAAAAIAAAAAQAAAAAAAAA="/>
               </a:ext>
             </a:extLst>
           </p:cNvSpPr>
@@ -4484,7 +4484,7 @@
             <a:spLocks noGrp="1" noChangeArrowheads="1"/>
             <a:extLst>
               <a:ext uri="smNativeData">
-                <pr:smNativeData xmlns:pr="smNativeData" val="SMDATA_13_VnXdZRMAAAAlAAAAZAAAAA8BAAAAkAAAAEgAAACQAAAASAAAAAAAAAAAAAAAAAAAAAEAAABQAAAAAAAAAAAA4D8AAAAAAADgPwAAAAAAAOA/AAAAAAAA4D8AAAAAAADgPwAAAAAAAOA/AAAAAAAA4D8AAAAAAADgPwAAAAAAAOA/AAAAAAAA4D8CAAAAjAAAAAAAAAAAAAAAu+DjDP///wgAAAAAAAAAAAAAAAAAAAAAAAAAAAAAAAAAAAAAZAAAAAEAAABAAAAAAAAAAAAAAAAAAAAAAAAAAAAAAAAAAAAAAAAAAAAAAAAAAAAAAAAAAAAAAAAAAAAAAAAAAAAAAAAAAAAAAAAAAAAAAAAAAAAAAAAAAAAAAAAAAAAAFAAAADwAAAAAAAAAAAAAAAAAAAkUAAAAAQAAABQAAAAUAAAAFAAAAAEAAAAAAAAAZAAAAGQAAAAAAAAAZAAAAGQAAAAVAAAAYAAAAAAAAAAAAAAADwAAACADAAAAAAAAAAAAAAEAAACgMgAAVgcAAKr4//8BAAAAf39/AAEAAABkAAAAAAAAABQAAABAHwAAAAAAACYAAAAAAAAAwOD//wAAAAAmAAAAZAAAABYAAABMAAAAAAAAAAAAAAAEAAAAAAAAAAEAAACAgIAKAAAAACgAAAAoAAAAZAAAAGQAAAAAAAAAzMzMAAAAAABQAAAAUAAAAGQAAABkAAAAAAAAABcAAAAUAAAAAAAAAAAAAAD/fwAA/38AAAAAAAAJAAAABAAAAAAAAAAMAAAAEAAAAAAAAAAAAAAAAAAAAAAAAAAeAAAAaAAAAAAAAAAAAAAAAAAAAAAAAAAAAAAAECcAABAnAAAAAAAAAAAAAAAAAAAAAAAAAAAAAAAAAAAAAAAAAAAAABQAAAAAAAAAwMD/AAAAAABkAAAAMgAAAAAAAABkAAAAAAAAAH9/fwAKAAAAHwAAAFQAAAC74OMF////AQAAAAAAAAAAAAAAAAAAAAAAAAAAAAAAAAAAAAAAAAAAAAAAAn9/fwCAgIADzMzMAMDA/wB/f38AAAAAAAAAAAAAAAAAAAAAAAAAAAAhAAAAGAAAABQAAABjCAAAiAMAAMMvAAD2JQAAAAAAACYAAAAIAAAAAQAAAAAAAAA="/>
+                <pr:smNativeData xmlns:pr="smNativeData" val="SMDATA_13_QBrgZRMAAAAlAAAAZAAAAA8BAAAAkAAAAEgAAACQAAAASAAAAAAAAAAAAAAAAAAAAAEAAABQAAAAAAAAAAAA4D8AAAAAAADgPwAAAAAAAOA/AAAAAAAA4D8AAAAAAADgPwAAAAAAAOA/AAAAAAAA4D8AAAAAAADgPwAAAAAAAOA/AAAAAAAA4D8CAAAAjAAAAAAAAAAAAAAAu+DjDP///wgAAAAAAAAAAAAAAAAAAAAAAAAAAAAAAAAAAAAAZAAAAAEAAABAAAAAAAAAAAAAAAAAAAAAAAAAAAAAAAAAAAAAAAAAAAAAAAAAAAAAAAAAAAAAAAAAAAAAAAAAAAAAAAAAAAAAAAAAAAAAAAAAAAAAAAAAAAAAAAAAAAAAFAAAADwAAAAAAAAAAAAAAAAAAAkUAAAAAQAAABQAAAAUAAAAFAAAAAEAAAAAAAAAZAAAAGQAAAAAAAAAZAAAAGQAAAAVAAAAYAAAAAAAAAAAAAAADwAAACADAAAAAAAAAAAAAAEAAACgMgAAVgcAAKr4//8BAAAAf39/AAEAAABkAAAAAAAAABQAAABAHwAAAAAAACYAAAAAAAAAwOD//wAAAAAmAAAAZAAAABYAAABMAAAAAAAAAAAAAAAEAAAAAAAAAAEAAACAgIAKAAAAACgAAAAoAAAAZAAAAGQAAAAAAAAAzMzMAAAAAABQAAAAUAAAAGQAAABkAAAAAAAAABcAAAAUAAAAAAAAAAAAAAD/fwAA/38AAAAAAAAJAAAABAAAAAAAAAAMAAAAEAAAAAAAAAAAAAAAAAAAAAAAAAAeAAAAaAAAAAAAAAAAAAAAAAAAAAAAAAAAAAAAECcAABAnAAAAAAAAAAAAAAAAAAAAAAAAAAAAAAAAAAAAAAAAAAAAABQAAAAAAAAAwMD/AAAAAABkAAAAMgAAAAAAAABkAAAAAAAAAH9/fwAKAAAAHwAAAFQAAAC74OMF////AQAAAAAAAAAAAAAAAAAAAAAAAAAAAAAAAAAAAAAAAAAAAAAAAn9/fwCAgIADzMzMAMDA/wB/f38AAAAAAAAAAAAAAAAAAAAAAAAAAAAhAAAAGAAAABQAAABjCAAAiAMAAMMvAAD2JQAAEAAAACYAAAAIAAAAAQAAAAAAAAA="/>
               </a:ext>
             </a:extLst>
           </p:cNvSpPr>
@@ -4939,7 +4939,7 @@
     </p:bldLst>
     <p:extLst>
       <p:ext uri="smNativeData">
-        <pr:smNativeData xmlns:pr="smNativeData" val="VnXdZQcAAAAFAAAAAAAAAAEAAAABAAAAAAAAAAAAAAAAAAAAAAAAAAkAAAABAAAAAQAAAAEAAAAAAAAAAAAAAAAAAAAAAAAADQAAAAIAAAABAAAAAQAAAAAAAAAAAAAAAAAAAAAAAAARAAAAAwAAAAEAAAABAAAAAAAAAAAAAAAAAAAAAAAAABUAAAAEAAAAAQAAAAEAAAAAAAAAAAAAAAAAAAAAAAAAGQAAAAUAAAABAAAAAQAAAAAAAAAAAAAAAAAAAAAAAAAdAAAABgAAAAEAAAABAAAAAAAAAAAAAAAAAAAAAAAAAA=="/>
+        <pr:smNativeData xmlns:pr="smNativeData" val="QBrgZQcAAAAFAAAAAAAAAAEAAAABAAAAAAAAAAAAAAAAAAAAAAAAAAkAAAABAAAAAQAAAAEAAAAAAAAAAAAAAAAAAAAAAAAADQAAAAIAAAABAAAAAQAAAAAAAAAAAAAAAAAAAAAAAAARAAAAAwAAAAEAAAABAAAAAAAAAAAAAAAAAAAAAAAAABUAAAAEAAAAAQAAAAEAAAAAAAAAAAAAAAAAAAAAAAAAGQAAAAUAAAABAAAAAQAAAAAAAAAAAAAAAAAAAAAAAAAdAAAABgAAAAEAAAABAAAAAAAAAAAAAAAAAAAAAAAAAA=="/>
       </p:ext>
     </p:extLst>
   </p:timing>
@@ -4970,7 +4970,7 @@
             <a:spLocks noGrp="1" noChangeArrowheads="1"/>
             <a:extLst>
               <a:ext uri="smNativeData">
-                <pr:smNativeData xmlns:pr="smNativeData" val="SMDATA_13_VnXdZRMAAAAlAAAAZAAAAA8BAAAAkAAAAEgAAACQAAAASAAAAAAAAAABAAAAAAAAAAEAAABQAAAAAAAAAAAA4D8AAAAAAADgPwAAAAAAAOA/AAAAAAAA4D8AAAAAAADgPwAAAAAAAOA/AAAAAAAA4D8AAAAAAADgPwAAAAAAAOA/AAAAAAAA4D8CAAAAjAAAAAAAAAAAAAAAu+DjDP///wgAAAAAAAAAAAAAAAAAAAAAAAAAAAAAAAAAAAAAZAAAAAEAAABAAAAAAAAAAAAAAAAAAAAAAAAAAAAAAAAAAAAAAAAAAAAAAAAAAAAAAAAAAAAAAAAAAAAAAAAAAAAAAAAAAAAAAAAAAAAAAAAAAAAAAAAAAAAAAAAAAAAAFAAAADwAAAAAAAAAAAAAAAAAAAkUAAAAAQAAABQAAAAUAAAAFAAAAAEAAAAAAAAAZAAAAGQAAAAAAAAAZAAAAGQAAAAVAAAAYAAAAAAAAAAAAAAADwAAACADAAAAAAAAAAAAAAEAAACgMgAAVgcAAKr4//8BAAAAf39/AAEAAABkAAAAAAAAABQAAABAHwAAAAAAACYAAAAAAAAAwOD//wAAAAAmAAAAZAAAABYAAABMAAAAAAAAAAAAAAAEAAAAAAAAAAEAAACAgIAKAAAAACgAAAAoAAAAZAAAAGQAAAAAAAAAzMzMAAAAAABQAAAAUAAAAGQAAABkAAAAAAAAABcAAAAUAAAAAAAAAAAAAAD/fwAA/38AAAAAAAAJAAAABAAAAAAAAAAMAAAAEAAAAAAAAAAAAAAAAAAAAAAAAAAeAAAAaAAAAAAAAAAAAAAAAAAAAAAAAAAAAAAAECcAABAnAAAAAAAAAAAAAAAAAAAAAAAAAAAAAAAAAAAAAAAAAAAAABQAAAAAAAAAwMD/AAAAAABkAAAAMgAAAAAAAABkAAAAAAAAAH9/fwAKAAAAHwAAAFQAAAC74OMF////AQAAAAAAAAAAAAAAAAAAAAAAAAAAAAAAAAAAAAAAAAAAAAAAAn9/fwCAgIADzMzMAMDA/wB/f38AAAAAAAAAAAAAAAAAAAAAAAAAAAAhAAAAGAAAABQAAAD5AwAANQIAAMkzAABBCwAAAAAAACYAAAAIAAAAAQAAAAAAAAA="/>
+                <pr:smNativeData xmlns:pr="smNativeData" val="SMDATA_13_QBrgZRMAAAAlAAAAZAAAAA8BAAAAkAAAAEgAAACQAAAASAAAAAAAAAABAAAAAAAAAAEAAABQAAAAAAAAAAAA4D8AAAAAAADgPwAAAAAAAOA/AAAAAAAA4D8AAAAAAADgPwAAAAAAAOA/AAAAAAAA4D8AAAAAAADgPwAAAAAAAOA/AAAAAAAA4D8CAAAAjAAAAAAAAAAAAAAAu+DjDP///wgAAAAAAAAAAAAAAAAAAAAAAAAAAAAAAAAAAAAAZAAAAAEAAABAAAAAAAAAAAAAAAAAAAAAAAAAAAAAAAAAAAAAAAAAAAAAAAAAAAAAAAAAAAAAAAAAAAAAAAAAAAAAAAAAAAAAAAAAAAAAAAAAAAAAAAAAAAAAAAAAAAAAFAAAADwAAAAAAAAAAAAAAAAAAAkUAAAAAQAAABQAAAAUAAAAFAAAAAEAAAAAAAAAZAAAAGQAAAAAAAAAZAAAAGQAAAAVAAAAYAAAAAAAAAAAAAAADwAAACADAAAAAAAAAAAAAAEAAACgMgAAVgcAAKr4//8BAAAAf39/AAEAAABkAAAAAAAAABQAAABAHwAAAAAAACYAAAAAAAAAwOD//wAAAAAmAAAAZAAAABYAAABMAAAAAAAAAAAAAAAEAAAAAAAAAAEAAACAgIAKAAAAACgAAAAoAAAAZAAAAGQAAAAAAAAAzMzMAAAAAABQAAAAUAAAAGQAAABkAAAAAAAAABcAAAAUAAAAAAAAAAAAAAD/fwAA/38AAAAAAAAJAAAABAAAAAAAAAAMAAAAEAAAAAAAAAAAAAAAAAAAAAAAAAAeAAAAaAAAAAAAAAAAAAAAAAAAAAAAAAAAAAAAECcAABAnAAAAAAAAAAAAAAAAAAAAAAAAAAAAAAAAAAAAAAAAAAAAABQAAAAAAAAAwMD/AAAAAABkAAAAMgAAAAAAAABkAAAAAAAAAH9/fwAKAAAAHwAAAFQAAAC74OMF////AQAAAAAAAAAAAAAAAAAAAAAAAAAAAAAAAAAAAAAAAAAAAAAAAn9/fwCAgIADzMzMAMDA/wB/f38AAAAAAAAAAAAAAAAAAAAAAAAAAAAhAAAAGAAAABQAAAD5AwAANQIAAMkzAABBCwAAEAAAACYAAAAIAAAAAQAAAAAAAAA="/>
               </a:ext>
             </a:extLst>
           </p:cNvSpPr>
@@ -5008,7 +5008,7 @@
             <a:spLocks noGrp="1" noChangeArrowheads="1"/>
             <a:extLst>
               <a:ext uri="smNativeData">
-                <pr:smNativeData xmlns:pr="smNativeData" val="SMDATA_13_VnXdZRMAAAAlAAAAZAAAAA8BAAAAkAAAAEgAAACQAAAASAAAAAAAAAAAAAAAAAAAAAEAAABQAAAAAAAAAAAA4D8AAAAAAADgPwAAAAAAAOA/AAAAAAAA4D8AAAAAAADgPwAAAAAAAOA/AAAAAAAA4D8AAAAAAADgPwAAAAAAAOA/AAAAAAAA4D8CAAAAjAAAAAAAAAAAAAAAu+DjDP///wgAAAAAAAAAAAAAAAAAAAAAAAAAAAAAAAAAAAAAZAAAAAEAAABAAAAAAAAAAAAAAAAAAAAAAAAAAAAAAAAAAAAAAAAAAAAAAAAAAAAAAAAAAAAAAAAAAAAAAAAAAAAAAAAAAAAAAAAAAAAAAAAAAAAAAAAAAAAAAAAAAAAAFAAAADwAAAAAAAAAAAAAAAAAAAkUAAAAAQAAABQAAAAUAAAAFAAAAAEAAAAAAAAAZAAAAGQAAAAAAAAAZAAAAGQAAAAVAAAAYAAAAAAAAAAAAAAADwAAACADAAAAAAAAAAAAAAEAAACgMgAAVgcAAKr4//8BAAAAf39/AAEAAABkAAAAAAAAABQAAABAHwAAAAAAACYAAAAAAAAAwOD//wAAAAAmAAAAZAAAABYAAABMAAAAAAAAAAAAAAAEAAAAAAAAAAEAAACAgIAKAAAAACgAAAAoAAAAZAAAAGQAAAAAAAAAzMzMAAAAAABQAAAAUAAAAGQAAABkAAAAAAAAABcAAAAUAAAAAAAAAAAAAAD/fwAA/38AAAAAAAAJAAAABAAAAAAAAAAMAAAAEAAAAAAAAAAAAAAAAAAAAAAAAAAeAAAAaAAAAAAAAAAAAAAAAAAAAAAAAAAAAAAAECcAABAnAAAAAAAAAAAAAAAAAAAAAAAAAAAAAAAAAAAAAAAAAAAAABQAAAAAAAAAwMD/AAAAAABkAAAAMgAAAAAAAABkAAAAAAAAAH9/fwAKAAAAHwAAAFQAAAC74OMF////AQAAAAAAAAAAAAAAAAAAAAAAAAAAAAAAAAAAAAAAAAAAAAAAAn9/fwCAgIADzMzMAMDA/wB/f38AAAAAAAAAAAAAAAAAAAAAAAAAAAAhAAAAGAAAABQAAABjCAAAnQwAAMMvAAD2JQAAAAAAACYAAAAIAAAAAQAAAAAAAAA="/>
+                <pr:smNativeData xmlns:pr="smNativeData" val="SMDATA_13_QBrgZRMAAAAlAAAAZAAAAA8BAAAAkAAAAEgAAACQAAAASAAAAAAAAAAAAAAAAAAAAAEAAABQAAAAAAAAAAAA4D8AAAAAAADgPwAAAAAAAOA/AAAAAAAA4D8AAAAAAADgPwAAAAAAAOA/AAAAAAAA4D8AAAAAAADgPwAAAAAAAOA/AAAAAAAA4D8CAAAAjAAAAAAAAAAAAAAAu+DjDP///wgAAAAAAAAAAAAAAAAAAAAAAAAAAAAAAAAAAAAAZAAAAAEAAABAAAAAAAAAAAAAAAAAAAAAAAAAAAAAAAAAAAAAAAAAAAAAAAAAAAAAAAAAAAAAAAAAAAAAAAAAAAAAAAAAAAAAAAAAAAAAAAAAAAAAAAAAAAAAAAAAAAAAFAAAADwAAAAAAAAAAAAAAAAAAAkUAAAAAQAAABQAAAAUAAAAFAAAAAEAAAAAAAAAZAAAAGQAAAAAAAAAZAAAAGQAAAAVAAAAYAAAAAAAAAAAAAAADwAAACADAAAAAAAAAAAAAAEAAACgMgAAVgcAAKr4//8BAAAAf39/AAEAAABkAAAAAAAAABQAAABAHwAAAAAAACYAAAAAAAAAwOD//wAAAAAmAAAAZAAAABYAAABMAAAAAAAAAAAAAAAEAAAAAAAAAAEAAACAgIAKAAAAACgAAAAoAAAAZAAAAGQAAAAAAAAAzMzMAAAAAABQAAAAUAAAAGQAAABkAAAAAAAAABcAAAAUAAAAAAAAAAAAAAD/fwAA/38AAAAAAAAJAAAABAAAAAAAAAAMAAAAEAAAAAAAAAAAAAAAAAAAAAAAAAAeAAAAaAAAAAAAAAAAAAAAAAAAAAAAAAAAAAAAECcAABAnAAAAAAAAAAAAAAAAAAAAAAAAAAAAAAAAAAAAAAAAAAAAABQAAAAAAAAAwMD/AAAAAABkAAAAMgAAAAAAAABkAAAAAAAAAH9/fwAKAAAAHwAAAFQAAAC74OMF////AQAAAAAAAAAAAAAAAAAAAAAAAAAAAAAAAAAAAAAAAAAAAAAAAn9/fwCAgIADzMzMAMDA/wB/f38AAAAAAAAAAAAAAAAAAAAAAAAAAAAhAAAAGAAAABQAAABjCAAAnQwAAMMvAAD2JQAAEAAAACYAAAAIAAAAAQAAAAAAAAA="/>
               </a:ext>
             </a:extLst>
           </p:cNvSpPr>
@@ -5110,7 +5110,7 @@
             <a:spLocks noGrp="1" noChangeArrowheads="1"/>
             <a:extLst>
               <a:ext uri="smNativeData">
-                <pr:smNativeData xmlns:pr="smNativeData" val="SMDATA_13_VnXdZRMAAAAlAAAAZAAAAA8BAAAAkAAAAEgAAACQAAAASAAAAAAAAAAAAAAAAAAAAAEAAABQAAAAAAAAAAAA4D8AAAAAAADgPwAAAAAAAOA/AAAAAAAA4D8AAAAAAADgPwAAAAAAAOA/AAAAAAAA4D8AAAAAAADgPwAAAAAAAOA/AAAAAAAA4D8CAAAAjAAAAAAAAAAAAAAAu+DjDP///wgAAAAAAAAAAAAAAAAAAAAAAAAAAAAAAAAAAAAAZAAAAAEAAABAAAAAAAAAAAAAAAAAAAAAAAAAAAAAAAAAAAAAAAAAAAAAAAAAAAAAAAAAAAAAAAAAAAAAAAAAAAAAAAAAAAAAAAAAAAAAAAAAAAAAAAAAAAAAAAAAAAAAFAAAADwAAAAAAAAAAAAAAAAAAAkUAAAAAQAAABQAAAAUAAAAFAAAAAEAAAAAAAAAZAAAAGQAAAAAAAAAZAAAAGQAAAAVAAAAYAAAAAAAAAAAAAAADwAAACADAAAAAAAAAAAAAAEAAACgMgAAVgcAAKr4//8BAAAAf39/AAEAAABkAAAAAAAAABQAAABAHwAAAAAAACYAAAAAAAAAwOD//wAAAAAmAAAAZAAAABYAAABMAAAAAAAAAAAAAAAEAAAAAAAAAAEAAACAgIAKAAAAACgAAAAoAAAAZAAAAGQAAAAAAAAAzMzMAAAAAABQAAAAUAAAAGQAAABkAAAAAAAAABcAAAAUAAAAAAAAAAAAAAD/fwAA/38AAAAAAAAJAAAABAAAAAAAAAAMAAAAEAAAAAAAAAAAAAAAAAAAAAAAAAAeAAAAaAAAAAAAAAAAAAAAAAAAAAAAAAAAAAAAECcAABAnAAAAAAAAAAAAAAAAAAAAAAAAAAAAAAAAAAAAAAAAAAAAABQAAAAAAAAAwMD/AAAAAABkAAAAMgAAAAAAAABkAAAAAAAAAH9/fwAKAAAAHwAAAFQAAAC74OMF////AQAAAAAAAAAAAAAAAAAAAAAAAAAAAAAAAAAAAAAAAAAAAAAAAn9/fwCAgIADzMzMAMDA/wB/f38AAAAAAAAAAAAAAAAAAAAAAAAAAAAhAAAAGAAAABQAAABjCAAAFwMAAMMvAAD2JQAAAAAAACYAAAAIAAAAAQAAAAAAAAA="/>
+                <pr:smNativeData xmlns:pr="smNativeData" val="SMDATA_13_QBrgZRMAAAAlAAAAZAAAAA8BAAAAkAAAAEgAAACQAAAASAAAAAAAAAAAAAAAAAAAAAEAAABQAAAAAAAAAAAA4D8AAAAAAADgPwAAAAAAAOA/AAAAAAAA4D8AAAAAAADgPwAAAAAAAOA/AAAAAAAA4D8AAAAAAADgPwAAAAAAAOA/AAAAAAAA4D8CAAAAjAAAAAAAAAAAAAAAu+DjDP///wgAAAAAAAAAAAAAAAAAAAAAAAAAAAAAAAAAAAAAZAAAAAEAAABAAAAAAAAAAAAAAAAAAAAAAAAAAAAAAAAAAAAAAAAAAAAAAAAAAAAAAAAAAAAAAAAAAAAAAAAAAAAAAAAAAAAAAAAAAAAAAAAAAAAAAAAAAAAAAAAAAAAAFAAAADwAAAAAAAAAAAAAAAAAAAkUAAAAAQAAABQAAAAUAAAAFAAAAAEAAAAAAAAAZAAAAGQAAAAAAAAAZAAAAGQAAAAVAAAAYAAAAAAAAAAAAAAADwAAACADAAAAAAAAAAAAAAEAAACgMgAAVgcAAKr4//8BAAAAf39/AAEAAABkAAAAAAAAABQAAABAHwAAAAAAACYAAAAAAAAAwOD//wAAAAAmAAAAZAAAABYAAABMAAAAAAAAAAAAAAAEAAAAAAAAAAEAAACAgIAKAAAAACgAAAAoAAAAZAAAAGQAAAAAAAAAzMzMAAAAAABQAAAAUAAAAGQAAABkAAAAAAAAABcAAAAUAAAAAAAAAAAAAAD/fwAA/38AAAAAAAAJAAAABAAAAAAAAAAMAAAAEAAAAAAAAAAAAAAAAAAAAAAAAAAeAAAAaAAAAAAAAAAAAAAAAAAAAAAAAAAAAAAAECcAABAnAAAAAAAAAAAAAAAAAAAAAAAAAAAAAAAAAAAAAAAAAAAAABQAAAAAAAAAwMD/AAAAAABkAAAAMgAAAAAAAABkAAAAAAAAAH9/fwAKAAAAHwAAAFQAAAC74OMF////AQAAAAAAAAAAAAAAAAAAAAAAAAAAAAAAAAAAAAAAAAAAAAAAAn9/fwCAgIADzMzMAMDA/wB/f38AAAAAAAAAAAAAAAAAAAAAAAAAAAAhAAAAGAAAABQAAABjCAAAFwMAAMMvAAD2JQAAEAAAACYAAAAIAAAAAQAAAAAAAAA="/>
               </a:ext>
             </a:extLst>
           </p:cNvSpPr>
@@ -5565,7 +5565,7 @@
     </p:bldLst>
     <p:extLst>
       <p:ext uri="smNativeData">
-        <pr:smNativeData xmlns:pr="smNativeData" val="VnXdZQcAAAAFAAAAAAAAAAEAAAABAAAAAAAAAAAAAAAAAAAAAAAAAAkAAAABAAAAAQAAAAEAAAAAAAAAAAAAAAAAAAAAAAAADQAAAAIAAAABAAAAAQAAAAAAAAAAAAAAAAAAAAAAAAARAAAAAwAAAAEAAAABAAAAAAAAAAAAAAAAAAAAAAAAABUAAAAEAAAAAQAAAAEAAAAAAAAAAAAAAAAAAAAAAAAAGQAAAAUAAAABAAAAAQAAAAAAAAAAAAAAAAAAAAAAAAAdAAAABgAAAAEAAAABAAAAAAAAAAAAAAAAAAAAAAAAAA=="/>
+        <pr:smNativeData xmlns:pr="smNativeData" val="QBrgZQcAAAAFAAAAAAAAAAEAAAABAAAAAAAAAAAAAAAAAAAAAAAAAAkAAAABAAAAAQAAAAEAAAAAAAAAAAAAAAAAAAAAAAAADQAAAAIAAAABAAAAAQAAAAAAAAAAAAAAAAAAAAAAAAARAAAAAwAAAAEAAAABAAAAAAAAAAAAAAAAAAAAAAAAABUAAAAEAAAAAQAAAAEAAAAAAAAAAAAAAAAAAAAAAAAAGQAAAAUAAAABAAAAAQAAAAAAAAAAAAAAAAAAAAAAAAAdAAAABgAAAAEAAAABAAAAAAAAAAAAAAAAAAAAAAAAAA=="/>
       </p:ext>
     </p:extLst>
   </p:timing>
@@ -5596,7 +5596,7 @@
             <a:spLocks noGrp="1" noChangeArrowheads="1"/>
             <a:extLst>
               <a:ext uri="smNativeData">
-                <pr:smNativeData xmlns:pr="smNativeData" val="SMDATA_13_VnXdZRMAAAAlAAAAZAAAAA8BAAAAkAAAAEgAAACQAAAASAAAAAAAAAABAAAAAAAAAAEAAABQAAAAAAAAAAAA4D8AAAAAAADgPwAAAAAAAOA/AAAAAAAA4D8AAAAAAADgPwAAAAAAAOA/AAAAAAAA4D8AAAAAAADgPwAAAAAAAOA/AAAAAAAA4D8CAAAAjAAAAAAAAAAAAAAAu+DjDP///wgAAAAAAAAAAAAAAAAAAAAAAAAAAAAAAAAAAAAAZAAAAAEAAABAAAAAAAAAAAAAAAAAAAAAAAAAAAAAAAAAAAAAAAAAAAAAAAAAAAAAAAAAAAAAAAAAAAAAAAAAAAAAAAAAAAAAAAAAAAAAAAAAAAAAAAAAAAAAAAAAAAAAFAAAADwAAAAAAAAAAAAAAAAAAAkUAAAAAQAAABQAAAAUAAAAFAAAAAEAAAAAAAAAZAAAAGQAAAAAAAAAZAAAAGQAAAAVAAAAYAAAAAAAAAAAAAAADwAAACADAAAAAAAAAAAAAAEAAACgMgAAVgcAAKr4//8BAAAAf39/AAEAAABkAAAAAAAAABQAAABAHwAAAAAAACYAAAAAAAAAwOD//wAAAAAmAAAAZAAAABYAAABMAAAAAAAAAAAAAAAEAAAAAAAAAAEAAACAgIAKAAAAACgAAAAoAAAAZAAAAGQAAAAAAAAAzMzMAAAAAABQAAAAUAAAAGQAAABkAAAAAAAAABcAAAAUAAAAAAAAAAAAAAD/fwAA/38AAAAAAAAJAAAABAAAAAAAAAAMAAAAEAAAAAAAAAAAAAAAAAAAAAAAAAAeAAAAaAAAAAAAAAAAAAAAAAAAAAAAAAAAAAAAECcAABAnAAAAAAAAAAAAAAAAAAAAAAAAAAAAAAAAAAAAAAAAAAAAABQAAAAAAAAAwMD/AAAAAABkAAAAMgAAAAAAAABkAAAAAAAAAH9/fwAKAAAAHwAAAFQAAAC74OMF////AQAAAAAAAAAAAAAAAAAAAAAAAAAAAAAAAAAAAAAAAAAAAAAAAn9/fwCAgIADzMzMAMDA/wB/f38AAAAAAAAAAAAAAAAAAAAAAAAAAAAhAAAAGAAAABQAAAD5AwAANQIAAMkzAABBCwAAAAAAACYAAAAIAAAAAQAAAAAAAAA="/>
+                <pr:smNativeData xmlns:pr="smNativeData" val="SMDATA_13_QBrgZRMAAAAlAAAAZAAAAA8BAAAAkAAAAEgAAACQAAAASAAAAAAAAAABAAAAAAAAAAEAAABQAAAAAAAAAAAA4D8AAAAAAADgPwAAAAAAAOA/AAAAAAAA4D8AAAAAAADgPwAAAAAAAOA/AAAAAAAA4D8AAAAAAADgPwAAAAAAAOA/AAAAAAAA4D8CAAAAjAAAAAAAAAAAAAAAu+DjDP///wgAAAAAAAAAAAAAAAAAAAAAAAAAAAAAAAAAAAAAZAAAAAEAAABAAAAAAAAAAAAAAAAAAAAAAAAAAAAAAAAAAAAAAAAAAAAAAAAAAAAAAAAAAAAAAAAAAAAAAAAAAAAAAAAAAAAAAAAAAAAAAAAAAAAAAAAAAAAAAAAAAAAAFAAAADwAAAAAAAAAAAAAAAAAAAkUAAAAAQAAABQAAAAUAAAAFAAAAAEAAAAAAAAAZAAAAGQAAAAAAAAAZAAAAGQAAAAVAAAAYAAAAAAAAAAAAAAADwAAACADAAAAAAAAAAAAAAEAAACgMgAAVgcAAKr4//8BAAAAf39/AAEAAABkAAAAAAAAABQAAABAHwAAAAAAACYAAAAAAAAAwOD//wAAAAAmAAAAZAAAABYAAABMAAAAAAAAAAAAAAAEAAAAAAAAAAEAAACAgIAKAAAAACgAAAAoAAAAZAAAAGQAAAAAAAAAzMzMAAAAAABQAAAAUAAAAGQAAABkAAAAAAAAABcAAAAUAAAAAAAAAAAAAAD/fwAA/38AAAAAAAAJAAAABAAAAAAAAAAMAAAAEAAAAAAAAAAAAAAAAAAAAAAAAAAeAAAAaAAAAAAAAAAAAAAAAAAAAAAAAAAAAAAAECcAABAnAAAAAAAAAAAAAAAAAAAAAAAAAAAAAAAAAAAAAAAAAAAAABQAAAAAAAAAwMD/AAAAAABkAAAAMgAAAAAAAABkAAAAAAAAAH9/fwAKAAAAHwAAAFQAAAC74OMF////AQAAAAAAAAAAAAAAAAAAAAAAAAAAAAAAAAAAAAAAAAAAAAAAAn9/fwCAgIADzMzMAMDA/wB/f38AAAAAAAAAAAAAAAAAAAAAAAAAAAAhAAAAGAAAABQAAAD5AwAANQIAAMkzAABBCwAAEAAAACYAAAAIAAAAAQAAAAAAAAA="/>
               </a:ext>
             </a:extLst>
           </p:cNvSpPr>
@@ -5634,7 +5634,7 @@
             <a:spLocks noGrp="1" noChangeArrowheads="1"/>
             <a:extLst>
               <a:ext uri="smNativeData">
-                <pr:smNativeData xmlns:pr="smNativeData" val="SMDATA_13_VnXdZRMAAAAlAAAAZAAAAA8BAAAAkAAAAEgAAACQAAAASAAAAAAAAAAAAAAAAAAAAAEAAABQAAAAAAAAAAAA4D8AAAAAAADgPwAAAAAAAOA/AAAAAAAA4D8AAAAAAADgPwAAAAAAAOA/AAAAAAAA4D8AAAAAAADgPwAAAAAAAOA/AAAAAAAA4D8CAAAAjAAAAAAAAAAAAAAAu+DjDP///wgAAAAAAAAAAAAAAAAAAAAAAAAAAAAAAAAAAAAAZAAAAAEAAABAAAAAAAAAAAAAAAAAAAAAAAAAAAAAAAAAAAAAAAAAAAAAAAAAAAAAAAAAAAAAAAAAAAAAAAAAAAAAAAAAAAAAAAAAAAAAAAAAAAAAAAAAAAAAAAAAAAAAFAAAADwAAAAAAAAAAAAAAAAAAAkUAAAAAQAAABQAAAAUAAAAFAAAAAEAAAAAAAAAZAAAAGQAAAAAAAAAZAAAAGQAAAAVAAAAYAAAAAAAAAAAAAAADwAAACADAAAAAAAAAAAAAAEAAACgMgAAVgcAAKr4//8BAAAAf39/AAEAAABkAAAAAAAAABQAAABAHwAAAAAAACYAAAAAAAAAwOD//wAAAAAmAAAAZAAAABYAAABMAAAAAAAAAAAAAAAEAAAAAAAAAAEAAACAgIAKAAAAACgAAAAoAAAAZAAAAGQAAAAAAAAAzMzMAAAAAABQAAAAUAAAAGQAAABkAAAAAAAAABcAAAAUAAAAAAAAAAAAAAD/fwAA/38AAAAAAAAJAAAABAAAAAAAAAAMAAAAEAAAAAAAAAAAAAAAAAAAAAAAAAAeAAAAaAAAAAAAAAAAAAAAAAAAAAAAAAAAAAAAECcAABAnAAAAAAAAAAAAAAAAAAAAAAAAAAAAAAAAAAAAAAAAAAAAABQAAAAAAAAAwMD/AAAAAABkAAAAMgAAAAAAAABkAAAAAAAAAH9/fwAKAAAAHwAAAFQAAAC74OMF////AQAAAAAAAAAAAAAAAAAAAAAAAAAAAAAAAAAAAAAAAAAAAAAAAn9/fwCAgIADzMzMAMDA/wB/f38AAAAAAAAAAAAAAAAAAAAAAAAAAAAhAAAAGAAAABQAAABjCAAAnQwAAMMvAAD2JQAAAAAAACYAAAAIAAAAAQAAAAAAAAA="/>
+                <pr:smNativeData xmlns:pr="smNativeData" val="SMDATA_13_QBrgZRMAAAAlAAAAZAAAAA8BAAAAkAAAAEgAAACQAAAASAAAAAAAAAAAAAAAAAAAAAEAAABQAAAAAAAAAAAA4D8AAAAAAADgPwAAAAAAAOA/AAAAAAAA4D8AAAAAAADgPwAAAAAAAOA/AAAAAAAA4D8AAAAAAADgPwAAAAAAAOA/AAAAAAAA4D8CAAAAjAAAAAAAAAAAAAAAu+DjDP///wgAAAAAAAAAAAAAAAAAAAAAAAAAAAAAAAAAAAAAZAAAAAEAAABAAAAAAAAAAAAAAAAAAAAAAAAAAAAAAAAAAAAAAAAAAAAAAAAAAAAAAAAAAAAAAAAAAAAAAAAAAAAAAAAAAAAAAAAAAAAAAAAAAAAAAAAAAAAAAAAAAAAAFAAAADwAAAAAAAAAAAAAAAAAAAkUAAAAAQAAABQAAAAUAAAAFAAAAAEAAAAAAAAAZAAAAGQAAAAAAAAAZAAAAGQAAAAVAAAAYAAAAAAAAAAAAAAADwAAACADAAAAAAAAAAAAAAEAAACgMgAAVgcAAKr4//8BAAAAf39/AAEAAABkAAAAAAAAABQAAABAHwAAAAAAACYAAAAAAAAAwOD//wAAAAAmAAAAZAAAABYAAABMAAAAAAAAAAAAAAAEAAAAAAAAAAEAAACAgIAKAAAAACgAAAAoAAAAZAAAAGQAAAAAAAAAzMzMAAAAAABQAAAAUAAAAGQAAABkAAAAAAAAABcAAAAUAAAAAAAAAAAAAAD/fwAA/38AAAAAAAAJAAAABAAAAAAAAAAMAAAAEAAAAAAAAAAAAAAAAAAAAAAAAAAeAAAAaAAAAAAAAAAAAAAAAAAAAAAAAAAAAAAAECcAABAnAAAAAAAAAAAAAAAAAAAAAAAAAAAAAAAAAAAAAAAAAAAAABQAAAAAAAAAwMD/AAAAAABkAAAAMgAAAAAAAABkAAAAAAAAAH9/fwAKAAAAHwAAAFQAAAC74OMF////AQAAAAAAAAAAAAAAAAAAAAAAAAAAAAAAAAAAAAAAAAAAAAAAAn9/fwCAgIADzMzMAMDA/wB/f38AAAAAAAAAAAAAAAAAAAAAAAAAAAAhAAAAGAAAABQAAABjCAAAnQwAAMMvAAD2JQAAEAAAACYAAAAIAAAAAQAAAAAAAAA="/>
               </a:ext>
             </a:extLst>
           </p:cNvSpPr>
@@ -5733,7 +5733,7 @@
             <a:spLocks noGrp="1" noChangeArrowheads="1"/>
             <a:extLst>
               <a:ext uri="smNativeData">
-                <pr:smNativeData xmlns:pr="smNativeData" val="SMDATA_13_VnXdZRMAAAAlAAAAZAAAAA8BAAAAkAAAAEgAAACQAAAASAAAAAAAAAAAAAAAAAAAAAEAAABQAAAAAAAAAAAA4D8AAAAAAADgPwAAAAAAAOA/AAAAAAAA4D8AAAAAAADgPwAAAAAAAOA/AAAAAAAA4D8AAAAAAADgPwAAAAAAAOA/AAAAAAAA4D8CAAAAjAAAAAAAAAAAAAAAu+DjDP///wgAAAAAAAAAAAAAAAAAAAAAAAAAAAAAAAAAAAAAZAAAAAEAAABAAAAAAAAAAAAAAAAAAAAAAAAAAAAAAAAAAAAAAAAAAAAAAAAAAAAAAAAAAAAAAAAAAAAAAAAAAAAAAAAAAAAAAAAAAAAAAAAAAAAAAAAAAAAAAAAAAAAAFAAAADwAAAAAAAAAAAAAAAAAAAkUAAAAAQAAABQAAAAUAAAAFAAAAAEAAAAAAAAAZAAAAGQAAAAAAAAAZAAAAGQAAAAVAAAAYAAAAAAAAAAAAAAADwAAACADAAAAAAAAAAAAAAEAAACgMgAAVgcAAKr4//8BAAAAf39/AAEAAABkAAAAAAAAABQAAABAHwAAAAAAACYAAAAAAAAAwOD//wAAAAAmAAAAZAAAABYAAABMAAAAAAAAAAAAAAAEAAAAAAAAAAEAAACAgIAKAAAAACgAAAAoAAAAZAAAAGQAAAAAAAAAzMzMAAAAAABQAAAAUAAAAGQAAABkAAAAAAAAABcAAAAUAAAAAAAAAAAAAAD/fwAA/38AAAAAAAAJAAAABAAAAAAAAAAMAAAAEAAAAAAAAAAAAAAAAAAAAAAAAAAeAAAAaAAAAAAAAAAAAAAAAAAAAAAAAAAAAAAAECcAABAnAAAAAAAAAAAAAAAAAAAAAAAAAAAAAAAAAAAAAAAAAAAAABQAAAAAAAAAwMD/AAAAAABkAAAAMgAAAAAAAABkAAAAAAAAAH9/fwAKAAAAHwAAAFQAAAC74OMF////AQAAAAAAAAAAAAAAAAAAAAAAAAAAAAAAAAAAAAAAAAAAAAAAAn9/fwCAgIADzMzMAMDA/wB/f38AAAAAAAAAAAAAAAAAAAAAAAAAAAAhAAAAGAAAABQAAABjCAAANQIAAMMvAAD2JQAAAAAAACYAAAAIAAAAAQAAAAAAAAA="/>
+                <pr:smNativeData xmlns:pr="smNativeData" val="SMDATA_13_QBrgZRMAAAAlAAAAZAAAAA8BAAAAkAAAAEgAAACQAAAASAAAAAAAAAAAAAAAAAAAAAEAAABQAAAAAAAAAAAA4D8AAAAAAADgPwAAAAAAAOA/AAAAAAAA4D8AAAAAAADgPwAAAAAAAOA/AAAAAAAA4D8AAAAAAADgPwAAAAAAAOA/AAAAAAAA4D8CAAAAjAAAAAAAAAAAAAAAu+DjDP///wgAAAAAAAAAAAAAAAAAAAAAAAAAAAAAAAAAAAAAZAAAAAEAAABAAAAAAAAAAAAAAAAAAAAAAAAAAAAAAAAAAAAAAAAAAAAAAAAAAAAAAAAAAAAAAAAAAAAAAAAAAAAAAAAAAAAAAAAAAAAAAAAAAAAAAAAAAAAAAAAAAAAAFAAAADwAAAAAAAAAAAAAAAAAAAkUAAAAAQAAABQAAAAUAAAAFAAAAAEAAAAAAAAAZAAAAGQAAAAAAAAAZAAAAGQAAAAVAAAAYAAAAAAAAAAAAAAADwAAACADAAAAAAAAAAAAAAEAAACgMgAAVgcAAKr4//8BAAAAf39/AAEAAABkAAAAAAAAABQAAABAHwAAAAAAACYAAAAAAAAAwOD//wAAAAAmAAAAZAAAABYAAABMAAAAAAAAAAAAAAAEAAAAAAAAAAEAAACAgIAKAAAAACgAAAAoAAAAZAAAAGQAAAAAAAAAzMzMAAAAAABQAAAAUAAAAGQAAABkAAAAAAAAABcAAAAUAAAAAAAAAAAAAAD/fwAA/38AAAAAAAAJAAAABAAAAAAAAAAMAAAAEAAAAAAAAAAAAAAAAAAAAAAAAAAeAAAAaAAAAAAAAAAAAAAAAAAAAAAAAAAAAAAAECcAABAnAAAAAAAAAAAAAAAAAAAAAAAAAAAAAAAAAAAAAAAAAAAAABQAAAAAAAAAwMD/AAAAAABkAAAAMgAAAAAAAABkAAAAAAAAAH9/fwAKAAAAHwAAAFQAAAC74OMF////AQAAAAAAAAAAAAAAAAAAAAAAAAAAAAAAAAAAAAAAAAAAAAAAAn9/fwCAgIADzMzMAMDA/wB/f38AAAAAAAAAAAAAAAAAAAAAAAAAAAAhAAAAGAAAABQAAABjCAAANQIAAMMvAAD2JQAAEAAAACYAAAAIAAAAAQAAAAAAAAA="/>
               </a:ext>
             </a:extLst>
           </p:cNvSpPr>
@@ -6075,7 +6075,7 @@
     </p:bldLst>
     <p:extLst>
       <p:ext uri="smNativeData">
-        <pr:smNativeData xmlns:pr="smNativeData" val="VnXdZQUAAAAFAAAAAAAAAAEAAAABAAAAAAAAAAAAAAAAAAAAAAAAAAkAAAABAAAAAQAAAAEAAAAAAAAAAAAAAAAAAAAAAAAADQAAAAIAAAABAAAAAQAAAAAAAAAAAAAAAAAAAAAAAAARAAAAAwAAAAEAAAABAAAAAAAAAAAAAAAAAAAAAAAAABUAAAAEAAAAAQAAAAEAAAAAAAAAAAAAAAAAAAAAAAAA"/>
+        <pr:smNativeData xmlns:pr="smNativeData" val="QBrgZQUAAAAFAAAAAAAAAAEAAAABAAAAAAAAAAAAAAAAAAAAAAAAAAkAAAABAAAAAQAAAAEAAAAAAAAAAAAAAAAAAAAAAAAADQAAAAIAAAABAAAAAQAAAAAAAAAAAAAAAAAAAAAAAAARAAAAAwAAAAEAAAABAAAAAAAAAAAAAAAAAAAAAAAAABUAAAAEAAAAAQAAAAEAAAAAAAAAAAAAAAAAAAAAAAAA"/>
       </p:ext>
     </p:extLst>
   </p:timing>
@@ -6106,7 +6106,7 @@
             <a:spLocks noGrp="1" noChangeArrowheads="1"/>
             <a:extLst>
               <a:ext uri="smNativeData">
-                <pr:smNativeData xmlns:pr="smNativeData" val="SMDATA_13_VnXdZRMAAAAlAAAAZAAAAA8BAAAAkAAAAEgAAACQAAAASAAAAAAAAAABAAAAAAAAAAEAAABQAAAAAAAAAAAA4D8AAAAAAADgPwAAAAAAAOA/AAAAAAAA4D8AAAAAAADgPwAAAAAAAOA/AAAAAAAA4D8AAAAAAADgPwAAAAAAAOA/AAAAAAAA4D8CAAAAjAAAAAAAAAAAAAAAu+DjDP///wgAAAAAAAAAAAAAAAAAAAAAAAAAAAAAAAAAAAAAZAAAAAEAAABAAAAAAAAAAAAAAAAAAAAAAAAAAAAAAAAAAAAAAAAAAAAAAAAAAAAAAAAAAAAAAAAAAAAAAAAAAAAAAAAAAAAAAAAAAAAAAAAAAAAAAAAAAAAAAAAAAAAAFAAAADwAAAAAAAAAAAAAAAAAAAkUAAAAAQAAABQAAAAUAAAAFAAAAAEAAAAAAAAAZAAAAGQAAAAAAAAAZAAAAGQAAAAVAAAAYAAAAAAAAAAAAAAADwAAACADAAAAAAAAAAAAAAEAAACgMgAAVgcAAKr4//8BAAAAf39/AAEAAABkAAAAAAAAABQAAABAHwAAAAAAACYAAAAAAAAAwOD//wAAAAAmAAAAZAAAABYAAABMAAAAAAAAAAAAAAAEAAAAAAAAAAEAAACAgIAKAAAAACgAAAAoAAAAZAAAAGQAAAAAAAAAzMzMAAAAAABQAAAAUAAAAGQAAABkAAAAAAAAABcAAAAUAAAAAAAAAAAAAAD/fwAA/38AAAAAAAAJAAAABAAAAAAAAAAMAAAAEAAAAAAAAAAAAAAAAAAAAAAAAAAeAAAAaAAAAAAAAAAAAAAAAAAAAAAAAAAAAAAAECcAABAnAAAAAAAAAAAAAAAAAAAAAAAAAAAAAAAAAAAAAAAAAAAAABQAAAAAAAAAwMD/AAAAAABkAAAAMgAAAAAAAABkAAAAAAAAAH9/fwAKAAAAHwAAAFQAAAC74OMF////AQAAAAAAAAAAAAAAAAAAAAAAAAAAAAAAAAAAAAAAAAAAAAAAAn9/fwCAgIADzMzMAMDA/wB/f38AAAAAAAAAAAAAAAAAAAAAAAAAAAAhAAAAGAAAABQAAAD5AwAANQIAAMkzAABBCwAAAAAAACYAAAAIAAAAAQAAAAAAAAA="/>
+                <pr:smNativeData xmlns:pr="smNativeData" val="SMDATA_13_QBrgZRMAAAAlAAAAZAAAAA8BAAAAkAAAAEgAAACQAAAASAAAAAAAAAABAAAAAAAAAAEAAABQAAAAAAAAAAAA4D8AAAAAAADgPwAAAAAAAOA/AAAAAAAA4D8AAAAAAADgPwAAAAAAAOA/AAAAAAAA4D8AAAAAAADgPwAAAAAAAOA/AAAAAAAA4D8CAAAAjAAAAAAAAAAAAAAAu+DjDP///wgAAAAAAAAAAAAAAAAAAAAAAAAAAAAAAAAAAAAAZAAAAAEAAABAAAAAAAAAAAAAAAAAAAAAAAAAAAAAAAAAAAAAAAAAAAAAAAAAAAAAAAAAAAAAAAAAAAAAAAAAAAAAAAAAAAAAAAAAAAAAAAAAAAAAAAAAAAAAAAAAAAAAFAAAADwAAAAAAAAAAAAAAAAAAAkUAAAAAQAAABQAAAAUAAAAFAAAAAEAAAAAAAAAZAAAAGQAAAAAAAAAZAAAAGQAAAAVAAAAYAAAAAAAAAAAAAAADwAAACADAAAAAAAAAAAAAAEAAACgMgAAVgcAAKr4//8BAAAAf39/AAEAAABkAAAAAAAAABQAAABAHwAAAAAAACYAAAAAAAAAwOD//wAAAAAmAAAAZAAAABYAAABMAAAAAAAAAAAAAAAEAAAAAAAAAAEAAACAgIAKAAAAACgAAAAoAAAAZAAAAGQAAAAAAAAAzMzMAAAAAABQAAAAUAAAAGQAAABkAAAAAAAAABcAAAAUAAAAAAAAAAAAAAD/fwAA/38AAAAAAAAJAAAABAAAAAAAAAAMAAAAEAAAAAAAAAAAAAAAAAAAAAAAAAAeAAAAaAAAAAAAAAAAAAAAAAAAAAAAAAAAAAAAECcAABAnAAAAAAAAAAAAAAAAAAAAAAAAAAAAAAAAAAAAAAAAAAAAABQAAAAAAAAAwMD/AAAAAABkAAAAMgAAAAAAAABkAAAAAAAAAH9/fwAKAAAAHwAAAFQAAAC74OMF////AQAAAAAAAAAAAAAAAAAAAAAAAAAAAAAAAAAAAAAAAAAAAAAAAn9/fwCAgIADzMzMAMDA/wB/f38AAAAAAAAAAAAAAAAAAAAAAAAAAAAhAAAAGAAAABQAAAD5AwAANQIAAMkzAABBCwAAEAAAACYAAAAIAAAAAQAAAAAAAAA="/>
               </a:ext>
             </a:extLst>
           </p:cNvSpPr>
@@ -6144,7 +6144,7 @@
             <a:spLocks noGrp="1" noChangeArrowheads="1"/>
             <a:extLst>
               <a:ext uri="smNativeData">
-                <pr:smNativeData xmlns:pr="smNativeData" val="SMDATA_13_VnXdZRMAAAAlAAAAZAAAAA8BAAAAkAAAAEgAAACQAAAASAAAAAAAAAAAAAAAAAAAAAEAAABQAAAAAAAAAAAA4D8AAAAAAADgPwAAAAAAAOA/AAAAAAAA4D8AAAAAAADgPwAAAAAAAOA/AAAAAAAA4D8AAAAAAADgPwAAAAAAAOA/AAAAAAAA4D8CAAAAjAAAAAAAAAAAAAAAu+DjDP///wgAAAAAAAAAAAAAAAAAAAAAAAAAAAAAAAAAAAAAZAAAAAEAAABAAAAAAAAAAAAAAAAAAAAAAAAAAAAAAAAAAAAAAAAAAAAAAAAAAAAAAAAAAAAAAAAAAAAAAAAAAAAAAAAAAAAAAAAAAAAAAAAAAAAAAAAAAAAAAAAAAAAAFAAAADwAAAAAAAAAAAAAAAAAAAkUAAAAAQAAABQAAAAUAAAAFAAAAAEAAAAAAAAAZAAAAGQAAAAAAAAAZAAAAGQAAAAVAAAAYAAAAAAAAAAAAAAADwAAACADAAAAAAAAAAAAAAEAAACgMgAAVgcAAKr4//8BAAAAf39/AAEAAABkAAAAAAAAABQAAABAHwAAAAAAACYAAAAAAAAAwOD//wAAAAAmAAAAZAAAABYAAABMAAAAAAAAAAAAAAAEAAAAAAAAAAEAAACAgIAKAAAAACgAAAAoAAAAZAAAAGQAAAAAAAAAzMzMAAAAAABQAAAAUAAAAGQAAABkAAAAAAAAABcAAAAUAAAAAAAAAAAAAAD/fwAA/38AAAAAAAAJAAAABAAAAAAAAAAMAAAAEAAAAAAAAAAAAAAAAAAAAAAAAAAeAAAAaAAAAAAAAAAAAAAAAAAAAAAAAAAAAAAAECcAABAnAAAAAAAAAAAAAAAAAAAAAAAAAAAAAAAAAAAAAAAAAAAAABQAAAAAAAAAwMD/AAAAAABkAAAAMgAAAAAAAABkAAAAAAAAAH9/fwAKAAAAHwAAAFQAAAC74OMF////AQAAAAAAAAAAAAAAAAAAAAAAAAAAAAAAAAAAAAAAAAAAAAAAAn9/fwCAgIADzMzMAMDA/wB/f38AAAAAAAAAAAAAAAAAAAAAAAAAAAAhAAAAGAAAABQAAABjCAAAnQwAAMMvAAD2JQAAAAAAACYAAAAIAAAAAQAAAAAAAAA="/>
+                <pr:smNativeData xmlns:pr="smNativeData" val="SMDATA_13_QBrgZRMAAAAlAAAAZAAAAA8BAAAAkAAAAEgAAACQAAAASAAAAAAAAAAAAAAAAAAAAAEAAABQAAAAAAAAAAAA4D8AAAAAAADgPwAAAAAAAOA/AAAAAAAA4D8AAAAAAADgPwAAAAAAAOA/AAAAAAAA4D8AAAAAAADgPwAAAAAAAOA/AAAAAAAA4D8CAAAAjAAAAAAAAAAAAAAAu+DjDP///wgAAAAAAAAAAAAAAAAAAAAAAAAAAAAAAAAAAAAAZAAAAAEAAABAAAAAAAAAAAAAAAAAAAAAAAAAAAAAAAAAAAAAAAAAAAAAAAAAAAAAAAAAAAAAAAAAAAAAAAAAAAAAAAAAAAAAAAAAAAAAAAAAAAAAAAAAAAAAAAAAAAAAFAAAADwAAAAAAAAAAAAAAAAAAAkUAAAAAQAAABQAAAAUAAAAFAAAAAEAAAAAAAAAZAAAAGQAAAAAAAAAZAAAAGQAAAAVAAAAYAAAAAAAAAAAAAAADwAAACADAAAAAAAAAAAAAAEAAACgMgAAVgcAAKr4//8BAAAAf39/AAEAAABkAAAAAAAAABQAAABAHwAAAAAAACYAAAAAAAAAwOD//wAAAAAmAAAAZAAAABYAAABMAAAAAAAAAAAAAAAEAAAAAAAAAAEAAACAgIAKAAAAACgAAAAoAAAAZAAAAGQAAAAAAAAAzMzMAAAAAABQAAAAUAAAAGQAAABkAAAAAAAAABcAAAAUAAAAAAAAAAAAAAD/fwAA/38AAAAAAAAJAAAABAAAAAAAAAAMAAAAEAAAAAAAAAAAAAAAAAAAAAAAAAAeAAAAaAAAAAAAAAAAAAAAAAAAAAAAAAAAAAAAECcAABAnAAAAAAAAAAAAAAAAAAAAAAAAAAAAAAAAAAAAAAAAAAAAABQAAAAAAAAAwMD/AAAAAABkAAAAMgAAAAAAAABkAAAAAAAAAH9/fwAKAAAAHwAAAFQAAAC74OMF////AQAAAAAAAAAAAAAAAAAAAAAAAAAAAAAAAAAAAAAAAAAAAAAAAn9/fwCAgIADzMzMAMDA/wB/f38AAAAAAAAAAAAAAAAAAAAAAAAAAAAhAAAAGAAAABQAAABjCAAAnQwAAMMvAAD2JQAAEAAAACYAAAAIAAAAAQAAAAAAAAA="/>
               </a:ext>
             </a:extLst>
           </p:cNvSpPr>
@@ -6255,7 +6255,7 @@
             <a:spLocks noGrp="1" noChangeArrowheads="1"/>
             <a:extLst>
               <a:ext uri="smNativeData">
-                <pr:smNativeData xmlns:pr="smNativeData" val="SMDATA_13_VnXdZRMAAAAlAAAAZAAAAA8BAAAAkAAAAEgAAACQAAAASAAAAAAAAAAAAAAAAAAAAAEAAABQAAAAAAAAAAAA4D8AAAAAAADgPwAAAAAAAOA/AAAAAAAA4D8AAAAAAADgPwAAAAAAAOA/AAAAAAAA4D8AAAAAAADgPwAAAAAAAOA/AAAAAAAA4D8CAAAAjAAAAAAAAAAAAAAAu+DjDP///wgAAAAAAAAAAAAAAAAAAAAAAAAAAAAAAAAAAAAAZAAAAAEAAABAAAAAAAAAAAAAAAAAAAAAAAAAAAAAAAAAAAAAAAAAAAAAAAAAAAAAAAAAAAAAAAAAAAAAAAAAAAAAAAAAAAAAAAAAAAAAAAAAAAAAAAAAAAAAAAAAAAAAFAAAADwAAAAAAAAAAAAAAAAAAAkUAAAAAQAAABQAAAAUAAAAFAAAAAEAAAAAAAAAZAAAAGQAAAAAAAAAZAAAAGQAAAAVAAAAYAAAAAAAAAAAAAAADwAAACADAAAAAAAAAAAAAAEAAACgMgAAVgcAAKr4//8BAAAAf39/AAEAAABkAAAAAAAAABQAAABAHwAAAAAAACYAAAAAAAAAwOD//wAAAAAmAAAAZAAAABYAAABMAAAAAAAAAAAAAAAEAAAAAAAAAAEAAACAgIAKAAAAACgAAAAoAAAAZAAAAGQAAAAAAAAAzMzMAAAAAABQAAAAUAAAAGQAAABkAAAAAAAAABcAAAAUAAAAAAAAAAAAAAD/fwAA/38AAAAAAAAJAAAABAAAAAAAAAAMAAAAEAAAAAAAAAAAAAAAAAAAAAAAAAAeAAAAaAAAAAAAAAAAAAAAAAAAAAAAAAAAAAAAECcAABAnAAAAAAAAAAAAAAAAAAAAAAAAAAAAAAAAAAAAAAAAAAAAABQAAAAAAAAAwMD/AAAAAABkAAAAMgAAAAAAAABkAAAAAAAAAH9/fwAKAAAAHwAAAFQAAAC74OMF////AQAAAAAAAAAAAAAAAAAAAAAAAAAAAAAAAAAAAAAAAAAAAAAAAn9/fwCAgIADzMzMAMDA/wB/f38AAAAAAAAAAAAAAAAAAAAAAAAAAAAhAAAAGAAAABQAAABjCAAAFwMAAMMvAAD2JQAAAAAAACYAAAAIAAAAAQAAAAAAAAA="/>
+                <pr:smNativeData xmlns:pr="smNativeData" val="SMDATA_13_QBrgZRMAAAAlAAAAZAAAAA8BAAAAkAAAAEgAAACQAAAASAAAAAAAAAAAAAAAAAAAAAEAAABQAAAAAAAAAAAA4D8AAAAAAADgPwAAAAAAAOA/AAAAAAAA4D8AAAAAAADgPwAAAAAAAOA/AAAAAAAA4D8AAAAAAADgPwAAAAAAAOA/AAAAAAAA4D8CAAAAjAAAAAAAAAAAAAAAu+DjDP///wgAAAAAAAAAAAAAAAAAAAAAAAAAAAAAAAAAAAAAZAAAAAEAAABAAAAAAAAAAAAAAAAAAAAAAAAAAAAAAAAAAAAAAAAAAAAAAAAAAAAAAAAAAAAAAAAAAAAAAAAAAAAAAAAAAAAAAAAAAAAAAAAAAAAAAAAAAAAAAAAAAAAAFAAAADwAAAAAAAAAAAAAAAAAAAkUAAAAAQAAABQAAAAUAAAAFAAAAAEAAAAAAAAAZAAAAGQAAAAAAAAAZAAAAGQAAAAVAAAAYAAAAAAAAAAAAAAADwAAACADAAAAAAAAAAAAAAEAAACgMgAAVgcAAKr4//8BAAAAf39/AAEAAABkAAAAAAAAABQAAABAHwAAAAAAACYAAAAAAAAAwOD//wAAAAAmAAAAZAAAABYAAABMAAAAAAAAAAAAAAAEAAAAAAAAAAEAAACAgIAKAAAAACgAAAAoAAAAZAAAAGQAAAAAAAAAzMzMAAAAAABQAAAAUAAAAGQAAABkAAAAAAAAABcAAAAUAAAAAAAAAAAAAAD/fwAA/38AAAAAAAAJAAAABAAAAAAAAAAMAAAAEAAAAAAAAAAAAAAAAAAAAAAAAAAeAAAAaAAAAAAAAAAAAAAAAAAAAAAAAAAAAAAAECcAABAnAAAAAAAAAAAAAAAAAAAAAAAAAAAAAAAAAAAAAAAAAAAAABQAAAAAAAAAwMD/AAAAAABkAAAAMgAAAAAAAABkAAAAAAAAAH9/fwAKAAAAHwAAAFQAAAC74OMF////AQAAAAAAAAAAAAAAAAAAAAAAAAAAAAAAAAAAAAAAAAAAAAAAAn9/fwCAgIADzMzMAMDA/wB/f38AAAAAAAAAAAAAAAAAAAAAAAAAAAAhAAAAGAAAABQAAABjCAAAFwMAAMMvAAD2JQAAEAAAACYAAAAIAAAAAQAAAAAAAAA="/>
               </a:ext>
             </a:extLst>
           </p:cNvSpPr>
@@ -6710,7 +6710,7 @@
     </p:bldLst>
     <p:extLst>
       <p:ext uri="smNativeData">
-        <pr:smNativeData xmlns:pr="smNativeData" val="VnXdZQcAAAAFAAAAAAAAAAEAAAABAAAAAAAAAAAAAAAAAAAAAAAAAAkAAAABAAAAAQAAAAEAAAAAAAAAAAAAAAAAAAAAAAAADQAAAAIAAAABAAAAAQAAAAAAAAAAAAAAAAAAAAAAAAARAAAAAwAAAAEAAAABAAAAAAAAAAAAAAAAAAAAAAAAABUAAAAEAAAAAQAAAAEAAAAAAAAAAAAAAAAAAAAAAAAAGQAAAAUAAAABAAAAAQAAAAAAAAAAAAAAAAAAAAAAAAAdAAAABgAAAAEAAAABAAAAAAAAAAAAAAAAAAAAAAAAAA=="/>
+        <pr:smNativeData xmlns:pr="smNativeData" val="QBrgZQcAAAAFAAAAAAAAAAEAAAABAAAAAAAAAAAAAAAAAAAAAAAAAAkAAAABAAAAAQAAAAEAAAAAAAAAAAAAAAAAAAAAAAAADQAAAAIAAAABAAAAAQAAAAAAAAAAAAAAAAAAAAAAAAARAAAAAwAAAAEAAAABAAAAAAAAAAAAAAAAAAAAAAAAABUAAAAEAAAAAQAAAAEAAAAAAAAAAAAAAAAAAAAAAAAAGQAAAAUAAAABAAAAAQAAAAAAAAAAAAAAAAAAAAAAAAAdAAAABgAAAAEAAAABAAAAAAAAAAAAAAAAAAAAAAAAAA=="/>
       </p:ext>
     </p:extLst>
   </p:timing>
@@ -6741,7 +6741,7 @@
             <a:spLocks noGrp="1" noChangeArrowheads="1"/>
             <a:extLst>
               <a:ext uri="smNativeData">
-                <pr:smNativeData xmlns:pr="smNativeData" val="SMDATA_13_VnXdZRMAAAAlAAAAZAAAAA8BAAAAkAAAAEgAAACQAAAASAAAAAAAAAABAAAAAAAAAAEAAABQAAAAAAAAAAAA4D8AAAAAAADgPwAAAAAAAOA/AAAAAAAA4D8AAAAAAADgPwAAAAAAAOA/AAAAAAAA4D8AAAAAAADgPwAAAAAAAOA/AAAAAAAA4D8CAAAAjAAAAAAAAAAAAAAAu+DjDP///wgAAAAAAAAAAAAAAAAAAAAAAAAAAAAAAAAAAAAAZAAAAAEAAABAAAAAAAAAAAAAAAAAAAAAAAAAAAAAAAAAAAAAAAAAAAAAAAAAAAAAAAAAAAAAAAAAAAAAAAAAAAAAAAAAAAAAAAAAAAAAAAAAAAAAAAAAAAAAAAAAAAAAFAAAADwAAAAAAAAAAAAAAAAAAAkUAAAAAQAAABQAAAAUAAAAFAAAAAEAAAAAAAAAZAAAAGQAAAAAAAAAZAAAAGQAAAAVAAAAYAAAAAAAAAAAAAAADwAAACADAAAAAAAAAAAAAAEAAACgMgAAVgcAAKr4//8BAAAAf39/AAEAAABkAAAAAAAAABQAAABAHwAAAAAAACYAAAAAAAAAwOD//wAAAAAmAAAAZAAAABYAAABMAAAAAAAAAAAAAAAEAAAAAAAAAAEAAACAgIAKAAAAACgAAAAoAAAAZAAAAGQAAAAAAAAAzMzMAAAAAABQAAAAUAAAAGQAAABkAAAAAAAAABcAAAAUAAAAAAAAAAAAAAD/fwAA/38AAAAAAAAJAAAABAAAAAAAAAAMAAAAEAAAAAAAAAAAAAAAAAAAAAAAAAAeAAAAaAAAAAAAAAAAAAAAAAAAAAAAAAAAAAAAECcAABAnAAAAAAAAAAAAAAAAAAAAAAAAAAAAAAAAAAAAAAAAAAAAABQAAAAAAAAAwMD/AAAAAABkAAAAMgAAAAAAAABkAAAAAAAAAH9/fwAKAAAAHwAAAFQAAAC74OMF////AQAAAAAAAAAAAAAAAAAAAAAAAAAAAAAAAAAAAAAAAAAAAAAAAn9/fwCAgIADzMzMAMDA/wB/f38AAAAAAAAAAAAAAAAAAAAAAAAAAAAhAAAAGAAAABQAAAD5AwAANQIAAMkzAABBCwAAAAAAACYAAAAIAAAAAQAAAAAAAAA="/>
+                <pr:smNativeData xmlns:pr="smNativeData" val="SMDATA_13_QBrgZRMAAAAlAAAAZAAAAA8BAAAAkAAAAEgAAACQAAAASAAAAAAAAAABAAAAAAAAAAEAAABQAAAAAAAAAAAA4D8AAAAAAADgPwAAAAAAAOA/AAAAAAAA4D8AAAAAAADgPwAAAAAAAOA/AAAAAAAA4D8AAAAAAADgPwAAAAAAAOA/AAAAAAAA4D8CAAAAjAAAAAAAAAAAAAAAu+DjDP///wgAAAAAAAAAAAAAAAAAAAAAAAAAAAAAAAAAAAAAZAAAAAEAAABAAAAAAAAAAAAAAAAAAAAAAAAAAAAAAAAAAAAAAAAAAAAAAAAAAAAAAAAAAAAAAAAAAAAAAAAAAAAAAAAAAAAAAAAAAAAAAAAAAAAAAAAAAAAAAAAAAAAAFAAAADwAAAAAAAAAAAAAAAAAAAkUAAAAAQAAABQAAAAUAAAAFAAAAAEAAAAAAAAAZAAAAGQAAAAAAAAAZAAAAGQAAAAVAAAAYAAAAAAAAAAAAAAADwAAACADAAAAAAAAAAAAAAEAAACgMgAAVgcAAKr4//8BAAAAf39/AAEAAABkAAAAAAAAABQAAABAHwAAAAAAACYAAAAAAAAAwOD//wAAAAAmAAAAZAAAABYAAABMAAAAAAAAAAAAAAAEAAAAAAAAAAEAAACAgIAKAAAAACgAAAAoAAAAZAAAAGQAAAAAAAAAzMzMAAAAAABQAAAAUAAAAGQAAABkAAAAAAAAABcAAAAUAAAAAAAAAAAAAAD/fwAA/38AAAAAAAAJAAAABAAAAAAAAAAMAAAAEAAAAAAAAAAAAAAAAAAAAAAAAAAeAAAAaAAAAAAAAAAAAAAAAAAAAAAAAAAAAAAAECcAABAnAAAAAAAAAAAAAAAAAAAAAAAAAAAAAAAAAAAAAAAAAAAAABQAAAAAAAAAwMD/AAAAAABkAAAAMgAAAAAAAABkAAAAAAAAAH9/fwAKAAAAHwAAAFQAAAC74OMF////AQAAAAAAAAAAAAAAAAAAAAAAAAAAAAAAAAAAAAAAAAAAAAAAAn9/fwCAgIADzMzMAMDA/wB/f38AAAAAAAAAAAAAAAAAAAAAAAAAAAAhAAAAGAAAABQAAAD5AwAANQIAAMkzAABBCwAAEAAAACYAAAAIAAAAAQAAAAAAAAA="/>
               </a:ext>
             </a:extLst>
           </p:cNvSpPr>
@@ -6779,7 +6779,7 @@
             <a:spLocks noGrp="1" noChangeArrowheads="1"/>
             <a:extLst>
               <a:ext uri="smNativeData">
-                <pr:smNativeData xmlns:pr="smNativeData" val="SMDATA_13_VnXdZRMAAAAlAAAAZAAAAA8BAAAAkAAAAEgAAACQAAAASAAAAAAAAAAAAAAAAAAAAAEAAABQAAAAAAAAAAAA4D8AAAAAAADgPwAAAAAAAOA/AAAAAAAA4D8AAAAAAADgPwAAAAAAAOA/AAAAAAAA4D8AAAAAAADgPwAAAAAAAOA/AAAAAAAA4D8CAAAAjAAAAAAAAAAAAAAAu+DjDP///wgAAAAAAAAAAAAAAAAAAAAAAAAAAAAAAAAAAAAAZAAAAAEAAABAAAAAAAAAAAAAAAAAAAAAAAAAAAAAAAAAAAAAAAAAAAAAAAAAAAAAAAAAAAAAAAAAAAAAAAAAAAAAAAAAAAAAAAAAAAAAAAAAAAAAAAAAAAAAAAAAAAAAFAAAADwAAAAAAAAAAAAAAAAAAAkUAAAAAQAAABQAAAAUAAAAFAAAAAEAAAAAAAAAZAAAAGQAAAAAAAAAZAAAAGQAAAAVAAAAYAAAAAAAAAAAAAAADwAAACADAAAAAAAAAAAAAAEAAACgMgAAVgcAAKr4//8BAAAAf39/AAEAAABkAAAAAAAAABQAAABAHwAAAAAAACYAAAAAAAAAwOD//wAAAAAmAAAAZAAAABYAAABMAAAAAAAAAAAAAAAEAAAAAAAAAAEAAACAgIAKAAAAACgAAAAoAAAAZAAAAGQAAAAAAAAAzMzMAAAAAABQAAAAUAAAAGQAAABkAAAAAAAAABcAAAAUAAAAAAAAAAAAAAD/fwAA/38AAAAAAAAJAAAABAAAAAAAAAAMAAAAEAAAAAAAAAAAAAAAAAAAAAAAAAAeAAAAaAAAAAAAAAAAAAAAAAAAAAAAAAAAAAAAECcAABAnAAAAAAAAAAAAAAAAAAAAAAAAAAAAAAAAAAAAAAAAAAAAABQAAAAAAAAAwMD/AAAAAABkAAAAMgAAAAAAAABkAAAAAAAAAH9/fwAKAAAAHwAAAFQAAAC74OMF////AQAAAAAAAAAAAAAAAAAAAAAAAAAAAAAAAAAAAAAAAAAAAAAAAn9/fwCAgIADzMzMAMDA/wB/f38AAAAAAAAAAAAAAAAAAAAAAAAAAAAhAAAAGAAAABQAAABjCAAAnQwAAMMvAAD2JQAAAAAAACYAAAAIAAAAAQAAAAAAAAA="/>
+                <pr:smNativeData xmlns:pr="smNativeData" val="SMDATA_13_QBrgZRMAAAAlAAAAZAAAAA8BAAAAkAAAAEgAAACQAAAASAAAAAAAAAAAAAAAAAAAAAEAAABQAAAAAAAAAAAA4D8AAAAAAADgPwAAAAAAAOA/AAAAAAAA4D8AAAAAAADgPwAAAAAAAOA/AAAAAAAA4D8AAAAAAADgPwAAAAAAAOA/AAAAAAAA4D8CAAAAjAAAAAAAAAAAAAAAu+DjDP///wgAAAAAAAAAAAAAAAAAAAAAAAAAAAAAAAAAAAAAZAAAAAEAAABAAAAAAAAAAAAAAAAAAAAAAAAAAAAAAAAAAAAAAAAAAAAAAAAAAAAAAAAAAAAAAAAAAAAAAAAAAAAAAAAAAAAAAAAAAAAAAAAAAAAAAAAAAAAAAAAAAAAAFAAAADwAAAAAAAAAAAAAAAAAAAkUAAAAAQAAABQAAAAUAAAAFAAAAAEAAAAAAAAAZAAAAGQAAAAAAAAAZAAAAGQAAAAVAAAAYAAAAAAAAAAAAAAADwAAACADAAAAAAAAAAAAAAEAAACgMgAAVgcAAKr4//8BAAAAf39/AAEAAABkAAAAAAAAABQAAABAHwAAAAAAACYAAAAAAAAAwOD//wAAAAAmAAAAZAAAABYAAABMAAAAAAAAAAAAAAAEAAAAAAAAAAEAAACAgIAKAAAAACgAAAAoAAAAZAAAAGQAAAAAAAAAzMzMAAAAAABQAAAAUAAAAGQAAABkAAAAAAAAABcAAAAUAAAAAAAAAAAAAAD/fwAA/38AAAAAAAAJAAAABAAAAAAAAAAMAAAAEAAAAAAAAAAAAAAAAAAAAAAAAAAeAAAAaAAAAAAAAAAAAAAAAAAAAAAAAAAAAAAAECcAABAnAAAAAAAAAAAAAAAAAAAAAAAAAAAAAAAAAAAAAAAAAAAAABQAAAAAAAAAwMD/AAAAAABkAAAAMgAAAAAAAABkAAAAAAAAAH9/fwAKAAAAHwAAAFQAAAC74OMF////AQAAAAAAAAAAAAAAAAAAAAAAAAAAAAAAAAAAAAAAAAAAAAAAAn9/fwCAgIADzMzMAMDA/wB/f38AAAAAAAAAAAAAAAAAAAAAAAAAAAAhAAAAGAAAABQAAABjCAAAnQwAAMMvAAD2JQAAEAAAACYAAAAIAAAAAQAAAAAAAAA="/>
               </a:ext>
             </a:extLst>
           </p:cNvSpPr>
@@ -6887,7 +6887,7 @@
             <a:spLocks noGrp="1" noChangeArrowheads="1"/>
             <a:extLst>
               <a:ext uri="smNativeData">
-                <pr:smNativeData xmlns:pr="smNativeData" val="SMDATA_13_VnXdZRMAAAAlAAAAZAAAAA8BAAAAkAAAAEgAAACQAAAASAAAAAAAAAAAAAAAAAAAAAEAAABQAAAAAAAAAAAA4D8AAAAAAADgPwAAAAAAAOA/AAAAAAAA4D8AAAAAAADgPwAAAAAAAOA/AAAAAAAA4D8AAAAAAADgPwAAAAAAAOA/AAAAAAAA4D8CAAAAjAAAAAAAAAAAAAAAu+DjDP///wgAAAAAAAAAAAAAAAAAAAAAAAAAAAAAAAAAAAAAZAAAAAEAAABAAAAAAAAAAAAAAAAAAAAAAAAAAAAAAAAAAAAAAAAAAAAAAAAAAAAAAAAAAAAAAAAAAAAAAAAAAAAAAAAAAAAAAAAAAAAAAAAAAAAAAAAAAAAAAAAAAAAAFAAAADwAAAAAAAAAAAAAAAAAAAkUAAAAAQAAABQAAAAUAAAAFAAAAAEAAAAAAAAAZAAAAGQAAAAAAAAAZAAAAGQAAAAVAAAAYAAAAAAAAAAAAAAADwAAACADAAAAAAAAAAAAAAEAAACgMgAAVgcAAKr4//8BAAAAf39/AAEAAABkAAAAAAAAABQAAABAHwAAAAAAACYAAAAAAAAAwOD//wAAAAAmAAAAZAAAABYAAABMAAAAAAAAAAAAAAAEAAAAAAAAAAEAAACAgIAKAAAAACgAAAAoAAAAZAAAAGQAAAAAAAAAzMzMAAAAAABQAAAAUAAAAGQAAABkAAAAAAAAABcAAAAUAAAAAAAAAAAAAAD/fwAA/38AAAAAAAAJAAAABAAAAAAAAAAMAAAAEAAAAAAAAAAAAAAAAAAAAAAAAAAeAAAAaAAAAAAAAAAAAAAAAAAAAAAAAAAAAAAAECcAABAnAAAAAAAAAAAAAAAAAAAAAAAAAAAAAAAAAAAAAAAAAAAAABQAAAAAAAAAwMD/AAAAAABkAAAAMgAAAAAAAABkAAAAAAAAAH9/fwAKAAAAHwAAAFQAAAC74OMF////AQAAAAAAAAAAAAAAAAAAAAAAAAAAAAAAAAAAAAAAAAAAAAAAAn9/fwCAgIADzMzMAMDA/wB/f38AAAAAAAAAAAAAAAAAAAAAAAAAAAAhAAAAGAAAABQAAABjCAAANQIAAMMvAAD2JQAAEAAAACYAAAAIAAAAAQAAAAAAAAA="/>
+                <pr:smNativeData xmlns:pr="smNativeData" val="SMDATA_13_QBrgZRMAAAAlAAAAZAAAAA8BAAAAkAAAAEgAAACQAAAASAAAAAAAAAAAAAAAAAAAAAEAAABQAAAAAAAAAAAA4D8AAAAAAADgPwAAAAAAAOA/AAAAAAAA4D8AAAAAAADgPwAAAAAAAOA/AAAAAAAA4D8AAAAAAADgPwAAAAAAAOA/AAAAAAAA4D8CAAAAjAAAAAAAAAAAAAAAu+DjDP///wgAAAAAAAAAAAAAAAAAAAAAAAAAAAAAAAAAAAAAZAAAAAEAAABAAAAAAAAAAAAAAAAAAAAAAAAAAAAAAAAAAAAAAAAAAAAAAAAAAAAAAAAAAAAAAAAAAAAAAAAAAAAAAAAAAAAAAAAAAAAAAAAAAAAAAAAAAAAAAAAAAAAAFAAAADwAAAAAAAAAAAAAAAAAAAkUAAAAAQAAABQAAAAUAAAAFAAAAAEAAAAAAAAAZAAAAGQAAAAAAAAAZAAAAGQAAAAVAAAAYAAAAAAAAAAAAAAADwAAACADAAAAAAAAAAAAAAEAAACgMgAAVgcAAKr4//8BAAAAf39/AAEAAABkAAAAAAAAABQAAABAHwAAAAAAACYAAAAAAAAAwOD//wAAAAAmAAAAZAAAABYAAABMAAAAAAAAAAAAAAAEAAAAAAAAAAEAAACAgIAKAAAAACgAAAAoAAAAZAAAAGQAAAAAAAAAzMzMAAAAAABQAAAAUAAAAGQAAABkAAAAAAAAABcAAAAUAAAAAAAAAAAAAAD/fwAA/38AAAAAAAAJAAAABAAAAAAAAAAMAAAAEAAAAAAAAAAAAAAAAAAAAAAAAAAeAAAAaAAAAAAAAAAAAAAAAAAAAAAAAAAAAAAAECcAABAnAAAAAAAAAAAAAAAAAAAAAAAAAAAAAAAAAAAAAAAAAAAAABQAAAAAAAAAwMD/AAAAAABkAAAAMgAAAAAAAABkAAAAAAAAAH9/fwAKAAAAHwAAAFQAAAC74OMF////AQAAAAAAAAAAAAAAAAAAAAAAAAAAAAAAAAAAAAAAAAAAAAAAAn9/fwCAgIADzMzMAMDA/wB/f38AAAAAAAAAAAAAAAAAAAAAAAAAAAAhAAAAGAAAABQAAABjCAAANQIAAMMvAAD2JQAAEAAAACYAAAAIAAAAAQAAAAAAAAA="/>
               </a:ext>
             </a:extLst>
           </p:cNvSpPr>
@@ -7397,7 +7397,7 @@
     </p:bldLst>
     <p:extLst>
       <p:ext uri="smNativeData">
-        <pr:smNativeData xmlns:pr="smNativeData" val="VnXdZQgAAAAFAAAAAAAAAAEAAAABAAAAAAAAAAAAAAAAAAAAAAAAAAkAAAABAAAAAQAAAAEAAAAAAAAAAAAAAAAAAAAAAAAADQAAAAIAAAABAAAAAQAAAAAAAAAAAAAAAAAAAAAAAAARAAAAAwAAAAEAAAABAAAAAAAAAAAAAAAAAAAAAAAAABUAAAAEAAAAAQAAAAEAAAAAAAAAAAAAAAAAAAAAAAAAGQAAAAUAAAABAAAAAQAAAAAAAAAAAAAAAAAAAAAAAAAdAAAABgAAAAEAAAABAAAAAAAAAAAAAAAAAAAAAAAAACEAAAAHAAAAAQAAAAEAAAAAAAAAAAAAAAAAAAAAAAAA"/>
+        <pr:smNativeData xmlns:pr="smNativeData" val="QBrgZQgAAAAFAAAAAAAAAAEAAAABAAAAAAAAAAAAAAAAAAAAAAAAAAkAAAABAAAAAQAAAAEAAAAAAAAAAAAAAAAAAAAAAAAADQAAAAIAAAABAAAAAQAAAAAAAAAAAAAAAAAAAAAAAAARAAAAAwAAAAEAAAABAAAAAAAAAAAAAAAAAAAAAAAAABUAAAAEAAAAAQAAAAEAAAAAAAAAAAAAAAAAAAAAAAAAGQAAAAUAAAABAAAAAQAAAAAAAAAAAAAAAAAAAAAAAAAdAAAABgAAAAEAAAABAAAAAAAAAAAAAAAAAAAAAAAAACEAAAAHAAAAAQAAAAEAAAAAAAAAAAAAAAAAAAAAAAAA"/>
       </p:ext>
     </p:extLst>
   </p:timing>
@@ -7428,7 +7428,7 @@
             <a:spLocks noGrp="1" noChangeArrowheads="1"/>
             <a:extLst>
               <a:ext uri="smNativeData">
-                <pr:smNativeData xmlns:pr="smNativeData" val="SMDATA_13_VnXdZRMAAAAlAAAAZAAAAA8BAAAAkAAAAEgAAACQAAAASAAAAAAAAAAAAAAAAAAAAAEAAABQAAAAAAAAAAAA4D8AAAAAAADgPwAAAAAAAOA/AAAAAAAA4D8AAAAAAADgPwAAAAAAAOA/AAAAAAAA4D8AAAAAAADgPwAAAAAAAOA/AAAAAAAA4D8CAAAAjAAAAAAAAAAAAAAAu+DjDP///wgAAAAAAAAAAAAAAAAAAAAAAAAAAAAAAAAAAAAAZAAAAAEAAABAAAAAAAAAAAAAAAAAAAAAAAAAAAAAAAAAAAAAAAAAAAAAAAAAAAAAAAAAAAAAAAAAAAAAAAAAAAAAAAAAAAAAAAAAAAAAAAAAAAAAAAAAAAAAAAAAAAAAFAAAADwAAAAAAAAAAAAAAAAAAAkUAAAAAQAAABQAAAAUAAAAFAAAAAEAAAAAAAAAZAAAAGQAAAAAAAAAZAAAAGQAAAAVAAAAYAAAAAAAAAAAAAAADwAAACADAAAAAAAAAAAAAAEAAACgMgAAVgcAAKr4//8BAAAAf39/AAEAAABkAAAAAAAAABQAAABAHwAAAAAAACYAAAAAAAAAwOD//wAAAAAmAAAAZAAAABYAAABMAAAAAAAAAAAAAAAEAAAAAAAAAAEAAACAgIAKAAAAACgAAAAoAAAAZAAAAGQAAAAAAAAAzMzMAAAAAABQAAAAUAAAAGQAAABkAAAAAAAAABcAAAAUAAAAAAAAAAAAAAD/fwAA/38AAAAAAAAJAAAABAAAAAAAAAAMAAAAEAAAAAAAAAAAAAAAAAAAAAAAAAAeAAAAaAAAAAAAAAAAAAAAAAAAAAAAAAAAAAAAECcAABAnAAAAAAAAAAAAAAAAAAAAAAAAAAAAAAAAAAAAAAAAAAAAABQAAAAAAAAAwMD/AAAAAABkAAAAMgAAAAAAAABkAAAAAAAAAH9/fwAKAAAAHwAAAFQAAAC74OMF////AQAAAAAAAAAAAAAAAAAAAAAAAAAAAAAAAAAAAAAAAAAAAAAAAn9/fwCAgIADzMzMAMDA/wB/f38AAAAAAAAAAAAAAAAAAAAAAAAAAAAhAAAAGAAAABQAAABjCAAAxAEAAMMvAAD2JQAAAAAAACYAAAAIAAAAAQAAAAAAAAA="/>
+                <pr:smNativeData xmlns:pr="smNativeData" val="SMDATA_13_QBrgZRMAAAAlAAAAZAAAAA8BAAAAkAAAAEgAAACQAAAASAAAAAAAAAAAAAAAAAAAAAEAAABQAAAAAAAAAAAA4D8AAAAAAADgPwAAAAAAAOA/AAAAAAAA4D8AAAAAAADgPwAAAAAAAOA/AAAAAAAA4D8AAAAAAADgPwAAAAAAAOA/AAAAAAAA4D8CAAAAjAAAAAAAAAAAAAAAu+DjDP///wgAAAAAAAAAAAAAAAAAAAAAAAAAAAAAAAAAAAAAZAAAAAEAAABAAAAAAAAAAAAAAAAAAAAAAAAAAAAAAAAAAAAAAAAAAAAAAAAAAAAAAAAAAAAAAAAAAAAAAAAAAAAAAAAAAAAAAAAAAAAAAAAAAAAAAAAAAAAAAAAAAAAAFAAAADwAAAAAAAAAAAAAAAAAAAkUAAAAAQAAABQAAAAUAAAAFAAAAAEAAAAAAAAAZAAAAGQAAAAAAAAAZAAAAGQAAAAVAAAAYAAAAAAAAAAAAAAADwAAACADAAAAAAAAAAAAAAEAAACgMgAAVgcAAKr4//8BAAAAf39/AAEAAABkAAAAAAAAABQAAABAHwAAAAAAACYAAAAAAAAAwOD//wAAAAAmAAAAZAAAABYAAABMAAAAAAAAAAAAAAAEAAAAAAAAAAEAAACAgIAKAAAAACgAAAAoAAAAZAAAAGQAAAAAAAAAzMzMAAAAAABQAAAAUAAAAGQAAABkAAAAAAAAABcAAAAUAAAAAAAAAAAAAAD/fwAA/38AAAAAAAAJAAAABAAAAAAAAAAMAAAAEAAAAAAAAAAAAAAAAAAAAAAAAAAeAAAAaAAAAAAAAAAAAAAAAAAAAAAAAAAAAAAAECcAABAnAAAAAAAAAAAAAAAAAAAAAAAAAAAAAAAAAAAAAAAAAAAAABQAAAAAAAAAwMD/AAAAAABkAAAAMgAAAAAAAABkAAAAAAAAAH9/fwAKAAAAHwAAAFQAAAC74OMF////AQAAAAAAAAAAAAAAAAAAAAAAAAAAAAAAAAAAAAAAAAAAAAAAAn9/fwCAgIADzMzMAMDA/wB/f38AAAAAAAAAAAAAAAAAAAAAAAAAAAAhAAAAGAAAABQAAABjCAAAxAEAAMMvAAD2JQAAEAAAACYAAAAIAAAAAQAAAAAAAAA="/>
               </a:ext>
             </a:extLst>
           </p:cNvSpPr>
@@ -7883,7 +7883,7 @@
     </p:bldLst>
     <p:extLst>
       <p:ext uri="smNativeData">
-        <pr:smNativeData xmlns:pr="smNativeData" val="VnXdZQcAAAAFAAAAAAAAAAEAAAABAAAAAAAAAAAAAAAAAAAAAAAAAAkAAAABAAAAAQAAAAEAAAAAAAAAAAAAAAAAAAAAAAAADQAAAAIAAAABAAAAAQAAAAAAAAAAAAAAAAAAAAAAAAARAAAAAwAAAAEAAAABAAAAAAAAAAAAAAAAAAAAAAAAABUAAAAEAAAAAQAAAAEAAAAAAAAAAAAAAAAAAAAAAAAAGQAAAAUAAAABAAAAAQAAAAAAAAAAAAAAAAAAAAAAAAAdAAAABgAAAAEAAAABAAAAAAAAAAAAAAAAAAAAAAAAAA=="/>
+        <pr:smNativeData xmlns:pr="smNativeData" val="QBrgZQcAAAAFAAAAAAAAAAEAAAABAAAAAAAAAAAAAAAAAAAAAAAAAAkAAAABAAAAAQAAAAEAAAAAAAAAAAAAAAAAAAAAAAAADQAAAAIAAAABAAAAAQAAAAAAAAAAAAAAAAAAAAAAAAARAAAAAwAAAAEAAAABAAAAAAAAAAAAAAAAAAAAAAAAABUAAAAEAAAAAQAAAAEAAAAAAAAAAAAAAAAAAAAAAAAAGQAAAAUAAAABAAAAAQAAAAAAAAAAAAAAAAAAAAAAAAAdAAAABgAAAAEAAAABAAAAAAAAAAAAAAAAAAAAAAAAAA=="/>
       </p:ext>
     </p:extLst>
   </p:timing>
@@ -7914,7 +7914,7 @@
             <a:spLocks noGrp="1" noChangeArrowheads="1"/>
             <a:extLst>
               <a:ext uri="smNativeData">
-                <pr:smNativeData xmlns:pr="smNativeData" val="SMDATA_13_VnXdZRMAAAAlAAAAZAAAAA8BAAAAkAAAAEgAAACQAAAASAAAAAAAAAABAAAAAAAAAAEAAABQAAAAAAAAAAAA4D8AAAAAAADgPwAAAAAAAOA/AAAAAAAA4D8AAAAAAADgPwAAAAAAAOA/AAAAAAAA4D8AAAAAAADgPwAAAAAAAOA/AAAAAAAA4D8CAAAAjAAAAAAAAAAAAAAAu+DjDP///wgAAAAAAAAAAAAAAAAAAAAAAAAAAAAAAAAAAAAAZAAAAAEAAABAAAAAAAAAAAAAAAAAAAAAAAAAAAAAAAAAAAAAAAAAAAAAAAAAAAAAAAAAAAAAAAAAAAAAAAAAAAAAAAAAAAAAAAAAAAAAAAAAAAAAAAAAAAAAAAAAAAAAFAAAADwAAAAAAAAAAAAAAAAAAAkUAAAAAQAAABQAAAAUAAAAFAAAAAEAAAAAAAAAZAAAAGQAAAAAAAAAZAAAAGQAAAAVAAAAYAAAAAAAAAAAAAAADwAAACADAAAAAAAAAAAAAAEAAACgMgAAVgcAAKr4//8BAAAAf39/AAEAAABkAAAAAAAAABQAAABAHwAAAAAAACYAAAAAAAAAwOD//wAAAAAmAAAAZAAAABYAAABMAAAAAAAAAAAAAAAEAAAAAAAAAAEAAACAgIAKAAAAACgAAAAoAAAAZAAAAGQAAAAAAAAAzMzMAAAAAABQAAAAUAAAAGQAAABkAAAAAAAAABcAAAAUAAAAAAAAAAAAAAD/fwAA/38AAAAAAAAJAAAABAAAAAAAAAAMAAAAEAAAAAAAAAAAAAAAAAAAAAAAAAAeAAAAaAAAAAAAAAAAAAAAAAAAAAAAAAAAAAAAECcAABAnAAAAAAAAAAAAAAAAAAAAAAAAAAAAAAAAAAAAAAAAAAAAABQAAAAAAAAAwMD/AAAAAABkAAAAMgAAAAAAAABkAAAAAAAAAH9/fwAKAAAAHwAAAFQAAAC74OMF////AQAAAAAAAAAAAAAAAAAAAAAAAAAAAAAAAAAAAAAAAAAAAAAAAn9/fwCAgIADzMzMAMDA/wB/f38AAAAAAAAAAAAAAAAAAAAAAAAAAAAhAAAAGAAAABQAAAD5AwAANQIAAMkzAABBCwAAEAAAACYAAAAIAAAAAQAAAAAAAAA="/>
+                <pr:smNativeData xmlns:pr="smNativeData" val="SMDATA_13_QBrgZRMAAAAlAAAAZAAAAA8BAAAAkAAAAEgAAACQAAAASAAAAAAAAAABAAAAAAAAAAEAAABQAAAAAAAAAAAA4D8AAAAAAADgPwAAAAAAAOA/AAAAAAAA4D8AAAAAAADgPwAAAAAAAOA/AAAAAAAA4D8AAAAAAADgPwAAAAAAAOA/AAAAAAAA4D8CAAAAjAAAAAAAAAAAAAAAu+DjDP///wgAAAAAAAAAAAAAAAAAAAAAAAAAAAAAAAAAAAAAZAAAAAEAAABAAAAAAAAAAAAAAAAAAAAAAAAAAAAAAAAAAAAAAAAAAAAAAAAAAAAAAAAAAAAAAAAAAAAAAAAAAAAAAAAAAAAAAAAAAAAAAAAAAAAAAAAAAAAAAAAAAAAAFAAAADwAAAAAAAAAAAAAAAAAAAkUAAAAAQAAABQAAAAUAAAAFAAAAAEAAAAAAAAAZAAAAGQAAAAAAAAAZAAAAGQAAAAVAAAAYAAAAAAAAAAAAAAADwAAACADAAAAAAAAAAAAAAEAAACgMgAAVgcAAKr4//8BAAAAf39/AAEAAABkAAAAAAAAABQAAABAHwAAAAAAACYAAAAAAAAAwOD//wAAAAAmAAAAZAAAABYAAABMAAAAAAAAAAAAAAAEAAAAAAAAAAEAAACAgIAKAAAAACgAAAAoAAAAZAAAAGQAAAAAAAAAzMzMAAAAAABQAAAAUAAAAGQAAABkAAAAAAAAABcAAAAUAAAAAAAAAAAAAAD/fwAA/38AAAAAAAAJAAAABAAAAAAAAAAMAAAAEAAAAAAAAAAAAAAAAAAAAAAAAAAeAAAAaAAAAAAAAAAAAAAAAAAAAAAAAAAAAAAAECcAABAnAAAAAAAAAAAAAAAAAAAAAAAAAAAAAAAAAAAAAAAAAAAAABQAAAAAAAAAwMD/AAAAAABkAAAAMgAAAAAAAABkAAAAAAAAAH9/fwAKAAAAHwAAAFQAAAC74OMF////AQAAAAAAAAAAAAAAAAAAAAAAAAAAAAAAAAAAAAAAAAAAAAAAAn9/fwCAgIADzMzMAMDA/wB/f38AAAAAAAAAAAAAAAAAAAAAAAAAAAAhAAAAGAAAABQAAAD5AwAANQIAAMkzAABBCwAAEAAAACYAAAAIAAAAAQAAAAAAAAA="/>
               </a:ext>
             </a:extLst>
           </p:cNvSpPr>
@@ -7952,7 +7952,7 @@
             <a:spLocks noGrp="1" noChangeArrowheads="1"/>
             <a:extLst>
               <a:ext uri="smNativeData">
-                <pr:smNativeData xmlns:pr="smNativeData" val="SMDATA_13_VnXdZRMAAAAlAAAAZAAAAA8BAAAAkAAAAEgAAACQAAAASAAAAAAAAAAAAAAAAAAAAAEAAABQAAAAAAAAAAAA4D8AAAAAAADgPwAAAAAAAOA/AAAAAAAA4D8AAAAAAADgPwAAAAAAAOA/AAAAAAAA4D8AAAAAAADgPwAAAAAAAOA/AAAAAAAA4D8CAAAAjAAAAAAAAAAAAAAAu+DjDP///wgAAAAAAAAAAAAAAAAAAAAAAAAAAAAAAAAAAAAAZAAAAAEAAABAAAAAAAAAAAAAAAAAAAAAAAAAAAAAAAAAAAAAAAAAAAAAAAAAAAAAAAAAAAAAAAAAAAAAAAAAAAAAAAAAAAAAAAAAAAAAAAAAAAAAAAAAAAAAAAAAAAAAFAAAADwAAAAAAAAAAAAAAAAAAAkUAAAAAQAAABQAAAAUAAAAFAAAAAEAAAAAAAAAZAAAAGQAAAAAAAAAZAAAAGQAAAAVAAAAYAAAAAAAAAAAAAAADwAAACADAAAAAAAAAAAAAAEAAACgMgAAVgcAAKr4//8BAAAAf39/AAEAAABkAAAAAAAAABQAAABAHwAAAAAAACYAAAAAAAAAwOD//wAAAAAmAAAAZAAAABYAAABMAAAAAAAAAAAAAAAEAAAAAAAAAAEAAACAgIAKAAAAACgAAAAoAAAAZAAAAGQAAAAAAAAAzMzMAAAAAABQAAAAUAAAAGQAAABkAAAAAAAAABcAAAAUAAAAAAAAAAAAAAD/fwAA/38AAAAAAAAJAAAABAAAAAAAAAAMAAAAEAAAAAAAAAAAAAAAAAAAAAAAAAAeAAAAaAAAAAAAAAAAAAAAAAAAAAAAAAAAAAAAECcAABAnAAAAAAAAAAAAAAAAAAAAAAAAAAAAAAAAAAAAAAAAAAAAABQAAAAAAAAAwMD/AAAAAABkAAAAMgAAAAAAAABkAAAAAAAAAH9/fwAKAAAAHwAAAFQAAAC74OMF////AQAAAAAAAAAAAAAAAAAAAAAAAAAAAAAAAAAAAAAAAAAAAAAAAn9/fwCAgIADzMzMAMDA/wB/f38AAAAAAAAAAAAAAAAAAAAAAAAAAAAhAAAAGAAAABQAAABjCAAAnQwAAMMvAAD2JQAAEAAAACYAAAAIAAAAAQAAAAAAAAA="/>
+                <pr:smNativeData xmlns:pr="smNativeData" val="SMDATA_13_QBrgZRMAAAAlAAAAZAAAAA8BAAAAkAAAAEgAAACQAAAASAAAAAAAAAAAAAAAAAAAAAEAAABQAAAAAAAAAAAA4D8AAAAAAADgPwAAAAAAAOA/AAAAAAAA4D8AAAAAAADgPwAAAAAAAOA/AAAAAAAA4D8AAAAAAADgPwAAAAAAAOA/AAAAAAAA4D8CAAAAjAAAAAAAAAAAAAAAu+DjDP///wgAAAAAAAAAAAAAAAAAAAAAAAAAAAAAAAAAAAAAZAAAAAEAAABAAAAAAAAAAAAAAAAAAAAAAAAAAAAAAAAAAAAAAAAAAAAAAAAAAAAAAAAAAAAAAAAAAAAAAAAAAAAAAAAAAAAAAAAAAAAAAAAAAAAAAAAAAAAAAAAAAAAAFAAAADwAAAAAAAAAAAAAAAAAAAkUAAAAAQAAABQAAAAUAAAAFAAAAAEAAAAAAAAAZAAAAGQAAAAAAAAAZAAAAGQAAAAVAAAAYAAAAAAAAAAAAAAADwAAACADAAAAAAAAAAAAAAEAAACgMgAAVgcAAKr4//8BAAAAf39/AAEAAABkAAAAAAAAABQAAABAHwAAAAAAACYAAAAAAAAAwOD//wAAAAAmAAAAZAAAABYAAABMAAAAAAAAAAAAAAAEAAAAAAAAAAEAAACAgIAKAAAAACgAAAAoAAAAZAAAAGQAAAAAAAAAzMzMAAAAAABQAAAAUAAAAGQAAABkAAAAAAAAABcAAAAUAAAAAAAAAAAAAAD/fwAA/38AAAAAAAAJAAAABAAAAAAAAAAMAAAAEAAAAAAAAAAAAAAAAAAAAAAAAAAeAAAAaAAAAAAAAAAAAAAAAAAAAAAAAAAAAAAAECcAABAnAAAAAAAAAAAAAAAAAAAAAAAAAAAAAAAAAAAAAAAAAAAAABQAAAAAAAAAwMD/AAAAAABkAAAAMgAAAAAAAABkAAAAAAAAAH9/fwAKAAAAHwAAAFQAAAC74OMF////AQAAAAAAAAAAAAAAAAAAAAAAAAAAAAAAAAAAAAAAAAAAAAAAAn9/fwCAgIADzMzMAMDA/wB/f38AAAAAAAAAAAAAAAAAAAAAAAAAAAAhAAAAGAAAABQAAABjCAAAnQwAAMMvAAD2JQAAEAAAACYAAAAIAAAAAQAAAAAAAAA="/>
               </a:ext>
             </a:extLst>
           </p:cNvSpPr>
@@ -8051,7 +8051,7 @@
             <a:spLocks noGrp="1" noChangeArrowheads="1"/>
             <a:extLst>
               <a:ext uri="smNativeData">
-                <pr:smNativeData xmlns:pr="smNativeData" val="SMDATA_13_VnXdZRMAAAAlAAAAZAAAAA8BAAAAkAAAAEgAAACQAAAASAAAAAAAAAAAAAAAAAAAAAEAAABQAAAAAAAAAAAA4D8AAAAAAADgPwAAAAAAAOA/AAAAAAAA4D8AAAAAAADgPwAAAAAAAOA/AAAAAAAA4D8AAAAAAADgPwAAAAAAAOA/AAAAAAAA4D8CAAAAjAAAAAAAAAAAAAAAu+DjDP///wgAAAAAAAAAAAAAAAAAAAAAAAAAAAAAAAAAAAAAZAAAAAEAAABAAAAAAAAAAAAAAAAAAAAAAAAAAAAAAAAAAAAAAAAAAAAAAAAAAAAAAAAAAAAAAAAAAAAAAAAAAAAAAAAAAAAAAAAAAAAAAAAAAAAAAAAAAAAAAAAAAAAAFAAAADwAAAAAAAAAAAAAAAAAAAkUAAAAAQAAABQAAAAUAAAAFAAAAAEAAAAAAAAAZAAAAGQAAAAAAAAAZAAAAGQAAAAVAAAAYAAAAAAAAAAAAAAADwAAACADAAAAAAAAAAAAAAEAAACgMgAAVgcAAKr4//8BAAAAf39/AAEAAABkAAAAAAAAABQAAABAHwAAAAAAACYAAAAAAAAAwOD//wAAAAAmAAAAZAAAABYAAABMAAAAAAAAAAAAAAAEAAAAAAAAAAEAAACAgIAKAAAAACgAAAAoAAAAZAAAAGQAAAAAAAAAzMzMAAAAAABQAAAAUAAAAGQAAABkAAAAAAAAABcAAAAUAAAAAAAAAAAAAAD/fwAA/38AAAAAAAAJAAAABAAAAAAAAAAMAAAAEAAAAAAAAAAAAAAAAAAAAAAAAAAeAAAAaAAAAAAAAAAAAAAAAAAAAAAAAAAAAAAAECcAABAnAAAAAAAAAAAAAAAAAAAAAAAAAAAAAAAAAAAAAAAAAAAAABQAAAAAAAAAwMD/AAAAAABkAAAAMgAAAAAAAABkAAAAAAAAAH9/fwAKAAAAHwAAAFQAAAC74OMF////AQAAAAAAAAAAAAAAAAAAAAAAAAAAAAAAAAAAAAAAAAAAAAAAAn9/fwCAgIADzMzMAMDA/wB/f38AAAAAAAAAAAAAAAAAAAAAAAAAAAAhAAAAGAAAABQAAABjCAAApgIAAMMvAAD2JQAAEAAAACYAAAAIAAAAAQAAAAAAAAA="/>
+                <pr:smNativeData xmlns:pr="smNativeData" val="SMDATA_13_QBrgZRMAAAAlAAAAZAAAAA8BAAAAkAAAAEgAAACQAAAASAAAAAAAAAAAAAAAAAAAAAEAAABQAAAAAAAAAAAA4D8AAAAAAADgPwAAAAAAAOA/AAAAAAAA4D8AAAAAAADgPwAAAAAAAOA/AAAAAAAA4D8AAAAAAADgPwAAAAAAAOA/AAAAAAAA4D8CAAAAjAAAAAAAAAAAAAAAu+DjDP///wgAAAAAAAAAAAAAAAAAAAAAAAAAAAAAAAAAAAAAZAAAAAEAAABAAAAAAAAAAAAAAAAAAAAAAAAAAAAAAAAAAAAAAAAAAAAAAAAAAAAAAAAAAAAAAAAAAAAAAAAAAAAAAAAAAAAAAAAAAAAAAAAAAAAAAAAAAAAAAAAAAAAAFAAAADwAAAAAAAAAAAAAAAAAAAkUAAAAAQAAABQAAAAUAAAAFAAAAAEAAAAAAAAAZAAAAGQAAAAAAAAAZAAAAGQAAAAVAAAAYAAAAAAAAAAAAAAADwAAACADAAAAAAAAAAAAAAEAAACgMgAAVgcAAKr4//8BAAAAf39/AAEAAABkAAAAAAAAABQAAABAHwAAAAAAACYAAAAAAAAAwOD//wAAAAAmAAAAZAAAABYAAABMAAAAAAAAAAAAAAAEAAAAAAAAAAEAAACAgIAKAAAAACgAAAAoAAAAZAAAAGQAAAAAAAAAzMzMAAAAAABQAAAAUAAAAGQAAABkAAAAAAAAABcAAAAUAAAAAAAAAAAAAAD/fwAA/38AAAAAAAAJAAAABAAAAAAAAAAMAAAAEAAAAAAAAAAAAAAAAAAAAAAAAAAeAAAAaAAAAAAAAAAAAAAAAAAAAAAAAAAAAAAAECcAABAnAAAAAAAAAAAAAAAAAAAAAAAAAAAAAAAAAAAAAAAAAAAAABQAAAAAAAAAwMD/AAAAAABkAAAAMgAAAAAAAABkAAAAAAAAAH9/fwAKAAAAHwAAAFQAAAC74OMF////AQAAAAAAAAAAAAAAAAAAAAAAAAAAAAAAAAAAAAAAAAAAAAAAAn9/fwCAgIADzMzMAMDA/wB/f38AAAAAAAAAAAAAAAAAAAAAAAAAAAAhAAAAGAAAABQAAABjCAAApgIAAMMvAAD2JQAAEAAAACYAAAAIAAAAAQAAAAAAAAA="/>
               </a:ext>
             </a:extLst>
           </p:cNvSpPr>
@@ -8503,7 +8503,7 @@
     </p:bldLst>
     <p:extLst>
       <p:ext uri="smNativeData">
-        <pr:smNativeData xmlns:pr="smNativeData" val="VnXdZQcAAAAFAAAAAAAAAAEAAAABAAAAAAAAAAAAAAAAAAAAAAAAAAkAAAABAAAAAQAAAAEAAAAAAAAAAAAAAAAAAAAAAAAADQAAAAIAAAABAAAAAQAAAAAAAAAAAAAAAAAAAAAAAAARAAAAAwAAAAEAAAABAAAAAAAAAAAAAAAAAAAAAAAAABUAAAAEAAAAAQAAAAEAAAAAAAAAAAAAAAAAAAAAAAAAGQAAAAUAAAABAAAAAQAAAAAAAAAAAAAAAAAAAAAAAAAdAAAABgAAAAEAAAABAAAAAAAAAAAAAAAAAAAAAAAAAA=="/>
+        <pr:smNativeData xmlns:pr="smNativeData" val="QBrgZQcAAAAFAAAAAAAAAAEAAAABAAAAAAAAAAAAAAAAAAAAAAAAAAkAAAABAAAAAQAAAAEAAAAAAAAAAAAAAAAAAAAAAAAADQAAAAIAAAABAAAAAQAAAAAAAAAAAAAAAAAAAAAAAAARAAAAAwAAAAEAAAABAAAAAAAAAAAAAAAAAAAAAAAAABUAAAAEAAAAAQAAAAEAAAAAAAAAAAAAAAAAAAAAAAAAGQAAAAUAAAABAAAAAQAAAAAAAAAAAAAAAAAAAAAAAAAdAAAABgAAAAEAAAABAAAAAAAAAAAAAAAAAAAAAAAAAA=="/>
       </p:ext>
     </p:extLst>
   </p:timing>
@@ -8534,7 +8534,7 @@
             <a:spLocks noGrp="1" noChangeArrowheads="1"/>
             <a:extLst>
               <a:ext uri="smNativeData">
-                <pr:smNativeData xmlns:pr="smNativeData" val="SMDATA_13_VnXdZRMAAAAlAAAAZAAAAA8BAAAAkAAAAEgAAACQAAAASAAAAAAAAAABAAAAAAAAAAEAAABQAAAAAAAAAAAA4D8AAAAAAADgPwAAAAAAAOA/AAAAAAAA4D8AAAAAAADgPwAAAAAAAOA/AAAAAAAA4D8AAAAAAADgPwAAAAAAAOA/AAAAAAAA4D8CAAAAjAAAAAAAAAAAAAAAu+DjDP///wgAAAAAAAAAAAAAAAAAAAAAAAAAAAAAAAAAAAAAZAAAAAEAAABAAAAAAAAAAAAAAAAAAAAAAAAAAAAAAAAAAAAAAAAAAAAAAAAAAAAAAAAAAAAAAAAAAAAAAAAAAAAAAAAAAAAAAAAAAAAAAAAAAAAAAAAAAAAAAAAAAAAAFAAAADwAAAAAAAAAAAAAAAAAAAkUAAAAAQAAABQAAAAUAAAAFAAAAAEAAAAAAAAAZAAAAGQAAAAAAAAAZAAAAGQAAAAVAAAAYAAAAAAAAAAAAAAADwAAACADAAAAAAAAAAAAAAEAAACgMgAAVgcAAKr4//8BAAAAf39/AAEAAABkAAAAAAAAABQAAABAHwAAAAAAACYAAAAAAAAAwOD//wAAAAAmAAAAZAAAABYAAABMAAAAAAAAAAAAAAAEAAAAAAAAAAEAAACAgIAKAAAAACgAAAAoAAAAZAAAAGQAAAAAAAAAzMzMAAAAAABQAAAAUAAAAGQAAABkAAAAAAAAABcAAAAUAAAAAAAAAAAAAAD/fwAA/38AAAAAAAAJAAAABAAAAAAAAAAMAAAAEAAAAAAAAAAAAAAAAAAAAAAAAAAeAAAAaAAAAAAAAAAAAAAAAAAAAAAAAAAAAAAAECcAABAnAAAAAAAAAAAAAAAAAAAAAAAAAAAAAAAAAAAAAAAAAAAAABQAAAAAAAAAwMD/AAAAAABkAAAAMgAAAAAAAABkAAAAAAAAAH9/fwAKAAAAHwAAAFQAAAC74OMF////AQAAAAAAAAAAAAAAAAAAAAAAAAAAAAAAAAAAAAAAAAAAAAAAAn9/fwCAgIADzMzMAMDA/wB/f38AAAAAAAAAAAAAAAAAAAAAAAAAAAAhAAAAGAAAABQAAAD5AwAANQIAAMkzAABBCwAAEAAAACYAAAAIAAAAAQAAAAAAAAA="/>
+                <pr:smNativeData xmlns:pr="smNativeData" val="SMDATA_13_QBrgZRMAAAAlAAAAZAAAAA8BAAAAkAAAAEgAAACQAAAASAAAAAAAAAABAAAAAAAAAAEAAABQAAAAAAAAAAAA4D8AAAAAAADgPwAAAAAAAOA/AAAAAAAA4D8AAAAAAADgPwAAAAAAAOA/AAAAAAAA4D8AAAAAAADgPwAAAAAAAOA/AAAAAAAA4D8CAAAAjAAAAAAAAAAAAAAAu+DjDP///wgAAAAAAAAAAAAAAAAAAAAAAAAAAAAAAAAAAAAAZAAAAAEAAABAAAAAAAAAAAAAAAAAAAAAAAAAAAAAAAAAAAAAAAAAAAAAAAAAAAAAAAAAAAAAAAAAAAAAAAAAAAAAAAAAAAAAAAAAAAAAAAAAAAAAAAAAAAAAAAAAAAAAFAAAADwAAAAAAAAAAAAAAAAAAAkUAAAAAQAAABQAAAAUAAAAFAAAAAEAAAAAAAAAZAAAAGQAAAAAAAAAZAAAAGQAAAAVAAAAYAAAAAAAAAAAAAAADwAAACADAAAAAAAAAAAAAAEAAACgMgAAVgcAAKr4//8BAAAAf39/AAEAAABkAAAAAAAAABQAAABAHwAAAAAAACYAAAAAAAAAwOD//wAAAAAmAAAAZAAAABYAAABMAAAAAAAAAAAAAAAEAAAAAAAAAAEAAACAgIAKAAAAACgAAAAoAAAAZAAAAGQAAAAAAAAAzMzMAAAAAABQAAAAUAAAAGQAAABkAAAAAAAAABcAAAAUAAAAAAAAAAAAAAD/fwAA/38AAAAAAAAJAAAABAAAAAAAAAAMAAAAEAAAAAAAAAAAAAAAAAAAAAAAAAAeAAAAaAAAAAAAAAAAAAAAAAAAAAAAAAAAAAAAECcAABAnAAAAAAAAAAAAAAAAAAAAAAAAAAAAAAAAAAAAAAAAAAAAABQAAAAAAAAAwMD/AAAAAABkAAAAMgAAAAAAAABkAAAAAAAAAH9/fwAKAAAAHwAAAFQAAAC74OMF////AQAAAAAAAAAAAAAAAAAAAAAAAAAAAAAAAAAAAAAAAAAAAAAAAn9/fwCAgIADzMzMAMDA/wB/f38AAAAAAAAAAAAAAAAAAAAAAAAAAAAhAAAAGAAAABQAAAD5AwAANQIAAMkzAABBCwAAEAAAACYAAAAIAAAAAQAAAAAAAAA="/>
               </a:ext>
             </a:extLst>
           </p:cNvSpPr>
@@ -8572,7 +8572,7 @@
             <a:spLocks noGrp="1" noChangeArrowheads="1"/>
             <a:extLst>
               <a:ext uri="smNativeData">
-                <pr:smNativeData xmlns:pr="smNativeData" val="SMDATA_13_VnXdZRMAAAAlAAAAZAAAAA8BAAAAkAAAAEgAAACQAAAASAAAAAAAAAAAAAAAAAAAAAEAAABQAAAAAAAAAAAA4D8AAAAAAADgPwAAAAAAAOA/AAAAAAAA4D8AAAAAAADgPwAAAAAAAOA/AAAAAAAA4D8AAAAAAADgPwAAAAAAAOA/AAAAAAAA4D8CAAAAjAAAAAAAAAAAAAAAu+DjDP///wgAAAAAAAAAAAAAAAAAAAAAAAAAAAAAAAAAAAAAZAAAAAEAAABAAAAAAAAAAAAAAAAAAAAAAAAAAAAAAAAAAAAAAAAAAAAAAAAAAAAAAAAAAAAAAAAAAAAAAAAAAAAAAAAAAAAAAAAAAAAAAAAAAAAAAAAAAAAAAAAAAAAAFAAAADwAAAAAAAAAAAAAAAAAAAkUAAAAAQAAABQAAAAUAAAAFAAAAAEAAAAAAAAAZAAAAGQAAAAAAAAAZAAAAGQAAAAVAAAAYAAAAAAAAAAAAAAADwAAACADAAAAAAAAAAAAAAEAAACgMgAAVgcAAKr4//8BAAAAf39/AAEAAABkAAAAAAAAABQAAABAHwAAAAAAACYAAAAAAAAAwOD//wAAAAAmAAAAZAAAABYAAABMAAAAAAAAAAAAAAAEAAAAAAAAAAEAAACAgIAKAAAAACgAAAAoAAAAZAAAAGQAAAAAAAAAzMzMAAAAAABQAAAAUAAAAGQAAABkAAAAAAAAABcAAAAUAAAAAAAAAAAAAAD/fwAA/38AAAAAAAAJAAAABAAAAAAAAAAMAAAAEAAAAAAAAAAAAAAAAAAAAAAAAAAeAAAAaAAAAAAAAAAAAAAAAAAAAAAAAAAAAAAAECcAABAnAAAAAAAAAAAAAAAAAAAAAAAAAAAAAAAAAAAAAAAAAAAAABQAAAAAAAAAwMD/AAAAAABkAAAAMgAAAAAAAABkAAAAAAAAAH9/fwAKAAAAHwAAAFQAAAC74OMF////AQAAAAAAAAAAAAAAAAAAAAAAAAAAAAAAAAAAAAAAAAAAAAAAAn9/fwCAgIADzMzMAMDA/wB/f38AAAAAAAAAAAAAAAAAAAAAAAAAAAAhAAAAGAAAABQAAABjCAAAnQwAAMMvAAD2JQAAEAAAACYAAAAIAAAAAQAAAAAAAAA="/>
+                <pr:smNativeData xmlns:pr="smNativeData" val="SMDATA_13_QBrgZRMAAAAlAAAAZAAAAA8BAAAAkAAAAEgAAACQAAAASAAAAAAAAAAAAAAAAAAAAAEAAABQAAAAAAAAAAAA4D8AAAAAAADgPwAAAAAAAOA/AAAAAAAA4D8AAAAAAADgPwAAAAAAAOA/AAAAAAAA4D8AAAAAAADgPwAAAAAAAOA/AAAAAAAA4D8CAAAAjAAAAAAAAAAAAAAAu+DjDP///wgAAAAAAAAAAAAAAAAAAAAAAAAAAAAAAAAAAAAAZAAAAAEAAABAAAAAAAAAAAAAAAAAAAAAAAAAAAAAAAAAAAAAAAAAAAAAAAAAAAAAAAAAAAAAAAAAAAAAAAAAAAAAAAAAAAAAAAAAAAAAAAAAAAAAAAAAAAAAAAAAAAAAFAAAADwAAAAAAAAAAAAAAAAAAAkUAAAAAQAAABQAAAAUAAAAFAAAAAEAAAAAAAAAZAAAAGQAAAAAAAAAZAAAAGQAAAAVAAAAYAAAAAAAAAAAAAAADwAAACADAAAAAAAAAAAAAAEAAACgMgAAVgcAAKr4//8BAAAAf39/AAEAAABkAAAAAAAAABQAAABAHwAAAAAAACYAAAAAAAAAwOD//wAAAAAmAAAAZAAAABYAAABMAAAAAAAAAAAAAAAEAAAAAAAAAAEAAACAgIAKAAAAACgAAAAoAAAAZAAAAGQAAAAAAAAAzMzMAAAAAABQAAAAUAAAAGQAAABkAAAAAAAAABcAAAAUAAAAAAAAAAAAAAD/fwAA/38AAAAAAAAJAAAABAAAAAAAAAAMAAAAEAAAAAAAAAAAAAAAAAAAAAAAAAAeAAAAaAAAAAAAAAAAAAAAAAAAAAAAAAAAAAAAECcAABAnAAAAAAAAAAAAAAAAAAAAAAAAAAAAAAAAAAAAAAAAAAAAABQAAAAAAAAAwMD/AAAAAABkAAAAMgAAAAAAAABkAAAAAAAAAH9/fwAKAAAAHwAAAFQAAAC74OMF////AQAAAAAAAAAAAAAAAAAAAAAAAAAAAAAAAAAAAAAAAAAAAAAAAn9/fwCAgIADzMzMAMDA/wB/f38AAAAAAAAAAAAAAAAAAAAAAAAAAAAhAAAAGAAAABQAAABjCAAAnQwAAMMvAAD2JQAAEAAAACYAAAAIAAAAAQAAAAAAAAA="/>
               </a:ext>
             </a:extLst>
           </p:cNvSpPr>
@@ -8671,7 +8671,7 @@
             <a:spLocks noGrp="1" noChangeArrowheads="1"/>
             <a:extLst>
               <a:ext uri="smNativeData">
-                <pr:smNativeData xmlns:pr="smNativeData" val="SMDATA_13_VnXdZRMAAAAlAAAAZAAAAA8BAAAAkAAAAEgAAACQAAAASAAAAAAAAAAAAAAAAAAAAAEAAABQAAAAAAAAAAAA4D8AAAAAAADgPwAAAAAAAOA/AAAAAAAA4D8AAAAAAADgPwAAAAAAAOA/AAAAAAAA4D8AAAAAAADgPwAAAAAAAOA/AAAAAAAA4D8CAAAAjAAAAAAAAAAAAAAAu+DjDP///wgAAAAAAAAAAAAAAAAAAAAAAAAAAAAAAAAAAAAAZAAAAAEAAABAAAAAAAAAAAAAAAAAAAAAAAAAAAAAAAAAAAAAAAAAAAAAAAAAAAAAAAAAAAAAAAAAAAAAAAAAAAAAAAAAAAAAAAAAAAAAAAAAAAAAAAAAAAAAAAAAAAAAFAAAADwAAAAAAAAAAAAAAAAAAAkUAAAAAQAAABQAAAAUAAAAFAAAAAEAAAAAAAAAZAAAAGQAAAAAAAAAZAAAAGQAAAAVAAAAYAAAAAAAAAAAAAAADwAAACADAAAAAAAAAAAAAAEAAACgMgAAVgcAAKr4//8BAAAAf39/AAEAAABkAAAAAAAAABQAAABAHwAAAAAAACYAAAAAAAAAwOD//wAAAAAmAAAAZAAAABYAAABMAAAAAAAAAAAAAAAEAAAAAAAAAAEAAACAgIAKAAAAACgAAAAoAAAAZAAAAGQAAAAAAAAAzMzMAAAAAABQAAAAUAAAAGQAAABkAAAAAAAAABcAAAAUAAAAAAAAAAAAAAD/fwAA/38AAAAAAAAJAAAABAAAAAAAAAAMAAAAEAAAAAAAAAAAAAAAAAAAAAAAAAAeAAAAaAAAAAAAAAAAAAAAAAAAAAAAAAAAAAAAECcAABAnAAAAAAAAAAAAAAAAAAAAAAAAAAAAAAAAAAAAAAAAAAAAABQAAAAAAAAAwMD/AAAAAABkAAAAMgAAAAAAAABkAAAAAAAAAH9/fwAKAAAAHwAAAFQAAAC74OMF////AQAAAAAAAAAAAAAAAAAAAAAAAAAAAAAAAAAAAAAAAAAAAAAAAn9/fwCAgIADzMzMAMDA/wB/f38AAAAAAAAAAAAAAAAAAAAAAAAAAAAhAAAAGAAAABQAAABjCAAANQIAAMMvAAD2JQAAEAAAACYAAAAIAAAAAQAAAAAAAAA="/>
+                <pr:smNativeData xmlns:pr="smNativeData" val="SMDATA_13_QBrgZRMAAAAlAAAAZAAAAA8BAAAAkAAAAEgAAACQAAAASAAAAAAAAAAAAAAAAAAAAAEAAABQAAAAAAAAAAAA4D8AAAAAAADgPwAAAAAAAOA/AAAAAAAA4D8AAAAAAADgPwAAAAAAAOA/AAAAAAAA4D8AAAAAAADgPwAAAAAAAOA/AAAAAAAA4D8CAAAAjAAAAAAAAAAAAAAAu+DjDP///wgAAAAAAAAAAAAAAAAAAAAAAAAAAAAAAAAAAAAAZAAAAAEAAABAAAAAAAAAAAAAAAAAAAAAAAAAAAAAAAAAAAAAAAAAAAAAAAAAAAAAAAAAAAAAAAAAAAAAAAAAAAAAAAAAAAAAAAAAAAAAAAAAAAAAAAAAAAAAAAAAAAAAFAAAADwAAAAAAAAAAAAAAAAAAAkUAAAAAQAAABQAAAAUAAAAFAAAAAEAAAAAAAAAZAAAAGQAAAAAAAAAZAAAAGQAAAAVAAAAYAAAAAAAAAAAAAAADwAAACADAAAAAAAAAAAAAAEAAACgMgAAVgcAAKr4//8BAAAAf39/AAEAAABkAAAAAAAAABQAAABAHwAAAAAAACYAAAAAAAAAwOD//wAAAAAmAAAAZAAAABYAAABMAAAAAAAAAAAAAAAEAAAAAAAAAAEAAACAgIAKAAAAACgAAAAoAAAAZAAAAGQAAAAAAAAAzMzMAAAAAABQAAAAUAAAAGQAAABkAAAAAAAAABcAAAAUAAAAAAAAAAAAAAD/fwAA/38AAAAAAAAJAAAABAAAAAAAAAAMAAAAEAAAAAAAAAAAAAAAAAAAAAAAAAAeAAAAaAAAAAAAAAAAAAAAAAAAAAAAAAAAAAAAECcAABAnAAAAAAAAAAAAAAAAAAAAAAAAAAAAAAAAAAAAAAAAAAAAABQAAAAAAAAAwMD/AAAAAABkAAAAMgAAAAAAAABkAAAAAAAAAH9/fwAKAAAAHwAAAFQAAAC74OMF////AQAAAAAAAAAAAAAAAAAAAAAAAAAAAAAAAAAAAAAAAAAAAAAAAn9/fwCAgIADzMzMAMDA/wB/f38AAAAAAAAAAAAAAAAAAAAAAAAAAAAhAAAAGAAAABQAAABjCAAANQIAAMMvAAD2JQAAAAAAACYAAAAIAAAAAQAAAAAAAAA="/>
               </a:ext>
             </a:extLst>
           </p:cNvSpPr>
@@ -8730,7 +8730,7 @@
               <a:buChar char=""/>
             </a:pPr>
             <a:r>
-              <a:t>The company is very disciplined</a:t>
+              <a:t>The company is very disciplined.</a:t>
             </a:r>
           </a:p>
         </p:txBody>
@@ -9068,7 +9068,7 @@
     </p:bldLst>
     <p:extLst>
       <p:ext uri="smNativeData">
-        <pr:smNativeData xmlns:pr="smNativeData" val="VnXdZQYAAAAFAAAAAAAAAAEAAAABAAAAAAAAAAAAAAAAAAAAAAAAAAkAAAABAAAAAQAAAAEAAAAAAAAAAAAAAAAAAAAAAAAADQAAAAIAAAABAAAAAQAAAAAAAAAAAAAAAAAAAAAAAAARAAAAAwAAAAEAAAABAAAAAAAAAAAAAAAAAAAAAAAAABUAAAAEAAAAAQAAAAEAAAAAAAAAAAAAAAAAAAAAAAAAGQAAAAUAAAABAAAAAQAAAAAAAAAAAAAAAAAAAAAAAAA="/>
+        <pr:smNativeData xmlns:pr="smNativeData" val="QBrgZQYAAAAFAAAAAAAAAAEAAAABAAAAAAAAAAAAAAAAAAAAAAAAAAkAAAABAAAAAQAAAAEAAAAAAAAAAAAAAAAAAAAAAAAADQAAAAIAAAABAAAAAQAAAAAAAAAAAAAAAAAAAAAAAAARAAAAAwAAAAEAAAABAAAAAAAAAAAAAAAAAAAAAAAAABUAAAAEAAAAAQAAAAEAAAAAAAAAAAAAAAAAAAAAAAAAGQAAAAUAAAABAAAAAQAAAAAAAAAAAAAAAAAAAAAAAAA="/>
       </p:ext>
     </p:extLst>
   </p:timing>
@@ -9099,7 +9099,7 @@
             <a:spLocks noGrp="1" noChangeArrowheads="1"/>
             <a:extLst>
               <a:ext uri="smNativeData">
-                <pr:smNativeData xmlns:pr="smNativeData" val="SMDATA_13_VnXdZRMAAAAlAAAAZAAAAA8BAAAAkAAAAEgAAACQAAAASAAAAAAAAAABAAAAAAAAAAEAAABQAAAAAAAAAAAA4D8AAAAAAADgPwAAAAAAAOA/AAAAAAAA4D8AAAAAAADgPwAAAAAAAOA/AAAAAAAA4D8AAAAAAADgPwAAAAAAAOA/AAAAAAAA4D8CAAAAjAAAAAAAAAAAAAAAu+DjDP///wgAAAAAAAAAAAAAAAAAAAAAAAAAAAAAAAAAAAAAZAAAAAEAAABAAAAAAAAAAAAAAAAAAAAAAAAAAAAAAAAAAAAAAAAAAAAAAAAAAAAAAAAAAAAAAAAAAAAAAAAAAAAAAAAAAAAAAAAAAAAAAAAAAAAAAAAAAAAAAAAAAAAAFAAAADwAAAAAAAAAAAAAAAAAAAkUAAAAAQAAABQAAAAUAAAAFAAAAAEAAAAAAAAAZAAAAGQAAAAAAAAAZAAAAGQAAAAVAAAAYAAAAAAAAAAAAAAADwAAACADAAAAAAAAAAAAAAEAAACgMgAAVgcAAKr4//8BAAAAf39/AAEAAABkAAAAAAAAABQAAABAHwAAAAAAACYAAAAAAAAAwOD//wAAAAAmAAAAZAAAABYAAABMAAAAAAAAAAAAAAAEAAAAAAAAAAEAAACAgIAKAAAAACgAAAAoAAAAZAAAAGQAAAAAAAAAzMzMAAAAAABQAAAAUAAAAGQAAABkAAAAAAAAABcAAAAUAAAAAAAAAAAAAAD/fwAA/38AAAAAAAAJAAAABAAAADknW3EMAAAAEAAAAAAAAAAAAAAAAAAAAAAAAAAeAAAAaAAAAAAAAAAAAAAAAAAAAAAAAAAAAAAAECcAABAnAAAAAAAAAAAAAAAAAAAAAAAAAAAAAAAAAAAAAAAAAAAAABQAAAAAAAAAwMD/AAAAAABkAAAAMgAAAAAAAABkAAAAAAAAAH9/fwAKAAAAHwAAAFQAAAC74OMF////AQAAAAAAAAAAAAAAAAAAAAAAAAAAAAAAAAAAAAAAAAAAAAAAAn9/fwCAgIADzMzMAMDA/wB/f38AAAAAAAAAAAAAAAAAAAAAAAAAAAAhAAAAGAAAABQAAAD5AwAANQIAAMkzAABBCwAAAAAAACYAAAAIAAAAAQAAAAAAAAA="/>
+                <pr:smNativeData xmlns:pr="smNativeData" val="SMDATA_13_QBrgZRMAAAAlAAAAZAAAAA8BAAAAkAAAAEgAAACQAAAASAAAAAAAAAABAAAAAAAAAAEAAABQAAAAAAAAAAAA4D8AAAAAAADgPwAAAAAAAOA/AAAAAAAA4D8AAAAAAADgPwAAAAAAAOA/AAAAAAAA4D8AAAAAAADgPwAAAAAAAOA/AAAAAAAA4D8CAAAAjAAAAAAAAAAAAAAAu+DjDP///wgAAAAAAAAAAAAAAAAAAAAAAAAAAAAAAAAAAAAAZAAAAAEAAABAAAAAAAAAAAAAAAAAAAAAAAAAAAAAAAAAAAAAAAAAAAAAAAAAAAAAAAAAAAAAAAAAAAAAAAAAAAAAAAAAAAAAAAAAAAAAAAAAAAAAAAAAAAAAAAAAAAAAFAAAADwAAAAAAAAAAAAAAAAAAAkUAAAAAQAAABQAAAAUAAAAFAAAAAEAAAAAAAAAZAAAAGQAAAAAAAAAZAAAAGQAAAAVAAAAYAAAAAAAAAAAAAAADwAAACADAAAAAAAAAAAAAAEAAACgMgAAVgcAAKr4//8BAAAAf39/AAEAAABkAAAAAAAAABQAAABAHwAAAAAAACYAAAAAAAAAwOD//wAAAAAmAAAAZAAAABYAAABMAAAAAAAAAAAAAAAEAAAAAAAAAAEAAACAgIAKAAAAACgAAAAoAAAAZAAAAGQAAAAAAAAAzMzMAAAAAABQAAAAUAAAAGQAAABkAAAAAAAAABcAAAAUAAAAAAAAAAAAAAD/fwAA/38AAAAAAAAJAAAABAAAADknW3EMAAAAEAAAAAAAAAAAAAAAAAAAAAAAAAAeAAAAaAAAAAAAAAAAAAAAAAAAAAAAAAAAAAAAECcAABAnAAAAAAAAAAAAAAAAAAAAAAAAAAAAAAAAAAAAAAAAAAAAABQAAAAAAAAAwMD/AAAAAABkAAAAMgAAAAAAAABkAAAAAAAAAH9/fwAKAAAAHwAAAFQAAAC74OMF////AQAAAAAAAAAAAAAAAAAAAAAAAAAAAAAAAAAAAAAAAAAAAAAAAn9/fwCAgIADzMzMAMDA/wB/f38AAAAAAAAAAAAAAAAAAAAAAAAAAAAhAAAAGAAAABQAAAD5AwAANQIAAMkzAABBCwAAEAAAACYAAAAIAAAAAQAAAAAAAAA="/>
               </a:ext>
             </a:extLst>
           </p:cNvSpPr>
@@ -9137,7 +9137,7 @@
             <a:spLocks noGrp="1" noChangeArrowheads="1"/>
             <a:extLst>
               <a:ext uri="smNativeData">
-                <pr:smNativeData xmlns:pr="smNativeData" val="SMDATA_13_VnXdZRMAAAAlAAAAZAAAAA8BAAAAkAAAAEgAAACQAAAASAAAAAAAAAAAAAAAAAAAAAEAAABQAAAAAAAAAAAA4D8AAAAAAADgPwAAAAAAAOA/AAAAAAAA4D8AAAAAAADgPwAAAAAAAOA/AAAAAAAA4D8AAAAAAADgPwAAAAAAAOA/AAAAAAAA4D8CAAAAjAAAAAAAAAAAAAAAu+DjDP///wgAAAAAAAAAAAAAAAAAAAAAAAAAAAAAAAAAAAAAZAAAAAEAAABAAAAAAAAAAAAAAAAAAAAAAAAAAAAAAAAAAAAAAAAAAAAAAAAAAAAAAAAAAAAAAAAAAAAAAAAAAAAAAAAAAAAAAAAAAAAAAAAAAAAAAAAAAAAAAAAAAAAAFAAAADwAAAAAAAAAAAAAAAAAAAkUAAAAAQAAABQAAAAUAAAAFAAAAAEAAAAAAAAAZAAAAGQAAAAAAAAAZAAAAGQAAAAVAAAAYAAAAAAAAAAAAAAADwAAACADAAAAAAAAAAAAAAEAAACgMgAAVgcAAKr4//8BAAAAf39/AAEAAABkAAAAAAAAABQAAABAHwAAAAAAACYAAAAAAAAAwOD//wAAAAAmAAAAZAAAABYAAABMAAAAAAAAAAAAAAAEAAAAAAAAAAEAAACAgIAKAAAAACgAAAAoAAAAZAAAAGQAAAAAAAAAzMzMAAAAAABQAAAAUAAAAGQAAABkAAAAAAAAABcAAAAUAAAAAAAAAAAAAAD/fwAA/38AAAAAAAAJAAAABAAAAAAAAAAMAAAAEAAAAAAAAAAAAAAAAAAAAAAAAAAeAAAAaAAAAAAAAAAAAAAAAAAAAAAAAAAAAAAAECcAABAnAAAAAAAAAAAAAAAAAAAAAAAAAAAAAAAAAAAAAAAAAAAAABQAAAAAAAAAwMD/AAAAAABkAAAAMgAAAAAAAABkAAAAAAAAAH9/fwAKAAAAHwAAAFQAAAC74OMF////AQAAAAAAAAAAAAAAAAAAAAAAAAAAAAAAAAAAAAAAAAAAAAAAAn9/fwCAgIADzMzMAMDA/wB/f38AAAAAAAAAAAAAAAAAAAAAAAAAAAAhAAAAGAAAABQAAABjCAAAnQwAAMMvAAD2JQAAAAAAACYAAAAIAAAAAQAAAAAAAAA="/>
+                <pr:smNativeData xmlns:pr="smNativeData" val="SMDATA_13_QBrgZRMAAAAlAAAAZAAAAA8BAAAAkAAAAEgAAACQAAAASAAAAAAAAAAAAAAAAAAAAAEAAABQAAAAAAAAAAAA4D8AAAAAAADgPwAAAAAAAOA/AAAAAAAA4D8AAAAAAADgPwAAAAAAAOA/AAAAAAAA4D8AAAAAAADgPwAAAAAAAOA/AAAAAAAA4D8CAAAAjAAAAAAAAAAAAAAAu+DjDP///wgAAAAAAAAAAAAAAAAAAAAAAAAAAAAAAAAAAAAAZAAAAAEAAABAAAAAAAAAAAAAAAAAAAAAAAAAAAAAAAAAAAAAAAAAAAAAAAAAAAAAAAAAAAAAAAAAAAAAAAAAAAAAAAAAAAAAAAAAAAAAAAAAAAAAAAAAAAAAAAAAAAAAFAAAADwAAAAAAAAAAAAAAAAAAAkUAAAAAQAAABQAAAAUAAAAFAAAAAEAAAAAAAAAZAAAAGQAAAAAAAAAZAAAAGQAAAAVAAAAYAAAAAAAAAAAAAAADwAAACADAAAAAAAAAAAAAAEAAACgMgAAVgcAAKr4//8BAAAAf39/AAEAAABkAAAAAAAAABQAAABAHwAAAAAAACYAAAAAAAAAwOD//wAAAAAmAAAAZAAAABYAAABMAAAAAAAAAAAAAAAEAAAAAAAAAAEAAACAgIAKAAAAACgAAAAoAAAAZAAAAGQAAAAAAAAAzMzMAAAAAABQAAAAUAAAAGQAAABkAAAAAAAAABcAAAAUAAAAAAAAAAAAAAD/fwAA/38AAAAAAAAJAAAABAAAAAAAAAAMAAAAEAAAAAAAAAAAAAAAAAAAAAAAAAAeAAAAaAAAAAAAAAAAAAAAAAAAAAAAAAAAAAAAECcAABAnAAAAAAAAAAAAAAAAAAAAAAAAAAAAAAAAAAAAAAAAAAAAABQAAAAAAAAAwMD/AAAAAABkAAAAMgAAAAAAAABkAAAAAAAAAH9/fwAKAAAAHwAAAFQAAAC74OMF////AQAAAAAAAAAAAAAAAAAAAAAAAAAAAAAAAAAAAAAAAAAAAAAAAn9/fwCAgIADzMzMAMDA/wB/f38AAAAAAAAAAAAAAAAAAAAAAAAAAAAhAAAAGAAAABQAAABjCAAAnQwAAMMvAAD2JQAAEAAAACYAAAAIAAAAAQAAAAAAAAA="/>
               </a:ext>
             </a:extLst>
           </p:cNvSpPr>
@@ -9245,7 +9245,7 @@
             <a:spLocks noGrp="1" noChangeArrowheads="1"/>
             <a:extLst>
               <a:ext uri="smNativeData">
-                <pr:smNativeData xmlns:pr="smNativeData" val="SMDATA_13_VnXdZRMAAAAlAAAAZAAAAA8BAAAAkAAAAEgAAACQAAAASAAAAAAAAAAAAAAAAAAAAAEAAABQAAAAAAAAAAAA4D8AAAAAAADgPwAAAAAAAOA/AAAAAAAA4D8AAAAAAADgPwAAAAAAAOA/AAAAAAAA4D8AAAAAAADgPwAAAAAAAOA/AAAAAAAA4D8CAAAAjAAAAAAAAAAAAAAAu+DjDP///wgAAAAAAAAAAAAAAAAAAAAAAAAAAAAAAAAAAAAAZAAAAAEAAABAAAAAAAAAAAAAAAAAAAAAAAAAAAAAAAAAAAAAAAAAAAAAAAAAAAAAAAAAAAAAAAAAAAAAAAAAAAAAAAAAAAAAAAAAAAAAAAAAAAAAAAAAAAAAAAAAAAAAFAAAADwAAAAAAAAAAAAAAAAAAAkUAAAAAQAAABQAAAAUAAAAFAAAAAEAAAAAAAAAZAAAAGQAAAAAAAAAZAAAAGQAAAAVAAAAYAAAAAAAAAAAAAAADwAAACADAAAAAAAAAAAAAAEAAACgMgAAVgcAAKr4//8BAAAAf39/AAEAAABkAAAAAAAAABQAAABAHwAAAAAAACYAAAAAAAAAwOD//wAAAAAmAAAAZAAAABYAAABMAAAAAAAAAAAAAAAEAAAAAAAAAAEAAACAgIAKAAAAACgAAAAoAAAAZAAAAGQAAAAAAAAAzMzMAAAAAABQAAAAUAAAAGQAAABkAAAAAAAAABcAAAAUAAAAAAAAAAAAAAD/fwAA/38AAAAAAAAJAAAABAAAAMcAAAAMAAAAEAAAAAAAAAAAAAAAAAAAAAAAAAAeAAAAaAAAAAAAAAAAAAAAAAAAAAAAAAAAAAAAECcAABAnAAAAAAAAAAAAAAAAAAAAAAAAAAAAAAAAAAAAAAAAAAAAABQAAAAAAAAAwMD/AAAAAABkAAAAMgAAAAAAAABkAAAAAAAAAH9/fwAKAAAAHwAAAFQAAAC74OMF////AQAAAAAAAAAAAAAAAAAAAAAAAAAAAAAAAAAAAAAAAAAAAAAAAn9/fwCAgIADzMzMAMDA/wB/f38AAAAAAAAAAAAAAAAAAAAAAAAAAAAhAAAAGAAAABQAAABjCAAAFwMAAMMvAAD2JQAAAAAAACYAAAAIAAAAAQAAAAAAAAA="/>
+                <pr:smNativeData xmlns:pr="smNativeData" val="SMDATA_13_QBrgZRMAAAAlAAAAZAAAAA8BAAAAkAAAAEgAAACQAAAASAAAAAAAAAAAAAAAAAAAAAEAAABQAAAAAAAAAAAA4D8AAAAAAADgPwAAAAAAAOA/AAAAAAAA4D8AAAAAAADgPwAAAAAAAOA/AAAAAAAA4D8AAAAAAADgPwAAAAAAAOA/AAAAAAAA4D8CAAAAjAAAAAAAAAAAAAAAu+DjDP///wgAAAAAAAAAAAAAAAAAAAAAAAAAAAAAAAAAAAAAZAAAAAEAAABAAAAAAAAAAAAAAAAAAAAAAAAAAAAAAAAAAAAAAAAAAAAAAAAAAAAAAAAAAAAAAAAAAAAAAAAAAAAAAAAAAAAAAAAAAAAAAAAAAAAAAAAAAAAAAAAAAAAAFAAAADwAAAAAAAAAAAAAAAAAAAkUAAAAAQAAABQAAAAUAAAAFAAAAAEAAAAAAAAAZAAAAGQAAAAAAAAAZAAAAGQAAAAVAAAAYAAAAAAAAAAAAAAADwAAACADAAAAAAAAAAAAAAEAAACgMgAAVgcAAKr4//8BAAAAf39/AAEAAABkAAAAAAAAABQAAABAHwAAAAAAACYAAAAAAAAAwOD//wAAAAAmAAAAZAAAABYAAABMAAAAAAAAAAAAAAAEAAAAAAAAAAEAAACAgIAKAAAAACgAAAAoAAAAZAAAAGQAAAAAAAAAzMzMAAAAAABQAAAAUAAAAGQAAABkAAAAAAAAABcAAAAUAAAAAAAAAAAAAAD/fwAA/38AAAAAAAAJAAAABAAAAMcAAAAMAAAAEAAAAAAAAAAAAAAAAAAAAAAAAAAeAAAAaAAAAAAAAAAAAAAAAAAAAAAAAAAAAAAAECcAABAnAAAAAAAAAAAAAAAAAAAAAAAAAAAAAAAAAAAAAAAAAAAAABQAAAAAAAAAwMD/AAAAAABkAAAAMgAAAAAAAABkAAAAAAAAAH9/fwAKAAAAHwAAAFQAAAC74OMF////AQAAAAAAAAAAAAAAAAAAAAAAAAAAAAAAAAAAAAAAAAAAAAAAAn9/fwCAgIADzMzMAMDA/wB/f38AAAAAAAAAAAAAAAAAAAAAAAAAAAAhAAAAGAAAABQAAABjCAAAFwMAAMMvAAD2JQAAAAAAACYAAAAIAAAAAQAAAAAAAAA="/>
               </a:ext>
             </a:extLst>
           </p:cNvSpPr>
@@ -9283,7 +9283,7 @@
               <a:buChar char=""/>
             </a:pPr>
             <a:r>
-              <a:t>Selling courses to the public is lucrative</a:t>
+              <a:t>Selling courses to the public is lucrative.</a:t>
             </a:r>
           </a:p>
           <a:p>
@@ -9700,7 +9700,7 @@
     </p:bldLst>
     <p:extLst>
       <p:ext uri="smNativeData">
-        <pr:smNativeData xmlns:pr="smNativeData" val="VnXdZQcAAAAFAAAAAAAAAAEAAAABAAAAAAAAAAAAAAAAAAAAAAAAAAkAAAABAAAAAQAAAAEAAAAAAAAAAAAAAAAAAAAAAAAADQAAAAIAAAABAAAAAQAAAAAAAAAAAAAAAAAAAAAAAAARAAAAAwAAAAEAAAABAAAAAAAAAAAAAAAAAAAAAAAAABUAAAAEAAAAAQAAAAEAAAAAAAAAAAAAAAAAAAAAAAAAGQAAAAUAAAABAAAAAQAAAAAAAAAAAAAAAAAAAAAAAAAdAAAABgAAAAEAAAABAAAAAAAAAAAAAAAAAAAAAAAAAA=="/>
+        <pr:smNativeData xmlns:pr="smNativeData" val="QBrgZQcAAAAFAAAAAAAAAAEAAAABAAAAAAAAAAAAAAAAAAAAAAAAAAkAAAABAAAAAQAAAAEAAAAAAAAAAAAAAAAAAAAAAAAADQAAAAIAAAABAAAAAQAAAAAAAAAAAAAAAAAAAAAAAAARAAAAAwAAAAEAAAABAAAAAAAAAAAAAAAAAAAAAAAAABUAAAAEAAAAAQAAAAEAAAAAAAAAAAAAAAAAAAAAAAAAGQAAAAUAAAABAAAAAQAAAAAAAAAAAAAAAAAAAAAAAAAdAAAABgAAAAEAAAABAAAAAAAAAAAAAAAAAAAAAAAAAA=="/>
       </p:ext>
     </p:extLst>
   </p:timing>
@@ -9731,7 +9731,7 @@
             <a:spLocks noGrp="1" noChangeArrowheads="1"/>
             <a:extLst>
               <a:ext uri="smNativeData">
-                <pr:smNativeData xmlns:pr="smNativeData" val="SMDATA_13_VnXdZRMAAAAlAAAAZAAAAA8BAAAAkAAAAEgAAACQAAAASAAAAAAAAAABAAAAAAAAAAEAAABQAAAAAAAAAAAA4D8AAAAAAADgPwAAAAAAAOA/AAAAAAAA4D8AAAAAAADgPwAAAAAAAOA/AAAAAAAA4D8AAAAAAADgPwAAAAAAAOA/AAAAAAAA4D8CAAAAjAAAAAAAAAAAAAAAu+DjDP///wgAAAAAAAAAAAAAAAAAAAAAAAAAAAAAAAAAAAAAZAAAAAEAAABAAAAAAAAAAAAAAAAAAAAAAAAAAAAAAAAAAAAAAAAAAAAAAAAAAAAAAAAAAAAAAAAAAAAAAAAAAAAAAAAAAAAAAAAAAAAAAAAAAAAAAAAAAAAAAAAAAAAAFAAAADwAAAAAAAAAAAAAAAAAAAkUAAAAAQAAABQAAAAUAAAAFAAAAAEAAAAAAAAAZAAAAGQAAAAAAAAAZAAAAGQAAAAVAAAAYAAAAAAAAAAAAAAADwAAACADAAAAAAAAAAAAAAEAAACgMgAAVgcAAKr4//8BAAAAf39/AAEAAABkAAAAAAAAABQAAABAHwAAAAAAACYAAAAAAAAAwOD//wAAAAAmAAAAZAAAABYAAABMAAAAAAAAAAAAAAAEAAAAAAAAAAEAAACAgIAKAAAAACgAAAAoAAAAZAAAAGQAAAAAAAAAzMzMAAAAAABQAAAAUAAAAGQAAABkAAAAAAAAABcAAAAUAAAAAAAAAAAAAAD/fwAA/38AAAAAAAAJAAAABAAAAAAAAAAMAAAAEAAAAAAAAAAAAAAAAAAAAAAAAAAeAAAAaAAAAAAAAAAAAAAAAAAAAAAAAAAAAAAAECcAABAnAAAAAAAAAAAAAAAAAAAAAAAAAAAAAAAAAAAAAAAAAAAAABQAAAAAAAAAwMD/AAAAAABkAAAAMgAAAAAAAABkAAAAAAAAAH9/fwAKAAAAHwAAAFQAAAC74OMF////AQAAAAAAAAAAAAAAAAAAAAAAAAAAAAAAAAAAAAAAAAAAAAAAAn9/fwCAgIADzMzMAMDA/wB/f38AAAAAAAAAAAAAAAAAAAAAAAAAAAAhAAAAGAAAABQAAAD5AwAANQIAAMkzAABBCwAAAAAAACYAAAAIAAAAAQAAAAAAAAA="/>
+                <pr:smNativeData xmlns:pr="smNativeData" val="SMDATA_13_QBrgZRMAAAAlAAAAZAAAAA8BAAAAkAAAAEgAAACQAAAASAAAAAAAAAABAAAAAAAAAAEAAABQAAAAAAAAAAAA4D8AAAAAAADgPwAAAAAAAOA/AAAAAAAA4D8AAAAAAADgPwAAAAAAAOA/AAAAAAAA4D8AAAAAAADgPwAAAAAAAOA/AAAAAAAA4D8CAAAAjAAAAAAAAAAAAAAAu+DjDP///wgAAAAAAAAAAAAAAAAAAAAAAAAAAAAAAAAAAAAAZAAAAAEAAABAAAAAAAAAAAAAAAAAAAAAAAAAAAAAAAAAAAAAAAAAAAAAAAAAAAAAAAAAAAAAAAAAAAAAAAAAAAAAAAAAAAAAAAAAAAAAAAAAAAAAAAAAAAAAAAAAAAAAFAAAADwAAAAAAAAAAAAAAAAAAAkUAAAAAQAAABQAAAAUAAAAFAAAAAEAAAAAAAAAZAAAAGQAAAAAAAAAZAAAAGQAAAAVAAAAYAAAAAAAAAAAAAAADwAAACADAAAAAAAAAAAAAAEAAACgMgAAVgcAAKr4//8BAAAAf39/AAEAAABkAAAAAAAAABQAAABAHwAAAAAAACYAAAAAAAAAwOD//wAAAAAmAAAAZAAAABYAAABMAAAAAAAAAAAAAAAEAAAAAAAAAAEAAACAgIAKAAAAACgAAAAoAAAAZAAAAGQAAAAAAAAAzMzMAAAAAABQAAAAUAAAAGQAAABkAAAAAAAAABcAAAAUAAAAAAAAAAAAAAD/fwAA/38AAAAAAAAJAAAABAAAAAAAAAAMAAAAEAAAAAAAAAAAAAAAAAAAAAAAAAAeAAAAaAAAAAAAAAAAAAAAAAAAAAAAAAAAAAAAECcAABAnAAAAAAAAAAAAAAAAAAAAAAAAAAAAAAAAAAAAAAAAAAAAABQAAAAAAAAAwMD/AAAAAABkAAAAMgAAAAAAAABkAAAAAAAAAH9/fwAKAAAAHwAAAFQAAAC74OMF////AQAAAAAAAAAAAAAAAAAAAAAAAAAAAAAAAAAAAAAAAAAAAAAAAn9/fwCAgIADzMzMAMDA/wB/f38AAAAAAAAAAAAAAAAAAAAAAAAAAAAhAAAAGAAAABQAAAD5AwAANQIAAMkzAABBCwAAEAAAACYAAAAIAAAAAQAAAAAAAAA="/>
               </a:ext>
             </a:extLst>
           </p:cNvSpPr>
@@ -9769,7 +9769,7 @@
             <a:spLocks noGrp="1" noChangeArrowheads="1"/>
             <a:extLst>
               <a:ext uri="smNativeData">
-                <pr:smNativeData xmlns:pr="smNativeData" val="SMDATA_13_VnXdZRMAAAAlAAAAZAAAAA8BAAAAkAAAAEgAAACQAAAASAAAAAAAAAAAAAAAAAAAAAEAAABQAAAAAAAAAAAA4D8AAAAAAADgPwAAAAAAAOA/AAAAAAAA4D8AAAAAAADgPwAAAAAAAOA/AAAAAAAA4D8AAAAAAADgPwAAAAAAAOA/AAAAAAAA4D8CAAAAjAAAAAAAAAAAAAAAu+DjDP///wgAAAAAAAAAAAAAAAAAAAAAAAAAAAAAAAAAAAAAZAAAAAEAAABAAAAAAAAAAAAAAAAAAAAAAAAAAAAAAAAAAAAAAAAAAAAAAAAAAAAAAAAAAAAAAAAAAAAAAAAAAAAAAAAAAAAAAAAAAAAAAAAAAAAAAAAAAAAAAAAAAAAAFAAAADwAAAAAAAAAAAAAAAAAAAkUAAAAAQAAABQAAAAUAAAAFAAAAAEAAAAAAAAAZAAAAGQAAAAAAAAAZAAAAGQAAAAVAAAAYAAAAAAAAAAAAAAADwAAACADAAAAAAAAAAAAAAEAAACgMgAAVgcAAKr4//8BAAAAf39/AAEAAABkAAAAAAAAABQAAABAHwAAAAAAACYAAAAAAAAAwOD//wAAAAAmAAAAZAAAABYAAABMAAAAAAAAAAAAAAAEAAAAAAAAAAEAAACAgIAKAAAAACgAAAAoAAAAZAAAAGQAAAAAAAAAzMzMAAAAAABQAAAAUAAAAGQAAABkAAAAAAAAABcAAAAUAAAAAAAAAAAAAAD/fwAA/38AAAAAAAAJAAAABAAAAAAAAAAMAAAAEAAAAAAAAAAAAAAAAAAAAAAAAAAeAAAAaAAAAAAAAAAAAAAAAAAAAAAAAAAAAAAAECcAABAnAAAAAAAAAAAAAAAAAAAAAAAAAAAAAAAAAAAAAAAAAAAAABQAAAAAAAAAwMD/AAAAAABkAAAAMgAAAAAAAABkAAAAAAAAAH9/fwAKAAAAHwAAAFQAAAC74OMF////AQAAAAAAAAAAAAAAAAAAAAAAAAAAAAAAAAAAAAAAAAAAAAAAAn9/fwCAgIADzMzMAMDA/wB/f38AAAAAAAAAAAAAAAAAAAAAAAAAAAAhAAAAGAAAABQAAABjCAAAnQwAAMMvAAD2JQAAAAAAACYAAAAIAAAAAQAAAAAAAAA="/>
+                <pr:smNativeData xmlns:pr="smNativeData" val="SMDATA_13_QBrgZRMAAAAlAAAAZAAAAA8BAAAAkAAAAEgAAACQAAAASAAAAAAAAAAAAAAAAAAAAAEAAABQAAAAAAAAAAAA4D8AAAAAAADgPwAAAAAAAOA/AAAAAAAA4D8AAAAAAADgPwAAAAAAAOA/AAAAAAAA4D8AAAAAAADgPwAAAAAAAOA/AAAAAAAA4D8CAAAAjAAAAAAAAAAAAAAAu+DjDP///wgAAAAAAAAAAAAAAAAAAAAAAAAAAAAAAAAAAAAAZAAAAAEAAABAAAAAAAAAAAAAAAAAAAAAAAAAAAAAAAAAAAAAAAAAAAAAAAAAAAAAAAAAAAAAAAAAAAAAAAAAAAAAAAAAAAAAAAAAAAAAAAAAAAAAAAAAAAAAAAAAAAAAFAAAADwAAAAAAAAAAAAAAAAAAAkUAAAAAQAAABQAAAAUAAAAFAAAAAEAAAAAAAAAZAAAAGQAAAAAAAAAZAAAAGQAAAAVAAAAYAAAAAAAAAAAAAAADwAAACADAAAAAAAAAAAAAAEAAACgMgAAVgcAAKr4//8BAAAAf39/AAEAAABkAAAAAAAAABQAAABAHwAAAAAAACYAAAAAAAAAwOD//wAAAAAmAAAAZAAAABYAAABMAAAAAAAAAAAAAAAEAAAAAAAAAAEAAACAgIAKAAAAACgAAAAoAAAAZAAAAGQAAAAAAAAAzMzMAAAAAABQAAAAUAAAAGQAAABkAAAAAAAAABcAAAAUAAAAAAAAAAAAAAD/fwAA/38AAAAAAAAJAAAABAAAAAAAAAAMAAAAEAAAAAAAAAAAAAAAAAAAAAAAAAAeAAAAaAAAAAAAAAAAAAAAAAAAAAAAAAAAAAAAECcAABAnAAAAAAAAAAAAAAAAAAAAAAAAAAAAAAAAAAAAAAAAAAAAABQAAAAAAAAAwMD/AAAAAABkAAAAMgAAAAAAAABkAAAAAAAAAH9/fwAKAAAAHwAAAFQAAAC74OMF////AQAAAAAAAAAAAAAAAAAAAAAAAAAAAAAAAAAAAAAAAAAAAAAAAn9/fwCAgIADzMzMAMDA/wB/f38AAAAAAAAAAAAAAAAAAAAAAAAAAAAhAAAAGAAAABQAAABjCAAAnQwAAMMvAAD2JQAAEAAAACYAAAAIAAAAAQAAAAAAAAA="/>
               </a:ext>
             </a:extLst>
           </p:cNvSpPr>
@@ -10804,6 +10804,47 @@
       </a:clrScheme>
       <a:clrMap bg1="lt1" tx1="dk1" bg2="lt2" tx2="dk2" accent1="accent1" accent2="accent2" accent3="accent3" accent4="accent4" accent5="accent5" accent6="accent6" hlink="hlink" folHlink="folHlink"/>
     </a:extraClrScheme>
+    <a:extraClrScheme>
+      <a:clrScheme name="Presentation 18">
+        <a:dk1>
+          <a:srgbClr val="000000"/>
+        </a:dk1>
+        <a:lt1>
+          <a:srgbClr val="FFFFFF"/>
+        </a:lt1>
+        <a:dk2>
+          <a:srgbClr val="000000"/>
+        </a:dk2>
+        <a:lt2>
+          <a:srgbClr val="808080"/>
+        </a:lt2>
+        <a:accent1>
+          <a:srgbClr val="BBE0E3"/>
+        </a:accent1>
+        <a:accent2>
+          <a:srgbClr val="333399"/>
+        </a:accent2>
+        <a:accent3>
+          <a:srgbClr val="535379"/>
+        </a:accent3>
+        <a:accent4>
+          <a:srgbClr val="737359"/>
+        </a:accent4>
+        <a:accent5>
+          <a:srgbClr val="939339"/>
+        </a:accent5>
+        <a:accent6>
+          <a:srgbClr val="B3B319"/>
+        </a:accent6>
+        <a:hlink>
+          <a:srgbClr val="009999"/>
+        </a:hlink>
+        <a:folHlink>
+          <a:srgbClr val="99CC00"/>
+        </a:folHlink>
+      </a:clrScheme>
+      <a:clrMap bg1="lt1" tx1="dk1" bg2="lt2" tx2="dk2" accent1="accent1" accent2="accent2" accent3="accent3" accent4="accent4" accent5="accent5" accent6="accent6" hlink="hlink" folHlink="folHlink"/>
+    </a:extraClrScheme>
   </a:extraClrSchemeLst>
 </a:theme>
 </file>